--- a/COVID-19 Economic Impact.pptx
+++ b/COVID-19 Economic Impact.pptx
@@ -18,6 +18,7 @@
     <p:sldId id="267" r:id="rId12"/>
     <p:sldId id="271" r:id="rId13"/>
     <p:sldId id="272" r:id="rId14"/>
+    <p:sldId id="273" r:id="rId15"/>
   </p:sldIdLst>
   <p:sldSz cx="12192000" cy="6858000"/>
   <p:notesSz cx="6858000" cy="9144000"/>
@@ -116,6 +117,11 @@
       </a:defRPr>
     </a:lvl9pPr>
   </p:defaultTextStyle>
+  <p:extLst>
+    <p:ext uri="{EFAFB233-063F-42B5-8137-9DF3F51BA10A}">
+      <p15:sldGuideLst xmlns:p15="http://schemas.microsoft.com/office/powerpoint/2012/main"/>
+    </p:ext>
+  </p:extLst>
 </p:presentation>
 </file>
 
@@ -4658,6 +4664,108 @@
 </p:sld>
 </file>
 
+<file path=ppt/slides/slide14.xml><?xml version="1.0" encoding="utf-8"?>
+<p:sld xmlns:a="http://schemas.openxmlformats.org/drawingml/2006/main" xmlns:r="http://schemas.openxmlformats.org/officeDocument/2006/relationships" xmlns:p="http://schemas.openxmlformats.org/presentationml/2006/main">
+  <p:cSld>
+    <p:spTree>
+      <p:nvGrpSpPr>
+        <p:cNvPr id="1" name=""/>
+        <p:cNvGrpSpPr/>
+        <p:nvPr/>
+      </p:nvGrpSpPr>
+      <p:grpSpPr>
+        <a:xfrm>
+          <a:off x="0" y="0"/>
+          <a:ext cx="0" cy="0"/>
+          <a:chOff x="0" y="0"/>
+          <a:chExt cx="0" cy="0"/>
+        </a:xfrm>
+      </p:grpSpPr>
+      <p:sp>
+        <p:nvSpPr>
+          <p:cNvPr id="2" name="Title 1">
+            <a:extLst>
+              <a:ext uri="{FF2B5EF4-FFF2-40B4-BE49-F238E27FC236}">
+                <a16:creationId xmlns:a16="http://schemas.microsoft.com/office/drawing/2014/main" id="{D796A26E-838F-9B40-B4E5-CC4683CBE752}"/>
+              </a:ext>
+            </a:extLst>
+          </p:cNvPr>
+          <p:cNvSpPr>
+            <a:spLocks noGrp="1"/>
+          </p:cNvSpPr>
+          <p:nvPr>
+            <p:ph type="title"/>
+          </p:nvPr>
+        </p:nvSpPr>
+        <p:spPr/>
+        <p:txBody>
+          <a:bodyPr/>
+          <a:lstStyle/>
+          <a:p>
+            <a:r>
+              <a:rPr lang="en-US" dirty="0"/>
+              <a:t>Download Presentation</a:t>
+            </a:r>
+          </a:p>
+        </p:txBody>
+      </p:sp>
+      <p:sp>
+        <p:nvSpPr>
+          <p:cNvPr id="3" name="Content Placeholder 2">
+            <a:extLst>
+              <a:ext uri="{FF2B5EF4-FFF2-40B4-BE49-F238E27FC236}">
+                <a16:creationId xmlns:a16="http://schemas.microsoft.com/office/drawing/2014/main" id="{117850B0-BF44-D44E-8644-8790A5691595}"/>
+              </a:ext>
+            </a:extLst>
+          </p:cNvPr>
+          <p:cNvSpPr>
+            <a:spLocks noGrp="1"/>
+          </p:cNvSpPr>
+          <p:nvPr>
+            <p:ph idx="1"/>
+          </p:nvPr>
+        </p:nvSpPr>
+        <p:spPr/>
+        <p:txBody>
+          <a:bodyPr/>
+          <a:lstStyle/>
+          <a:p>
+            <a:r>
+              <a:rPr lang="en-US" dirty="0"/>
+              <a:t>Presentation available at: https://</a:t>
+            </a:r>
+            <a:r>
+              <a:rPr lang="en-US" dirty="0" err="1"/>
+              <a:t>github.com</a:t>
+            </a:r>
+            <a:r>
+              <a:rPr lang="en-US" dirty="0"/>
+              <a:t>/</a:t>
+            </a:r>
+            <a:r>
+              <a:rPr lang="en-US" dirty="0" err="1"/>
+              <a:t>xolaniss</a:t>
+            </a:r>
+            <a:r>
+              <a:rPr lang="en-US" dirty="0"/>
+              <a:t>/COVID_19</a:t>
+            </a:r>
+          </a:p>
+        </p:txBody>
+      </p:sp>
+    </p:spTree>
+    <p:extLst>
+      <p:ext uri="{BB962C8B-B14F-4D97-AF65-F5344CB8AC3E}">
+        <p14:creationId xmlns:p14="http://schemas.microsoft.com/office/powerpoint/2010/main" val="994770259"/>
+      </p:ext>
+    </p:extLst>
+  </p:cSld>
+  <p:clrMapOvr>
+    <a:masterClrMapping/>
+  </p:clrMapOvr>
+</p:sld>
+</file>
+
 <file path=ppt/slides/slide2.xml><?xml version="1.0" encoding="utf-8"?>
 <p:sld xmlns:a="http://schemas.openxmlformats.org/drawingml/2006/main" xmlns:r="http://schemas.openxmlformats.org/officeDocument/2006/relationships" xmlns:p="http://schemas.openxmlformats.org/presentationml/2006/main">
   <p:cSld>

--- a/COVID-19 Economic Impact.pptx
+++ b/COVID-19 Economic Impact.pptx
@@ -2,23 +2,25 @@
 <file path=ppt/presentation.xml><?xml version="1.0" encoding="utf-8"?>
 <p:presentation xmlns:a="http://schemas.openxmlformats.org/drawingml/2006/main" xmlns:r="http://schemas.openxmlformats.org/officeDocument/2006/relationships" xmlns:p="http://schemas.openxmlformats.org/presentationml/2006/main" saveSubsetFonts="1" autoCompressPictures="0">
   <p:sldMasterIdLst>
-    <p:sldMasterId id="2147483648" r:id="rId1"/>
+    <p:sldMasterId id="2147483660" r:id="rId1"/>
   </p:sldMasterIdLst>
+  <p:notesMasterIdLst>
+    <p:notesMasterId r:id="rId15"/>
+  </p:notesMasterIdLst>
   <p:sldIdLst>
-    <p:sldId id="256" r:id="rId2"/>
-    <p:sldId id="260" r:id="rId3"/>
-    <p:sldId id="261" r:id="rId4"/>
-    <p:sldId id="262" r:id="rId5"/>
-    <p:sldId id="263" r:id="rId6"/>
-    <p:sldId id="265" r:id="rId7"/>
-    <p:sldId id="266" r:id="rId8"/>
-    <p:sldId id="268" r:id="rId9"/>
-    <p:sldId id="269" r:id="rId10"/>
-    <p:sldId id="270" r:id="rId11"/>
-    <p:sldId id="267" r:id="rId12"/>
-    <p:sldId id="271" r:id="rId13"/>
-    <p:sldId id="272" r:id="rId14"/>
-    <p:sldId id="273" r:id="rId15"/>
+    <p:sldId id="274" r:id="rId2"/>
+    <p:sldId id="275" r:id="rId3"/>
+    <p:sldId id="276" r:id="rId4"/>
+    <p:sldId id="277" r:id="rId5"/>
+    <p:sldId id="278" r:id="rId6"/>
+    <p:sldId id="279" r:id="rId7"/>
+    <p:sldId id="280" r:id="rId8"/>
+    <p:sldId id="281" r:id="rId9"/>
+    <p:sldId id="282" r:id="rId10"/>
+    <p:sldId id="283" r:id="rId11"/>
+    <p:sldId id="284" r:id="rId12"/>
+    <p:sldId id="285" r:id="rId13"/>
+    <p:sldId id="287" r:id="rId14"/>
   </p:sldIdLst>
   <p:sldSz cx="12192000" cy="6858000"/>
   <p:notesSz cx="6858000" cy="9144000"/>
@@ -125,9 +127,14 @@
 </p:presentation>
 </file>
 
-<file path=ppt/slideLayouts/slideLayout1.xml><?xml version="1.0" encoding="utf-8"?>
-<p:sldLayout xmlns:a="http://schemas.openxmlformats.org/drawingml/2006/main" xmlns:r="http://schemas.openxmlformats.org/officeDocument/2006/relationships" xmlns:p="http://schemas.openxmlformats.org/presentationml/2006/main" type="title" preserve="1">
-  <p:cSld name="Title Slide">
+<file path=ppt/notesMasters/notesMaster1.xml><?xml version="1.0" encoding="utf-8"?>
+<p:notesMaster xmlns:a="http://schemas.openxmlformats.org/drawingml/2006/main" xmlns:r="http://schemas.openxmlformats.org/officeDocument/2006/relationships" xmlns:p="http://schemas.openxmlformats.org/presentationml/2006/main">
+  <p:cSld>
+    <p:bg>
+      <p:bgRef idx="1001">
+        <a:schemeClr val="bg1"/>
+      </p:bgRef>
+    </p:bg>
     <p:spTree>
       <p:nvGrpSpPr>
         <p:cNvPr id="1" name=""/>
@@ -144,13 +151,450 @@
       </p:grpSpPr>
       <p:sp>
         <p:nvSpPr>
-          <p:cNvPr id="2" name="Title 1">
-            <a:extLst>
-              <a:ext uri="{FF2B5EF4-FFF2-40B4-BE49-F238E27FC236}">
-                <a16:creationId xmlns:a16="http://schemas.microsoft.com/office/drawing/2014/main" id="{5E49C43E-C2ED-A64D-A9A0-92A8A0DAAE6B}"/>
-              </a:ext>
-            </a:extLst>
-          </p:cNvPr>
+          <p:cNvPr id="2" name="Header Placeholder 1"/>
+          <p:cNvSpPr>
+            <a:spLocks noGrp="1"/>
+          </p:cNvSpPr>
+          <p:nvPr>
+            <p:ph type="hdr" sz="quarter"/>
+          </p:nvPr>
+        </p:nvSpPr>
+        <p:spPr>
+          <a:xfrm>
+            <a:off x="0" y="0"/>
+            <a:ext cx="2971800" cy="458788"/>
+          </a:xfrm>
+          <a:prstGeom prst="rect">
+            <a:avLst/>
+          </a:prstGeom>
+        </p:spPr>
+        <p:txBody>
+          <a:bodyPr vert="horz" lIns="91440" tIns="45720" rIns="91440" bIns="45720" rtlCol="0"/>
+          <a:lstStyle>
+            <a:lvl1pPr algn="l">
+              <a:defRPr sz="1200"/>
+            </a:lvl1pPr>
+          </a:lstStyle>
+          <a:p>
+            <a:endParaRPr lang="en-US"/>
+          </a:p>
+        </p:txBody>
+      </p:sp>
+      <p:sp>
+        <p:nvSpPr>
+          <p:cNvPr id="3" name="Date Placeholder 2"/>
+          <p:cNvSpPr>
+            <a:spLocks noGrp="1"/>
+          </p:cNvSpPr>
+          <p:nvPr>
+            <p:ph type="dt" idx="1"/>
+          </p:nvPr>
+        </p:nvSpPr>
+        <p:spPr>
+          <a:xfrm>
+            <a:off x="3884613" y="0"/>
+            <a:ext cx="2971800" cy="458788"/>
+          </a:xfrm>
+          <a:prstGeom prst="rect">
+            <a:avLst/>
+          </a:prstGeom>
+        </p:spPr>
+        <p:txBody>
+          <a:bodyPr vert="horz" lIns="91440" tIns="45720" rIns="91440" bIns="45720" rtlCol="0"/>
+          <a:lstStyle>
+            <a:lvl1pPr algn="r">
+              <a:defRPr sz="1200"/>
+            </a:lvl1pPr>
+          </a:lstStyle>
+          <a:p>
+            <a:fld id="{75DC5F8A-AAE8-CB4F-A04C-7DFB22AFC408}" type="datetimeFigureOut">
+              <a:rPr lang="en-US" smtClean="0"/>
+              <a:t>3/20/20</a:t>
+            </a:fld>
+            <a:endParaRPr lang="en-US"/>
+          </a:p>
+        </p:txBody>
+      </p:sp>
+      <p:sp>
+        <p:nvSpPr>
+          <p:cNvPr id="4" name="Slide Image Placeholder 3"/>
+          <p:cNvSpPr>
+            <a:spLocks noGrp="1" noRot="1" noChangeAspect="1"/>
+          </p:cNvSpPr>
+          <p:nvPr>
+            <p:ph type="sldImg" idx="2"/>
+          </p:nvPr>
+        </p:nvSpPr>
+        <p:spPr>
+          <a:xfrm>
+            <a:off x="685800" y="1143000"/>
+            <a:ext cx="5486400" cy="3086100"/>
+          </a:xfrm>
+          <a:prstGeom prst="rect">
+            <a:avLst/>
+          </a:prstGeom>
+          <a:noFill/>
+          <a:ln w="12700">
+            <a:solidFill>
+              <a:prstClr val="black"/>
+            </a:solidFill>
+          </a:ln>
+        </p:spPr>
+        <p:txBody>
+          <a:bodyPr vert="horz" lIns="91440" tIns="45720" rIns="91440" bIns="45720" rtlCol="0" anchor="ctr"/>
+          <a:lstStyle/>
+          <a:p>
+            <a:endParaRPr lang="en-US"/>
+          </a:p>
+        </p:txBody>
+      </p:sp>
+      <p:sp>
+        <p:nvSpPr>
+          <p:cNvPr id="5" name="Notes Placeholder 4"/>
+          <p:cNvSpPr>
+            <a:spLocks noGrp="1"/>
+          </p:cNvSpPr>
+          <p:nvPr>
+            <p:ph type="body" sz="quarter" idx="3"/>
+          </p:nvPr>
+        </p:nvSpPr>
+        <p:spPr>
+          <a:xfrm>
+            <a:off x="685800" y="4400550"/>
+            <a:ext cx="5486400" cy="3600450"/>
+          </a:xfrm>
+          <a:prstGeom prst="rect">
+            <a:avLst/>
+          </a:prstGeom>
+        </p:spPr>
+        <p:txBody>
+          <a:bodyPr vert="horz" lIns="91440" tIns="45720" rIns="91440" bIns="45720" rtlCol="0"/>
+          <a:lstStyle/>
+          <a:p>
+            <a:pPr lvl="0"/>
+            <a:r>
+              <a:rPr lang="en-GB"/>
+              <a:t>Click to edit Master text styles</a:t>
+            </a:r>
+          </a:p>
+          <a:p>
+            <a:pPr lvl="1"/>
+            <a:r>
+              <a:rPr lang="en-GB"/>
+              <a:t>Second level</a:t>
+            </a:r>
+          </a:p>
+          <a:p>
+            <a:pPr lvl="2"/>
+            <a:r>
+              <a:rPr lang="en-GB"/>
+              <a:t>Third level</a:t>
+            </a:r>
+          </a:p>
+          <a:p>
+            <a:pPr lvl="3"/>
+            <a:r>
+              <a:rPr lang="en-GB"/>
+              <a:t>Fourth level</a:t>
+            </a:r>
+          </a:p>
+          <a:p>
+            <a:pPr lvl="4"/>
+            <a:r>
+              <a:rPr lang="en-GB"/>
+              <a:t>Fifth level</a:t>
+            </a:r>
+            <a:endParaRPr lang="en-US"/>
+          </a:p>
+        </p:txBody>
+      </p:sp>
+      <p:sp>
+        <p:nvSpPr>
+          <p:cNvPr id="6" name="Footer Placeholder 5"/>
+          <p:cNvSpPr>
+            <a:spLocks noGrp="1"/>
+          </p:cNvSpPr>
+          <p:nvPr>
+            <p:ph type="ftr" sz="quarter" idx="4"/>
+          </p:nvPr>
+        </p:nvSpPr>
+        <p:spPr>
+          <a:xfrm>
+            <a:off x="0" y="8685213"/>
+            <a:ext cx="2971800" cy="458787"/>
+          </a:xfrm>
+          <a:prstGeom prst="rect">
+            <a:avLst/>
+          </a:prstGeom>
+        </p:spPr>
+        <p:txBody>
+          <a:bodyPr vert="horz" lIns="91440" tIns="45720" rIns="91440" bIns="45720" rtlCol="0" anchor="b"/>
+          <a:lstStyle>
+            <a:lvl1pPr algn="l">
+              <a:defRPr sz="1200"/>
+            </a:lvl1pPr>
+          </a:lstStyle>
+          <a:p>
+            <a:endParaRPr lang="en-US"/>
+          </a:p>
+        </p:txBody>
+      </p:sp>
+      <p:sp>
+        <p:nvSpPr>
+          <p:cNvPr id="7" name="Slide Number Placeholder 6"/>
+          <p:cNvSpPr>
+            <a:spLocks noGrp="1"/>
+          </p:cNvSpPr>
+          <p:nvPr>
+            <p:ph type="sldNum" sz="quarter" idx="5"/>
+          </p:nvPr>
+        </p:nvSpPr>
+        <p:spPr>
+          <a:xfrm>
+            <a:off x="3884613" y="8685213"/>
+            <a:ext cx="2971800" cy="458787"/>
+          </a:xfrm>
+          <a:prstGeom prst="rect">
+            <a:avLst/>
+          </a:prstGeom>
+        </p:spPr>
+        <p:txBody>
+          <a:bodyPr vert="horz" lIns="91440" tIns="45720" rIns="91440" bIns="45720" rtlCol="0" anchor="b"/>
+          <a:lstStyle>
+            <a:lvl1pPr algn="r">
+              <a:defRPr sz="1200"/>
+            </a:lvl1pPr>
+          </a:lstStyle>
+          <a:p>
+            <a:fld id="{1D10C9FA-1158-994B-BA74-A698DC5AC092}" type="slidenum">
+              <a:rPr lang="en-US" smtClean="0"/>
+              <a:t>‹#›</a:t>
+            </a:fld>
+            <a:endParaRPr lang="en-US"/>
+          </a:p>
+        </p:txBody>
+      </p:sp>
+    </p:spTree>
+    <p:extLst>
+      <p:ext uri="{BB962C8B-B14F-4D97-AF65-F5344CB8AC3E}">
+        <p14:creationId xmlns:p14="http://schemas.microsoft.com/office/powerpoint/2010/main" val="1416486392"/>
+      </p:ext>
+    </p:extLst>
+  </p:cSld>
+  <p:clrMap bg1="lt1" tx1="dk1" bg2="lt2" tx2="dk2" accent1="accent1" accent2="accent2" accent3="accent3" accent4="accent4" accent5="accent5" accent6="accent6" hlink="hlink" folHlink="folHlink"/>
+  <p:notesStyle>
+    <a:lvl1pPr marL="0" algn="l" defTabSz="914400" rtl="0" eaLnBrk="1" latinLnBrk="0" hangingPunct="1">
+      <a:defRPr sz="1200" kern="1200">
+        <a:solidFill>
+          <a:schemeClr val="tx1"/>
+        </a:solidFill>
+        <a:latin typeface="+mn-lt"/>
+        <a:ea typeface="+mn-ea"/>
+        <a:cs typeface="+mn-cs"/>
+      </a:defRPr>
+    </a:lvl1pPr>
+    <a:lvl2pPr marL="457200" algn="l" defTabSz="914400" rtl="0" eaLnBrk="1" latinLnBrk="0" hangingPunct="1">
+      <a:defRPr sz="1200" kern="1200">
+        <a:solidFill>
+          <a:schemeClr val="tx1"/>
+        </a:solidFill>
+        <a:latin typeface="+mn-lt"/>
+        <a:ea typeface="+mn-ea"/>
+        <a:cs typeface="+mn-cs"/>
+      </a:defRPr>
+    </a:lvl2pPr>
+    <a:lvl3pPr marL="914400" algn="l" defTabSz="914400" rtl="0" eaLnBrk="1" latinLnBrk="0" hangingPunct="1">
+      <a:defRPr sz="1200" kern="1200">
+        <a:solidFill>
+          <a:schemeClr val="tx1"/>
+        </a:solidFill>
+        <a:latin typeface="+mn-lt"/>
+        <a:ea typeface="+mn-ea"/>
+        <a:cs typeface="+mn-cs"/>
+      </a:defRPr>
+    </a:lvl3pPr>
+    <a:lvl4pPr marL="1371600" algn="l" defTabSz="914400" rtl="0" eaLnBrk="1" latinLnBrk="0" hangingPunct="1">
+      <a:defRPr sz="1200" kern="1200">
+        <a:solidFill>
+          <a:schemeClr val="tx1"/>
+        </a:solidFill>
+        <a:latin typeface="+mn-lt"/>
+        <a:ea typeface="+mn-ea"/>
+        <a:cs typeface="+mn-cs"/>
+      </a:defRPr>
+    </a:lvl4pPr>
+    <a:lvl5pPr marL="1828800" algn="l" defTabSz="914400" rtl="0" eaLnBrk="1" latinLnBrk="0" hangingPunct="1">
+      <a:defRPr sz="1200" kern="1200">
+        <a:solidFill>
+          <a:schemeClr val="tx1"/>
+        </a:solidFill>
+        <a:latin typeface="+mn-lt"/>
+        <a:ea typeface="+mn-ea"/>
+        <a:cs typeface="+mn-cs"/>
+      </a:defRPr>
+    </a:lvl5pPr>
+    <a:lvl6pPr marL="2286000" algn="l" defTabSz="914400" rtl="0" eaLnBrk="1" latinLnBrk="0" hangingPunct="1">
+      <a:defRPr sz="1200" kern="1200">
+        <a:solidFill>
+          <a:schemeClr val="tx1"/>
+        </a:solidFill>
+        <a:latin typeface="+mn-lt"/>
+        <a:ea typeface="+mn-ea"/>
+        <a:cs typeface="+mn-cs"/>
+      </a:defRPr>
+    </a:lvl6pPr>
+    <a:lvl7pPr marL="2743200" algn="l" defTabSz="914400" rtl="0" eaLnBrk="1" latinLnBrk="0" hangingPunct="1">
+      <a:defRPr sz="1200" kern="1200">
+        <a:solidFill>
+          <a:schemeClr val="tx1"/>
+        </a:solidFill>
+        <a:latin typeface="+mn-lt"/>
+        <a:ea typeface="+mn-ea"/>
+        <a:cs typeface="+mn-cs"/>
+      </a:defRPr>
+    </a:lvl7pPr>
+    <a:lvl8pPr marL="3200400" algn="l" defTabSz="914400" rtl="0" eaLnBrk="1" latinLnBrk="0" hangingPunct="1">
+      <a:defRPr sz="1200" kern="1200">
+        <a:solidFill>
+          <a:schemeClr val="tx1"/>
+        </a:solidFill>
+        <a:latin typeface="+mn-lt"/>
+        <a:ea typeface="+mn-ea"/>
+        <a:cs typeface="+mn-cs"/>
+      </a:defRPr>
+    </a:lvl8pPr>
+    <a:lvl9pPr marL="3657600" algn="l" defTabSz="914400" rtl="0" eaLnBrk="1" latinLnBrk="0" hangingPunct="1">
+      <a:defRPr sz="1200" kern="1200">
+        <a:solidFill>
+          <a:schemeClr val="tx1"/>
+        </a:solidFill>
+        <a:latin typeface="+mn-lt"/>
+        <a:ea typeface="+mn-ea"/>
+        <a:cs typeface="+mn-cs"/>
+      </a:defRPr>
+    </a:lvl9pPr>
+  </p:notesStyle>
+</p:notesMaster>
+</file>
+
+<file path=ppt/notesSlides/notesSlide1.xml><?xml version="1.0" encoding="utf-8"?>
+<p:notes xmlns:a="http://schemas.openxmlformats.org/drawingml/2006/main" xmlns:r="http://schemas.openxmlformats.org/officeDocument/2006/relationships" xmlns:p="http://schemas.openxmlformats.org/presentationml/2006/main">
+  <p:cSld>
+    <p:spTree>
+      <p:nvGrpSpPr>
+        <p:cNvPr id="1" name=""/>
+        <p:cNvGrpSpPr/>
+        <p:nvPr/>
+      </p:nvGrpSpPr>
+      <p:grpSpPr>
+        <a:xfrm>
+          <a:off x="0" y="0"/>
+          <a:ext cx="0" cy="0"/>
+          <a:chOff x="0" y="0"/>
+          <a:chExt cx="0" cy="0"/>
+        </a:xfrm>
+      </p:grpSpPr>
+      <p:sp>
+        <p:nvSpPr>
+          <p:cNvPr id="2" name="Slide Image Placeholder 1"/>
+          <p:cNvSpPr>
+            <a:spLocks noGrp="1" noRot="1" noChangeAspect="1"/>
+          </p:cNvSpPr>
+          <p:nvPr>
+            <p:ph type="sldImg"/>
+          </p:nvPr>
+        </p:nvSpPr>
+        <p:spPr/>
+      </p:sp>
+      <p:sp>
+        <p:nvSpPr>
+          <p:cNvPr id="3" name="Notes Placeholder 2"/>
+          <p:cNvSpPr>
+            <a:spLocks noGrp="1"/>
+          </p:cNvSpPr>
+          <p:nvPr>
+            <p:ph type="body" idx="1"/>
+          </p:nvPr>
+        </p:nvSpPr>
+        <p:spPr/>
+        <p:txBody>
+          <a:bodyPr/>
+          <a:lstStyle/>
+          <a:p>
+            <a:endParaRPr lang="en-US" dirty="0"/>
+          </a:p>
+        </p:txBody>
+      </p:sp>
+      <p:sp>
+        <p:nvSpPr>
+          <p:cNvPr id="4" name="Slide Number Placeholder 3"/>
+          <p:cNvSpPr>
+            <a:spLocks noGrp="1"/>
+          </p:cNvSpPr>
+          <p:nvPr>
+            <p:ph type="sldNum" sz="quarter" idx="5"/>
+          </p:nvPr>
+        </p:nvSpPr>
+        <p:spPr/>
+        <p:txBody>
+          <a:bodyPr/>
+          <a:lstStyle/>
+          <a:p>
+            <a:fld id="{1D10C9FA-1158-994B-BA74-A698DC5AC092}" type="slidenum">
+              <a:rPr lang="en-US" smtClean="0"/>
+              <a:t>5</a:t>
+            </a:fld>
+            <a:endParaRPr lang="en-US"/>
+          </a:p>
+        </p:txBody>
+      </p:sp>
+    </p:spTree>
+    <p:extLst>
+      <p:ext uri="{BB962C8B-B14F-4D97-AF65-F5344CB8AC3E}">
+        <p14:creationId xmlns:p14="http://schemas.microsoft.com/office/powerpoint/2010/main" val="11317657"/>
+      </p:ext>
+    </p:extLst>
+  </p:cSld>
+  <p:clrMapOvr>
+    <a:masterClrMapping/>
+  </p:clrMapOvr>
+</p:notes>
+</file>
+
+<file path=ppt/slideLayouts/slideLayout1.xml><?xml version="1.0" encoding="utf-8"?>
+<p:sldLayout xmlns:a="http://schemas.openxmlformats.org/drawingml/2006/main" xmlns:r="http://schemas.openxmlformats.org/officeDocument/2006/relationships" xmlns:p="http://schemas.openxmlformats.org/presentationml/2006/main" type="title" preserve="1">
+  <p:cSld name="Title Slide">
+    <p:bg>
+      <p:bgPr>
+        <a:blipFill dpi="0" rotWithShape="1">
+          <a:blip r:embed="rId2">
+            <a:lum/>
+          </a:blip>
+          <a:srcRect/>
+          <a:stretch>
+            <a:fillRect/>
+          </a:stretch>
+        </a:blipFill>
+        <a:effectLst/>
+      </p:bgPr>
+    </p:bg>
+    <p:spTree>
+      <p:nvGrpSpPr>
+        <p:cNvPr id="1" name=""/>
+        <p:cNvGrpSpPr/>
+        <p:nvPr/>
+      </p:nvGrpSpPr>
+      <p:grpSpPr>
+        <a:xfrm>
+          <a:off x="0" y="0"/>
+          <a:ext cx="0" cy="0"/>
+          <a:chOff x="0" y="0"/>
+          <a:chExt cx="0" cy="0"/>
+        </a:xfrm>
+      </p:grpSpPr>
+      <p:sp>
+        <p:nvSpPr>
+          <p:cNvPr id="2" name="Title 1"/>
           <p:cNvSpPr>
             <a:spLocks noGrp="1"/>
           </p:cNvSpPr>
@@ -160,35 +604,24 @@
         </p:nvSpPr>
         <p:spPr>
           <a:xfrm>
-            <a:off x="1524000" y="1122363"/>
-            <a:ext cx="9144000" cy="2387600"/>
+            <a:off x="914400" y="2130426"/>
+            <a:ext cx="10363200" cy="1470025"/>
           </a:xfrm>
         </p:spPr>
         <p:txBody>
-          <a:bodyPr anchor="b"/>
-          <a:lstStyle>
-            <a:lvl1pPr algn="ctr">
-              <a:defRPr sz="6000"/>
-            </a:lvl1pPr>
-          </a:lstStyle>
-          <a:p>
-            <a:r>
-              <a:rPr lang="en-GB"/>
+          <a:bodyPr/>
+          <a:lstStyle/>
+          <a:p>
+            <a:r>
+              <a:rPr lang="en-US"/>
               <a:t>Click to edit Master title style</a:t>
             </a:r>
-            <a:endParaRPr lang="en-US"/>
           </a:p>
         </p:txBody>
       </p:sp>
       <p:sp>
         <p:nvSpPr>
-          <p:cNvPr id="3" name="Subtitle 2">
-            <a:extLst>
-              <a:ext uri="{FF2B5EF4-FFF2-40B4-BE49-F238E27FC236}">
-                <a16:creationId xmlns:a16="http://schemas.microsoft.com/office/drawing/2014/main" id="{6C493E34-9D6C-EE4F-88E2-E462DDCE21E1}"/>
-              </a:ext>
-            </a:extLst>
-          </p:cNvPr>
+          <p:cNvPr id="3" name="Subtitle 2"/>
           <p:cNvSpPr>
             <a:spLocks noGrp="1"/>
           </p:cNvSpPr>
@@ -198,8 +631,8 @@
         </p:nvSpPr>
         <p:spPr>
           <a:xfrm>
-            <a:off x="1524000" y="3602038"/>
-            <a:ext cx="9144000" cy="1655762"/>
+            <a:off x="1828800" y="3886200"/>
+            <a:ext cx="8534400" cy="1752600"/>
           </a:xfrm>
         </p:spPr>
         <p:txBody>
@@ -207,59 +640,106 @@
           <a:lstStyle>
             <a:lvl1pPr marL="0" indent="0" algn="ctr">
               <a:buNone/>
-              <a:defRPr sz="2400"/>
+              <a:defRPr>
+                <a:solidFill>
+                  <a:schemeClr val="tx1">
+                    <a:tint val="75000"/>
+                  </a:schemeClr>
+                </a:solidFill>
+              </a:defRPr>
             </a:lvl1pPr>
             <a:lvl2pPr marL="457200" indent="0" algn="ctr">
               <a:buNone/>
-              <a:defRPr sz="2000"/>
+              <a:defRPr>
+                <a:solidFill>
+                  <a:schemeClr val="tx1">
+                    <a:tint val="75000"/>
+                  </a:schemeClr>
+                </a:solidFill>
+              </a:defRPr>
             </a:lvl2pPr>
             <a:lvl3pPr marL="914400" indent="0" algn="ctr">
               <a:buNone/>
-              <a:defRPr sz="1800"/>
+              <a:defRPr>
+                <a:solidFill>
+                  <a:schemeClr val="tx1">
+                    <a:tint val="75000"/>
+                  </a:schemeClr>
+                </a:solidFill>
+              </a:defRPr>
             </a:lvl3pPr>
             <a:lvl4pPr marL="1371600" indent="0" algn="ctr">
               <a:buNone/>
-              <a:defRPr sz="1600"/>
+              <a:defRPr>
+                <a:solidFill>
+                  <a:schemeClr val="tx1">
+                    <a:tint val="75000"/>
+                  </a:schemeClr>
+                </a:solidFill>
+              </a:defRPr>
             </a:lvl4pPr>
             <a:lvl5pPr marL="1828800" indent="0" algn="ctr">
               <a:buNone/>
-              <a:defRPr sz="1600"/>
+              <a:defRPr>
+                <a:solidFill>
+                  <a:schemeClr val="tx1">
+                    <a:tint val="75000"/>
+                  </a:schemeClr>
+                </a:solidFill>
+              </a:defRPr>
             </a:lvl5pPr>
             <a:lvl6pPr marL="2286000" indent="0" algn="ctr">
               <a:buNone/>
-              <a:defRPr sz="1600"/>
+              <a:defRPr>
+                <a:solidFill>
+                  <a:schemeClr val="tx1">
+                    <a:tint val="75000"/>
+                  </a:schemeClr>
+                </a:solidFill>
+              </a:defRPr>
             </a:lvl6pPr>
             <a:lvl7pPr marL="2743200" indent="0" algn="ctr">
               <a:buNone/>
-              <a:defRPr sz="1600"/>
+              <a:defRPr>
+                <a:solidFill>
+                  <a:schemeClr val="tx1">
+                    <a:tint val="75000"/>
+                  </a:schemeClr>
+                </a:solidFill>
+              </a:defRPr>
             </a:lvl7pPr>
             <a:lvl8pPr marL="3200400" indent="0" algn="ctr">
               <a:buNone/>
-              <a:defRPr sz="1600"/>
+              <a:defRPr>
+                <a:solidFill>
+                  <a:schemeClr val="tx1">
+                    <a:tint val="75000"/>
+                  </a:schemeClr>
+                </a:solidFill>
+              </a:defRPr>
             </a:lvl8pPr>
             <a:lvl9pPr marL="3657600" indent="0" algn="ctr">
               <a:buNone/>
-              <a:defRPr sz="1600"/>
+              <a:defRPr>
+                <a:solidFill>
+                  <a:schemeClr val="tx1">
+                    <a:tint val="75000"/>
+                  </a:schemeClr>
+                </a:solidFill>
+              </a:defRPr>
             </a:lvl9pPr>
           </a:lstStyle>
           <a:p>
             <a:r>
-              <a:rPr lang="en-GB"/>
+              <a:rPr lang="en-US"/>
               <a:t>Click to edit Master subtitle style</a:t>
             </a:r>
-            <a:endParaRPr lang="en-US"/>
           </a:p>
         </p:txBody>
       </p:sp>
       <p:sp>
         <p:nvSpPr>
-          <p:cNvPr id="4" name="Date Placeholder 3">
-            <a:extLst>
-              <a:ext uri="{FF2B5EF4-FFF2-40B4-BE49-F238E27FC236}">
-                <a16:creationId xmlns:a16="http://schemas.microsoft.com/office/drawing/2014/main" id="{FC20C2E4-1514-B44B-8BF1-5ED7E0B6178A}"/>
-              </a:ext>
-            </a:extLst>
-          </p:cNvPr>
+          <p:cNvPr id="4" name="Date Placeholder 3"/>
           <p:cNvSpPr>
             <a:spLocks noGrp="1"/>
           </p:cNvSpPr>
@@ -267,28 +747,30 @@
             <p:ph type="dt" sz="half" idx="10"/>
           </p:nvPr>
         </p:nvSpPr>
-        <p:spPr/>
+        <p:spPr>
+          <a:xfrm>
+            <a:off x="609600" y="6356351"/>
+            <a:ext cx="2844800" cy="365125"/>
+          </a:xfrm>
+          <a:prstGeom prst="rect">
+            <a:avLst/>
+          </a:prstGeom>
+        </p:spPr>
         <p:txBody>
           <a:bodyPr/>
           <a:lstStyle/>
           <a:p>
-            <a:fld id="{1471DB2D-A09E-364E-9721-376CA49FF99C}" type="datetimeFigureOut">
+            <a:fld id="{A4EF6776-A4B7-1C4D-B1F9-2B9029E89AE3}" type="datetimeFigureOut">
               <a:rPr lang="en-US" smtClean="0"/>
               <a:t>3/20/20</a:t>
             </a:fld>
-            <a:endParaRPr lang="en-US"/>
+            <a:endParaRPr lang="en-US" dirty="0"/>
           </a:p>
         </p:txBody>
       </p:sp>
       <p:sp>
         <p:nvSpPr>
-          <p:cNvPr id="5" name="Footer Placeholder 4">
-            <a:extLst>
-              <a:ext uri="{FF2B5EF4-FFF2-40B4-BE49-F238E27FC236}">
-                <a16:creationId xmlns:a16="http://schemas.microsoft.com/office/drawing/2014/main" id="{255AD93E-ED20-074A-8D6E-D34FA690933E}"/>
-              </a:ext>
-            </a:extLst>
-          </p:cNvPr>
+          <p:cNvPr id="5" name="Footer Placeholder 4"/>
           <p:cNvSpPr>
             <a:spLocks noGrp="1"/>
           </p:cNvSpPr>
@@ -296,24 +778,26 @@
             <p:ph type="ftr" sz="quarter" idx="11"/>
           </p:nvPr>
         </p:nvSpPr>
-        <p:spPr/>
+        <p:spPr>
+          <a:xfrm>
+            <a:off x="4165600" y="6356351"/>
+            <a:ext cx="3860800" cy="365125"/>
+          </a:xfrm>
+          <a:prstGeom prst="rect">
+            <a:avLst/>
+          </a:prstGeom>
+        </p:spPr>
         <p:txBody>
           <a:bodyPr/>
           <a:lstStyle/>
           <a:p>
-            <a:endParaRPr lang="en-US"/>
+            <a:endParaRPr lang="en-US" dirty="0"/>
           </a:p>
         </p:txBody>
       </p:sp>
       <p:sp>
         <p:nvSpPr>
-          <p:cNvPr id="6" name="Slide Number Placeholder 5">
-            <a:extLst>
-              <a:ext uri="{FF2B5EF4-FFF2-40B4-BE49-F238E27FC236}">
-                <a16:creationId xmlns:a16="http://schemas.microsoft.com/office/drawing/2014/main" id="{E1A3AA2F-6DE4-5D47-9E5D-B69C3FBF9B97}"/>
-              </a:ext>
-            </a:extLst>
-          </p:cNvPr>
+          <p:cNvPr id="6" name="Slide Number Placeholder 5"/>
           <p:cNvSpPr>
             <a:spLocks noGrp="1"/>
           </p:cNvSpPr>
@@ -321,29 +805,49 @@
             <p:ph type="sldNum" sz="quarter" idx="12"/>
           </p:nvPr>
         </p:nvSpPr>
-        <p:spPr/>
+        <p:spPr>
+          <a:xfrm>
+            <a:off x="8737600" y="6356351"/>
+            <a:ext cx="2844800" cy="365125"/>
+          </a:xfrm>
+          <a:prstGeom prst="rect">
+            <a:avLst/>
+          </a:prstGeom>
+        </p:spPr>
         <p:txBody>
           <a:bodyPr/>
           <a:lstStyle/>
           <a:p>
-            <a:fld id="{31019FFD-5169-5242-BB56-FEF46D2A9381}" type="slidenum">
+            <a:fld id="{093862CD-2CE4-D846-9F15-15300DCE1BBC}" type="slidenum">
               <a:rPr lang="en-US" smtClean="0"/>
               <a:t>‹#›</a:t>
             </a:fld>
-            <a:endParaRPr lang="en-US"/>
+            <a:endParaRPr lang="en-US" dirty="0"/>
           </a:p>
         </p:txBody>
       </p:sp>
     </p:spTree>
     <p:extLst>
       <p:ext uri="{BB962C8B-B14F-4D97-AF65-F5344CB8AC3E}">
-        <p14:creationId xmlns:p14="http://schemas.microsoft.com/office/powerpoint/2010/main" val="2775594956"/>
+        <p14:creationId xmlns:p14="http://schemas.microsoft.com/office/powerpoint/2010/main" val="1733102270"/>
       </p:ext>
     </p:extLst>
   </p:cSld>
   <p:clrMapOvr>
     <a:masterClrMapping/>
   </p:clrMapOvr>
+  <mc:AlternateContent xmlns:mc="http://schemas.openxmlformats.org/markup-compatibility/2006" xmlns:p14="http://schemas.microsoft.com/office/powerpoint/2010/main">
+    <mc:Choice Requires="p14">
+      <p:transition spd="slow" p14:dur="1500">
+        <p:split orient="vert"/>
+      </p:transition>
+    </mc:Choice>
+    <mc:Fallback xmlns="">
+      <p:transition xmlns:p14="http://schemas.microsoft.com/office/powerpoint/2010/main" spd="slow">
+        <p:split orient="vert"/>
+      </p:transition>
+    </mc:Fallback>
+  </mc:AlternateContent>
 </p:sldLayout>
 </file>
 
@@ -366,13 +870,7 @@
       </p:grpSpPr>
       <p:sp>
         <p:nvSpPr>
-          <p:cNvPr id="2" name="Title 1">
-            <a:extLst>
-              <a:ext uri="{FF2B5EF4-FFF2-40B4-BE49-F238E27FC236}">
-                <a16:creationId xmlns:a16="http://schemas.microsoft.com/office/drawing/2014/main" id="{22E8273C-5D5D-F247-8DF4-390CA24FE057}"/>
-              </a:ext>
-            </a:extLst>
-          </p:cNvPr>
+          <p:cNvPr id="2" name="Title 1"/>
           <p:cNvSpPr>
             <a:spLocks noGrp="1"/>
           </p:cNvSpPr>
@@ -380,28 +878,26 @@
             <p:ph type="title"/>
           </p:nvPr>
         </p:nvSpPr>
-        <p:spPr/>
+        <p:spPr>
+          <a:xfrm>
+            <a:off x="1342907" y="924791"/>
+            <a:ext cx="10684879" cy="334310"/>
+          </a:xfrm>
+        </p:spPr>
         <p:txBody>
           <a:bodyPr/>
           <a:lstStyle/>
           <a:p>
             <a:r>
-              <a:rPr lang="en-GB"/>
+              <a:rPr lang="en-US"/>
               <a:t>Click to edit Master title style</a:t>
             </a:r>
-            <a:endParaRPr lang="en-US"/>
           </a:p>
         </p:txBody>
       </p:sp>
       <p:sp>
         <p:nvSpPr>
-          <p:cNvPr id="3" name="Vertical Text Placeholder 2">
-            <a:extLst>
-              <a:ext uri="{FF2B5EF4-FFF2-40B4-BE49-F238E27FC236}">
-                <a16:creationId xmlns:a16="http://schemas.microsoft.com/office/drawing/2014/main" id="{9CDED947-ECB6-B048-BA36-CF4E836721DC}"/>
-              </a:ext>
-            </a:extLst>
-          </p:cNvPr>
+          <p:cNvPr id="3" name="Vertical Text Placeholder 2"/>
           <p:cNvSpPr>
             <a:spLocks noGrp="1"/>
           </p:cNvSpPr>
@@ -416,50 +912,43 @@
           <a:p>
             <a:pPr lvl="0"/>
             <a:r>
-              <a:rPr lang="en-GB"/>
+              <a:rPr lang="en-US"/>
               <a:t>Click to edit Master text styles</a:t>
             </a:r>
           </a:p>
           <a:p>
             <a:pPr lvl="1"/>
             <a:r>
-              <a:rPr lang="en-GB"/>
+              <a:rPr lang="en-US"/>
               <a:t>Second level</a:t>
             </a:r>
           </a:p>
           <a:p>
             <a:pPr lvl="2"/>
             <a:r>
-              <a:rPr lang="en-GB"/>
+              <a:rPr lang="en-US"/>
               <a:t>Third level</a:t>
             </a:r>
           </a:p>
           <a:p>
             <a:pPr lvl="3"/>
             <a:r>
-              <a:rPr lang="en-GB"/>
+              <a:rPr lang="en-US"/>
               <a:t>Fourth level</a:t>
             </a:r>
           </a:p>
           <a:p>
             <a:pPr lvl="4"/>
             <a:r>
-              <a:rPr lang="en-GB"/>
+              <a:rPr lang="en-US"/>
               <a:t>Fifth level</a:t>
             </a:r>
-            <a:endParaRPr lang="en-US"/>
           </a:p>
         </p:txBody>
       </p:sp>
       <p:sp>
         <p:nvSpPr>
-          <p:cNvPr id="4" name="Date Placeholder 3">
-            <a:extLst>
-              <a:ext uri="{FF2B5EF4-FFF2-40B4-BE49-F238E27FC236}">
-                <a16:creationId xmlns:a16="http://schemas.microsoft.com/office/drawing/2014/main" id="{F1B4879D-C182-4B4A-B90B-11C2E72C89A3}"/>
-              </a:ext>
-            </a:extLst>
-          </p:cNvPr>
+          <p:cNvPr id="4" name="Date Placeholder 3"/>
           <p:cNvSpPr>
             <a:spLocks noGrp="1"/>
           </p:cNvSpPr>
@@ -467,28 +956,30 @@
             <p:ph type="dt" sz="half" idx="10"/>
           </p:nvPr>
         </p:nvSpPr>
-        <p:spPr/>
+        <p:spPr>
+          <a:xfrm>
+            <a:off x="609600" y="6356351"/>
+            <a:ext cx="2844800" cy="365125"/>
+          </a:xfrm>
+          <a:prstGeom prst="rect">
+            <a:avLst/>
+          </a:prstGeom>
+        </p:spPr>
         <p:txBody>
           <a:bodyPr/>
           <a:lstStyle/>
           <a:p>
-            <a:fld id="{1471DB2D-A09E-364E-9721-376CA49FF99C}" type="datetimeFigureOut">
+            <a:fld id="{A4EF6776-A4B7-1C4D-B1F9-2B9029E89AE3}" type="datetimeFigureOut">
               <a:rPr lang="en-US" smtClean="0"/>
               <a:t>3/20/20</a:t>
             </a:fld>
-            <a:endParaRPr lang="en-US"/>
+            <a:endParaRPr lang="en-US" dirty="0"/>
           </a:p>
         </p:txBody>
       </p:sp>
       <p:sp>
         <p:nvSpPr>
-          <p:cNvPr id="5" name="Footer Placeholder 4">
-            <a:extLst>
-              <a:ext uri="{FF2B5EF4-FFF2-40B4-BE49-F238E27FC236}">
-                <a16:creationId xmlns:a16="http://schemas.microsoft.com/office/drawing/2014/main" id="{DDC9A8AF-1687-BE49-BE99-F9E43F2C917B}"/>
-              </a:ext>
-            </a:extLst>
-          </p:cNvPr>
+          <p:cNvPr id="5" name="Footer Placeholder 4"/>
           <p:cNvSpPr>
             <a:spLocks noGrp="1"/>
           </p:cNvSpPr>
@@ -496,24 +987,26 @@
             <p:ph type="ftr" sz="quarter" idx="11"/>
           </p:nvPr>
         </p:nvSpPr>
-        <p:spPr/>
+        <p:spPr>
+          <a:xfrm>
+            <a:off x="4165600" y="6356351"/>
+            <a:ext cx="3860800" cy="365125"/>
+          </a:xfrm>
+          <a:prstGeom prst="rect">
+            <a:avLst/>
+          </a:prstGeom>
+        </p:spPr>
         <p:txBody>
           <a:bodyPr/>
           <a:lstStyle/>
           <a:p>
-            <a:endParaRPr lang="en-US"/>
+            <a:endParaRPr lang="en-US" dirty="0"/>
           </a:p>
         </p:txBody>
       </p:sp>
       <p:sp>
         <p:nvSpPr>
-          <p:cNvPr id="6" name="Slide Number Placeholder 5">
-            <a:extLst>
-              <a:ext uri="{FF2B5EF4-FFF2-40B4-BE49-F238E27FC236}">
-                <a16:creationId xmlns:a16="http://schemas.microsoft.com/office/drawing/2014/main" id="{E99FBED0-11ED-5B40-BC38-D068902CFE60}"/>
-              </a:ext>
-            </a:extLst>
-          </p:cNvPr>
+          <p:cNvPr id="6" name="Slide Number Placeholder 5"/>
           <p:cNvSpPr>
             <a:spLocks noGrp="1"/>
           </p:cNvSpPr>
@@ -521,29 +1014,49 @@
             <p:ph type="sldNum" sz="quarter" idx="12"/>
           </p:nvPr>
         </p:nvSpPr>
-        <p:spPr/>
+        <p:spPr>
+          <a:xfrm>
+            <a:off x="8737600" y="6356351"/>
+            <a:ext cx="2844800" cy="365125"/>
+          </a:xfrm>
+          <a:prstGeom prst="rect">
+            <a:avLst/>
+          </a:prstGeom>
+        </p:spPr>
         <p:txBody>
           <a:bodyPr/>
           <a:lstStyle/>
           <a:p>
-            <a:fld id="{31019FFD-5169-5242-BB56-FEF46D2A9381}" type="slidenum">
+            <a:fld id="{093862CD-2CE4-D846-9F15-15300DCE1BBC}" type="slidenum">
               <a:rPr lang="en-US" smtClean="0"/>
               <a:t>‹#›</a:t>
             </a:fld>
-            <a:endParaRPr lang="en-US"/>
+            <a:endParaRPr lang="en-US" dirty="0"/>
           </a:p>
         </p:txBody>
       </p:sp>
     </p:spTree>
     <p:extLst>
       <p:ext uri="{BB962C8B-B14F-4D97-AF65-F5344CB8AC3E}">
-        <p14:creationId xmlns:p14="http://schemas.microsoft.com/office/powerpoint/2010/main" val="3090726147"/>
+        <p14:creationId xmlns:p14="http://schemas.microsoft.com/office/powerpoint/2010/main" val="1019054456"/>
       </p:ext>
     </p:extLst>
   </p:cSld>
   <p:clrMapOvr>
     <a:masterClrMapping/>
   </p:clrMapOvr>
+  <mc:AlternateContent xmlns:mc="http://schemas.openxmlformats.org/markup-compatibility/2006" xmlns:p14="http://schemas.microsoft.com/office/powerpoint/2010/main">
+    <mc:Choice Requires="p14">
+      <p:transition spd="slow" p14:dur="1500">
+        <p:split orient="vert"/>
+      </p:transition>
+    </mc:Choice>
+    <mc:Fallback xmlns="">
+      <p:transition xmlns:p14="http://schemas.microsoft.com/office/powerpoint/2010/main" spd="slow">
+        <p:split orient="vert"/>
+      </p:transition>
+    </mc:Fallback>
+  </mc:AlternateContent>
 </p:sldLayout>
 </file>
 
@@ -566,13 +1079,7 @@
       </p:grpSpPr>
       <p:sp>
         <p:nvSpPr>
-          <p:cNvPr id="2" name="Vertical Title 1">
-            <a:extLst>
-              <a:ext uri="{FF2B5EF4-FFF2-40B4-BE49-F238E27FC236}">
-                <a16:creationId xmlns:a16="http://schemas.microsoft.com/office/drawing/2014/main" id="{5015C163-05F1-7541-B068-DAE80652B72A}"/>
-              </a:ext>
-            </a:extLst>
-          </p:cNvPr>
+          <p:cNvPr id="2" name="Vertical Title 1"/>
           <p:cNvSpPr>
             <a:spLocks noGrp="1"/>
           </p:cNvSpPr>
@@ -582,8 +1089,8 @@
         </p:nvSpPr>
         <p:spPr>
           <a:xfrm>
-            <a:off x="8724900" y="365125"/>
-            <a:ext cx="2628900" cy="5811838"/>
+            <a:off x="8839200" y="1413164"/>
+            <a:ext cx="2743200" cy="4712999"/>
           </a:xfrm>
         </p:spPr>
         <p:txBody>
@@ -591,22 +1098,15 @@
           <a:lstStyle/>
           <a:p>
             <a:r>
-              <a:rPr lang="en-GB"/>
+              <a:rPr lang="en-US"/>
               <a:t>Click to edit Master title style</a:t>
             </a:r>
-            <a:endParaRPr lang="en-US"/>
           </a:p>
         </p:txBody>
       </p:sp>
       <p:sp>
         <p:nvSpPr>
-          <p:cNvPr id="3" name="Vertical Text Placeholder 2">
-            <a:extLst>
-              <a:ext uri="{FF2B5EF4-FFF2-40B4-BE49-F238E27FC236}">
-                <a16:creationId xmlns:a16="http://schemas.microsoft.com/office/drawing/2014/main" id="{85762D2D-0789-9A4B-86DF-5184D873248F}"/>
-              </a:ext>
-            </a:extLst>
-          </p:cNvPr>
+          <p:cNvPr id="3" name="Vertical Text Placeholder 2"/>
           <p:cNvSpPr>
             <a:spLocks noGrp="1"/>
           </p:cNvSpPr>
@@ -616,8 +1116,8 @@
         </p:nvSpPr>
         <p:spPr>
           <a:xfrm>
-            <a:off x="838200" y="365125"/>
-            <a:ext cx="7734300" cy="5811838"/>
+            <a:off x="1288473" y="1413164"/>
+            <a:ext cx="7347527" cy="4712999"/>
           </a:xfrm>
         </p:spPr>
         <p:txBody>
@@ -626,50 +1126,43 @@
           <a:p>
             <a:pPr lvl="0"/>
             <a:r>
-              <a:rPr lang="en-GB"/>
+              <a:rPr lang="en-US" dirty="0"/>
               <a:t>Click to edit Master text styles</a:t>
             </a:r>
           </a:p>
           <a:p>
             <a:pPr lvl="1"/>
             <a:r>
-              <a:rPr lang="en-GB"/>
+              <a:rPr lang="en-US" dirty="0"/>
               <a:t>Second level</a:t>
             </a:r>
           </a:p>
           <a:p>
             <a:pPr lvl="2"/>
             <a:r>
-              <a:rPr lang="en-GB"/>
+              <a:rPr lang="en-US" dirty="0"/>
               <a:t>Third level</a:t>
             </a:r>
           </a:p>
           <a:p>
             <a:pPr lvl="3"/>
             <a:r>
-              <a:rPr lang="en-GB"/>
+              <a:rPr lang="en-US" dirty="0"/>
               <a:t>Fourth level</a:t>
             </a:r>
           </a:p>
           <a:p>
             <a:pPr lvl="4"/>
             <a:r>
-              <a:rPr lang="en-GB"/>
+              <a:rPr lang="en-US" dirty="0"/>
               <a:t>Fifth level</a:t>
             </a:r>
-            <a:endParaRPr lang="en-US"/>
           </a:p>
         </p:txBody>
       </p:sp>
       <p:sp>
         <p:nvSpPr>
-          <p:cNvPr id="4" name="Date Placeholder 3">
-            <a:extLst>
-              <a:ext uri="{FF2B5EF4-FFF2-40B4-BE49-F238E27FC236}">
-                <a16:creationId xmlns:a16="http://schemas.microsoft.com/office/drawing/2014/main" id="{261C20D0-BDFA-DC48-AE2B-B973D0D55CA0}"/>
-              </a:ext>
-            </a:extLst>
-          </p:cNvPr>
+          <p:cNvPr id="4" name="Date Placeholder 3"/>
           <p:cNvSpPr>
             <a:spLocks noGrp="1"/>
           </p:cNvSpPr>
@@ -677,28 +1170,30 @@
             <p:ph type="dt" sz="half" idx="10"/>
           </p:nvPr>
         </p:nvSpPr>
-        <p:spPr/>
+        <p:spPr>
+          <a:xfrm>
+            <a:off x="609600" y="6356351"/>
+            <a:ext cx="2844800" cy="365125"/>
+          </a:xfrm>
+          <a:prstGeom prst="rect">
+            <a:avLst/>
+          </a:prstGeom>
+        </p:spPr>
         <p:txBody>
           <a:bodyPr/>
           <a:lstStyle/>
           <a:p>
-            <a:fld id="{1471DB2D-A09E-364E-9721-376CA49FF99C}" type="datetimeFigureOut">
+            <a:fld id="{A4EF6776-A4B7-1C4D-B1F9-2B9029E89AE3}" type="datetimeFigureOut">
               <a:rPr lang="en-US" smtClean="0"/>
               <a:t>3/20/20</a:t>
             </a:fld>
-            <a:endParaRPr lang="en-US"/>
+            <a:endParaRPr lang="en-US" dirty="0"/>
           </a:p>
         </p:txBody>
       </p:sp>
       <p:sp>
         <p:nvSpPr>
-          <p:cNvPr id="5" name="Footer Placeholder 4">
-            <a:extLst>
-              <a:ext uri="{FF2B5EF4-FFF2-40B4-BE49-F238E27FC236}">
-                <a16:creationId xmlns:a16="http://schemas.microsoft.com/office/drawing/2014/main" id="{852CCBF0-3727-5A43-8D1F-A9133301632C}"/>
-              </a:ext>
-            </a:extLst>
-          </p:cNvPr>
+          <p:cNvPr id="5" name="Footer Placeholder 4"/>
           <p:cNvSpPr>
             <a:spLocks noGrp="1"/>
           </p:cNvSpPr>
@@ -706,24 +1201,26 @@
             <p:ph type="ftr" sz="quarter" idx="11"/>
           </p:nvPr>
         </p:nvSpPr>
-        <p:spPr/>
+        <p:spPr>
+          <a:xfrm>
+            <a:off x="4165600" y="6356351"/>
+            <a:ext cx="3860800" cy="365125"/>
+          </a:xfrm>
+          <a:prstGeom prst="rect">
+            <a:avLst/>
+          </a:prstGeom>
+        </p:spPr>
         <p:txBody>
           <a:bodyPr/>
           <a:lstStyle/>
           <a:p>
-            <a:endParaRPr lang="en-US"/>
+            <a:endParaRPr lang="en-US" dirty="0"/>
           </a:p>
         </p:txBody>
       </p:sp>
       <p:sp>
         <p:nvSpPr>
-          <p:cNvPr id="6" name="Slide Number Placeholder 5">
-            <a:extLst>
-              <a:ext uri="{FF2B5EF4-FFF2-40B4-BE49-F238E27FC236}">
-                <a16:creationId xmlns:a16="http://schemas.microsoft.com/office/drawing/2014/main" id="{875149BB-6B88-094C-9FF7-FA001F470A31}"/>
-              </a:ext>
-            </a:extLst>
-          </p:cNvPr>
+          <p:cNvPr id="6" name="Slide Number Placeholder 5"/>
           <p:cNvSpPr>
             <a:spLocks noGrp="1"/>
           </p:cNvSpPr>
@@ -731,35 +1228,121 @@
             <p:ph type="sldNum" sz="quarter" idx="12"/>
           </p:nvPr>
         </p:nvSpPr>
-        <p:spPr/>
+        <p:spPr>
+          <a:xfrm>
+            <a:off x="8737600" y="6356351"/>
+            <a:ext cx="2844800" cy="365125"/>
+          </a:xfrm>
+          <a:prstGeom prst="rect">
+            <a:avLst/>
+          </a:prstGeom>
+        </p:spPr>
         <p:txBody>
           <a:bodyPr/>
           <a:lstStyle/>
           <a:p>
-            <a:fld id="{31019FFD-5169-5242-BB56-FEF46D2A9381}" type="slidenum">
+            <a:fld id="{093862CD-2CE4-D846-9F15-15300DCE1BBC}" type="slidenum">
               <a:rPr lang="en-US" smtClean="0"/>
               <a:t>‹#›</a:t>
             </a:fld>
-            <a:endParaRPr lang="en-US"/>
+            <a:endParaRPr lang="en-US" dirty="0"/>
+          </a:p>
+        </p:txBody>
+      </p:sp>
+      <p:sp>
+        <p:nvSpPr>
+          <p:cNvPr id="7" name="Title 1">
+            <a:extLst>
+              <a:ext uri="{FF2B5EF4-FFF2-40B4-BE49-F238E27FC236}">
+                <a16:creationId xmlns:a16="http://schemas.microsoft.com/office/drawing/2014/main" id="{225ACE83-0F60-CC47-802A-4D891EAD32D2}"/>
+              </a:ext>
+            </a:extLst>
+          </p:cNvPr>
+          <p:cNvSpPr txBox="1">
+            <a:spLocks/>
+          </p:cNvSpPr>
+          <p:nvPr userDrawn="1"/>
+        </p:nvSpPr>
+        <p:spPr>
+          <a:xfrm>
+            <a:off x="1342907" y="935183"/>
+            <a:ext cx="10684879" cy="325577"/>
+          </a:xfrm>
+          <a:prstGeom prst="rect">
+            <a:avLst/>
+          </a:prstGeom>
+        </p:spPr>
+        <p:txBody>
+          <a:bodyPr vert="horz" lIns="91440" tIns="45720" rIns="91440" bIns="45720" rtlCol="0" anchor="ctr">
+            <a:noAutofit/>
+          </a:bodyPr>
+          <a:lstStyle>
+            <a:lvl1pPr algn="l" defTabSz="457200" rtl="0" eaLnBrk="1" latinLnBrk="0" hangingPunct="1">
+              <a:spcBef>
+                <a:spcPct val="0"/>
+              </a:spcBef>
+              <a:buNone/>
+              <a:defRPr sz="2500" b="1" kern="1200">
+                <a:solidFill>
+                  <a:srgbClr val="FFFFFF"/>
+                </a:solidFill>
+                <a:latin typeface="Arial" panose="020B0604020202020204" pitchFamily="34" charset="0"/>
+                <a:ea typeface="+mj-ea"/>
+                <a:cs typeface="Arial" panose="020B0604020202020204" pitchFamily="34" charset="0"/>
+              </a:defRPr>
+            </a:lvl1pPr>
+          </a:lstStyle>
+          <a:p>
+            <a:r>
+              <a:rPr lang="en-US" sz="2500"/>
+              <a:t>Click to edit Master title style</a:t>
+            </a:r>
+            <a:endParaRPr lang="en-US" sz="2500" dirty="0"/>
           </a:p>
         </p:txBody>
       </p:sp>
     </p:spTree>
     <p:extLst>
       <p:ext uri="{BB962C8B-B14F-4D97-AF65-F5344CB8AC3E}">
-        <p14:creationId xmlns:p14="http://schemas.microsoft.com/office/powerpoint/2010/main" val="943228513"/>
+        <p14:creationId xmlns:p14="http://schemas.microsoft.com/office/powerpoint/2010/main" val="391895357"/>
       </p:ext>
     </p:extLst>
   </p:cSld>
   <p:clrMapOvr>
     <a:masterClrMapping/>
   </p:clrMapOvr>
+  <mc:AlternateContent xmlns:mc="http://schemas.openxmlformats.org/markup-compatibility/2006" xmlns:p14="http://schemas.microsoft.com/office/powerpoint/2010/main">
+    <mc:Choice Requires="p14">
+      <p:transition spd="slow" p14:dur="1500">
+        <p:split orient="vert"/>
+      </p:transition>
+    </mc:Choice>
+    <mc:Fallback xmlns="">
+      <p:transition xmlns:p14="http://schemas.microsoft.com/office/powerpoint/2010/main" spd="slow">
+        <p:split orient="vert"/>
+      </p:transition>
+    </mc:Fallback>
+  </mc:AlternateContent>
 </p:sldLayout>
 </file>
 
 <file path=ppt/slideLayouts/slideLayout2.xml><?xml version="1.0" encoding="utf-8"?>
 <p:sldLayout xmlns:a="http://schemas.openxmlformats.org/drawingml/2006/main" xmlns:r="http://schemas.openxmlformats.org/officeDocument/2006/relationships" xmlns:p="http://schemas.openxmlformats.org/presentationml/2006/main" type="obj" preserve="1">
   <p:cSld name="Title and Content">
+    <p:bg>
+      <p:bgPr>
+        <a:blipFill dpi="0" rotWithShape="1">
+          <a:blip r:embed="rId2">
+            <a:lum/>
+          </a:blip>
+          <a:srcRect/>
+          <a:stretch>
+            <a:fillRect/>
+          </a:stretch>
+        </a:blipFill>
+        <a:effectLst/>
+      </p:bgPr>
+    </p:bg>
     <p:spTree>
       <p:nvGrpSpPr>
         <p:cNvPr id="1" name=""/>
@@ -776,13 +1359,7 @@
       </p:grpSpPr>
       <p:sp>
         <p:nvSpPr>
-          <p:cNvPr id="2" name="Title 1">
-            <a:extLst>
-              <a:ext uri="{FF2B5EF4-FFF2-40B4-BE49-F238E27FC236}">
-                <a16:creationId xmlns:a16="http://schemas.microsoft.com/office/drawing/2014/main" id="{1FD52219-6337-AE41-A7F0-06AB95678A66}"/>
-              </a:ext>
-            </a:extLst>
-          </p:cNvPr>
+          <p:cNvPr id="2" name="Title 1"/>
           <p:cNvSpPr>
             <a:spLocks noGrp="1"/>
           </p:cNvSpPr>
@@ -790,28 +1367,26 @@
             <p:ph type="title"/>
           </p:nvPr>
         </p:nvSpPr>
-        <p:spPr/>
+        <p:spPr>
+          <a:xfrm>
+            <a:off x="1342907" y="935183"/>
+            <a:ext cx="10684879" cy="325577"/>
+          </a:xfrm>
+        </p:spPr>
         <p:txBody>
           <a:bodyPr/>
           <a:lstStyle/>
           <a:p>
             <a:r>
-              <a:rPr lang="en-GB"/>
+              <a:rPr lang="en-US" dirty="0"/>
               <a:t>Click to edit Master title style</a:t>
             </a:r>
-            <a:endParaRPr lang="en-US"/>
           </a:p>
         </p:txBody>
       </p:sp>
       <p:sp>
         <p:nvSpPr>
-          <p:cNvPr id="3" name="Content Placeholder 2">
-            <a:extLst>
-              <a:ext uri="{FF2B5EF4-FFF2-40B4-BE49-F238E27FC236}">
-                <a16:creationId xmlns:a16="http://schemas.microsoft.com/office/drawing/2014/main" id="{6BC1BE74-4109-4C46-B446-B5E04B8C1D73}"/>
-              </a:ext>
-            </a:extLst>
-          </p:cNvPr>
+          <p:cNvPr id="3" name="Content Placeholder 2"/>
           <p:cNvSpPr>
             <a:spLocks noGrp="1"/>
           </p:cNvSpPr>
@@ -819,57 +1394,55 @@
             <p:ph idx="1"/>
           </p:nvPr>
         </p:nvSpPr>
-        <p:spPr/>
+        <p:spPr>
+          <a:xfrm>
+            <a:off x="1342907" y="1412384"/>
+            <a:ext cx="10684879" cy="5120832"/>
+          </a:xfrm>
+        </p:spPr>
         <p:txBody>
           <a:bodyPr/>
           <a:lstStyle/>
           <a:p>
             <a:pPr lvl="0"/>
             <a:r>
-              <a:rPr lang="en-GB"/>
+              <a:rPr lang="en-US" dirty="0"/>
               <a:t>Click to edit Master text styles</a:t>
             </a:r>
           </a:p>
           <a:p>
             <a:pPr lvl="1"/>
             <a:r>
-              <a:rPr lang="en-GB"/>
+              <a:rPr lang="en-US" dirty="0"/>
               <a:t>Second level</a:t>
             </a:r>
           </a:p>
           <a:p>
             <a:pPr lvl="2"/>
             <a:r>
-              <a:rPr lang="en-GB"/>
+              <a:rPr lang="en-US" dirty="0"/>
               <a:t>Third level</a:t>
             </a:r>
           </a:p>
           <a:p>
             <a:pPr lvl="3"/>
             <a:r>
-              <a:rPr lang="en-GB"/>
+              <a:rPr lang="en-US" dirty="0"/>
               <a:t>Fourth level</a:t>
             </a:r>
           </a:p>
           <a:p>
             <a:pPr lvl="4"/>
             <a:r>
-              <a:rPr lang="en-GB"/>
+              <a:rPr lang="en-US" dirty="0"/>
               <a:t>Fifth level</a:t>
             </a:r>
-            <a:endParaRPr lang="en-US"/>
           </a:p>
         </p:txBody>
       </p:sp>
       <p:sp>
         <p:nvSpPr>
-          <p:cNvPr id="4" name="Date Placeholder 3">
-            <a:extLst>
-              <a:ext uri="{FF2B5EF4-FFF2-40B4-BE49-F238E27FC236}">
-                <a16:creationId xmlns:a16="http://schemas.microsoft.com/office/drawing/2014/main" id="{85446FC1-E7D9-1D42-9D47-429352769380}"/>
-              </a:ext>
-            </a:extLst>
-          </p:cNvPr>
+          <p:cNvPr id="4" name="Date Placeholder 3"/>
           <p:cNvSpPr>
             <a:spLocks noGrp="1"/>
           </p:cNvSpPr>
@@ -877,28 +1450,41 @@
             <p:ph type="dt" sz="half" idx="10"/>
           </p:nvPr>
         </p:nvSpPr>
-        <p:spPr/>
+        <p:spPr>
+          <a:xfrm>
+            <a:off x="0" y="6538913"/>
+            <a:ext cx="2844800" cy="365125"/>
+          </a:xfrm>
+          <a:prstGeom prst="rect">
+            <a:avLst/>
+          </a:prstGeom>
+        </p:spPr>
         <p:txBody>
           <a:bodyPr/>
-          <a:lstStyle/>
-          <a:p>
-            <a:fld id="{1471DB2D-A09E-364E-9721-376CA49FF99C}" type="datetimeFigureOut">
-              <a:rPr lang="en-US" smtClean="0"/>
-              <a:t>3/20/20</a:t>
-            </a:fld>
-            <a:endParaRPr lang="en-US"/>
+          <a:lstStyle>
+            <a:lvl1pPr>
+              <a:defRPr sz="1400"/>
+            </a:lvl1pPr>
+          </a:lstStyle>
+          <a:p>
+            <a:r>
+              <a:rPr lang="en-US" dirty="0"/>
+              <a:t>13</a:t>
+            </a:r>
+            <a:r>
+              <a:rPr lang="en-US" baseline="30000" dirty="0"/>
+              <a:t>th</a:t>
+            </a:r>
+            <a:r>
+              <a:rPr lang="en-US" dirty="0"/>
+              <a:t> June 2014</a:t>
+            </a:r>
           </a:p>
         </p:txBody>
       </p:sp>
       <p:sp>
         <p:nvSpPr>
-          <p:cNvPr id="5" name="Footer Placeholder 4">
-            <a:extLst>
-              <a:ext uri="{FF2B5EF4-FFF2-40B4-BE49-F238E27FC236}">
-                <a16:creationId xmlns:a16="http://schemas.microsoft.com/office/drawing/2014/main" id="{CA14F836-F051-3B45-B52E-EBBF979198BA}"/>
-              </a:ext>
-            </a:extLst>
-          </p:cNvPr>
+          <p:cNvPr id="5" name="Footer Placeholder 4"/>
           <p:cNvSpPr>
             <a:spLocks noGrp="1"/>
           </p:cNvSpPr>
@@ -906,24 +1492,33 @@
             <p:ph type="ftr" sz="quarter" idx="11"/>
           </p:nvPr>
         </p:nvSpPr>
-        <p:spPr/>
+        <p:spPr>
+          <a:xfrm>
+            <a:off x="4685551" y="6533217"/>
+            <a:ext cx="3860800" cy="365125"/>
+          </a:xfrm>
+          <a:prstGeom prst="rect">
+            <a:avLst/>
+          </a:prstGeom>
+        </p:spPr>
         <p:txBody>
           <a:bodyPr/>
-          <a:lstStyle/>
-          <a:p>
-            <a:endParaRPr lang="en-US"/>
+          <a:lstStyle>
+            <a:lvl1pPr algn="ctr">
+              <a:defRPr sz="1400"/>
+            </a:lvl1pPr>
+          </a:lstStyle>
+          <a:p>
+            <a:r>
+              <a:rPr lang="en-US" dirty="0"/>
+              <a:t>OoP SOPA input</a:t>
+            </a:r>
           </a:p>
         </p:txBody>
       </p:sp>
       <p:sp>
         <p:nvSpPr>
-          <p:cNvPr id="6" name="Slide Number Placeholder 5">
-            <a:extLst>
-              <a:ext uri="{FF2B5EF4-FFF2-40B4-BE49-F238E27FC236}">
-                <a16:creationId xmlns:a16="http://schemas.microsoft.com/office/drawing/2014/main" id="{748A6AA9-C663-694E-AAF7-5A6A69CF51C9}"/>
-              </a:ext>
-            </a:extLst>
-          </p:cNvPr>
+          <p:cNvPr id="6" name="Slide Number Placeholder 5"/>
           <p:cNvSpPr>
             <a:spLocks noGrp="1"/>
           </p:cNvSpPr>
@@ -931,29 +1526,54 @@
             <p:ph type="sldNum" sz="quarter" idx="12"/>
           </p:nvPr>
         </p:nvSpPr>
-        <p:spPr/>
+        <p:spPr>
+          <a:xfrm>
+            <a:off x="11528612" y="6546664"/>
+            <a:ext cx="606749" cy="365125"/>
+          </a:xfrm>
+          <a:prstGeom prst="rect">
+            <a:avLst/>
+          </a:prstGeom>
+        </p:spPr>
         <p:txBody>
           <a:bodyPr/>
-          <a:lstStyle/>
-          <a:p>
-            <a:fld id="{31019FFD-5169-5242-BB56-FEF46D2A9381}" type="slidenum">
+          <a:lstStyle>
+            <a:lvl1pPr>
+              <a:defRPr sz="1400"/>
+            </a:lvl1pPr>
+          </a:lstStyle>
+          <a:p>
+            <a:fld id="{093862CD-2CE4-D846-9F15-15300DCE1BBC}" type="slidenum">
               <a:rPr lang="en-US" smtClean="0"/>
+              <a:pPr/>
               <a:t>‹#›</a:t>
             </a:fld>
-            <a:endParaRPr lang="en-US"/>
+            <a:endParaRPr lang="en-US" dirty="0"/>
           </a:p>
         </p:txBody>
       </p:sp>
     </p:spTree>
     <p:extLst>
       <p:ext uri="{BB962C8B-B14F-4D97-AF65-F5344CB8AC3E}">
-        <p14:creationId xmlns:p14="http://schemas.microsoft.com/office/powerpoint/2010/main" val="1170890003"/>
+        <p14:creationId xmlns:p14="http://schemas.microsoft.com/office/powerpoint/2010/main" val="3334797465"/>
       </p:ext>
     </p:extLst>
   </p:cSld>
   <p:clrMapOvr>
     <a:masterClrMapping/>
   </p:clrMapOvr>
+  <mc:AlternateContent xmlns:mc="http://schemas.openxmlformats.org/markup-compatibility/2006" xmlns:p14="http://schemas.microsoft.com/office/powerpoint/2010/main">
+    <mc:Choice Requires="p14">
+      <p:transition spd="slow" p14:dur="1500">
+        <p:split orient="vert"/>
+      </p:transition>
+    </mc:Choice>
+    <mc:Fallback xmlns="">
+      <p:transition xmlns:p14="http://schemas.microsoft.com/office/powerpoint/2010/main" spd="slow">
+        <p:split orient="vert"/>
+      </p:transition>
+    </mc:Fallback>
+  </mc:AlternateContent>
 </p:sldLayout>
 </file>
 
@@ -976,13 +1596,7 @@
       </p:grpSpPr>
       <p:sp>
         <p:nvSpPr>
-          <p:cNvPr id="2" name="Title 1">
-            <a:extLst>
-              <a:ext uri="{FF2B5EF4-FFF2-40B4-BE49-F238E27FC236}">
-                <a16:creationId xmlns:a16="http://schemas.microsoft.com/office/drawing/2014/main" id="{24C2CAE1-6ABE-5D47-9FE4-595BF9B47075}"/>
-              </a:ext>
-            </a:extLst>
-          </p:cNvPr>
+          <p:cNvPr id="2" name="Title 1"/>
           <p:cNvSpPr>
             <a:spLocks noGrp="1"/>
           </p:cNvSpPr>
@@ -992,35 +1606,28 @@
         </p:nvSpPr>
         <p:spPr>
           <a:xfrm>
-            <a:off x="831850" y="1709738"/>
-            <a:ext cx="10515600" cy="2852737"/>
+            <a:off x="1316181" y="3534064"/>
+            <a:ext cx="10363200" cy="1362075"/>
           </a:xfrm>
         </p:spPr>
         <p:txBody>
-          <a:bodyPr anchor="b"/>
+          <a:bodyPr anchor="t"/>
           <a:lstStyle>
-            <a:lvl1pPr>
-              <a:defRPr sz="6000"/>
+            <a:lvl1pPr algn="l">
+              <a:defRPr sz="4000" b="1" cap="all"/>
             </a:lvl1pPr>
           </a:lstStyle>
           <a:p>
             <a:r>
-              <a:rPr lang="en-GB"/>
+              <a:rPr lang="en-US"/>
               <a:t>Click to edit Master title style</a:t>
             </a:r>
-            <a:endParaRPr lang="en-US"/>
           </a:p>
         </p:txBody>
       </p:sp>
       <p:sp>
         <p:nvSpPr>
-          <p:cNvPr id="3" name="Text Placeholder 2">
-            <a:extLst>
-              <a:ext uri="{FF2B5EF4-FFF2-40B4-BE49-F238E27FC236}">
-                <a16:creationId xmlns:a16="http://schemas.microsoft.com/office/drawing/2014/main" id="{160E6259-A128-CC44-A33C-CC12BB9EFC09}"/>
-              </a:ext>
-            </a:extLst>
-          </p:cNvPr>
+          <p:cNvPr id="3" name="Text Placeholder 2"/>
           <p:cNvSpPr>
             <a:spLocks noGrp="1"/>
           </p:cNvSpPr>
@@ -1030,16 +1637,16 @@
         </p:nvSpPr>
         <p:spPr>
           <a:xfrm>
-            <a:off x="831850" y="4589463"/>
-            <a:ext cx="10515600" cy="1500187"/>
+            <a:off x="1316181" y="1701007"/>
+            <a:ext cx="10363200" cy="1500187"/>
           </a:xfrm>
         </p:spPr>
         <p:txBody>
-          <a:bodyPr/>
+          <a:bodyPr anchor="b"/>
           <a:lstStyle>
             <a:lvl1pPr marL="0" indent="0">
               <a:buNone/>
-              <a:defRPr sz="2400">
+              <a:defRPr sz="2000">
                 <a:solidFill>
                   <a:schemeClr val="tx1">
                     <a:tint val="75000"/>
@@ -1049,7 +1656,7 @@
             </a:lvl1pPr>
             <a:lvl2pPr marL="457200" indent="0">
               <a:buNone/>
-              <a:defRPr sz="2000">
+              <a:defRPr sz="1800">
                 <a:solidFill>
                   <a:schemeClr val="tx1">
                     <a:tint val="75000"/>
@@ -1059,7 +1666,7 @@
             </a:lvl2pPr>
             <a:lvl3pPr marL="914400" indent="0">
               <a:buNone/>
-              <a:defRPr sz="1800">
+              <a:defRPr sz="1600">
                 <a:solidFill>
                   <a:schemeClr val="tx1">
                     <a:tint val="75000"/>
@@ -1069,7 +1676,7 @@
             </a:lvl3pPr>
             <a:lvl4pPr marL="1371600" indent="0">
               <a:buNone/>
-              <a:defRPr sz="1600">
+              <a:defRPr sz="1400">
                 <a:solidFill>
                   <a:schemeClr val="tx1">
                     <a:tint val="75000"/>
@@ -1079,7 +1686,7 @@
             </a:lvl4pPr>
             <a:lvl5pPr marL="1828800" indent="0">
               <a:buNone/>
-              <a:defRPr sz="1600">
+              <a:defRPr sz="1400">
                 <a:solidFill>
                   <a:schemeClr val="tx1">
                     <a:tint val="75000"/>
@@ -1089,7 +1696,7 @@
             </a:lvl5pPr>
             <a:lvl6pPr marL="2286000" indent="0">
               <a:buNone/>
-              <a:defRPr sz="1600">
+              <a:defRPr sz="1400">
                 <a:solidFill>
                   <a:schemeClr val="tx1">
                     <a:tint val="75000"/>
@@ -1099,7 +1706,7 @@
             </a:lvl6pPr>
             <a:lvl7pPr marL="2743200" indent="0">
               <a:buNone/>
-              <a:defRPr sz="1600">
+              <a:defRPr sz="1400">
                 <a:solidFill>
                   <a:schemeClr val="tx1">
                     <a:tint val="75000"/>
@@ -1109,7 +1716,7 @@
             </a:lvl7pPr>
             <a:lvl8pPr marL="3200400" indent="0">
               <a:buNone/>
-              <a:defRPr sz="1600">
+              <a:defRPr sz="1400">
                 <a:solidFill>
                   <a:schemeClr val="tx1">
                     <a:tint val="75000"/>
@@ -1119,7 +1726,7 @@
             </a:lvl8pPr>
             <a:lvl9pPr marL="3657600" indent="0">
               <a:buNone/>
-              <a:defRPr sz="1600">
+              <a:defRPr sz="1400">
                 <a:solidFill>
                   <a:schemeClr val="tx1">
                     <a:tint val="75000"/>
@@ -1131,7 +1738,7 @@
           <a:p>
             <a:pPr lvl="0"/>
             <a:r>
-              <a:rPr lang="en-GB"/>
+              <a:rPr lang="en-US"/>
               <a:t>Click to edit Master text styles</a:t>
             </a:r>
           </a:p>
@@ -1139,13 +1746,7 @@
       </p:sp>
       <p:sp>
         <p:nvSpPr>
-          <p:cNvPr id="4" name="Date Placeholder 3">
-            <a:extLst>
-              <a:ext uri="{FF2B5EF4-FFF2-40B4-BE49-F238E27FC236}">
-                <a16:creationId xmlns:a16="http://schemas.microsoft.com/office/drawing/2014/main" id="{16E0856F-0476-884E-8632-D8626C1B592E}"/>
-              </a:ext>
-            </a:extLst>
-          </p:cNvPr>
+          <p:cNvPr id="4" name="Date Placeholder 3"/>
           <p:cNvSpPr>
             <a:spLocks noGrp="1"/>
           </p:cNvSpPr>
@@ -1153,28 +1754,30 @@
             <p:ph type="dt" sz="half" idx="10"/>
           </p:nvPr>
         </p:nvSpPr>
-        <p:spPr/>
+        <p:spPr>
+          <a:xfrm>
+            <a:off x="609600" y="6356351"/>
+            <a:ext cx="2844800" cy="365125"/>
+          </a:xfrm>
+          <a:prstGeom prst="rect">
+            <a:avLst/>
+          </a:prstGeom>
+        </p:spPr>
         <p:txBody>
           <a:bodyPr/>
           <a:lstStyle/>
           <a:p>
-            <a:fld id="{1471DB2D-A09E-364E-9721-376CA49FF99C}" type="datetimeFigureOut">
+            <a:fld id="{A4EF6776-A4B7-1C4D-B1F9-2B9029E89AE3}" type="datetimeFigureOut">
               <a:rPr lang="en-US" smtClean="0"/>
               <a:t>3/20/20</a:t>
             </a:fld>
-            <a:endParaRPr lang="en-US"/>
+            <a:endParaRPr lang="en-US" dirty="0"/>
           </a:p>
         </p:txBody>
       </p:sp>
       <p:sp>
         <p:nvSpPr>
-          <p:cNvPr id="5" name="Footer Placeholder 4">
-            <a:extLst>
-              <a:ext uri="{FF2B5EF4-FFF2-40B4-BE49-F238E27FC236}">
-                <a16:creationId xmlns:a16="http://schemas.microsoft.com/office/drawing/2014/main" id="{15DF90AF-4B37-9244-AD9D-60F4C9AA12C4}"/>
-              </a:ext>
-            </a:extLst>
-          </p:cNvPr>
+          <p:cNvPr id="5" name="Footer Placeholder 4"/>
           <p:cNvSpPr>
             <a:spLocks noGrp="1"/>
           </p:cNvSpPr>
@@ -1182,24 +1785,26 @@
             <p:ph type="ftr" sz="quarter" idx="11"/>
           </p:nvPr>
         </p:nvSpPr>
-        <p:spPr/>
+        <p:spPr>
+          <a:xfrm>
+            <a:off x="4165600" y="6356351"/>
+            <a:ext cx="3860800" cy="365125"/>
+          </a:xfrm>
+          <a:prstGeom prst="rect">
+            <a:avLst/>
+          </a:prstGeom>
+        </p:spPr>
         <p:txBody>
           <a:bodyPr/>
           <a:lstStyle/>
           <a:p>
-            <a:endParaRPr lang="en-US"/>
+            <a:endParaRPr lang="en-US" dirty="0"/>
           </a:p>
         </p:txBody>
       </p:sp>
       <p:sp>
         <p:nvSpPr>
-          <p:cNvPr id="6" name="Slide Number Placeholder 5">
-            <a:extLst>
-              <a:ext uri="{FF2B5EF4-FFF2-40B4-BE49-F238E27FC236}">
-                <a16:creationId xmlns:a16="http://schemas.microsoft.com/office/drawing/2014/main" id="{DED292B0-8608-764A-A0E9-2753550CD239}"/>
-              </a:ext>
-            </a:extLst>
-          </p:cNvPr>
+          <p:cNvPr id="6" name="Slide Number Placeholder 5"/>
           <p:cNvSpPr>
             <a:spLocks noGrp="1"/>
           </p:cNvSpPr>
@@ -1207,29 +1812,101 @@
             <p:ph type="sldNum" sz="quarter" idx="12"/>
           </p:nvPr>
         </p:nvSpPr>
-        <p:spPr/>
+        <p:spPr>
+          <a:xfrm>
+            <a:off x="8737600" y="6356351"/>
+            <a:ext cx="2844800" cy="365125"/>
+          </a:xfrm>
+          <a:prstGeom prst="rect">
+            <a:avLst/>
+          </a:prstGeom>
+        </p:spPr>
         <p:txBody>
           <a:bodyPr/>
           <a:lstStyle/>
           <a:p>
-            <a:fld id="{31019FFD-5169-5242-BB56-FEF46D2A9381}" type="slidenum">
+            <a:fld id="{093862CD-2CE4-D846-9F15-15300DCE1BBC}" type="slidenum">
               <a:rPr lang="en-US" smtClean="0"/>
               <a:t>‹#›</a:t>
             </a:fld>
-            <a:endParaRPr lang="en-US"/>
+            <a:endParaRPr lang="en-US" dirty="0"/>
+          </a:p>
+        </p:txBody>
+      </p:sp>
+      <p:sp>
+        <p:nvSpPr>
+          <p:cNvPr id="7" name="Title 1">
+            <a:extLst>
+              <a:ext uri="{FF2B5EF4-FFF2-40B4-BE49-F238E27FC236}">
+                <a16:creationId xmlns:a16="http://schemas.microsoft.com/office/drawing/2014/main" id="{B63C3B79-85AB-484C-B635-28E848BDA4E5}"/>
+              </a:ext>
+            </a:extLst>
+          </p:cNvPr>
+          <p:cNvSpPr txBox="1">
+            <a:spLocks/>
+          </p:cNvSpPr>
+          <p:nvPr userDrawn="1"/>
+        </p:nvSpPr>
+        <p:spPr>
+          <a:xfrm>
+            <a:off x="1342907" y="935183"/>
+            <a:ext cx="10684879" cy="325577"/>
+          </a:xfrm>
+          <a:prstGeom prst="rect">
+            <a:avLst/>
+          </a:prstGeom>
+        </p:spPr>
+        <p:txBody>
+          <a:bodyPr vert="horz" lIns="91440" tIns="45720" rIns="91440" bIns="45720" rtlCol="0" anchor="ctr">
+            <a:noAutofit/>
+          </a:bodyPr>
+          <a:lstStyle>
+            <a:lvl1pPr algn="l" defTabSz="457200" rtl="0" eaLnBrk="1" latinLnBrk="0" hangingPunct="1">
+              <a:spcBef>
+                <a:spcPct val="0"/>
+              </a:spcBef>
+              <a:buNone/>
+              <a:defRPr sz="2500" b="1" kern="1200">
+                <a:solidFill>
+                  <a:srgbClr val="FFFFFF"/>
+                </a:solidFill>
+                <a:latin typeface="Arial" panose="020B0604020202020204" pitchFamily="34" charset="0"/>
+                <a:ea typeface="+mj-ea"/>
+                <a:cs typeface="Arial" panose="020B0604020202020204" pitchFamily="34" charset="0"/>
+              </a:defRPr>
+            </a:lvl1pPr>
+          </a:lstStyle>
+          <a:p>
+            <a:r>
+              <a:rPr lang="en-US" sz="2500"/>
+              <a:t>Click to edit Master title style</a:t>
+            </a:r>
+            <a:endParaRPr lang="en-US" sz="2500" dirty="0"/>
           </a:p>
         </p:txBody>
       </p:sp>
     </p:spTree>
     <p:extLst>
       <p:ext uri="{BB962C8B-B14F-4D97-AF65-F5344CB8AC3E}">
-        <p14:creationId xmlns:p14="http://schemas.microsoft.com/office/powerpoint/2010/main" val="560011308"/>
+        <p14:creationId xmlns:p14="http://schemas.microsoft.com/office/powerpoint/2010/main" val="1594560871"/>
       </p:ext>
     </p:extLst>
   </p:cSld>
   <p:clrMapOvr>
     <a:masterClrMapping/>
   </p:clrMapOvr>
+  <mc:AlternateContent xmlns:mc="http://schemas.openxmlformats.org/markup-compatibility/2006" xmlns:p14="http://schemas.microsoft.com/office/powerpoint/2010/main">
+    <mc:Choice Requires="p14">
+      <p:transition spd="slow" p14:dur="1500">
+        <p:split orient="vert"/>
+      </p:transition>
+    </mc:Choice>
+    <mc:Fallback xmlns="">
+      <p:transition xmlns:p14="http://schemas.microsoft.com/office/powerpoint/2010/main" spd="slow">
+        <p:split orient="vert"/>
+      </p:transition>
+    </mc:Fallback>
+  </mc:AlternateContent>
 </p:sldLayout>
 </file>
 
@@ -1252,13 +1929,7 @@
       </p:grpSpPr>
       <p:sp>
         <p:nvSpPr>
-          <p:cNvPr id="2" name="Title 1">
-            <a:extLst>
-              <a:ext uri="{FF2B5EF4-FFF2-40B4-BE49-F238E27FC236}">
-                <a16:creationId xmlns:a16="http://schemas.microsoft.com/office/drawing/2014/main" id="{EA29C00F-4462-D34F-94CD-B581DE8CDEBF}"/>
-              </a:ext>
-            </a:extLst>
-          </p:cNvPr>
+          <p:cNvPr id="2" name="Title 1"/>
           <p:cNvSpPr>
             <a:spLocks noGrp="1"/>
           </p:cNvSpPr>
@@ -1266,28 +1937,26 @@
             <p:ph type="title"/>
           </p:nvPr>
         </p:nvSpPr>
-        <p:spPr/>
+        <p:spPr>
+          <a:xfrm>
+            <a:off x="1342907" y="914759"/>
+            <a:ext cx="10684879" cy="365125"/>
+          </a:xfrm>
+        </p:spPr>
         <p:txBody>
           <a:bodyPr/>
           <a:lstStyle/>
           <a:p>
             <a:r>
-              <a:rPr lang="en-GB"/>
+              <a:rPr lang="en-US" dirty="0"/>
               <a:t>Click to edit Master title style</a:t>
             </a:r>
-            <a:endParaRPr lang="en-US"/>
           </a:p>
         </p:txBody>
       </p:sp>
       <p:sp>
         <p:nvSpPr>
-          <p:cNvPr id="3" name="Content Placeholder 2">
-            <a:extLst>
-              <a:ext uri="{FF2B5EF4-FFF2-40B4-BE49-F238E27FC236}">
-                <a16:creationId xmlns:a16="http://schemas.microsoft.com/office/drawing/2014/main" id="{7EA6AA2E-A896-6B42-9BEF-87B8E8AD28D6}"/>
-              </a:ext>
-            </a:extLst>
-          </p:cNvPr>
+          <p:cNvPr id="3" name="Content Placeholder 2"/>
           <p:cNvSpPr>
             <a:spLocks noGrp="1"/>
           </p:cNvSpPr>
@@ -1297,60 +1966,83 @@
         </p:nvSpPr>
         <p:spPr>
           <a:xfrm>
-            <a:off x="838200" y="1825625"/>
-            <a:ext cx="5181600" cy="4351338"/>
+            <a:off x="1342906" y="1600200"/>
+            <a:ext cx="5113313" cy="4525963"/>
           </a:xfrm>
         </p:spPr>
         <p:txBody>
-          <a:bodyPr/>
-          <a:lstStyle/>
+          <a:bodyPr>
+            <a:normAutofit/>
+          </a:bodyPr>
+          <a:lstStyle>
+            <a:lvl1pPr>
+              <a:defRPr sz="2400"/>
+            </a:lvl1pPr>
+            <a:lvl2pPr>
+              <a:defRPr sz="2000"/>
+            </a:lvl2pPr>
+            <a:lvl3pPr>
+              <a:defRPr sz="1800"/>
+            </a:lvl3pPr>
+            <a:lvl4pPr>
+              <a:defRPr sz="1600"/>
+            </a:lvl4pPr>
+            <a:lvl5pPr>
+              <a:defRPr sz="1600"/>
+            </a:lvl5pPr>
+            <a:lvl6pPr>
+              <a:defRPr sz="1800"/>
+            </a:lvl6pPr>
+            <a:lvl7pPr>
+              <a:defRPr sz="1800"/>
+            </a:lvl7pPr>
+            <a:lvl8pPr>
+              <a:defRPr sz="1800"/>
+            </a:lvl8pPr>
+            <a:lvl9pPr>
+              <a:defRPr sz="1800"/>
+            </a:lvl9pPr>
+          </a:lstStyle>
           <a:p>
             <a:pPr lvl="0"/>
             <a:r>
-              <a:rPr lang="en-GB"/>
+              <a:rPr lang="en-US" dirty="0"/>
               <a:t>Click to edit Master text styles</a:t>
             </a:r>
           </a:p>
           <a:p>
             <a:pPr lvl="1"/>
             <a:r>
-              <a:rPr lang="en-GB"/>
+              <a:rPr lang="en-US" dirty="0"/>
               <a:t>Second level</a:t>
             </a:r>
           </a:p>
           <a:p>
             <a:pPr lvl="2"/>
             <a:r>
-              <a:rPr lang="en-GB"/>
+              <a:rPr lang="en-US" dirty="0"/>
               <a:t>Third level</a:t>
             </a:r>
           </a:p>
           <a:p>
             <a:pPr lvl="3"/>
             <a:r>
-              <a:rPr lang="en-GB"/>
+              <a:rPr lang="en-US" dirty="0"/>
               <a:t>Fourth level</a:t>
             </a:r>
           </a:p>
           <a:p>
             <a:pPr lvl="4"/>
             <a:r>
-              <a:rPr lang="en-GB"/>
+              <a:rPr lang="en-US" dirty="0"/>
               <a:t>Fifth level</a:t>
             </a:r>
-            <a:endParaRPr lang="en-US"/>
           </a:p>
         </p:txBody>
       </p:sp>
       <p:sp>
         <p:nvSpPr>
-          <p:cNvPr id="4" name="Content Placeholder 3">
-            <a:extLst>
-              <a:ext uri="{FF2B5EF4-FFF2-40B4-BE49-F238E27FC236}">
-                <a16:creationId xmlns:a16="http://schemas.microsoft.com/office/drawing/2014/main" id="{D32D5ED3-CD46-DF4E-90E2-AE3DA56B6BA9}"/>
-              </a:ext>
-            </a:extLst>
-          </p:cNvPr>
+          <p:cNvPr id="4" name="Content Placeholder 3"/>
           <p:cNvSpPr>
             <a:spLocks noGrp="1"/>
           </p:cNvSpPr>
@@ -1360,60 +2052,83 @@
         </p:nvSpPr>
         <p:spPr>
           <a:xfrm>
-            <a:off x="6172200" y="1825625"/>
-            <a:ext cx="5181600" cy="4351338"/>
+            <a:off x="6797425" y="1600200"/>
+            <a:ext cx="5230360" cy="4525963"/>
           </a:xfrm>
         </p:spPr>
         <p:txBody>
-          <a:bodyPr/>
-          <a:lstStyle/>
+          <a:bodyPr>
+            <a:normAutofit/>
+          </a:bodyPr>
+          <a:lstStyle>
+            <a:lvl1pPr>
+              <a:defRPr sz="2400"/>
+            </a:lvl1pPr>
+            <a:lvl2pPr>
+              <a:defRPr sz="2000"/>
+            </a:lvl2pPr>
+            <a:lvl3pPr>
+              <a:defRPr sz="1800"/>
+            </a:lvl3pPr>
+            <a:lvl4pPr>
+              <a:defRPr sz="1600"/>
+            </a:lvl4pPr>
+            <a:lvl5pPr>
+              <a:defRPr sz="1600"/>
+            </a:lvl5pPr>
+            <a:lvl6pPr>
+              <a:defRPr sz="1800"/>
+            </a:lvl6pPr>
+            <a:lvl7pPr>
+              <a:defRPr sz="1800"/>
+            </a:lvl7pPr>
+            <a:lvl8pPr>
+              <a:defRPr sz="1800"/>
+            </a:lvl8pPr>
+            <a:lvl9pPr>
+              <a:defRPr sz="1800"/>
+            </a:lvl9pPr>
+          </a:lstStyle>
           <a:p>
             <a:pPr lvl="0"/>
             <a:r>
-              <a:rPr lang="en-GB"/>
+              <a:rPr lang="en-US"/>
               <a:t>Click to edit Master text styles</a:t>
             </a:r>
           </a:p>
           <a:p>
             <a:pPr lvl="1"/>
             <a:r>
-              <a:rPr lang="en-GB"/>
+              <a:rPr lang="en-US"/>
               <a:t>Second level</a:t>
             </a:r>
           </a:p>
           <a:p>
             <a:pPr lvl="2"/>
             <a:r>
-              <a:rPr lang="en-GB"/>
+              <a:rPr lang="en-US"/>
               <a:t>Third level</a:t>
             </a:r>
           </a:p>
           <a:p>
             <a:pPr lvl="3"/>
             <a:r>
-              <a:rPr lang="en-GB"/>
+              <a:rPr lang="en-US"/>
               <a:t>Fourth level</a:t>
             </a:r>
           </a:p>
           <a:p>
             <a:pPr lvl="4"/>
             <a:r>
-              <a:rPr lang="en-GB"/>
+              <a:rPr lang="en-US"/>
               <a:t>Fifth level</a:t>
             </a:r>
-            <a:endParaRPr lang="en-US"/>
           </a:p>
         </p:txBody>
       </p:sp>
       <p:sp>
         <p:nvSpPr>
-          <p:cNvPr id="5" name="Date Placeholder 4">
-            <a:extLst>
-              <a:ext uri="{FF2B5EF4-FFF2-40B4-BE49-F238E27FC236}">
-                <a16:creationId xmlns:a16="http://schemas.microsoft.com/office/drawing/2014/main" id="{7E1F74CD-3DC2-9E4F-B14D-DBA67989A91E}"/>
-              </a:ext>
-            </a:extLst>
-          </p:cNvPr>
+          <p:cNvPr id="5" name="Date Placeholder 4"/>
           <p:cNvSpPr>
             <a:spLocks noGrp="1"/>
           </p:cNvSpPr>
@@ -1421,28 +2136,30 @@
             <p:ph type="dt" sz="half" idx="10"/>
           </p:nvPr>
         </p:nvSpPr>
-        <p:spPr/>
+        <p:spPr>
+          <a:xfrm>
+            <a:off x="609600" y="6356351"/>
+            <a:ext cx="2844800" cy="365125"/>
+          </a:xfrm>
+          <a:prstGeom prst="rect">
+            <a:avLst/>
+          </a:prstGeom>
+        </p:spPr>
         <p:txBody>
           <a:bodyPr/>
           <a:lstStyle/>
           <a:p>
-            <a:fld id="{1471DB2D-A09E-364E-9721-376CA49FF99C}" type="datetimeFigureOut">
+            <a:fld id="{A4EF6776-A4B7-1C4D-B1F9-2B9029E89AE3}" type="datetimeFigureOut">
               <a:rPr lang="en-US" smtClean="0"/>
               <a:t>3/20/20</a:t>
             </a:fld>
-            <a:endParaRPr lang="en-US"/>
+            <a:endParaRPr lang="en-US" dirty="0"/>
           </a:p>
         </p:txBody>
       </p:sp>
       <p:sp>
         <p:nvSpPr>
-          <p:cNvPr id="6" name="Footer Placeholder 5">
-            <a:extLst>
-              <a:ext uri="{FF2B5EF4-FFF2-40B4-BE49-F238E27FC236}">
-                <a16:creationId xmlns:a16="http://schemas.microsoft.com/office/drawing/2014/main" id="{674C5BF0-2C67-2D40-95EE-096A30E412DA}"/>
-              </a:ext>
-            </a:extLst>
-          </p:cNvPr>
+          <p:cNvPr id="6" name="Footer Placeholder 5"/>
           <p:cNvSpPr>
             <a:spLocks noGrp="1"/>
           </p:cNvSpPr>
@@ -1450,24 +2167,26 @@
             <p:ph type="ftr" sz="quarter" idx="11"/>
           </p:nvPr>
         </p:nvSpPr>
-        <p:spPr/>
+        <p:spPr>
+          <a:xfrm>
+            <a:off x="4165600" y="6356351"/>
+            <a:ext cx="3860800" cy="365125"/>
+          </a:xfrm>
+          <a:prstGeom prst="rect">
+            <a:avLst/>
+          </a:prstGeom>
+        </p:spPr>
         <p:txBody>
           <a:bodyPr/>
           <a:lstStyle/>
           <a:p>
-            <a:endParaRPr lang="en-US"/>
+            <a:endParaRPr lang="en-US" dirty="0"/>
           </a:p>
         </p:txBody>
       </p:sp>
       <p:sp>
         <p:nvSpPr>
-          <p:cNvPr id="7" name="Slide Number Placeholder 6">
-            <a:extLst>
-              <a:ext uri="{FF2B5EF4-FFF2-40B4-BE49-F238E27FC236}">
-                <a16:creationId xmlns:a16="http://schemas.microsoft.com/office/drawing/2014/main" id="{6A5A4D47-47CA-7041-917E-0D101D6F923D}"/>
-              </a:ext>
-            </a:extLst>
-          </p:cNvPr>
+          <p:cNvPr id="7" name="Slide Number Placeholder 6"/>
           <p:cNvSpPr>
             <a:spLocks noGrp="1"/>
           </p:cNvSpPr>
@@ -1475,29 +2194,49 @@
             <p:ph type="sldNum" sz="quarter" idx="12"/>
           </p:nvPr>
         </p:nvSpPr>
-        <p:spPr/>
+        <p:spPr>
+          <a:xfrm>
+            <a:off x="8737600" y="6356351"/>
+            <a:ext cx="2844800" cy="365125"/>
+          </a:xfrm>
+          <a:prstGeom prst="rect">
+            <a:avLst/>
+          </a:prstGeom>
+        </p:spPr>
         <p:txBody>
           <a:bodyPr/>
           <a:lstStyle/>
           <a:p>
-            <a:fld id="{31019FFD-5169-5242-BB56-FEF46D2A9381}" type="slidenum">
+            <a:fld id="{093862CD-2CE4-D846-9F15-15300DCE1BBC}" type="slidenum">
               <a:rPr lang="en-US" smtClean="0"/>
               <a:t>‹#›</a:t>
             </a:fld>
-            <a:endParaRPr lang="en-US"/>
+            <a:endParaRPr lang="en-US" dirty="0"/>
           </a:p>
         </p:txBody>
       </p:sp>
     </p:spTree>
     <p:extLst>
       <p:ext uri="{BB962C8B-B14F-4D97-AF65-F5344CB8AC3E}">
-        <p14:creationId xmlns:p14="http://schemas.microsoft.com/office/powerpoint/2010/main" val="1178459401"/>
+        <p14:creationId xmlns:p14="http://schemas.microsoft.com/office/powerpoint/2010/main" val="1969738093"/>
       </p:ext>
     </p:extLst>
   </p:cSld>
   <p:clrMapOvr>
     <a:masterClrMapping/>
   </p:clrMapOvr>
+  <mc:AlternateContent xmlns:mc="http://schemas.openxmlformats.org/markup-compatibility/2006" xmlns:p14="http://schemas.microsoft.com/office/powerpoint/2010/main">
+    <mc:Choice Requires="p14">
+      <p:transition spd="slow" p14:dur="1500">
+        <p:split orient="vert"/>
+      </p:transition>
+    </mc:Choice>
+    <mc:Fallback xmlns="">
+      <p:transition xmlns:p14="http://schemas.microsoft.com/office/powerpoint/2010/main" spd="slow">
+        <p:split orient="vert"/>
+      </p:transition>
+    </mc:Fallback>
+  </mc:AlternateContent>
 </p:sldLayout>
 </file>
 
@@ -1520,13 +2259,7 @@
       </p:grpSpPr>
       <p:sp>
         <p:nvSpPr>
-          <p:cNvPr id="2" name="Title 1">
-            <a:extLst>
-              <a:ext uri="{FF2B5EF4-FFF2-40B4-BE49-F238E27FC236}">
-                <a16:creationId xmlns:a16="http://schemas.microsoft.com/office/drawing/2014/main" id="{2E23467B-99A6-1C4F-A6E2-2B2833D445B5}"/>
-              </a:ext>
-            </a:extLst>
-          </p:cNvPr>
+          <p:cNvPr id="2" name="Title 1"/>
           <p:cNvSpPr>
             <a:spLocks noGrp="1"/>
           </p:cNvSpPr>
@@ -1536,31 +2269,28 @@
         </p:nvSpPr>
         <p:spPr>
           <a:xfrm>
-            <a:off x="839788" y="365125"/>
-            <a:ext cx="10515600" cy="1325563"/>
+            <a:off x="1342907" y="924791"/>
+            <a:ext cx="10684879" cy="365125"/>
           </a:xfrm>
         </p:spPr>
         <p:txBody>
           <a:bodyPr/>
-          <a:lstStyle/>
-          <a:p>
-            <a:r>
-              <a:rPr lang="en-GB"/>
+          <a:lstStyle>
+            <a:lvl1pPr>
+              <a:defRPr/>
+            </a:lvl1pPr>
+          </a:lstStyle>
+          <a:p>
+            <a:r>
+              <a:rPr lang="en-US"/>
               <a:t>Click to edit Master title style</a:t>
             </a:r>
-            <a:endParaRPr lang="en-US"/>
           </a:p>
         </p:txBody>
       </p:sp>
       <p:sp>
         <p:nvSpPr>
-          <p:cNvPr id="3" name="Text Placeholder 2">
-            <a:extLst>
-              <a:ext uri="{FF2B5EF4-FFF2-40B4-BE49-F238E27FC236}">
-                <a16:creationId xmlns:a16="http://schemas.microsoft.com/office/drawing/2014/main" id="{05C28EB1-D4A0-A64E-A90D-7F92D4E5D616}"/>
-              </a:ext>
-            </a:extLst>
-          </p:cNvPr>
+          <p:cNvPr id="3" name="Text Placeholder 2"/>
           <p:cNvSpPr>
             <a:spLocks noGrp="1"/>
           </p:cNvSpPr>
@@ -1570,16 +2300,18 @@
         </p:nvSpPr>
         <p:spPr>
           <a:xfrm>
-            <a:off x="839788" y="1681163"/>
-            <a:ext cx="5157787" cy="823912"/>
+            <a:off x="1342906" y="1724891"/>
+            <a:ext cx="5154876" cy="449984"/>
           </a:xfrm>
         </p:spPr>
         <p:txBody>
-          <a:bodyPr anchor="b"/>
+          <a:bodyPr anchor="b">
+            <a:normAutofit/>
+          </a:bodyPr>
           <a:lstStyle>
             <a:lvl1pPr marL="0" indent="0">
               <a:buNone/>
-              <a:defRPr sz="2400" b="1"/>
+              <a:defRPr sz="2000" b="1"/>
             </a:lvl1pPr>
             <a:lvl2pPr marL="457200" indent="0">
               <a:buNone/>
@@ -1617,7 +2349,7 @@
           <a:p>
             <a:pPr lvl="0"/>
             <a:r>
-              <a:rPr lang="en-GB"/>
+              <a:rPr lang="en-US" dirty="0"/>
               <a:t>Click to edit Master text styles</a:t>
             </a:r>
           </a:p>
@@ -1625,13 +2357,7 @@
       </p:sp>
       <p:sp>
         <p:nvSpPr>
-          <p:cNvPr id="4" name="Content Placeholder 3">
-            <a:extLst>
-              <a:ext uri="{FF2B5EF4-FFF2-40B4-BE49-F238E27FC236}">
-                <a16:creationId xmlns:a16="http://schemas.microsoft.com/office/drawing/2014/main" id="{EBB3721A-E43B-654F-8455-314DD067A526}"/>
-              </a:ext>
-            </a:extLst>
-          </p:cNvPr>
+          <p:cNvPr id="4" name="Content Placeholder 3"/>
           <p:cNvSpPr>
             <a:spLocks noGrp="1"/>
           </p:cNvSpPr>
@@ -1641,60 +2367,81 @@
         </p:nvSpPr>
         <p:spPr>
           <a:xfrm>
-            <a:off x="839788" y="2505075"/>
-            <a:ext cx="5157787" cy="3684588"/>
+            <a:off x="1342906" y="2174875"/>
+            <a:ext cx="5154876" cy="3951288"/>
           </a:xfrm>
         </p:spPr>
         <p:txBody>
           <a:bodyPr/>
-          <a:lstStyle/>
+          <a:lstStyle>
+            <a:lvl1pPr>
+              <a:defRPr sz="2400"/>
+            </a:lvl1pPr>
+            <a:lvl2pPr>
+              <a:defRPr sz="2000"/>
+            </a:lvl2pPr>
+            <a:lvl3pPr>
+              <a:defRPr sz="1800"/>
+            </a:lvl3pPr>
+            <a:lvl4pPr>
+              <a:defRPr sz="1600"/>
+            </a:lvl4pPr>
+            <a:lvl5pPr>
+              <a:defRPr sz="1600"/>
+            </a:lvl5pPr>
+            <a:lvl6pPr>
+              <a:defRPr sz="1600"/>
+            </a:lvl6pPr>
+            <a:lvl7pPr>
+              <a:defRPr sz="1600"/>
+            </a:lvl7pPr>
+            <a:lvl8pPr>
+              <a:defRPr sz="1600"/>
+            </a:lvl8pPr>
+            <a:lvl9pPr>
+              <a:defRPr sz="1600"/>
+            </a:lvl9pPr>
+          </a:lstStyle>
           <a:p>
             <a:pPr lvl="0"/>
             <a:r>
-              <a:rPr lang="en-GB"/>
+              <a:rPr lang="en-US" dirty="0"/>
               <a:t>Click to edit Master text styles</a:t>
             </a:r>
           </a:p>
           <a:p>
             <a:pPr lvl="1"/>
             <a:r>
-              <a:rPr lang="en-GB"/>
+              <a:rPr lang="en-US" dirty="0"/>
               <a:t>Second level</a:t>
             </a:r>
           </a:p>
           <a:p>
             <a:pPr lvl="2"/>
             <a:r>
-              <a:rPr lang="en-GB"/>
+              <a:rPr lang="en-US" dirty="0"/>
               <a:t>Third level</a:t>
             </a:r>
           </a:p>
           <a:p>
             <a:pPr lvl="3"/>
             <a:r>
-              <a:rPr lang="en-GB"/>
+              <a:rPr lang="en-US" dirty="0"/>
               <a:t>Fourth level</a:t>
             </a:r>
           </a:p>
           <a:p>
             <a:pPr lvl="4"/>
             <a:r>
-              <a:rPr lang="en-GB"/>
+              <a:rPr lang="en-US" dirty="0"/>
               <a:t>Fifth level</a:t>
             </a:r>
-            <a:endParaRPr lang="en-US"/>
           </a:p>
         </p:txBody>
       </p:sp>
       <p:sp>
         <p:nvSpPr>
-          <p:cNvPr id="5" name="Text Placeholder 4">
-            <a:extLst>
-              <a:ext uri="{FF2B5EF4-FFF2-40B4-BE49-F238E27FC236}">
-                <a16:creationId xmlns:a16="http://schemas.microsoft.com/office/drawing/2014/main" id="{15BB3AF7-83B9-A046-964C-DA0A436B7E08}"/>
-              </a:ext>
-            </a:extLst>
-          </p:cNvPr>
+          <p:cNvPr id="5" name="Text Placeholder 4"/>
           <p:cNvSpPr>
             <a:spLocks noGrp="1"/>
           </p:cNvSpPr>
@@ -1704,16 +2451,18 @@
         </p:nvSpPr>
         <p:spPr>
           <a:xfrm>
-            <a:off x="6172200" y="1681163"/>
-            <a:ext cx="5183188" cy="823912"/>
+            <a:off x="6705600" y="1724890"/>
+            <a:ext cx="5310832" cy="449985"/>
           </a:xfrm>
         </p:spPr>
         <p:txBody>
-          <a:bodyPr anchor="b"/>
+          <a:bodyPr anchor="b">
+            <a:noAutofit/>
+          </a:bodyPr>
           <a:lstStyle>
             <a:lvl1pPr marL="0" indent="0">
               <a:buNone/>
-              <a:defRPr sz="2400" b="1"/>
+              <a:defRPr sz="2000" b="1"/>
             </a:lvl1pPr>
             <a:lvl2pPr marL="457200" indent="0">
               <a:buNone/>
@@ -1751,7 +2500,7 @@
           <a:p>
             <a:pPr lvl="0"/>
             <a:r>
-              <a:rPr lang="en-GB"/>
+              <a:rPr lang="en-US" dirty="0"/>
               <a:t>Click to edit Master text styles</a:t>
             </a:r>
           </a:p>
@@ -1759,13 +2508,7 @@
       </p:sp>
       <p:sp>
         <p:nvSpPr>
-          <p:cNvPr id="6" name="Content Placeholder 5">
-            <a:extLst>
-              <a:ext uri="{FF2B5EF4-FFF2-40B4-BE49-F238E27FC236}">
-                <a16:creationId xmlns:a16="http://schemas.microsoft.com/office/drawing/2014/main" id="{111F20AF-0C7B-AE45-A6E6-433FBB9BD0C1}"/>
-              </a:ext>
-            </a:extLst>
-          </p:cNvPr>
+          <p:cNvPr id="6" name="Content Placeholder 5"/>
           <p:cNvSpPr>
             <a:spLocks noGrp="1"/>
           </p:cNvSpPr>
@@ -1775,60 +2518,81 @@
         </p:nvSpPr>
         <p:spPr>
           <a:xfrm>
-            <a:off x="6172200" y="2505075"/>
-            <a:ext cx="5183188" cy="3684588"/>
+            <a:off x="6705600" y="2174875"/>
+            <a:ext cx="5310832" cy="3951288"/>
           </a:xfrm>
         </p:spPr>
         <p:txBody>
           <a:bodyPr/>
-          <a:lstStyle/>
+          <a:lstStyle>
+            <a:lvl1pPr>
+              <a:defRPr sz="2400"/>
+            </a:lvl1pPr>
+            <a:lvl2pPr>
+              <a:defRPr sz="2000"/>
+            </a:lvl2pPr>
+            <a:lvl3pPr>
+              <a:defRPr sz="1800"/>
+            </a:lvl3pPr>
+            <a:lvl4pPr>
+              <a:defRPr sz="1600"/>
+            </a:lvl4pPr>
+            <a:lvl5pPr>
+              <a:defRPr sz="1600"/>
+            </a:lvl5pPr>
+            <a:lvl6pPr>
+              <a:defRPr sz="1600"/>
+            </a:lvl6pPr>
+            <a:lvl7pPr>
+              <a:defRPr sz="1600"/>
+            </a:lvl7pPr>
+            <a:lvl8pPr>
+              <a:defRPr sz="1600"/>
+            </a:lvl8pPr>
+            <a:lvl9pPr>
+              <a:defRPr sz="1600"/>
+            </a:lvl9pPr>
+          </a:lstStyle>
           <a:p>
             <a:pPr lvl="0"/>
             <a:r>
-              <a:rPr lang="en-GB"/>
+              <a:rPr lang="en-US"/>
               <a:t>Click to edit Master text styles</a:t>
             </a:r>
           </a:p>
           <a:p>
             <a:pPr lvl="1"/>
             <a:r>
-              <a:rPr lang="en-GB"/>
+              <a:rPr lang="en-US"/>
               <a:t>Second level</a:t>
             </a:r>
           </a:p>
           <a:p>
             <a:pPr lvl="2"/>
             <a:r>
-              <a:rPr lang="en-GB"/>
+              <a:rPr lang="en-US"/>
               <a:t>Third level</a:t>
             </a:r>
           </a:p>
           <a:p>
             <a:pPr lvl="3"/>
             <a:r>
-              <a:rPr lang="en-GB"/>
+              <a:rPr lang="en-US"/>
               <a:t>Fourth level</a:t>
             </a:r>
           </a:p>
           <a:p>
             <a:pPr lvl="4"/>
             <a:r>
-              <a:rPr lang="en-GB"/>
+              <a:rPr lang="en-US"/>
               <a:t>Fifth level</a:t>
             </a:r>
-            <a:endParaRPr lang="en-US"/>
           </a:p>
         </p:txBody>
       </p:sp>
       <p:sp>
         <p:nvSpPr>
-          <p:cNvPr id="7" name="Date Placeholder 6">
-            <a:extLst>
-              <a:ext uri="{FF2B5EF4-FFF2-40B4-BE49-F238E27FC236}">
-                <a16:creationId xmlns:a16="http://schemas.microsoft.com/office/drawing/2014/main" id="{C176B3FA-3088-A746-A69E-2AA9DE366694}"/>
-              </a:ext>
-            </a:extLst>
-          </p:cNvPr>
+          <p:cNvPr id="7" name="Date Placeholder 6"/>
           <p:cNvSpPr>
             <a:spLocks noGrp="1"/>
           </p:cNvSpPr>
@@ -1836,28 +2600,30 @@
             <p:ph type="dt" sz="half" idx="10"/>
           </p:nvPr>
         </p:nvSpPr>
-        <p:spPr/>
+        <p:spPr>
+          <a:xfrm>
+            <a:off x="609600" y="6356351"/>
+            <a:ext cx="2844800" cy="365125"/>
+          </a:xfrm>
+          <a:prstGeom prst="rect">
+            <a:avLst/>
+          </a:prstGeom>
+        </p:spPr>
         <p:txBody>
           <a:bodyPr/>
           <a:lstStyle/>
           <a:p>
-            <a:fld id="{1471DB2D-A09E-364E-9721-376CA49FF99C}" type="datetimeFigureOut">
+            <a:fld id="{A4EF6776-A4B7-1C4D-B1F9-2B9029E89AE3}" type="datetimeFigureOut">
               <a:rPr lang="en-US" smtClean="0"/>
               <a:t>3/20/20</a:t>
             </a:fld>
-            <a:endParaRPr lang="en-US"/>
+            <a:endParaRPr lang="en-US" dirty="0"/>
           </a:p>
         </p:txBody>
       </p:sp>
       <p:sp>
         <p:nvSpPr>
-          <p:cNvPr id="8" name="Footer Placeholder 7">
-            <a:extLst>
-              <a:ext uri="{FF2B5EF4-FFF2-40B4-BE49-F238E27FC236}">
-                <a16:creationId xmlns:a16="http://schemas.microsoft.com/office/drawing/2014/main" id="{C78A9F02-2C88-4D48-91B4-F5381FE49867}"/>
-              </a:ext>
-            </a:extLst>
-          </p:cNvPr>
+          <p:cNvPr id="8" name="Footer Placeholder 7"/>
           <p:cNvSpPr>
             <a:spLocks noGrp="1"/>
           </p:cNvSpPr>
@@ -1865,24 +2631,26 @@
             <p:ph type="ftr" sz="quarter" idx="11"/>
           </p:nvPr>
         </p:nvSpPr>
-        <p:spPr/>
+        <p:spPr>
+          <a:xfrm>
+            <a:off x="4165600" y="6356351"/>
+            <a:ext cx="3860800" cy="365125"/>
+          </a:xfrm>
+          <a:prstGeom prst="rect">
+            <a:avLst/>
+          </a:prstGeom>
+        </p:spPr>
         <p:txBody>
           <a:bodyPr/>
           <a:lstStyle/>
           <a:p>
-            <a:endParaRPr lang="en-US"/>
+            <a:endParaRPr lang="en-US" dirty="0"/>
           </a:p>
         </p:txBody>
       </p:sp>
       <p:sp>
         <p:nvSpPr>
-          <p:cNvPr id="9" name="Slide Number Placeholder 8">
-            <a:extLst>
-              <a:ext uri="{FF2B5EF4-FFF2-40B4-BE49-F238E27FC236}">
-                <a16:creationId xmlns:a16="http://schemas.microsoft.com/office/drawing/2014/main" id="{415A268C-AB42-2F4D-82B2-06BBF32DB834}"/>
-              </a:ext>
-            </a:extLst>
-          </p:cNvPr>
+          <p:cNvPr id="9" name="Slide Number Placeholder 8"/>
           <p:cNvSpPr>
             <a:spLocks noGrp="1"/>
           </p:cNvSpPr>
@@ -1890,29 +2658,49 @@
             <p:ph type="sldNum" sz="quarter" idx="12"/>
           </p:nvPr>
         </p:nvSpPr>
-        <p:spPr/>
+        <p:spPr>
+          <a:xfrm>
+            <a:off x="8737600" y="6356351"/>
+            <a:ext cx="2844800" cy="365125"/>
+          </a:xfrm>
+          <a:prstGeom prst="rect">
+            <a:avLst/>
+          </a:prstGeom>
+        </p:spPr>
         <p:txBody>
           <a:bodyPr/>
           <a:lstStyle/>
           <a:p>
-            <a:fld id="{31019FFD-5169-5242-BB56-FEF46D2A9381}" type="slidenum">
+            <a:fld id="{093862CD-2CE4-D846-9F15-15300DCE1BBC}" type="slidenum">
               <a:rPr lang="en-US" smtClean="0"/>
               <a:t>‹#›</a:t>
             </a:fld>
-            <a:endParaRPr lang="en-US"/>
+            <a:endParaRPr lang="en-US" dirty="0"/>
           </a:p>
         </p:txBody>
       </p:sp>
     </p:spTree>
     <p:extLst>
       <p:ext uri="{BB962C8B-B14F-4D97-AF65-F5344CB8AC3E}">
-        <p14:creationId xmlns:p14="http://schemas.microsoft.com/office/powerpoint/2010/main" val="3322052891"/>
+        <p14:creationId xmlns:p14="http://schemas.microsoft.com/office/powerpoint/2010/main" val="4248455712"/>
       </p:ext>
     </p:extLst>
   </p:cSld>
   <p:clrMapOvr>
     <a:masterClrMapping/>
   </p:clrMapOvr>
+  <mc:AlternateContent xmlns:mc="http://schemas.openxmlformats.org/markup-compatibility/2006" xmlns:p14="http://schemas.microsoft.com/office/powerpoint/2010/main">
+    <mc:Choice Requires="p14">
+      <p:transition spd="slow" p14:dur="1500">
+        <p:split orient="vert"/>
+      </p:transition>
+    </mc:Choice>
+    <mc:Fallback xmlns="">
+      <p:transition xmlns:p14="http://schemas.microsoft.com/office/powerpoint/2010/main" spd="slow">
+        <p:split orient="vert"/>
+      </p:transition>
+    </mc:Fallback>
+  </mc:AlternateContent>
 </p:sldLayout>
 </file>
 
@@ -1935,13 +2723,7 @@
       </p:grpSpPr>
       <p:sp>
         <p:nvSpPr>
-          <p:cNvPr id="2" name="Title 1">
-            <a:extLst>
-              <a:ext uri="{FF2B5EF4-FFF2-40B4-BE49-F238E27FC236}">
-                <a16:creationId xmlns:a16="http://schemas.microsoft.com/office/drawing/2014/main" id="{4610FE22-C576-324E-8966-C95383598CEB}"/>
-              </a:ext>
-            </a:extLst>
-          </p:cNvPr>
+          <p:cNvPr id="2" name="Title 1"/>
           <p:cNvSpPr>
             <a:spLocks noGrp="1"/>
           </p:cNvSpPr>
@@ -1949,28 +2731,26 @@
             <p:ph type="title"/>
           </p:nvPr>
         </p:nvSpPr>
-        <p:spPr/>
+        <p:spPr>
+          <a:xfrm>
+            <a:off x="1342907" y="925150"/>
+            <a:ext cx="10684879" cy="365125"/>
+          </a:xfrm>
+        </p:spPr>
         <p:txBody>
           <a:bodyPr/>
           <a:lstStyle/>
           <a:p>
             <a:r>
-              <a:rPr lang="en-GB"/>
+              <a:rPr lang="en-US" dirty="0"/>
               <a:t>Click to edit Master title style</a:t>
             </a:r>
-            <a:endParaRPr lang="en-US"/>
           </a:p>
         </p:txBody>
       </p:sp>
       <p:sp>
         <p:nvSpPr>
-          <p:cNvPr id="3" name="Date Placeholder 2">
-            <a:extLst>
-              <a:ext uri="{FF2B5EF4-FFF2-40B4-BE49-F238E27FC236}">
-                <a16:creationId xmlns:a16="http://schemas.microsoft.com/office/drawing/2014/main" id="{F5C1AECA-B56A-EA4A-88B2-20C674545343}"/>
-              </a:ext>
-            </a:extLst>
-          </p:cNvPr>
+          <p:cNvPr id="3" name="Date Placeholder 2"/>
           <p:cNvSpPr>
             <a:spLocks noGrp="1"/>
           </p:cNvSpPr>
@@ -1978,28 +2758,30 @@
             <p:ph type="dt" sz="half" idx="10"/>
           </p:nvPr>
         </p:nvSpPr>
-        <p:spPr/>
+        <p:spPr>
+          <a:xfrm>
+            <a:off x="609600" y="6356351"/>
+            <a:ext cx="2844800" cy="365125"/>
+          </a:xfrm>
+          <a:prstGeom prst="rect">
+            <a:avLst/>
+          </a:prstGeom>
+        </p:spPr>
         <p:txBody>
           <a:bodyPr/>
           <a:lstStyle/>
           <a:p>
-            <a:fld id="{1471DB2D-A09E-364E-9721-376CA49FF99C}" type="datetimeFigureOut">
+            <a:fld id="{A4EF6776-A4B7-1C4D-B1F9-2B9029E89AE3}" type="datetimeFigureOut">
               <a:rPr lang="en-US" smtClean="0"/>
               <a:t>3/20/20</a:t>
             </a:fld>
-            <a:endParaRPr lang="en-US"/>
+            <a:endParaRPr lang="en-US" dirty="0"/>
           </a:p>
         </p:txBody>
       </p:sp>
       <p:sp>
         <p:nvSpPr>
-          <p:cNvPr id="4" name="Footer Placeholder 3">
-            <a:extLst>
-              <a:ext uri="{FF2B5EF4-FFF2-40B4-BE49-F238E27FC236}">
-                <a16:creationId xmlns:a16="http://schemas.microsoft.com/office/drawing/2014/main" id="{763BBAF0-8DEE-2242-B8C3-8D49D7B249BE}"/>
-              </a:ext>
-            </a:extLst>
-          </p:cNvPr>
+          <p:cNvPr id="4" name="Footer Placeholder 3"/>
           <p:cNvSpPr>
             <a:spLocks noGrp="1"/>
           </p:cNvSpPr>
@@ -2007,24 +2789,26 @@
             <p:ph type="ftr" sz="quarter" idx="11"/>
           </p:nvPr>
         </p:nvSpPr>
-        <p:spPr/>
+        <p:spPr>
+          <a:xfrm>
+            <a:off x="4165600" y="6356351"/>
+            <a:ext cx="3860800" cy="365125"/>
+          </a:xfrm>
+          <a:prstGeom prst="rect">
+            <a:avLst/>
+          </a:prstGeom>
+        </p:spPr>
         <p:txBody>
           <a:bodyPr/>
           <a:lstStyle/>
           <a:p>
-            <a:endParaRPr lang="en-US"/>
+            <a:endParaRPr lang="en-US" dirty="0"/>
           </a:p>
         </p:txBody>
       </p:sp>
       <p:sp>
         <p:nvSpPr>
-          <p:cNvPr id="5" name="Slide Number Placeholder 4">
-            <a:extLst>
-              <a:ext uri="{FF2B5EF4-FFF2-40B4-BE49-F238E27FC236}">
-                <a16:creationId xmlns:a16="http://schemas.microsoft.com/office/drawing/2014/main" id="{49319617-3C4C-7249-9BAB-C55A8A97DB91}"/>
-              </a:ext>
-            </a:extLst>
-          </p:cNvPr>
+          <p:cNvPr id="5" name="Slide Number Placeholder 4"/>
           <p:cNvSpPr>
             <a:spLocks noGrp="1"/>
           </p:cNvSpPr>
@@ -2032,34 +2816,54 @@
             <p:ph type="sldNum" sz="quarter" idx="12"/>
           </p:nvPr>
         </p:nvSpPr>
-        <p:spPr/>
+        <p:spPr>
+          <a:xfrm>
+            <a:off x="8737600" y="6356351"/>
+            <a:ext cx="2844800" cy="365125"/>
+          </a:xfrm>
+          <a:prstGeom prst="rect">
+            <a:avLst/>
+          </a:prstGeom>
+        </p:spPr>
         <p:txBody>
           <a:bodyPr/>
           <a:lstStyle/>
           <a:p>
-            <a:fld id="{31019FFD-5169-5242-BB56-FEF46D2A9381}" type="slidenum">
+            <a:fld id="{093862CD-2CE4-D846-9F15-15300DCE1BBC}" type="slidenum">
               <a:rPr lang="en-US" smtClean="0"/>
               <a:t>‹#›</a:t>
             </a:fld>
-            <a:endParaRPr lang="en-US"/>
+            <a:endParaRPr lang="en-US" dirty="0"/>
           </a:p>
         </p:txBody>
       </p:sp>
     </p:spTree>
     <p:extLst>
       <p:ext uri="{BB962C8B-B14F-4D97-AF65-F5344CB8AC3E}">
-        <p14:creationId xmlns:p14="http://schemas.microsoft.com/office/powerpoint/2010/main" val="2527862505"/>
+        <p14:creationId xmlns:p14="http://schemas.microsoft.com/office/powerpoint/2010/main" val="3744160970"/>
       </p:ext>
     </p:extLst>
   </p:cSld>
   <p:clrMapOvr>
     <a:masterClrMapping/>
   </p:clrMapOvr>
+  <mc:AlternateContent xmlns:mc="http://schemas.openxmlformats.org/markup-compatibility/2006" xmlns:p14="http://schemas.microsoft.com/office/powerpoint/2010/main">
+    <mc:Choice Requires="p14">
+      <p:transition spd="slow" p14:dur="1500">
+        <p:split orient="vert"/>
+      </p:transition>
+    </mc:Choice>
+    <mc:Fallback xmlns="">
+      <p:transition xmlns:p14="http://schemas.microsoft.com/office/powerpoint/2010/main" spd="slow">
+        <p:split orient="vert"/>
+      </p:transition>
+    </mc:Fallback>
+  </mc:AlternateContent>
 </p:sldLayout>
 </file>
 
 <file path=ppt/slideLayouts/slideLayout7.xml><?xml version="1.0" encoding="utf-8"?>
-<p:sldLayout xmlns:a="http://schemas.openxmlformats.org/drawingml/2006/main" xmlns:r="http://schemas.openxmlformats.org/officeDocument/2006/relationships" xmlns:p="http://schemas.openxmlformats.org/presentationml/2006/main" type="blank" preserve="1">
+<p:sldLayout xmlns:a="http://schemas.openxmlformats.org/drawingml/2006/main" xmlns:r="http://schemas.openxmlformats.org/officeDocument/2006/relationships" xmlns:p="http://schemas.openxmlformats.org/presentationml/2006/main" preserve="1" userDrawn="1">
   <p:cSld name="Blank">
     <p:spTree>
       <p:nvGrpSpPr>
@@ -2077,10 +2881,99 @@
       </p:grpSpPr>
       <p:sp>
         <p:nvSpPr>
-          <p:cNvPr id="2" name="Date Placeholder 1">
+          <p:cNvPr id="2" name="Date Placeholder 1"/>
+          <p:cNvSpPr>
+            <a:spLocks noGrp="1"/>
+          </p:cNvSpPr>
+          <p:nvPr>
+            <p:ph type="dt" sz="half" idx="10"/>
+          </p:nvPr>
+        </p:nvSpPr>
+        <p:spPr>
+          <a:xfrm>
+            <a:off x="609600" y="6356351"/>
+            <a:ext cx="2844800" cy="365125"/>
+          </a:xfrm>
+          <a:prstGeom prst="rect">
+            <a:avLst/>
+          </a:prstGeom>
+        </p:spPr>
+        <p:txBody>
+          <a:bodyPr/>
+          <a:lstStyle/>
+          <a:p>
+            <a:fld id="{A4EF6776-A4B7-1C4D-B1F9-2B9029E89AE3}" type="datetimeFigureOut">
+              <a:rPr lang="en-US" smtClean="0"/>
+              <a:t>3/20/20</a:t>
+            </a:fld>
+            <a:endParaRPr lang="en-US" dirty="0"/>
+          </a:p>
+        </p:txBody>
+      </p:sp>
+      <p:sp>
+        <p:nvSpPr>
+          <p:cNvPr id="3" name="Footer Placeholder 2"/>
+          <p:cNvSpPr>
+            <a:spLocks noGrp="1"/>
+          </p:cNvSpPr>
+          <p:nvPr>
+            <p:ph type="ftr" sz="quarter" idx="11"/>
+          </p:nvPr>
+        </p:nvSpPr>
+        <p:spPr>
+          <a:xfrm>
+            <a:off x="4165600" y="6356351"/>
+            <a:ext cx="3860800" cy="365125"/>
+          </a:xfrm>
+          <a:prstGeom prst="rect">
+            <a:avLst/>
+          </a:prstGeom>
+        </p:spPr>
+        <p:txBody>
+          <a:bodyPr/>
+          <a:lstStyle/>
+          <a:p>
+            <a:endParaRPr lang="en-US" dirty="0"/>
+          </a:p>
+        </p:txBody>
+      </p:sp>
+      <p:sp>
+        <p:nvSpPr>
+          <p:cNvPr id="4" name="Slide Number Placeholder 3"/>
+          <p:cNvSpPr>
+            <a:spLocks noGrp="1"/>
+          </p:cNvSpPr>
+          <p:nvPr>
+            <p:ph type="sldNum" sz="quarter" idx="12"/>
+          </p:nvPr>
+        </p:nvSpPr>
+        <p:spPr>
+          <a:xfrm>
+            <a:off x="8737600" y="6356351"/>
+            <a:ext cx="2844800" cy="365125"/>
+          </a:xfrm>
+          <a:prstGeom prst="rect">
+            <a:avLst/>
+          </a:prstGeom>
+        </p:spPr>
+        <p:txBody>
+          <a:bodyPr/>
+          <a:lstStyle/>
+          <a:p>
+            <a:fld id="{093862CD-2CE4-D846-9F15-15300DCE1BBC}" type="slidenum">
+              <a:rPr lang="en-US" smtClean="0"/>
+              <a:t>‹#›</a:t>
+            </a:fld>
+            <a:endParaRPr lang="en-US" dirty="0"/>
+          </a:p>
+        </p:txBody>
+      </p:sp>
+      <p:sp>
+        <p:nvSpPr>
+          <p:cNvPr id="5" name="Title 1">
             <a:extLst>
               <a:ext uri="{FF2B5EF4-FFF2-40B4-BE49-F238E27FC236}">
-                <a16:creationId xmlns:a16="http://schemas.microsoft.com/office/drawing/2014/main" id="{D7CD0424-4207-F545-8B3A-BEF305665FE2}"/>
+                <a16:creationId xmlns:a16="http://schemas.microsoft.com/office/drawing/2014/main" id="{45CE6F17-BA95-494B-91A3-DCBD76065520}"/>
               </a:ext>
             </a:extLst>
           </p:cNvPr>
@@ -2088,86 +2981,48 @@
             <a:spLocks noGrp="1"/>
           </p:cNvSpPr>
           <p:nvPr>
-            <p:ph type="dt" sz="half" idx="10"/>
+            <p:ph type="title"/>
           </p:nvPr>
         </p:nvSpPr>
-        <p:spPr/>
+        <p:spPr>
+          <a:xfrm>
+            <a:off x="1342907" y="935183"/>
+            <a:ext cx="10684879" cy="325577"/>
+          </a:xfrm>
+        </p:spPr>
         <p:txBody>
           <a:bodyPr/>
           <a:lstStyle/>
           <a:p>
-            <a:fld id="{1471DB2D-A09E-364E-9721-376CA49FF99C}" type="datetimeFigureOut">
-              <a:rPr lang="en-US" smtClean="0"/>
-              <a:t>3/20/20</a:t>
-            </a:fld>
-            <a:endParaRPr lang="en-US"/>
-          </a:p>
-        </p:txBody>
-      </p:sp>
-      <p:sp>
-        <p:nvSpPr>
-          <p:cNvPr id="3" name="Footer Placeholder 2">
-            <a:extLst>
-              <a:ext uri="{FF2B5EF4-FFF2-40B4-BE49-F238E27FC236}">
-                <a16:creationId xmlns:a16="http://schemas.microsoft.com/office/drawing/2014/main" id="{7FD3AE83-C0B2-5F44-857A-E1E0678AEED2}"/>
-              </a:ext>
-            </a:extLst>
-          </p:cNvPr>
-          <p:cNvSpPr>
-            <a:spLocks noGrp="1"/>
-          </p:cNvSpPr>
-          <p:nvPr>
-            <p:ph type="ftr" sz="quarter" idx="11"/>
-          </p:nvPr>
-        </p:nvSpPr>
-        <p:spPr/>
-        <p:txBody>
-          <a:bodyPr/>
-          <a:lstStyle/>
-          <a:p>
-            <a:endParaRPr lang="en-US"/>
-          </a:p>
-        </p:txBody>
-      </p:sp>
-      <p:sp>
-        <p:nvSpPr>
-          <p:cNvPr id="4" name="Slide Number Placeholder 3">
-            <a:extLst>
-              <a:ext uri="{FF2B5EF4-FFF2-40B4-BE49-F238E27FC236}">
-                <a16:creationId xmlns:a16="http://schemas.microsoft.com/office/drawing/2014/main" id="{552DFD4D-CD50-F24F-B555-F4BF17A34764}"/>
-              </a:ext>
-            </a:extLst>
-          </p:cNvPr>
-          <p:cNvSpPr>
-            <a:spLocks noGrp="1"/>
-          </p:cNvSpPr>
-          <p:nvPr>
-            <p:ph type="sldNum" sz="quarter" idx="12"/>
-          </p:nvPr>
-        </p:nvSpPr>
-        <p:spPr/>
-        <p:txBody>
-          <a:bodyPr/>
-          <a:lstStyle/>
-          <a:p>
-            <a:fld id="{31019FFD-5169-5242-BB56-FEF46D2A9381}" type="slidenum">
-              <a:rPr lang="en-US" smtClean="0"/>
-              <a:t>‹#›</a:t>
-            </a:fld>
-            <a:endParaRPr lang="en-US"/>
+            <a:r>
+              <a:rPr lang="en-US" dirty="0"/>
+              <a:t>Click to edit Master title style</a:t>
+            </a:r>
           </a:p>
         </p:txBody>
       </p:sp>
     </p:spTree>
     <p:extLst>
       <p:ext uri="{BB962C8B-B14F-4D97-AF65-F5344CB8AC3E}">
-        <p14:creationId xmlns:p14="http://schemas.microsoft.com/office/powerpoint/2010/main" val="3809928109"/>
+        <p14:creationId xmlns:p14="http://schemas.microsoft.com/office/powerpoint/2010/main" val="880368109"/>
       </p:ext>
     </p:extLst>
   </p:cSld>
   <p:clrMapOvr>
     <a:masterClrMapping/>
   </p:clrMapOvr>
+  <mc:AlternateContent xmlns:mc="http://schemas.openxmlformats.org/markup-compatibility/2006" xmlns:p14="http://schemas.microsoft.com/office/powerpoint/2010/main">
+    <mc:Choice Requires="p14">
+      <p:transition spd="slow" p14:dur="1500">
+        <p:split orient="vert"/>
+      </p:transition>
+    </mc:Choice>
+    <mc:Fallback xmlns="">
+      <p:transition xmlns:p14="http://schemas.microsoft.com/office/powerpoint/2010/main" spd="slow">
+        <p:split orient="vert"/>
+      </p:transition>
+    </mc:Fallback>
+  </mc:AlternateContent>
 </p:sldLayout>
 </file>
 
@@ -2190,13 +3045,7 @@
       </p:grpSpPr>
       <p:sp>
         <p:nvSpPr>
-          <p:cNvPr id="2" name="Title 1">
-            <a:extLst>
-              <a:ext uri="{FF2B5EF4-FFF2-40B4-BE49-F238E27FC236}">
-                <a16:creationId xmlns:a16="http://schemas.microsoft.com/office/drawing/2014/main" id="{75B2322A-A070-A749-99A2-B34A5EE7D8BD}"/>
-              </a:ext>
-            </a:extLst>
-          </p:cNvPr>
+          <p:cNvPr id="2" name="Title 1"/>
           <p:cNvSpPr>
             <a:spLocks noGrp="1"/>
           </p:cNvSpPr>
@@ -2206,35 +3055,32 @@
         </p:nvSpPr>
         <p:spPr>
           <a:xfrm>
-            <a:off x="839788" y="457200"/>
-            <a:ext cx="3932237" cy="1600200"/>
+            <a:off x="1288474" y="1435101"/>
+            <a:ext cx="4932217" cy="365125"/>
           </a:xfrm>
         </p:spPr>
         <p:txBody>
           <a:bodyPr anchor="b"/>
           <a:lstStyle>
-            <a:lvl1pPr>
-              <a:defRPr sz="3200"/>
+            <a:lvl1pPr algn="l">
+              <a:defRPr sz="2000" b="1">
+                <a:solidFill>
+                  <a:srgbClr val="002060"/>
+                </a:solidFill>
+              </a:defRPr>
             </a:lvl1pPr>
           </a:lstStyle>
           <a:p>
             <a:r>
-              <a:rPr lang="en-GB"/>
+              <a:rPr lang="en-US" dirty="0"/>
               <a:t>Click to edit Master title style</a:t>
             </a:r>
-            <a:endParaRPr lang="en-US"/>
           </a:p>
         </p:txBody>
       </p:sp>
       <p:sp>
         <p:nvSpPr>
-          <p:cNvPr id="3" name="Content Placeholder 2">
-            <a:extLst>
-              <a:ext uri="{FF2B5EF4-FFF2-40B4-BE49-F238E27FC236}">
-                <a16:creationId xmlns:a16="http://schemas.microsoft.com/office/drawing/2014/main" id="{4F66F2AF-A437-694C-83FB-F41C55CAEA5D}"/>
-              </a:ext>
-            </a:extLst>
-          </p:cNvPr>
+          <p:cNvPr id="3" name="Content Placeholder 2"/>
           <p:cNvSpPr>
             <a:spLocks noGrp="1"/>
           </p:cNvSpPr>
@@ -2244,15 +3090,15 @@
         </p:nvSpPr>
         <p:spPr>
           <a:xfrm>
-            <a:off x="5183188" y="987425"/>
-            <a:ext cx="6172200" cy="4873625"/>
+            <a:off x="6331532" y="1435101"/>
+            <a:ext cx="5680357" cy="4691063"/>
           </a:xfrm>
         </p:spPr>
         <p:txBody>
           <a:bodyPr/>
           <a:lstStyle>
             <a:lvl1pPr>
-              <a:defRPr sz="3200"/>
+              <a:defRPr sz="3000"/>
             </a:lvl1pPr>
             <a:lvl2pPr>
               <a:defRPr sz="2800"/>
@@ -2282,50 +3128,43 @@
           <a:p>
             <a:pPr lvl="0"/>
             <a:r>
-              <a:rPr lang="en-GB"/>
+              <a:rPr lang="en-US" dirty="0"/>
               <a:t>Click to edit Master text styles</a:t>
             </a:r>
           </a:p>
           <a:p>
             <a:pPr lvl="1"/>
             <a:r>
-              <a:rPr lang="en-GB"/>
+              <a:rPr lang="en-US" dirty="0"/>
               <a:t>Second level</a:t>
             </a:r>
           </a:p>
           <a:p>
             <a:pPr lvl="2"/>
             <a:r>
-              <a:rPr lang="en-GB"/>
+              <a:rPr lang="en-US" dirty="0"/>
               <a:t>Third level</a:t>
             </a:r>
           </a:p>
           <a:p>
             <a:pPr lvl="3"/>
             <a:r>
-              <a:rPr lang="en-GB"/>
+              <a:rPr lang="en-US" dirty="0"/>
               <a:t>Fourth level</a:t>
             </a:r>
           </a:p>
           <a:p>
             <a:pPr lvl="4"/>
             <a:r>
-              <a:rPr lang="en-GB"/>
+              <a:rPr lang="en-US" dirty="0"/>
               <a:t>Fifth level</a:t>
             </a:r>
-            <a:endParaRPr lang="en-US"/>
           </a:p>
         </p:txBody>
       </p:sp>
       <p:sp>
         <p:nvSpPr>
-          <p:cNvPr id="4" name="Text Placeholder 3">
-            <a:extLst>
-              <a:ext uri="{FF2B5EF4-FFF2-40B4-BE49-F238E27FC236}">
-                <a16:creationId xmlns:a16="http://schemas.microsoft.com/office/drawing/2014/main" id="{25AE0669-518E-8F43-BC9F-A826424820D1}"/>
-              </a:ext>
-            </a:extLst>
-          </p:cNvPr>
+          <p:cNvPr id="4" name="Text Placeholder 3"/>
           <p:cNvSpPr>
             <a:spLocks noGrp="1"/>
           </p:cNvSpPr>
@@ -2335,8 +3174,8 @@
         </p:nvSpPr>
         <p:spPr>
           <a:xfrm>
-            <a:off x="839788" y="2057400"/>
-            <a:ext cx="3932237" cy="3811588"/>
+            <a:off x="1288473" y="1800226"/>
+            <a:ext cx="4932216" cy="4325938"/>
           </a:xfrm>
         </p:spPr>
         <p:txBody>
@@ -2344,45 +3183,45 @@
           <a:lstStyle>
             <a:lvl1pPr marL="0" indent="0">
               <a:buNone/>
-              <a:defRPr sz="1600"/>
+              <a:defRPr sz="1400"/>
             </a:lvl1pPr>
             <a:lvl2pPr marL="457200" indent="0">
               <a:buNone/>
-              <a:defRPr sz="1400"/>
+              <a:defRPr sz="1200"/>
             </a:lvl2pPr>
             <a:lvl3pPr marL="914400" indent="0">
               <a:buNone/>
-              <a:defRPr sz="1200"/>
+              <a:defRPr sz="1000"/>
             </a:lvl3pPr>
             <a:lvl4pPr marL="1371600" indent="0">
               <a:buNone/>
-              <a:defRPr sz="1000"/>
+              <a:defRPr sz="900"/>
             </a:lvl4pPr>
             <a:lvl5pPr marL="1828800" indent="0">
               <a:buNone/>
-              <a:defRPr sz="1000"/>
+              <a:defRPr sz="900"/>
             </a:lvl5pPr>
             <a:lvl6pPr marL="2286000" indent="0">
               <a:buNone/>
-              <a:defRPr sz="1000"/>
+              <a:defRPr sz="900"/>
             </a:lvl6pPr>
             <a:lvl7pPr marL="2743200" indent="0">
               <a:buNone/>
-              <a:defRPr sz="1000"/>
+              <a:defRPr sz="900"/>
             </a:lvl7pPr>
             <a:lvl8pPr marL="3200400" indent="0">
               <a:buNone/>
-              <a:defRPr sz="1000"/>
+              <a:defRPr sz="900"/>
             </a:lvl8pPr>
             <a:lvl9pPr marL="3657600" indent="0">
               <a:buNone/>
-              <a:defRPr sz="1000"/>
+              <a:defRPr sz="900"/>
             </a:lvl9pPr>
           </a:lstStyle>
           <a:p>
             <a:pPr lvl="0"/>
             <a:r>
-              <a:rPr lang="en-GB"/>
+              <a:rPr lang="en-US" dirty="0"/>
               <a:t>Click to edit Master text styles</a:t>
             </a:r>
           </a:p>
@@ -2390,13 +3229,7 @@
       </p:sp>
       <p:sp>
         <p:nvSpPr>
-          <p:cNvPr id="5" name="Date Placeholder 4">
-            <a:extLst>
-              <a:ext uri="{FF2B5EF4-FFF2-40B4-BE49-F238E27FC236}">
-                <a16:creationId xmlns:a16="http://schemas.microsoft.com/office/drawing/2014/main" id="{6678C411-7ACE-8C42-AEE8-0D8C8236495A}"/>
-              </a:ext>
-            </a:extLst>
-          </p:cNvPr>
+          <p:cNvPr id="5" name="Date Placeholder 4"/>
           <p:cNvSpPr>
             <a:spLocks noGrp="1"/>
           </p:cNvSpPr>
@@ -2404,28 +3237,30 @@
             <p:ph type="dt" sz="half" idx="10"/>
           </p:nvPr>
         </p:nvSpPr>
-        <p:spPr/>
+        <p:spPr>
+          <a:xfrm>
+            <a:off x="609600" y="6356351"/>
+            <a:ext cx="2844800" cy="365125"/>
+          </a:xfrm>
+          <a:prstGeom prst="rect">
+            <a:avLst/>
+          </a:prstGeom>
+        </p:spPr>
         <p:txBody>
           <a:bodyPr/>
           <a:lstStyle/>
           <a:p>
-            <a:fld id="{1471DB2D-A09E-364E-9721-376CA49FF99C}" type="datetimeFigureOut">
+            <a:fld id="{A4EF6776-A4B7-1C4D-B1F9-2B9029E89AE3}" type="datetimeFigureOut">
               <a:rPr lang="en-US" smtClean="0"/>
               <a:t>3/20/20</a:t>
             </a:fld>
-            <a:endParaRPr lang="en-US"/>
+            <a:endParaRPr lang="en-US" dirty="0"/>
           </a:p>
         </p:txBody>
       </p:sp>
       <p:sp>
         <p:nvSpPr>
-          <p:cNvPr id="6" name="Footer Placeholder 5">
-            <a:extLst>
-              <a:ext uri="{FF2B5EF4-FFF2-40B4-BE49-F238E27FC236}">
-                <a16:creationId xmlns:a16="http://schemas.microsoft.com/office/drawing/2014/main" id="{41A22368-4F4D-C34C-AFD3-C097E094CBFF}"/>
-              </a:ext>
-            </a:extLst>
-          </p:cNvPr>
+          <p:cNvPr id="6" name="Footer Placeholder 5"/>
           <p:cNvSpPr>
             <a:spLocks noGrp="1"/>
           </p:cNvSpPr>
@@ -2433,24 +3268,26 @@
             <p:ph type="ftr" sz="quarter" idx="11"/>
           </p:nvPr>
         </p:nvSpPr>
-        <p:spPr/>
+        <p:spPr>
+          <a:xfrm>
+            <a:off x="4165600" y="6356351"/>
+            <a:ext cx="3860800" cy="365125"/>
+          </a:xfrm>
+          <a:prstGeom prst="rect">
+            <a:avLst/>
+          </a:prstGeom>
+        </p:spPr>
         <p:txBody>
           <a:bodyPr/>
           <a:lstStyle/>
           <a:p>
-            <a:endParaRPr lang="en-US"/>
+            <a:endParaRPr lang="en-US" dirty="0"/>
           </a:p>
         </p:txBody>
       </p:sp>
       <p:sp>
         <p:nvSpPr>
-          <p:cNvPr id="7" name="Slide Number Placeholder 6">
-            <a:extLst>
-              <a:ext uri="{FF2B5EF4-FFF2-40B4-BE49-F238E27FC236}">
-                <a16:creationId xmlns:a16="http://schemas.microsoft.com/office/drawing/2014/main" id="{1CA42F2B-68B9-3C44-87C1-AF261F28F967}"/>
-              </a:ext>
-            </a:extLst>
-          </p:cNvPr>
+          <p:cNvPr id="7" name="Slide Number Placeholder 6"/>
           <p:cNvSpPr>
             <a:spLocks noGrp="1"/>
           </p:cNvSpPr>
@@ -2458,29 +3295,101 @@
             <p:ph type="sldNum" sz="quarter" idx="12"/>
           </p:nvPr>
         </p:nvSpPr>
-        <p:spPr/>
+        <p:spPr>
+          <a:xfrm>
+            <a:off x="8737600" y="6356351"/>
+            <a:ext cx="2844800" cy="365125"/>
+          </a:xfrm>
+          <a:prstGeom prst="rect">
+            <a:avLst/>
+          </a:prstGeom>
+        </p:spPr>
         <p:txBody>
           <a:bodyPr/>
           <a:lstStyle/>
           <a:p>
-            <a:fld id="{31019FFD-5169-5242-BB56-FEF46D2A9381}" type="slidenum">
+            <a:fld id="{093862CD-2CE4-D846-9F15-15300DCE1BBC}" type="slidenum">
               <a:rPr lang="en-US" smtClean="0"/>
               <a:t>‹#›</a:t>
             </a:fld>
-            <a:endParaRPr lang="en-US"/>
+            <a:endParaRPr lang="en-US" dirty="0"/>
+          </a:p>
+        </p:txBody>
+      </p:sp>
+      <p:sp>
+        <p:nvSpPr>
+          <p:cNvPr id="8" name="Title 1">
+            <a:extLst>
+              <a:ext uri="{FF2B5EF4-FFF2-40B4-BE49-F238E27FC236}">
+                <a16:creationId xmlns:a16="http://schemas.microsoft.com/office/drawing/2014/main" id="{FDB4AA36-669E-864D-BF7E-6DED31BC9FB0}"/>
+              </a:ext>
+            </a:extLst>
+          </p:cNvPr>
+          <p:cNvSpPr txBox="1">
+            <a:spLocks/>
+          </p:cNvSpPr>
+          <p:nvPr userDrawn="1"/>
+        </p:nvSpPr>
+        <p:spPr>
+          <a:xfrm>
+            <a:off x="1342907" y="935183"/>
+            <a:ext cx="10684879" cy="325577"/>
+          </a:xfrm>
+          <a:prstGeom prst="rect">
+            <a:avLst/>
+          </a:prstGeom>
+        </p:spPr>
+        <p:txBody>
+          <a:bodyPr vert="horz" lIns="91440" tIns="45720" rIns="91440" bIns="45720" rtlCol="0" anchor="ctr">
+            <a:noAutofit/>
+          </a:bodyPr>
+          <a:lstStyle>
+            <a:lvl1pPr algn="l" defTabSz="457200" rtl="0" eaLnBrk="1" latinLnBrk="0" hangingPunct="1">
+              <a:spcBef>
+                <a:spcPct val="0"/>
+              </a:spcBef>
+              <a:buNone/>
+              <a:defRPr sz="2500" b="1" kern="1200">
+                <a:solidFill>
+                  <a:srgbClr val="FFFFFF"/>
+                </a:solidFill>
+                <a:latin typeface="Arial" panose="020B0604020202020204" pitchFamily="34" charset="0"/>
+                <a:ea typeface="+mj-ea"/>
+                <a:cs typeface="Arial" panose="020B0604020202020204" pitchFamily="34" charset="0"/>
+              </a:defRPr>
+            </a:lvl1pPr>
+          </a:lstStyle>
+          <a:p>
+            <a:r>
+              <a:rPr lang="en-US" sz="2500"/>
+              <a:t>Click to edit Master title style</a:t>
+            </a:r>
+            <a:endParaRPr lang="en-US" sz="2500" dirty="0"/>
           </a:p>
         </p:txBody>
       </p:sp>
     </p:spTree>
     <p:extLst>
       <p:ext uri="{BB962C8B-B14F-4D97-AF65-F5344CB8AC3E}">
-        <p14:creationId xmlns:p14="http://schemas.microsoft.com/office/powerpoint/2010/main" val="2452738715"/>
+        <p14:creationId xmlns:p14="http://schemas.microsoft.com/office/powerpoint/2010/main" val="2846931896"/>
       </p:ext>
     </p:extLst>
   </p:cSld>
   <p:clrMapOvr>
     <a:masterClrMapping/>
   </p:clrMapOvr>
+  <mc:AlternateContent xmlns:mc="http://schemas.openxmlformats.org/markup-compatibility/2006" xmlns:p14="http://schemas.microsoft.com/office/powerpoint/2010/main">
+    <mc:Choice Requires="p14">
+      <p:transition spd="slow" p14:dur="1500">
+        <p:split orient="vert"/>
+      </p:transition>
+    </mc:Choice>
+    <mc:Fallback xmlns="">
+      <p:transition xmlns:p14="http://schemas.microsoft.com/office/powerpoint/2010/main" spd="slow">
+        <p:split orient="vert"/>
+      </p:transition>
+    </mc:Fallback>
+  </mc:AlternateContent>
 </p:sldLayout>
 </file>
 
@@ -2503,13 +3412,7 @@
       </p:grpSpPr>
       <p:sp>
         <p:nvSpPr>
-          <p:cNvPr id="2" name="Title 1">
-            <a:extLst>
-              <a:ext uri="{FF2B5EF4-FFF2-40B4-BE49-F238E27FC236}">
-                <a16:creationId xmlns:a16="http://schemas.microsoft.com/office/drawing/2014/main" id="{29C3E896-857D-A844-942A-1061992341F6}"/>
-              </a:ext>
-            </a:extLst>
-          </p:cNvPr>
+          <p:cNvPr id="2" name="Title 1"/>
           <p:cNvSpPr>
             <a:spLocks noGrp="1"/>
           </p:cNvSpPr>
@@ -2519,35 +3422,28 @@
         </p:nvSpPr>
         <p:spPr>
           <a:xfrm>
-            <a:off x="839788" y="457200"/>
-            <a:ext cx="3932237" cy="1600200"/>
+            <a:off x="1316181" y="4800600"/>
+            <a:ext cx="10709564" cy="566738"/>
           </a:xfrm>
         </p:spPr>
         <p:txBody>
           <a:bodyPr anchor="b"/>
           <a:lstStyle>
-            <a:lvl1pPr>
-              <a:defRPr sz="3200"/>
+            <a:lvl1pPr algn="l">
+              <a:defRPr sz="2000" b="1"/>
             </a:lvl1pPr>
           </a:lstStyle>
           <a:p>
             <a:r>
-              <a:rPr lang="en-GB"/>
+              <a:rPr lang="en-US"/>
               <a:t>Click to edit Master title style</a:t>
             </a:r>
-            <a:endParaRPr lang="en-US"/>
           </a:p>
         </p:txBody>
       </p:sp>
       <p:sp>
         <p:nvSpPr>
-          <p:cNvPr id="3" name="Picture Placeholder 2">
-            <a:extLst>
-              <a:ext uri="{FF2B5EF4-FFF2-40B4-BE49-F238E27FC236}">
-                <a16:creationId xmlns:a16="http://schemas.microsoft.com/office/drawing/2014/main" id="{21680DBF-2628-5F49-8570-F09BFD55691A}"/>
-              </a:ext>
-            </a:extLst>
-          </p:cNvPr>
+          <p:cNvPr id="3" name="Picture Placeholder 2"/>
           <p:cNvSpPr>
             <a:spLocks noGrp="1"/>
           </p:cNvSpPr>
@@ -2557,8 +3453,8 @@
         </p:nvSpPr>
         <p:spPr>
           <a:xfrm>
-            <a:off x="5183188" y="987425"/>
-            <a:ext cx="6172200" cy="4873625"/>
+            <a:off x="1316181" y="1350818"/>
+            <a:ext cx="10709564" cy="3376757"/>
           </a:xfrm>
         </p:spPr>
         <p:txBody>
@@ -2602,19 +3498,13 @@
             </a:lvl9pPr>
           </a:lstStyle>
           <a:p>
-            <a:endParaRPr lang="en-US"/>
+            <a:endParaRPr lang="en-US" dirty="0"/>
           </a:p>
         </p:txBody>
       </p:sp>
       <p:sp>
         <p:nvSpPr>
-          <p:cNvPr id="4" name="Text Placeholder 3">
-            <a:extLst>
-              <a:ext uri="{FF2B5EF4-FFF2-40B4-BE49-F238E27FC236}">
-                <a16:creationId xmlns:a16="http://schemas.microsoft.com/office/drawing/2014/main" id="{28349653-3852-EC4A-8F0D-FE96F00F11C9}"/>
-              </a:ext>
-            </a:extLst>
-          </p:cNvPr>
+          <p:cNvPr id="4" name="Text Placeholder 3"/>
           <p:cNvSpPr>
             <a:spLocks noGrp="1"/>
           </p:cNvSpPr>
@@ -2624,8 +3514,8 @@
         </p:nvSpPr>
         <p:spPr>
           <a:xfrm>
-            <a:off x="839788" y="2057400"/>
-            <a:ext cx="3932237" cy="3811588"/>
+            <a:off x="1316181" y="5367338"/>
+            <a:ext cx="10709564" cy="804862"/>
           </a:xfrm>
         </p:spPr>
         <p:txBody>
@@ -2633,45 +3523,45 @@
           <a:lstStyle>
             <a:lvl1pPr marL="0" indent="0">
               <a:buNone/>
-              <a:defRPr sz="1600"/>
+              <a:defRPr sz="1400"/>
             </a:lvl1pPr>
             <a:lvl2pPr marL="457200" indent="0">
               <a:buNone/>
-              <a:defRPr sz="1400"/>
+              <a:defRPr sz="1200"/>
             </a:lvl2pPr>
             <a:lvl3pPr marL="914400" indent="0">
               <a:buNone/>
-              <a:defRPr sz="1200"/>
+              <a:defRPr sz="1000"/>
             </a:lvl3pPr>
             <a:lvl4pPr marL="1371600" indent="0">
               <a:buNone/>
-              <a:defRPr sz="1000"/>
+              <a:defRPr sz="900"/>
             </a:lvl4pPr>
             <a:lvl5pPr marL="1828800" indent="0">
               <a:buNone/>
-              <a:defRPr sz="1000"/>
+              <a:defRPr sz="900"/>
             </a:lvl5pPr>
             <a:lvl6pPr marL="2286000" indent="0">
               <a:buNone/>
-              <a:defRPr sz="1000"/>
+              <a:defRPr sz="900"/>
             </a:lvl6pPr>
             <a:lvl7pPr marL="2743200" indent="0">
               <a:buNone/>
-              <a:defRPr sz="1000"/>
+              <a:defRPr sz="900"/>
             </a:lvl7pPr>
             <a:lvl8pPr marL="3200400" indent="0">
               <a:buNone/>
-              <a:defRPr sz="1000"/>
+              <a:defRPr sz="900"/>
             </a:lvl8pPr>
             <a:lvl9pPr marL="3657600" indent="0">
               <a:buNone/>
-              <a:defRPr sz="1000"/>
+              <a:defRPr sz="900"/>
             </a:lvl9pPr>
           </a:lstStyle>
           <a:p>
             <a:pPr lvl="0"/>
             <a:r>
-              <a:rPr lang="en-GB"/>
+              <a:rPr lang="en-US" dirty="0"/>
               <a:t>Click to edit Master text styles</a:t>
             </a:r>
           </a:p>
@@ -2679,13 +3569,7 @@
       </p:sp>
       <p:sp>
         <p:nvSpPr>
-          <p:cNvPr id="5" name="Date Placeholder 4">
-            <a:extLst>
-              <a:ext uri="{FF2B5EF4-FFF2-40B4-BE49-F238E27FC236}">
-                <a16:creationId xmlns:a16="http://schemas.microsoft.com/office/drawing/2014/main" id="{2DDDFA4A-5CCC-6146-BE6B-C195137CBBCD}"/>
-              </a:ext>
-            </a:extLst>
-          </p:cNvPr>
+          <p:cNvPr id="5" name="Date Placeholder 4"/>
           <p:cNvSpPr>
             <a:spLocks noGrp="1"/>
           </p:cNvSpPr>
@@ -2693,28 +3577,30 @@
             <p:ph type="dt" sz="half" idx="10"/>
           </p:nvPr>
         </p:nvSpPr>
-        <p:spPr/>
+        <p:spPr>
+          <a:xfrm>
+            <a:off x="609600" y="6356351"/>
+            <a:ext cx="2844800" cy="365125"/>
+          </a:xfrm>
+          <a:prstGeom prst="rect">
+            <a:avLst/>
+          </a:prstGeom>
+        </p:spPr>
         <p:txBody>
           <a:bodyPr/>
           <a:lstStyle/>
           <a:p>
-            <a:fld id="{1471DB2D-A09E-364E-9721-376CA49FF99C}" type="datetimeFigureOut">
+            <a:fld id="{A4EF6776-A4B7-1C4D-B1F9-2B9029E89AE3}" type="datetimeFigureOut">
               <a:rPr lang="en-US" smtClean="0"/>
               <a:t>3/20/20</a:t>
             </a:fld>
-            <a:endParaRPr lang="en-US"/>
+            <a:endParaRPr lang="en-US" dirty="0"/>
           </a:p>
         </p:txBody>
       </p:sp>
       <p:sp>
         <p:nvSpPr>
-          <p:cNvPr id="6" name="Footer Placeholder 5">
-            <a:extLst>
-              <a:ext uri="{FF2B5EF4-FFF2-40B4-BE49-F238E27FC236}">
-                <a16:creationId xmlns:a16="http://schemas.microsoft.com/office/drawing/2014/main" id="{002F85B2-1F0C-434A-AF35-E318F3464594}"/>
-              </a:ext>
-            </a:extLst>
-          </p:cNvPr>
+          <p:cNvPr id="6" name="Footer Placeholder 5"/>
           <p:cNvSpPr>
             <a:spLocks noGrp="1"/>
           </p:cNvSpPr>
@@ -2722,24 +3608,26 @@
             <p:ph type="ftr" sz="quarter" idx="11"/>
           </p:nvPr>
         </p:nvSpPr>
-        <p:spPr/>
+        <p:spPr>
+          <a:xfrm>
+            <a:off x="4165600" y="6356351"/>
+            <a:ext cx="3860800" cy="365125"/>
+          </a:xfrm>
+          <a:prstGeom prst="rect">
+            <a:avLst/>
+          </a:prstGeom>
+        </p:spPr>
         <p:txBody>
           <a:bodyPr/>
           <a:lstStyle/>
           <a:p>
-            <a:endParaRPr lang="en-US"/>
+            <a:endParaRPr lang="en-US" dirty="0"/>
           </a:p>
         </p:txBody>
       </p:sp>
       <p:sp>
         <p:nvSpPr>
-          <p:cNvPr id="7" name="Slide Number Placeholder 6">
-            <a:extLst>
-              <a:ext uri="{FF2B5EF4-FFF2-40B4-BE49-F238E27FC236}">
-                <a16:creationId xmlns:a16="http://schemas.microsoft.com/office/drawing/2014/main" id="{30E6FB27-DCAB-D742-A381-6DA68C032F03}"/>
-              </a:ext>
-            </a:extLst>
-          </p:cNvPr>
+          <p:cNvPr id="7" name="Slide Number Placeholder 6"/>
           <p:cNvSpPr>
             <a:spLocks noGrp="1"/>
           </p:cNvSpPr>
@@ -2747,29 +3635,101 @@
             <p:ph type="sldNum" sz="quarter" idx="12"/>
           </p:nvPr>
         </p:nvSpPr>
-        <p:spPr/>
+        <p:spPr>
+          <a:xfrm>
+            <a:off x="8737600" y="6356351"/>
+            <a:ext cx="2844800" cy="365125"/>
+          </a:xfrm>
+          <a:prstGeom prst="rect">
+            <a:avLst/>
+          </a:prstGeom>
+        </p:spPr>
         <p:txBody>
           <a:bodyPr/>
           <a:lstStyle/>
           <a:p>
-            <a:fld id="{31019FFD-5169-5242-BB56-FEF46D2A9381}" type="slidenum">
+            <a:fld id="{093862CD-2CE4-D846-9F15-15300DCE1BBC}" type="slidenum">
               <a:rPr lang="en-US" smtClean="0"/>
               <a:t>‹#›</a:t>
             </a:fld>
-            <a:endParaRPr lang="en-US"/>
+            <a:endParaRPr lang="en-US" dirty="0"/>
+          </a:p>
+        </p:txBody>
+      </p:sp>
+      <p:sp>
+        <p:nvSpPr>
+          <p:cNvPr id="8" name="Title 1">
+            <a:extLst>
+              <a:ext uri="{FF2B5EF4-FFF2-40B4-BE49-F238E27FC236}">
+                <a16:creationId xmlns:a16="http://schemas.microsoft.com/office/drawing/2014/main" id="{D7581F9D-C64A-BB4C-8033-7795EA41917D}"/>
+              </a:ext>
+            </a:extLst>
+          </p:cNvPr>
+          <p:cNvSpPr txBox="1">
+            <a:spLocks/>
+          </p:cNvSpPr>
+          <p:nvPr userDrawn="1"/>
+        </p:nvSpPr>
+        <p:spPr>
+          <a:xfrm>
+            <a:off x="1342907" y="935183"/>
+            <a:ext cx="10684879" cy="325577"/>
+          </a:xfrm>
+          <a:prstGeom prst="rect">
+            <a:avLst/>
+          </a:prstGeom>
+        </p:spPr>
+        <p:txBody>
+          <a:bodyPr vert="horz" lIns="91440" tIns="45720" rIns="91440" bIns="45720" rtlCol="0" anchor="ctr">
+            <a:noAutofit/>
+          </a:bodyPr>
+          <a:lstStyle>
+            <a:lvl1pPr algn="l" defTabSz="457200" rtl="0" eaLnBrk="1" latinLnBrk="0" hangingPunct="1">
+              <a:spcBef>
+                <a:spcPct val="0"/>
+              </a:spcBef>
+              <a:buNone/>
+              <a:defRPr sz="2500" b="1" kern="1200">
+                <a:solidFill>
+                  <a:srgbClr val="FFFFFF"/>
+                </a:solidFill>
+                <a:latin typeface="Arial" panose="020B0604020202020204" pitchFamily="34" charset="0"/>
+                <a:ea typeface="+mj-ea"/>
+                <a:cs typeface="Arial" panose="020B0604020202020204" pitchFamily="34" charset="0"/>
+              </a:defRPr>
+            </a:lvl1pPr>
+          </a:lstStyle>
+          <a:p>
+            <a:r>
+              <a:rPr lang="en-US" sz="2500"/>
+              <a:t>Click to edit Master title style</a:t>
+            </a:r>
+            <a:endParaRPr lang="en-US" sz="2500" dirty="0"/>
           </a:p>
         </p:txBody>
       </p:sp>
     </p:spTree>
     <p:extLst>
       <p:ext uri="{BB962C8B-B14F-4D97-AF65-F5344CB8AC3E}">
-        <p14:creationId xmlns:p14="http://schemas.microsoft.com/office/powerpoint/2010/main" val="613361351"/>
+        <p14:creationId xmlns:p14="http://schemas.microsoft.com/office/powerpoint/2010/main" val="864476550"/>
       </p:ext>
     </p:extLst>
   </p:cSld>
   <p:clrMapOvr>
     <a:masterClrMapping/>
   </p:clrMapOvr>
+  <mc:AlternateContent xmlns:mc="http://schemas.openxmlformats.org/markup-compatibility/2006" xmlns:p14="http://schemas.microsoft.com/office/powerpoint/2010/main">
+    <mc:Choice Requires="p14">
+      <p:transition spd="slow" p14:dur="1500">
+        <p:split orient="vert"/>
+      </p:transition>
+    </mc:Choice>
+    <mc:Fallback xmlns="">
+      <p:transition xmlns:p14="http://schemas.microsoft.com/office/powerpoint/2010/main" spd="slow">
+        <p:split orient="vert"/>
+      </p:transition>
+    </mc:Fallback>
+  </mc:AlternateContent>
 </p:sldLayout>
 </file>
 
@@ -2777,9 +3737,18 @@
 <p:sldMaster xmlns:a="http://schemas.openxmlformats.org/drawingml/2006/main" xmlns:r="http://schemas.openxmlformats.org/officeDocument/2006/relationships" xmlns:p="http://schemas.openxmlformats.org/presentationml/2006/main">
   <p:cSld>
     <p:bg>
-      <p:bgRef idx="1001">
-        <a:schemeClr val="bg1"/>
-      </p:bgRef>
+      <p:bgPr>
+        <a:blipFill dpi="0" rotWithShape="1">
+          <a:blip r:embed="rId16">
+            <a:lum/>
+          </a:blip>
+          <a:srcRect/>
+          <a:stretch>
+            <a:fillRect/>
+          </a:stretch>
+        </a:blipFill>
+        <a:effectLst/>
+      </p:bgPr>
     </p:bg>
     <p:spTree>
       <p:nvGrpSpPr>
@@ -2795,15 +3764,131 @@
           <a:chExt cx="0" cy="0"/>
         </a:xfrm>
       </p:grpSpPr>
-      <p:sp>
-        <p:nvSpPr>
-          <p:cNvPr id="2" name="Title Placeholder 1">
+      <p:graphicFrame>
+        <p:nvGraphicFramePr>
+          <p:cNvPr id="5" name="Object 4" hidden="1">
             <a:extLst>
               <a:ext uri="{FF2B5EF4-FFF2-40B4-BE49-F238E27FC236}">
-                <a16:creationId xmlns:a16="http://schemas.microsoft.com/office/drawing/2014/main" id="{B581C9E2-5C2E-3E48-8C59-2969B34615BF}"/>
+                <a16:creationId xmlns:a16="http://schemas.microsoft.com/office/drawing/2014/main" id="{EF6E10DB-94F4-427F-B3DC-D42B545A6670}"/>
               </a:ext>
             </a:extLst>
           </p:cNvPr>
+          <p:cNvGraphicFramePr>
+            <a:graphicFrameLocks noChangeAspect="1"/>
+          </p:cNvGraphicFramePr>
+          <p:nvPr userDrawn="1">
+            <p:custDataLst>
+              <p:tags r:id="rId14"/>
+            </p:custDataLst>
+          </p:nvPr>
+        </p:nvGraphicFramePr>
+        <p:xfrm>
+          <a:off x="2118" y="1588"/>
+          <a:ext cx="2117" cy="1588"/>
+        </p:xfrm>
+        <a:graphic>
+          <a:graphicData uri="http://schemas.openxmlformats.org/presentationml/2006/ole">
+            <mc:AlternateContent xmlns:mc="http://schemas.openxmlformats.org/markup-compatibility/2006">
+              <mc:Choice xmlns:v="urn:schemas-microsoft-com:vml" Requires="v">
+                <p:oleObj spid="_x0000_s3077" name="think-cell Slide" r:id="rId17" imgW="395" imgH="396" progId="TCLayout.ActiveDocument.1">
+                  <p:embed/>
+                </p:oleObj>
+              </mc:Choice>
+              <mc:Fallback>
+                <p:oleObj name="think-cell Slide" r:id="rId17" imgW="395" imgH="396" progId="TCLayout.ActiveDocument.1">
+                  <p:embed/>
+                  <p:pic>
+                    <p:nvPicPr>
+                      <p:cNvPr id="5" name="Object 4" hidden="1">
+                        <a:extLst>
+                          <a:ext uri="{FF2B5EF4-FFF2-40B4-BE49-F238E27FC236}">
+                            <a16:creationId xmlns:a16="http://schemas.microsoft.com/office/drawing/2014/main" id="{EF6E10DB-94F4-427F-B3DC-D42B545A6670}"/>
+                          </a:ext>
+                        </a:extLst>
+                      </p:cNvPr>
+                      <p:cNvPicPr/>
+                      <p:nvPr/>
+                    </p:nvPicPr>
+                    <p:blipFill>
+                      <a:blip r:embed="rId18"/>
+                      <a:stretch>
+                        <a:fillRect/>
+                      </a:stretch>
+                    </p:blipFill>
+                    <p:spPr>
+                      <a:xfrm>
+                        <a:off x="2118" y="1588"/>
+                        <a:ext cx="2117" cy="1588"/>
+                      </a:xfrm>
+                      <a:prstGeom prst="rect">
+                        <a:avLst/>
+                      </a:prstGeom>
+                    </p:spPr>
+                  </p:pic>
+                </p:oleObj>
+              </mc:Fallback>
+            </mc:AlternateContent>
+          </a:graphicData>
+        </a:graphic>
+      </p:graphicFrame>
+      <p:sp>
+        <p:nvSpPr>
+          <p:cNvPr id="4" name="Rectangle 3" hidden="1">
+            <a:extLst>
+              <a:ext uri="{FF2B5EF4-FFF2-40B4-BE49-F238E27FC236}">
+                <a16:creationId xmlns:a16="http://schemas.microsoft.com/office/drawing/2014/main" id="{DD3B75AA-C4C3-4545-B31D-CF0C8405E370}"/>
+              </a:ext>
+            </a:extLst>
+          </p:cNvPr>
+          <p:cNvSpPr/>
+          <p:nvPr userDrawn="1">
+            <p:custDataLst>
+              <p:tags r:id="rId15"/>
+            </p:custDataLst>
+          </p:nvPr>
+        </p:nvSpPr>
+        <p:spPr>
+          <a:xfrm>
+            <a:off x="0" y="0"/>
+            <a:ext cx="211667" cy="158750"/>
+          </a:xfrm>
+          <a:prstGeom prst="rect">
+            <a:avLst/>
+          </a:prstGeom>
+        </p:spPr>
+        <p:style>
+          <a:lnRef idx="1">
+            <a:schemeClr val="accent1"/>
+          </a:lnRef>
+          <a:fillRef idx="3">
+            <a:schemeClr val="accent1"/>
+          </a:fillRef>
+          <a:effectRef idx="2">
+            <a:schemeClr val="accent1"/>
+          </a:effectRef>
+          <a:fontRef idx="minor">
+            <a:schemeClr val="lt1"/>
+          </a:fontRef>
+        </p:style>
+        <p:txBody>
+          <a:bodyPr vert="horz" wrap="none" lIns="0" tIns="0" rIns="0" bIns="0" numCol="1" spcCol="0" rtlCol="0" anchor="ctr" anchorCtr="0">
+            <a:noAutofit/>
+          </a:bodyPr>
+          <a:lstStyle/>
+          <a:p>
+            <a:pPr marL="0" lvl="0" indent="0" algn="ctr"/>
+            <a:endParaRPr lang="en-US" sz="2500" b="1" i="0" baseline="0" dirty="0">
+              <a:latin typeface="Arial" panose="020B0604020202020204" pitchFamily="34" charset="0"/>
+              <a:ea typeface="+mj-ea"/>
+              <a:cs typeface="Arial" panose="020B0604020202020204" pitchFamily="34" charset="0"/>
+              <a:sym typeface="Arial" panose="020B0604020202020204" pitchFamily="34" charset="0"/>
+            </a:endParaRPr>
+          </a:p>
+        </p:txBody>
+      </p:sp>
+      <p:sp>
+        <p:nvSpPr>
+          <p:cNvPr id="2" name="Title Placeholder 1"/>
           <p:cNvSpPr>
             <a:spLocks noGrp="1"/>
           </p:cNvSpPr>
@@ -2813,8 +3898,8 @@
         </p:nvSpPr>
         <p:spPr>
           <a:xfrm>
-            <a:off x="838200" y="365125"/>
-            <a:ext cx="10515600" cy="1325563"/>
+            <a:off x="1342907" y="955965"/>
+            <a:ext cx="10684879" cy="303137"/>
           </a:xfrm>
           <a:prstGeom prst="rect">
             <a:avLst/>
@@ -2822,27 +3907,20 @@
         </p:spPr>
         <p:txBody>
           <a:bodyPr vert="horz" lIns="91440" tIns="45720" rIns="91440" bIns="45720" rtlCol="0" anchor="ctr">
-            <a:normAutofit/>
+            <a:noAutofit/>
           </a:bodyPr>
           <a:lstStyle/>
           <a:p>
             <a:r>
-              <a:rPr lang="en-GB"/>
+              <a:rPr lang="en-US" dirty="0"/>
               <a:t>Click to edit Master title style</a:t>
             </a:r>
-            <a:endParaRPr lang="en-US"/>
           </a:p>
         </p:txBody>
       </p:sp>
       <p:sp>
         <p:nvSpPr>
-          <p:cNvPr id="3" name="Text Placeholder 2">
-            <a:extLst>
-              <a:ext uri="{FF2B5EF4-FFF2-40B4-BE49-F238E27FC236}">
-                <a16:creationId xmlns:a16="http://schemas.microsoft.com/office/drawing/2014/main" id="{497550AE-7827-A943-8DE4-44F32D1EA80E}"/>
-              </a:ext>
-            </a:extLst>
-          </p:cNvPr>
+          <p:cNvPr id="3" name="Text Placeholder 2"/>
           <p:cNvSpPr>
             <a:spLocks noGrp="1"/>
           </p:cNvSpPr>
@@ -2852,8 +3930,8 @@
         </p:nvSpPr>
         <p:spPr>
           <a:xfrm>
-            <a:off x="838200" y="1825625"/>
-            <a:ext cx="10515600" cy="4351338"/>
+            <a:off x="1342907" y="1412384"/>
+            <a:ext cx="10684879" cy="5255382"/>
           </a:xfrm>
           <a:prstGeom prst="rect">
             <a:avLst/>
@@ -2867,264 +3945,171 @@
           <a:p>
             <a:pPr lvl="0"/>
             <a:r>
-              <a:rPr lang="en-GB"/>
+              <a:rPr lang="en-US" dirty="0"/>
               <a:t>Click to edit Master text styles</a:t>
             </a:r>
           </a:p>
           <a:p>
             <a:pPr lvl="1"/>
             <a:r>
-              <a:rPr lang="en-GB"/>
+              <a:rPr lang="en-US" dirty="0"/>
               <a:t>Second level</a:t>
             </a:r>
           </a:p>
           <a:p>
             <a:pPr lvl="2"/>
             <a:r>
-              <a:rPr lang="en-GB"/>
+              <a:rPr lang="en-US" dirty="0"/>
               <a:t>Third level</a:t>
             </a:r>
           </a:p>
           <a:p>
             <a:pPr lvl="3"/>
             <a:r>
-              <a:rPr lang="en-GB"/>
+              <a:rPr lang="en-US" dirty="0"/>
               <a:t>Fourth level</a:t>
             </a:r>
           </a:p>
           <a:p>
             <a:pPr lvl="4"/>
             <a:r>
-              <a:rPr lang="en-GB"/>
+              <a:rPr lang="en-US" dirty="0"/>
               <a:t>Fifth level</a:t>
             </a:r>
-            <a:endParaRPr lang="en-US"/>
-          </a:p>
-        </p:txBody>
-      </p:sp>
-      <p:sp>
-        <p:nvSpPr>
-          <p:cNvPr id="4" name="Date Placeholder 3">
-            <a:extLst>
-              <a:ext uri="{FF2B5EF4-FFF2-40B4-BE49-F238E27FC236}">
-                <a16:creationId xmlns:a16="http://schemas.microsoft.com/office/drawing/2014/main" id="{8B423D54-2D24-EE4B-9C79-5B13B607C684}"/>
-              </a:ext>
-            </a:extLst>
-          </p:cNvPr>
-          <p:cNvSpPr>
-            <a:spLocks noGrp="1"/>
-          </p:cNvSpPr>
-          <p:nvPr>
-            <p:ph type="dt" sz="half" idx="2"/>
-          </p:nvPr>
-        </p:nvSpPr>
-        <p:spPr>
-          <a:xfrm>
-            <a:off x="838200" y="6356350"/>
-            <a:ext cx="2743200" cy="365125"/>
-          </a:xfrm>
-          <a:prstGeom prst="rect">
-            <a:avLst/>
-          </a:prstGeom>
-        </p:spPr>
-        <p:txBody>
-          <a:bodyPr vert="horz" lIns="91440" tIns="45720" rIns="91440" bIns="45720" rtlCol="0" anchor="ctr"/>
-          <a:lstStyle>
-            <a:lvl1pPr algn="l">
-              <a:defRPr sz="1200">
-                <a:solidFill>
-                  <a:schemeClr val="tx1">
-                    <a:tint val="75000"/>
-                  </a:schemeClr>
-                </a:solidFill>
-              </a:defRPr>
-            </a:lvl1pPr>
-          </a:lstStyle>
-          <a:p>
-            <a:fld id="{1471DB2D-A09E-364E-9721-376CA49FF99C}" type="datetimeFigureOut">
-              <a:rPr lang="en-US" smtClean="0"/>
-              <a:t>3/20/20</a:t>
-            </a:fld>
-            <a:endParaRPr lang="en-US"/>
-          </a:p>
-        </p:txBody>
-      </p:sp>
-      <p:sp>
-        <p:nvSpPr>
-          <p:cNvPr id="5" name="Footer Placeholder 4">
-            <a:extLst>
-              <a:ext uri="{FF2B5EF4-FFF2-40B4-BE49-F238E27FC236}">
-                <a16:creationId xmlns:a16="http://schemas.microsoft.com/office/drawing/2014/main" id="{BB976403-73AC-8742-9F6E-C32746D4747E}"/>
-              </a:ext>
-            </a:extLst>
-          </p:cNvPr>
-          <p:cNvSpPr>
-            <a:spLocks noGrp="1"/>
-          </p:cNvSpPr>
-          <p:nvPr>
-            <p:ph type="ftr" sz="quarter" idx="3"/>
-          </p:nvPr>
-        </p:nvSpPr>
-        <p:spPr>
-          <a:xfrm>
-            <a:off x="4038600" y="6356350"/>
-            <a:ext cx="4114800" cy="365125"/>
-          </a:xfrm>
-          <a:prstGeom prst="rect">
-            <a:avLst/>
-          </a:prstGeom>
-        </p:spPr>
-        <p:txBody>
-          <a:bodyPr vert="horz" lIns="91440" tIns="45720" rIns="91440" bIns="45720" rtlCol="0" anchor="ctr"/>
-          <a:lstStyle>
-            <a:lvl1pPr algn="ctr">
-              <a:defRPr sz="1200">
-                <a:solidFill>
-                  <a:schemeClr val="tx1">
-                    <a:tint val="75000"/>
-                  </a:schemeClr>
-                </a:solidFill>
-              </a:defRPr>
-            </a:lvl1pPr>
-          </a:lstStyle>
-          <a:p>
-            <a:endParaRPr lang="en-US"/>
-          </a:p>
-        </p:txBody>
-      </p:sp>
-      <p:sp>
-        <p:nvSpPr>
-          <p:cNvPr id="6" name="Slide Number Placeholder 5">
-            <a:extLst>
-              <a:ext uri="{FF2B5EF4-FFF2-40B4-BE49-F238E27FC236}">
-                <a16:creationId xmlns:a16="http://schemas.microsoft.com/office/drawing/2014/main" id="{33033BE8-4033-9C49-8978-A881C960D94F}"/>
-              </a:ext>
-            </a:extLst>
-          </p:cNvPr>
-          <p:cNvSpPr>
-            <a:spLocks noGrp="1"/>
-          </p:cNvSpPr>
-          <p:nvPr>
-            <p:ph type="sldNum" sz="quarter" idx="4"/>
-          </p:nvPr>
-        </p:nvSpPr>
-        <p:spPr>
-          <a:xfrm>
-            <a:off x="8610600" y="6356350"/>
-            <a:ext cx="2743200" cy="365125"/>
-          </a:xfrm>
-          <a:prstGeom prst="rect">
-            <a:avLst/>
-          </a:prstGeom>
-        </p:spPr>
-        <p:txBody>
-          <a:bodyPr vert="horz" lIns="91440" tIns="45720" rIns="91440" bIns="45720" rtlCol="0" anchor="ctr"/>
-          <a:lstStyle>
-            <a:lvl1pPr algn="r">
-              <a:defRPr sz="1200">
-                <a:solidFill>
-                  <a:schemeClr val="tx1">
-                    <a:tint val="75000"/>
-                  </a:schemeClr>
-                </a:solidFill>
-              </a:defRPr>
-            </a:lvl1pPr>
-          </a:lstStyle>
-          <a:p>
-            <a:fld id="{31019FFD-5169-5242-BB56-FEF46D2A9381}" type="slidenum">
-              <a:rPr lang="en-US" smtClean="0"/>
-              <a:t>‹#›</a:t>
-            </a:fld>
-            <a:endParaRPr lang="en-US"/>
           </a:p>
         </p:txBody>
       </p:sp>
     </p:spTree>
     <p:extLst>
       <p:ext uri="{BB962C8B-B14F-4D97-AF65-F5344CB8AC3E}">
-        <p14:creationId xmlns:p14="http://schemas.microsoft.com/office/powerpoint/2010/main" val="1283916459"/>
+        <p14:creationId xmlns:p14="http://schemas.microsoft.com/office/powerpoint/2010/main" val="932508625"/>
       </p:ext>
     </p:extLst>
   </p:cSld>
   <p:clrMap bg1="lt1" tx1="dk1" bg2="lt2" tx2="dk2" accent1="accent1" accent2="accent2" accent3="accent3" accent4="accent4" accent5="accent5" accent6="accent6" hlink="hlink" folHlink="folHlink"/>
   <p:sldLayoutIdLst>
-    <p:sldLayoutId id="2147483649" r:id="rId1"/>
-    <p:sldLayoutId id="2147483650" r:id="rId2"/>
-    <p:sldLayoutId id="2147483651" r:id="rId3"/>
-    <p:sldLayoutId id="2147483652" r:id="rId4"/>
-    <p:sldLayoutId id="2147483653" r:id="rId5"/>
-    <p:sldLayoutId id="2147483654" r:id="rId6"/>
-    <p:sldLayoutId id="2147483655" r:id="rId7"/>
-    <p:sldLayoutId id="2147483656" r:id="rId8"/>
-    <p:sldLayoutId id="2147483657" r:id="rId9"/>
-    <p:sldLayoutId id="2147483658" r:id="rId10"/>
-    <p:sldLayoutId id="2147483659" r:id="rId11"/>
+    <p:sldLayoutId id="2147483661" r:id="rId1"/>
+    <p:sldLayoutId id="2147483662" r:id="rId2"/>
+    <p:sldLayoutId id="2147483663" r:id="rId3"/>
+    <p:sldLayoutId id="2147483664" r:id="rId4"/>
+    <p:sldLayoutId id="2147483665" r:id="rId5"/>
+    <p:sldLayoutId id="2147483666" r:id="rId6"/>
+    <p:sldLayoutId id="2147483667" r:id="rId7"/>
+    <p:sldLayoutId id="2147483668" r:id="rId8"/>
+    <p:sldLayoutId id="2147483669" r:id="rId9"/>
+    <p:sldLayoutId id="2147483670" r:id="rId10"/>
+    <p:sldLayoutId id="2147483671" r:id="rId11"/>
   </p:sldLayoutIdLst>
+  <mc:AlternateContent xmlns:mc="http://schemas.openxmlformats.org/markup-compatibility/2006" xmlns:p14="http://schemas.microsoft.com/office/powerpoint/2010/main">
+    <mc:Choice Requires="p14">
+      <p:transition spd="slow" p14:dur="1500">
+        <p:split orient="vert"/>
+      </p:transition>
+    </mc:Choice>
+    <mc:Fallback xmlns="">
+      <p:transition xmlns:p14="http://schemas.microsoft.com/office/powerpoint/2010/main" spd="slow">
+        <p:split orient="vert"/>
+      </p:transition>
+    </mc:Fallback>
+  </mc:AlternateContent>
   <p:txStyles>
     <p:titleStyle>
-      <a:lvl1pPr algn="l" defTabSz="914400" rtl="0" eaLnBrk="1" latinLnBrk="0" hangingPunct="1">
-        <a:lnSpc>
-          <a:spcPct val="90000"/>
-        </a:lnSpc>
+      <a:lvl1pPr algn="l" defTabSz="457200" rtl="0" eaLnBrk="1" latinLnBrk="0" hangingPunct="1">
         <a:spcBef>
           <a:spcPct val="0"/>
         </a:spcBef>
         <a:buNone/>
-        <a:defRPr sz="4400" kern="1200">
+        <a:defRPr sz="2500" b="1" kern="1200">
           <a:solidFill>
-            <a:schemeClr val="tx1"/>
+            <a:srgbClr val="FFFFFF"/>
           </a:solidFill>
-          <a:latin typeface="+mj-lt"/>
+          <a:latin typeface="Arial" panose="020B0604020202020204" pitchFamily="34" charset="0"/>
           <a:ea typeface="+mj-ea"/>
-          <a:cs typeface="+mj-cs"/>
+          <a:cs typeface="Arial" panose="020B0604020202020204" pitchFamily="34" charset="0"/>
         </a:defRPr>
       </a:lvl1pPr>
     </p:titleStyle>
     <p:bodyStyle>
-      <a:lvl1pPr marL="228600" indent="-228600" algn="l" defTabSz="914400" rtl="0" eaLnBrk="1" latinLnBrk="0" hangingPunct="1">
-        <a:lnSpc>
-          <a:spcPct val="90000"/>
-        </a:lnSpc>
+      <a:lvl1pPr marL="342900" indent="-342900" algn="l" defTabSz="457200" rtl="0" eaLnBrk="1" latinLnBrk="0" hangingPunct="1">
         <a:spcBef>
-          <a:spcPts val="1000"/>
+          <a:spcPct val="20000"/>
         </a:spcBef>
-        <a:buFont typeface="Arial" panose="020B0604020202020204" pitchFamily="34" charset="0"/>
-        <a:buChar char="•"/>
-        <a:defRPr sz="2800" kern="1200">
-          <a:solidFill>
-            <a:schemeClr val="tx1"/>
-          </a:solidFill>
-          <a:latin typeface="+mn-lt"/>
-          <a:ea typeface="+mn-ea"/>
-          <a:cs typeface="+mn-cs"/>
-        </a:defRPr>
-      </a:lvl1pPr>
-      <a:lvl2pPr marL="685800" indent="-228600" algn="l" defTabSz="914400" rtl="0" eaLnBrk="1" latinLnBrk="0" hangingPunct="1">
-        <a:lnSpc>
-          <a:spcPct val="90000"/>
-        </a:lnSpc>
-        <a:spcBef>
-          <a:spcPts val="500"/>
-        </a:spcBef>
-        <a:buFont typeface="Arial" panose="020B0604020202020204" pitchFamily="34" charset="0"/>
+        <a:buFont typeface="Arial"/>
         <a:buChar char="•"/>
         <a:defRPr sz="2400" kern="1200">
           <a:solidFill>
             <a:schemeClr val="tx1"/>
           </a:solidFill>
-          <a:latin typeface="+mn-lt"/>
+          <a:latin typeface="Arial" panose="020B0604020202020204" pitchFamily="34" charset="0"/>
           <a:ea typeface="+mn-ea"/>
-          <a:cs typeface="+mn-cs"/>
+          <a:cs typeface="Arial" panose="020B0604020202020204" pitchFamily="34" charset="0"/>
+        </a:defRPr>
+      </a:lvl1pPr>
+      <a:lvl2pPr marL="742950" indent="-285750" algn="l" defTabSz="457200" rtl="0" eaLnBrk="1" latinLnBrk="0" hangingPunct="1">
+        <a:spcBef>
+          <a:spcPct val="20000"/>
+        </a:spcBef>
+        <a:buFont typeface="Arial"/>
+        <a:buChar char="–"/>
+        <a:defRPr sz="2000" kern="1200">
+          <a:solidFill>
+            <a:schemeClr val="tx1"/>
+          </a:solidFill>
+          <a:latin typeface="Arial" panose="020B0604020202020204" pitchFamily="34" charset="0"/>
+          <a:ea typeface="+mn-ea"/>
+          <a:cs typeface="Arial" panose="020B0604020202020204" pitchFamily="34" charset="0"/>
         </a:defRPr>
       </a:lvl2pPr>
-      <a:lvl3pPr marL="1143000" indent="-228600" algn="l" defTabSz="914400" rtl="0" eaLnBrk="1" latinLnBrk="0" hangingPunct="1">
-        <a:lnSpc>
-          <a:spcPct val="90000"/>
-        </a:lnSpc>
+      <a:lvl3pPr marL="1143000" indent="-228600" algn="l" defTabSz="457200" rtl="0" eaLnBrk="1" latinLnBrk="0" hangingPunct="1">
         <a:spcBef>
-          <a:spcPts val="500"/>
+          <a:spcPct val="20000"/>
         </a:spcBef>
-        <a:buFont typeface="Arial" panose="020B0604020202020204" pitchFamily="34" charset="0"/>
+        <a:buFont typeface="Arial"/>
+        <a:buChar char="•"/>
+        <a:defRPr sz="1800" kern="1200">
+          <a:solidFill>
+            <a:schemeClr val="tx1"/>
+          </a:solidFill>
+          <a:latin typeface="Arial" panose="020B0604020202020204" pitchFamily="34" charset="0"/>
+          <a:ea typeface="+mn-ea"/>
+          <a:cs typeface="Arial" panose="020B0604020202020204" pitchFamily="34" charset="0"/>
+        </a:defRPr>
+      </a:lvl3pPr>
+      <a:lvl4pPr marL="1600200" indent="-228600" algn="l" defTabSz="457200" rtl="0" eaLnBrk="1" latinLnBrk="0" hangingPunct="1">
+        <a:spcBef>
+          <a:spcPct val="20000"/>
+        </a:spcBef>
+        <a:buFont typeface="Arial"/>
+        <a:buChar char="–"/>
+        <a:defRPr sz="1600" kern="1200">
+          <a:solidFill>
+            <a:schemeClr val="tx1"/>
+          </a:solidFill>
+          <a:latin typeface="Arial" panose="020B0604020202020204" pitchFamily="34" charset="0"/>
+          <a:ea typeface="+mn-ea"/>
+          <a:cs typeface="Arial" panose="020B0604020202020204" pitchFamily="34" charset="0"/>
+        </a:defRPr>
+      </a:lvl4pPr>
+      <a:lvl5pPr marL="2057400" indent="-228600" algn="l" defTabSz="457200" rtl="0" eaLnBrk="1" latinLnBrk="0" hangingPunct="1">
+        <a:spcBef>
+          <a:spcPct val="20000"/>
+        </a:spcBef>
+        <a:buFont typeface="Arial"/>
+        <a:buChar char="»"/>
+        <a:defRPr sz="1600" kern="1200">
+          <a:solidFill>
+            <a:schemeClr val="tx1"/>
+          </a:solidFill>
+          <a:latin typeface="Arial" panose="020B0604020202020204" pitchFamily="34" charset="0"/>
+          <a:ea typeface="+mn-ea"/>
+          <a:cs typeface="Arial" panose="020B0604020202020204" pitchFamily="34" charset="0"/>
+        </a:defRPr>
+      </a:lvl5pPr>
+      <a:lvl6pPr marL="2514600" indent="-228600" algn="l" defTabSz="457200" rtl="0" eaLnBrk="1" latinLnBrk="0" hangingPunct="1">
+        <a:spcBef>
+          <a:spcPct val="20000"/>
+        </a:spcBef>
+        <a:buFont typeface="Arial"/>
         <a:buChar char="•"/>
         <a:defRPr sz="2000" kern="1200">
           <a:solidFill>
@@ -3134,71 +4119,14 @@
           <a:ea typeface="+mn-ea"/>
           <a:cs typeface="+mn-cs"/>
         </a:defRPr>
-      </a:lvl3pPr>
-      <a:lvl4pPr marL="1600200" indent="-228600" algn="l" defTabSz="914400" rtl="0" eaLnBrk="1" latinLnBrk="0" hangingPunct="1">
-        <a:lnSpc>
-          <a:spcPct val="90000"/>
-        </a:lnSpc>
+      </a:lvl6pPr>
+      <a:lvl7pPr marL="2971800" indent="-228600" algn="l" defTabSz="457200" rtl="0" eaLnBrk="1" latinLnBrk="0" hangingPunct="1">
         <a:spcBef>
-          <a:spcPts val="500"/>
+          <a:spcPct val="20000"/>
         </a:spcBef>
-        <a:buFont typeface="Arial" panose="020B0604020202020204" pitchFamily="34" charset="0"/>
+        <a:buFont typeface="Arial"/>
         <a:buChar char="•"/>
-        <a:defRPr sz="1800" kern="1200">
-          <a:solidFill>
-            <a:schemeClr val="tx1"/>
-          </a:solidFill>
-          <a:latin typeface="+mn-lt"/>
-          <a:ea typeface="+mn-ea"/>
-          <a:cs typeface="+mn-cs"/>
-        </a:defRPr>
-      </a:lvl4pPr>
-      <a:lvl5pPr marL="2057400" indent="-228600" algn="l" defTabSz="914400" rtl="0" eaLnBrk="1" latinLnBrk="0" hangingPunct="1">
-        <a:lnSpc>
-          <a:spcPct val="90000"/>
-        </a:lnSpc>
-        <a:spcBef>
-          <a:spcPts val="500"/>
-        </a:spcBef>
-        <a:buFont typeface="Arial" panose="020B0604020202020204" pitchFamily="34" charset="0"/>
-        <a:buChar char="•"/>
-        <a:defRPr sz="1800" kern="1200">
-          <a:solidFill>
-            <a:schemeClr val="tx1"/>
-          </a:solidFill>
-          <a:latin typeface="+mn-lt"/>
-          <a:ea typeface="+mn-ea"/>
-          <a:cs typeface="+mn-cs"/>
-        </a:defRPr>
-      </a:lvl5pPr>
-      <a:lvl6pPr marL="2514600" indent="-228600" algn="l" defTabSz="914400" rtl="0" eaLnBrk="1" latinLnBrk="0" hangingPunct="1">
-        <a:lnSpc>
-          <a:spcPct val="90000"/>
-        </a:lnSpc>
-        <a:spcBef>
-          <a:spcPts val="500"/>
-        </a:spcBef>
-        <a:buFont typeface="Arial" panose="020B0604020202020204" pitchFamily="34" charset="0"/>
-        <a:buChar char="•"/>
-        <a:defRPr sz="1800" kern="1200">
-          <a:solidFill>
-            <a:schemeClr val="tx1"/>
-          </a:solidFill>
-          <a:latin typeface="+mn-lt"/>
-          <a:ea typeface="+mn-ea"/>
-          <a:cs typeface="+mn-cs"/>
-        </a:defRPr>
-      </a:lvl6pPr>
-      <a:lvl7pPr marL="2971800" indent="-228600" algn="l" defTabSz="914400" rtl="0" eaLnBrk="1" latinLnBrk="0" hangingPunct="1">
-        <a:lnSpc>
-          <a:spcPct val="90000"/>
-        </a:lnSpc>
-        <a:spcBef>
-          <a:spcPts val="500"/>
-        </a:spcBef>
-        <a:buFont typeface="Arial" panose="020B0604020202020204" pitchFamily="34" charset="0"/>
-        <a:buChar char="•"/>
-        <a:defRPr sz="1800" kern="1200">
+        <a:defRPr sz="2000" kern="1200">
           <a:solidFill>
             <a:schemeClr val="tx1"/>
           </a:solidFill>
@@ -3207,16 +4135,13 @@
           <a:cs typeface="+mn-cs"/>
         </a:defRPr>
       </a:lvl7pPr>
-      <a:lvl8pPr marL="3429000" indent="-228600" algn="l" defTabSz="914400" rtl="0" eaLnBrk="1" latinLnBrk="0" hangingPunct="1">
-        <a:lnSpc>
-          <a:spcPct val="90000"/>
-        </a:lnSpc>
+      <a:lvl8pPr marL="3429000" indent="-228600" algn="l" defTabSz="457200" rtl="0" eaLnBrk="1" latinLnBrk="0" hangingPunct="1">
         <a:spcBef>
-          <a:spcPts val="500"/>
+          <a:spcPct val="20000"/>
         </a:spcBef>
-        <a:buFont typeface="Arial" panose="020B0604020202020204" pitchFamily="34" charset="0"/>
+        <a:buFont typeface="Arial"/>
         <a:buChar char="•"/>
-        <a:defRPr sz="1800" kern="1200">
+        <a:defRPr sz="2000" kern="1200">
           <a:solidFill>
             <a:schemeClr val="tx1"/>
           </a:solidFill>
@@ -3225,16 +4150,13 @@
           <a:cs typeface="+mn-cs"/>
         </a:defRPr>
       </a:lvl8pPr>
-      <a:lvl9pPr marL="3886200" indent="-228600" algn="l" defTabSz="914400" rtl="0" eaLnBrk="1" latinLnBrk="0" hangingPunct="1">
-        <a:lnSpc>
-          <a:spcPct val="90000"/>
-        </a:lnSpc>
+      <a:lvl9pPr marL="3886200" indent="-228600" algn="l" defTabSz="457200" rtl="0" eaLnBrk="1" latinLnBrk="0" hangingPunct="1">
         <a:spcBef>
-          <a:spcPts val="500"/>
+          <a:spcPct val="20000"/>
         </a:spcBef>
-        <a:buFont typeface="Arial" panose="020B0604020202020204" pitchFamily="34" charset="0"/>
+        <a:buFont typeface="Arial"/>
         <a:buChar char="•"/>
-        <a:defRPr sz="1800" kern="1200">
+        <a:defRPr sz="2000" kern="1200">
           <a:solidFill>
             <a:schemeClr val="tx1"/>
           </a:solidFill>
@@ -3248,7 +4170,7 @@
       <a:defPPr>
         <a:defRPr lang="en-US"/>
       </a:defPPr>
-      <a:lvl1pPr marL="0" algn="l" defTabSz="914400" rtl="0" eaLnBrk="1" latinLnBrk="0" hangingPunct="1">
+      <a:lvl1pPr marL="0" algn="l" defTabSz="457200" rtl="0" eaLnBrk="1" latinLnBrk="0" hangingPunct="1">
         <a:defRPr sz="1800" kern="1200">
           <a:solidFill>
             <a:schemeClr val="tx1"/>
@@ -3258,7 +4180,7 @@
           <a:cs typeface="+mn-cs"/>
         </a:defRPr>
       </a:lvl1pPr>
-      <a:lvl2pPr marL="457200" algn="l" defTabSz="914400" rtl="0" eaLnBrk="1" latinLnBrk="0" hangingPunct="1">
+      <a:lvl2pPr marL="457200" algn="l" defTabSz="457200" rtl="0" eaLnBrk="1" latinLnBrk="0" hangingPunct="1">
         <a:defRPr sz="1800" kern="1200">
           <a:solidFill>
             <a:schemeClr val="tx1"/>
@@ -3268,7 +4190,7 @@
           <a:cs typeface="+mn-cs"/>
         </a:defRPr>
       </a:lvl2pPr>
-      <a:lvl3pPr marL="914400" algn="l" defTabSz="914400" rtl="0" eaLnBrk="1" latinLnBrk="0" hangingPunct="1">
+      <a:lvl3pPr marL="914400" algn="l" defTabSz="457200" rtl="0" eaLnBrk="1" latinLnBrk="0" hangingPunct="1">
         <a:defRPr sz="1800" kern="1200">
           <a:solidFill>
             <a:schemeClr val="tx1"/>
@@ -3278,7 +4200,7 @@
           <a:cs typeface="+mn-cs"/>
         </a:defRPr>
       </a:lvl3pPr>
-      <a:lvl4pPr marL="1371600" algn="l" defTabSz="914400" rtl="0" eaLnBrk="1" latinLnBrk="0" hangingPunct="1">
+      <a:lvl4pPr marL="1371600" algn="l" defTabSz="457200" rtl="0" eaLnBrk="1" latinLnBrk="0" hangingPunct="1">
         <a:defRPr sz="1800" kern="1200">
           <a:solidFill>
             <a:schemeClr val="tx1"/>
@@ -3288,7 +4210,7 @@
           <a:cs typeface="+mn-cs"/>
         </a:defRPr>
       </a:lvl4pPr>
-      <a:lvl5pPr marL="1828800" algn="l" defTabSz="914400" rtl="0" eaLnBrk="1" latinLnBrk="0" hangingPunct="1">
+      <a:lvl5pPr marL="1828800" algn="l" defTabSz="457200" rtl="0" eaLnBrk="1" latinLnBrk="0" hangingPunct="1">
         <a:defRPr sz="1800" kern="1200">
           <a:solidFill>
             <a:schemeClr val="tx1"/>
@@ -3298,7 +4220,7 @@
           <a:cs typeface="+mn-cs"/>
         </a:defRPr>
       </a:lvl5pPr>
-      <a:lvl6pPr marL="2286000" algn="l" defTabSz="914400" rtl="0" eaLnBrk="1" latinLnBrk="0" hangingPunct="1">
+      <a:lvl6pPr marL="2286000" algn="l" defTabSz="457200" rtl="0" eaLnBrk="1" latinLnBrk="0" hangingPunct="1">
         <a:defRPr sz="1800" kern="1200">
           <a:solidFill>
             <a:schemeClr val="tx1"/>
@@ -3308,7 +4230,7 @@
           <a:cs typeface="+mn-cs"/>
         </a:defRPr>
       </a:lvl6pPr>
-      <a:lvl7pPr marL="2743200" algn="l" defTabSz="914400" rtl="0" eaLnBrk="1" latinLnBrk="0" hangingPunct="1">
+      <a:lvl7pPr marL="2743200" algn="l" defTabSz="457200" rtl="0" eaLnBrk="1" latinLnBrk="0" hangingPunct="1">
         <a:defRPr sz="1800" kern="1200">
           <a:solidFill>
             <a:schemeClr val="tx1"/>
@@ -3318,7 +4240,7 @@
           <a:cs typeface="+mn-cs"/>
         </a:defRPr>
       </a:lvl7pPr>
-      <a:lvl8pPr marL="3200400" algn="l" defTabSz="914400" rtl="0" eaLnBrk="1" latinLnBrk="0" hangingPunct="1">
+      <a:lvl8pPr marL="3200400" algn="l" defTabSz="457200" rtl="0" eaLnBrk="1" latinLnBrk="0" hangingPunct="1">
         <a:defRPr sz="1800" kern="1200">
           <a:solidFill>
             <a:schemeClr val="tx1"/>
@@ -3328,7 +4250,7 @@
           <a:cs typeface="+mn-cs"/>
         </a:defRPr>
       </a:lvl8pPr>
-      <a:lvl9pPr marL="3657600" algn="l" defTabSz="914400" rtl="0" eaLnBrk="1" latinLnBrk="0" hangingPunct="1">
+      <a:lvl9pPr marL="3657600" algn="l" defTabSz="457200" rtl="0" eaLnBrk="1" latinLnBrk="0" hangingPunct="1">
         <a:defRPr sz="1800" kern="1200">
           <a:solidFill>
             <a:schemeClr val="tx1"/>
@@ -3346,6 +4268,20 @@
 <file path=ppt/slides/slide1.xml><?xml version="1.0" encoding="utf-8"?>
 <p:sld xmlns:a="http://schemas.openxmlformats.org/drawingml/2006/main" xmlns:r="http://schemas.openxmlformats.org/officeDocument/2006/relationships" xmlns:p="http://schemas.openxmlformats.org/presentationml/2006/main">
   <p:cSld>
+    <p:bg>
+      <p:bgPr>
+        <a:blipFill dpi="0" rotWithShape="1">
+          <a:blip r:embed="rId5">
+            <a:lum/>
+          </a:blip>
+          <a:srcRect/>
+          <a:stretch>
+            <a:fillRect/>
+          </a:stretch>
+        </a:blipFill>
+        <a:effectLst/>
+      </p:bgPr>
+    </p:bg>
     <p:spTree>
       <p:nvGrpSpPr>
         <p:cNvPr id="1" name=""/>
@@ -3360,15 +4296,133 @@
           <a:chExt cx="0" cy="0"/>
         </a:xfrm>
       </p:grpSpPr>
-      <p:sp>
-        <p:nvSpPr>
-          <p:cNvPr id="2" name="Title 1">
+      <p:graphicFrame>
+        <p:nvGraphicFramePr>
+          <p:cNvPr id="4" name="Object 3" hidden="1">
             <a:extLst>
               <a:ext uri="{FF2B5EF4-FFF2-40B4-BE49-F238E27FC236}">
-                <a16:creationId xmlns:a16="http://schemas.microsoft.com/office/drawing/2014/main" id="{2BC29B6C-3FB5-554D-A268-9A6139258808}"/>
+                <a16:creationId xmlns:a16="http://schemas.microsoft.com/office/drawing/2014/main" id="{B941F372-314A-48AF-B343-8A6D0985B3C4}"/>
               </a:ext>
             </a:extLst>
           </p:cNvPr>
+          <p:cNvGraphicFramePr>
+            <a:graphicFrameLocks noChangeAspect="1"/>
+          </p:cNvGraphicFramePr>
+          <p:nvPr>
+            <p:custDataLst>
+              <p:tags r:id="rId2"/>
+            </p:custDataLst>
+          </p:nvPr>
+        </p:nvGraphicFramePr>
+        <p:xfrm>
+          <a:off x="1525588" y="1588"/>
+          <a:ext cx="1588" cy="1588"/>
+        </p:xfrm>
+        <a:graphic>
+          <a:graphicData uri="http://schemas.openxmlformats.org/presentationml/2006/ole">
+            <mc:AlternateContent xmlns:mc="http://schemas.openxmlformats.org/markup-compatibility/2006">
+              <mc:Choice xmlns:v="urn:schemas-microsoft-com:vml" Requires="v">
+                <p:oleObj spid="_x0000_s4101" name="think-cell Slide" r:id="rId6" imgW="395" imgH="396" progId="TCLayout.ActiveDocument.1">
+                  <p:embed/>
+                </p:oleObj>
+              </mc:Choice>
+              <mc:Fallback>
+                <p:oleObj name="think-cell Slide" r:id="rId6" imgW="395" imgH="396" progId="TCLayout.ActiveDocument.1">
+                  <p:embed/>
+                  <p:pic>
+                    <p:nvPicPr>
+                      <p:cNvPr id="4" name="Object 3" hidden="1">
+                        <a:extLst>
+                          <a:ext uri="{FF2B5EF4-FFF2-40B4-BE49-F238E27FC236}">
+                            <a16:creationId xmlns:a16="http://schemas.microsoft.com/office/drawing/2014/main" id="{B941F372-314A-48AF-B343-8A6D0985B3C4}"/>
+                          </a:ext>
+                        </a:extLst>
+                      </p:cNvPr>
+                      <p:cNvPicPr/>
+                      <p:nvPr/>
+                    </p:nvPicPr>
+                    <p:blipFill>
+                      <a:blip r:embed="rId7"/>
+                      <a:stretch>
+                        <a:fillRect/>
+                      </a:stretch>
+                    </p:blipFill>
+                    <p:spPr>
+                      <a:xfrm>
+                        <a:off x="1525588" y="1588"/>
+                        <a:ext cx="1588" cy="1588"/>
+                      </a:xfrm>
+                      <a:prstGeom prst="rect">
+                        <a:avLst/>
+                      </a:prstGeom>
+                    </p:spPr>
+                  </p:pic>
+                </p:oleObj>
+              </mc:Fallback>
+            </mc:AlternateContent>
+          </a:graphicData>
+        </a:graphic>
+      </p:graphicFrame>
+      <p:sp>
+        <p:nvSpPr>
+          <p:cNvPr id="3" name="Rectangle 2" hidden="1">
+            <a:extLst>
+              <a:ext uri="{FF2B5EF4-FFF2-40B4-BE49-F238E27FC236}">
+                <a16:creationId xmlns:a16="http://schemas.microsoft.com/office/drawing/2014/main" id="{42A346B4-5205-47DC-95F7-5171B5E7388D}"/>
+              </a:ext>
+            </a:extLst>
+          </p:cNvPr>
+          <p:cNvSpPr/>
+          <p:nvPr>
+            <p:custDataLst>
+              <p:tags r:id="rId3"/>
+            </p:custDataLst>
+          </p:nvPr>
+        </p:nvSpPr>
+        <p:spPr>
+          <a:xfrm>
+            <a:off x="1524000" y="0"/>
+            <a:ext cx="158750" cy="158750"/>
+          </a:xfrm>
+          <a:prstGeom prst="rect">
+            <a:avLst/>
+          </a:prstGeom>
+        </p:spPr>
+        <p:style>
+          <a:lnRef idx="1">
+            <a:schemeClr val="accent1"/>
+          </a:lnRef>
+          <a:fillRef idx="3">
+            <a:schemeClr val="accent1"/>
+          </a:fillRef>
+          <a:effectRef idx="2">
+            <a:schemeClr val="accent1"/>
+          </a:effectRef>
+          <a:fontRef idx="minor">
+            <a:schemeClr val="lt1"/>
+          </a:fontRef>
+        </p:style>
+        <p:txBody>
+          <a:bodyPr vert="horz" wrap="none" lIns="0" tIns="0" rIns="0" bIns="0" numCol="1" spcCol="0" rtlCol="0" anchor="ctr" anchorCtr="0">
+            <a:noAutofit/>
+          </a:bodyPr>
+          <a:lstStyle/>
+          <a:p>
+            <a:pPr algn="ctr" defTabSz="457200"/>
+            <a:endParaRPr lang="en-ZA" sz="3600" dirty="0">
+              <a:solidFill>
+                <a:prstClr val="white"/>
+              </a:solidFill>
+              <a:latin typeface="Arial" panose="020B0604020202020204" pitchFamily="34" charset="0"/>
+              <a:cs typeface="Arial" panose="020B0604020202020204" pitchFamily="34" charset="0"/>
+              <a:sym typeface="Arial" panose="020B0604020202020204" pitchFamily="34" charset="0"/>
+            </a:endParaRPr>
+          </a:p>
+        </p:txBody>
+      </p:sp>
+      <p:sp>
+        <p:nvSpPr>
+          <p:cNvPr id="2" name="Title 1"/>
           <p:cNvSpPr>
             <a:spLocks noGrp="1"/>
           </p:cNvSpPr>
@@ -3378,31 +4432,126 @@
         </p:nvSpPr>
         <p:spPr>
           <a:xfrm>
-            <a:off x="1003300" y="1643063"/>
-            <a:ext cx="9664700" cy="2387600"/>
+            <a:off x="2378933" y="822961"/>
+            <a:ext cx="7772400" cy="1682709"/>
           </a:xfrm>
         </p:spPr>
         <p:txBody>
-          <a:bodyPr/>
+          <a:bodyPr>
+            <a:normAutofit/>
+          </a:bodyPr>
           <a:lstStyle/>
           <a:p>
-            <a:r>
-              <a:rPr lang="en-US" dirty="0"/>
+            <a:pPr algn="ctr"/>
+            <a:r>
+              <a:rPr lang="en-US" sz="3600" dirty="0"/>
               <a:t>Economic Impact of COVID-19 on the Gauteng Economy</a:t>
             </a:r>
+            <a:endParaRPr lang="en-US" sz="2800" dirty="0">
+              <a:solidFill>
+                <a:schemeClr val="bg1"/>
+              </a:solidFill>
+            </a:endParaRPr>
+          </a:p>
+        </p:txBody>
+      </p:sp>
+      <p:sp>
+        <p:nvSpPr>
+          <p:cNvPr id="5" name="Title 1">
+            <a:extLst>
+              <a:ext uri="{FF2B5EF4-FFF2-40B4-BE49-F238E27FC236}">
+                <a16:creationId xmlns:a16="http://schemas.microsoft.com/office/drawing/2014/main" id="{C237781A-F17E-4933-9570-74AD3F900E03}"/>
+              </a:ext>
+            </a:extLst>
+          </p:cNvPr>
+          <p:cNvSpPr txBox="1">
+            <a:spLocks/>
+          </p:cNvSpPr>
+          <p:nvPr/>
+        </p:nvSpPr>
+        <p:spPr>
+          <a:xfrm>
+            <a:off x="3312907" y="2862662"/>
+            <a:ext cx="5904453" cy="1302939"/>
+          </a:xfrm>
+          <a:prstGeom prst="rect">
+            <a:avLst/>
+          </a:prstGeom>
+        </p:spPr>
+        <p:txBody>
+          <a:bodyPr vert="horz" lIns="91440" tIns="45720" rIns="91440" bIns="45720" rtlCol="0" anchor="ctr">
+            <a:normAutofit fontScale="97500"/>
+          </a:bodyPr>
+          <a:lstStyle>
+            <a:lvl1pPr algn="l" defTabSz="457200" rtl="0" eaLnBrk="1" latinLnBrk="0" hangingPunct="1">
+              <a:spcBef>
+                <a:spcPct val="0"/>
+              </a:spcBef>
+              <a:buNone/>
+              <a:defRPr sz="2500" b="1" kern="1200">
+                <a:solidFill>
+                  <a:srgbClr val="FFFFFF"/>
+                </a:solidFill>
+                <a:latin typeface="Arial" panose="020B0604020202020204" pitchFamily="34" charset="0"/>
+                <a:ea typeface="+mj-ea"/>
+                <a:cs typeface="Arial" panose="020B0604020202020204" pitchFamily="34" charset="0"/>
+              </a:defRPr>
+            </a:lvl1pPr>
+          </a:lstStyle>
+          <a:p>
+            <a:pPr algn="ctr"/>
+            <a:r>
+              <a:rPr lang="en-ZA" sz="2800" b="0" dirty="0">
+                <a:solidFill>
+                  <a:prstClr val="white"/>
+                </a:solidFill>
+              </a:rPr>
+              <a:t>COVID-19 Economics Team</a:t>
+            </a:r>
+          </a:p>
+          <a:p>
+            <a:pPr algn="ctr"/>
+            <a:br>
+              <a:rPr lang="en-ZA" sz="2800" b="0" dirty="0">
+                <a:solidFill>
+                  <a:prstClr val="white"/>
+                </a:solidFill>
+              </a:rPr>
+            </a:br>
+            <a:r>
+              <a:rPr lang="en-ZA" sz="2100" b="0" dirty="0">
+                <a:solidFill>
+                  <a:prstClr val="white"/>
+                </a:solidFill>
+              </a:rPr>
+              <a:t>20 March 2020</a:t>
+            </a:r>
+            <a:endParaRPr lang="en-US" sz="2800" dirty="0">
+              <a:solidFill>
+                <a:prstClr val="white"/>
+              </a:solidFill>
+            </a:endParaRPr>
           </a:p>
         </p:txBody>
       </p:sp>
     </p:spTree>
     <p:extLst>
       <p:ext uri="{BB962C8B-B14F-4D97-AF65-F5344CB8AC3E}">
-        <p14:creationId xmlns:p14="http://schemas.microsoft.com/office/powerpoint/2010/main" val="2537302426"/>
+        <p14:creationId xmlns:p14="http://schemas.microsoft.com/office/powerpoint/2010/main" val="763623395"/>
       </p:ext>
     </p:extLst>
   </p:cSld>
   <p:clrMapOvr>
     <a:masterClrMapping/>
   </p:clrMapOvr>
+  <mc:AlternateContent xmlns:mc="http://schemas.openxmlformats.org/markup-compatibility/2006" xmlns:p14="http://schemas.microsoft.com/office/powerpoint/2010/main">
+    <mc:Choice Requires="p14">
+      <p:transition p14:dur="0"/>
+    </mc:Choice>
+    <mc:Fallback xmlns="">
+      <p:transition/>
+    </mc:Fallback>
+  </mc:AlternateContent>
 </p:sld>
 </file>
 
@@ -3425,10 +4574,10 @@
       </p:grpSpPr>
       <p:sp>
         <p:nvSpPr>
-          <p:cNvPr id="2" name="Title 1">
+          <p:cNvPr id="4" name="Title 1">
             <a:extLst>
               <a:ext uri="{FF2B5EF4-FFF2-40B4-BE49-F238E27FC236}">
-                <a16:creationId xmlns:a16="http://schemas.microsoft.com/office/drawing/2014/main" id="{80C9835B-7E97-F74A-8C67-4C7639358848}"/>
+                <a16:creationId xmlns:a16="http://schemas.microsoft.com/office/drawing/2014/main" id="{2B57433A-6CDC-0540-9580-96A157434434}"/>
               </a:ext>
             </a:extLst>
           </p:cNvPr>
@@ -3439,7 +4588,12 @@
             <p:ph type="title"/>
           </p:nvPr>
         </p:nvSpPr>
-        <p:spPr/>
+        <p:spPr>
+          <a:xfrm>
+            <a:off x="3475891" y="407102"/>
+            <a:ext cx="10515600" cy="1325563"/>
+          </a:xfrm>
+        </p:spPr>
         <p:txBody>
           <a:bodyPr/>
           <a:lstStyle/>
@@ -3453,10 +4607,10 @@
       </p:sp>
       <p:graphicFrame>
         <p:nvGraphicFramePr>
-          <p:cNvPr id="4" name="Table 3">
+          <p:cNvPr id="5" name="Table 4">
             <a:extLst>
               <a:ext uri="{FF2B5EF4-FFF2-40B4-BE49-F238E27FC236}">
-                <a16:creationId xmlns:a16="http://schemas.microsoft.com/office/drawing/2014/main" id="{51B17A7A-8239-E249-A678-3E2B457F1033}"/>
+                <a16:creationId xmlns:a16="http://schemas.microsoft.com/office/drawing/2014/main" id="{E7DDA83F-9373-6142-ADCD-2587887A515F}"/>
               </a:ext>
             </a:extLst>
           </p:cNvPr>
@@ -3466,20 +4620,20 @@
           <p:nvPr>
             <p:extLst>
               <p:ext uri="{D42A27DB-BD31-4B8C-83A1-F6EECF244321}">
-                <p14:modId xmlns:p14="http://schemas.microsoft.com/office/powerpoint/2010/main" val="3565668482"/>
+                <p14:modId xmlns:p14="http://schemas.microsoft.com/office/powerpoint/2010/main" val="1342170850"/>
               </p:ext>
             </p:extLst>
           </p:nvPr>
         </p:nvGraphicFramePr>
         <p:xfrm>
-          <a:off x="698835" y="1824386"/>
+          <a:off x="1214650" y="1847833"/>
           <a:ext cx="10687049" cy="3998898"/>
         </p:xfrm>
         <a:graphic>
           <a:graphicData uri="http://schemas.openxmlformats.org/drawingml/2006/table">
             <a:tbl>
               <a:tblPr firstRow="1" bandRow="1">
-                <a:tableStyleId>{073A0DAA-6AF3-43AB-8588-CEC1D06C72B9}</a:tableStyleId>
+                <a:tableStyleId>{5C22544A-7EE6-4342-B048-85BDC9FD1C3A}</a:tableStyleId>
               </a:tblPr>
               <a:tblGrid>
                 <a:gridCol w="1655346">
@@ -4372,13 +5526,25 @@
     </p:spTree>
     <p:extLst>
       <p:ext uri="{BB962C8B-B14F-4D97-AF65-F5344CB8AC3E}">
-        <p14:creationId xmlns:p14="http://schemas.microsoft.com/office/powerpoint/2010/main" val="2598083931"/>
+        <p14:creationId xmlns:p14="http://schemas.microsoft.com/office/powerpoint/2010/main" val="2403058441"/>
       </p:ext>
     </p:extLst>
   </p:cSld>
   <p:clrMapOvr>
     <a:masterClrMapping/>
   </p:clrMapOvr>
+  <mc:AlternateContent xmlns:mc="http://schemas.openxmlformats.org/markup-compatibility/2006" xmlns:p14="http://schemas.microsoft.com/office/powerpoint/2010/main">
+    <mc:Choice Requires="p14">
+      <p:transition spd="slow" p14:dur="1500">
+        <p:split orient="vert"/>
+      </p:transition>
+    </mc:Choice>
+    <mc:Fallback xmlns="">
+      <p:transition xmlns:p14="http://schemas.microsoft.com/office/powerpoint/2010/main" spd="slow">
+        <p:split orient="vert"/>
+      </p:transition>
+    </mc:Fallback>
+  </mc:AlternateContent>
 </p:sld>
 </file>
 
@@ -4401,70 +5567,250 @@
       </p:grpSpPr>
       <p:sp>
         <p:nvSpPr>
-          <p:cNvPr id="2" name="Title 1">
+          <p:cNvPr id="4" name="Title 1">
             <a:extLst>
               <a:ext uri="{FF2B5EF4-FFF2-40B4-BE49-F238E27FC236}">
-                <a16:creationId xmlns:a16="http://schemas.microsoft.com/office/drawing/2014/main" id="{4B8A94E0-0209-7747-8B84-1CAD8CA69BE4}"/>
+                <a16:creationId xmlns:a16="http://schemas.microsoft.com/office/drawing/2014/main" id="{51892027-8C1C-424B-919C-981F586F301D}"/>
               </a:ext>
             </a:extLst>
           </p:cNvPr>
-          <p:cNvSpPr>
-            <a:spLocks noGrp="1"/>
+          <p:cNvSpPr txBox="1">
+            <a:spLocks/>
           </p:cNvSpPr>
-          <p:nvPr>
-            <p:ph type="title"/>
-          </p:nvPr>
+          <p:nvPr/>
         </p:nvSpPr>
-        <p:spPr/>
+        <p:spPr>
+          <a:xfrm>
+            <a:off x="3487615" y="435464"/>
+            <a:ext cx="10515600" cy="1325563"/>
+          </a:xfrm>
+          <a:prstGeom prst="rect">
+            <a:avLst/>
+          </a:prstGeom>
+        </p:spPr>
         <p:txBody>
-          <a:bodyPr/>
-          <a:lstStyle/>
+          <a:bodyPr vert="horz" lIns="91440" tIns="45720" rIns="91440" bIns="45720" rtlCol="0" anchor="ctr">
+            <a:noAutofit/>
+          </a:bodyPr>
+          <a:lstStyle>
+            <a:lvl1pPr algn="l" defTabSz="457200" rtl="0" eaLnBrk="1" latinLnBrk="0" hangingPunct="1">
+              <a:spcBef>
+                <a:spcPct val="0"/>
+              </a:spcBef>
+              <a:buNone/>
+              <a:defRPr sz="2500" b="1" kern="1200">
+                <a:solidFill>
+                  <a:srgbClr val="FFFFFF"/>
+                </a:solidFill>
+                <a:latin typeface="Arial" panose="020B0604020202020204" pitchFamily="34" charset="0"/>
+                <a:ea typeface="+mj-ea"/>
+                <a:cs typeface="Arial" panose="020B0604020202020204" pitchFamily="34" charset="0"/>
+              </a:defRPr>
+            </a:lvl1pPr>
+          </a:lstStyle>
           <a:p>
             <a:r>
               <a:rPr lang="en-US" dirty="0"/>
-              <a:t>RESULTS – Worst Case Scenario</a:t>
+              <a:t>RESULTS – Sector Worst Case Scenario</a:t>
             </a:r>
           </a:p>
         </p:txBody>
       </p:sp>
       <p:sp>
         <p:nvSpPr>
-          <p:cNvPr id="3" name="Content Placeholder 2">
+          <p:cNvPr id="5" name="Content Placeholder 2">
             <a:extLst>
               <a:ext uri="{FF2B5EF4-FFF2-40B4-BE49-F238E27FC236}">
-                <a16:creationId xmlns:a16="http://schemas.microsoft.com/office/drawing/2014/main" id="{122FB11C-19AD-3543-A491-6C3B360CED73}"/>
+                <a16:creationId xmlns:a16="http://schemas.microsoft.com/office/drawing/2014/main" id="{FF1B23E2-347C-6B48-8B1F-40D76EB9064A}"/>
               </a:ext>
             </a:extLst>
           </p:cNvPr>
-          <p:cNvSpPr>
-            <a:spLocks noGrp="1"/>
+          <p:cNvSpPr txBox="1">
+            <a:spLocks/>
           </p:cNvSpPr>
-          <p:nvPr>
-            <p:ph idx="1"/>
-          </p:nvPr>
+          <p:nvPr/>
         </p:nvSpPr>
-        <p:spPr/>
+        <p:spPr>
+          <a:xfrm>
+            <a:off x="838200" y="1825625"/>
+            <a:ext cx="10515600" cy="4351338"/>
+          </a:xfrm>
+          <a:prstGeom prst="rect">
+            <a:avLst/>
+          </a:prstGeom>
+        </p:spPr>
         <p:txBody>
-          <a:bodyPr/>
-          <a:lstStyle/>
-          <a:p>
-            <a:r>
-              <a:rPr lang="en-US" dirty="0"/>
+          <a:bodyPr vert="horz" lIns="91440" tIns="45720" rIns="91440" bIns="45720" rtlCol="0">
+            <a:normAutofit/>
+          </a:bodyPr>
+          <a:lstStyle>
+            <a:lvl1pPr marL="342900" indent="-342900" algn="l" defTabSz="457200" rtl="0" eaLnBrk="1" latinLnBrk="0" hangingPunct="1">
+              <a:spcBef>
+                <a:spcPct val="20000"/>
+              </a:spcBef>
+              <a:buFont typeface="Arial"/>
+              <a:buChar char="•"/>
+              <a:defRPr sz="2400" kern="1200">
+                <a:solidFill>
+                  <a:schemeClr val="tx1"/>
+                </a:solidFill>
+                <a:latin typeface="Arial" panose="020B0604020202020204" pitchFamily="34" charset="0"/>
+                <a:ea typeface="+mn-ea"/>
+                <a:cs typeface="Arial" panose="020B0604020202020204" pitchFamily="34" charset="0"/>
+              </a:defRPr>
+            </a:lvl1pPr>
+            <a:lvl2pPr marL="742950" indent="-285750" algn="l" defTabSz="457200" rtl="0" eaLnBrk="1" latinLnBrk="0" hangingPunct="1">
+              <a:spcBef>
+                <a:spcPct val="20000"/>
+              </a:spcBef>
+              <a:buFont typeface="Arial"/>
+              <a:buChar char="–"/>
+              <a:defRPr sz="2000" kern="1200">
+                <a:solidFill>
+                  <a:schemeClr val="tx1"/>
+                </a:solidFill>
+                <a:latin typeface="Arial" panose="020B0604020202020204" pitchFamily="34" charset="0"/>
+                <a:ea typeface="+mn-ea"/>
+                <a:cs typeface="Arial" panose="020B0604020202020204" pitchFamily="34" charset="0"/>
+              </a:defRPr>
+            </a:lvl2pPr>
+            <a:lvl3pPr marL="1143000" indent="-228600" algn="l" defTabSz="457200" rtl="0" eaLnBrk="1" latinLnBrk="0" hangingPunct="1">
+              <a:spcBef>
+                <a:spcPct val="20000"/>
+              </a:spcBef>
+              <a:buFont typeface="Arial"/>
+              <a:buChar char="•"/>
+              <a:defRPr sz="1800" kern="1200">
+                <a:solidFill>
+                  <a:schemeClr val="tx1"/>
+                </a:solidFill>
+                <a:latin typeface="Arial" panose="020B0604020202020204" pitchFamily="34" charset="0"/>
+                <a:ea typeface="+mn-ea"/>
+                <a:cs typeface="Arial" panose="020B0604020202020204" pitchFamily="34" charset="0"/>
+              </a:defRPr>
+            </a:lvl3pPr>
+            <a:lvl4pPr marL="1600200" indent="-228600" algn="l" defTabSz="457200" rtl="0" eaLnBrk="1" latinLnBrk="0" hangingPunct="1">
+              <a:spcBef>
+                <a:spcPct val="20000"/>
+              </a:spcBef>
+              <a:buFont typeface="Arial"/>
+              <a:buChar char="–"/>
+              <a:defRPr sz="1600" kern="1200">
+                <a:solidFill>
+                  <a:schemeClr val="tx1"/>
+                </a:solidFill>
+                <a:latin typeface="Arial" panose="020B0604020202020204" pitchFamily="34" charset="0"/>
+                <a:ea typeface="+mn-ea"/>
+                <a:cs typeface="Arial" panose="020B0604020202020204" pitchFamily="34" charset="0"/>
+              </a:defRPr>
+            </a:lvl4pPr>
+            <a:lvl5pPr marL="2057400" indent="-228600" algn="l" defTabSz="457200" rtl="0" eaLnBrk="1" latinLnBrk="0" hangingPunct="1">
+              <a:spcBef>
+                <a:spcPct val="20000"/>
+              </a:spcBef>
+              <a:buFont typeface="Arial"/>
+              <a:buChar char="»"/>
+              <a:defRPr sz="1600" kern="1200">
+                <a:solidFill>
+                  <a:schemeClr val="tx1"/>
+                </a:solidFill>
+                <a:latin typeface="Arial" panose="020B0604020202020204" pitchFamily="34" charset="0"/>
+                <a:ea typeface="+mn-ea"/>
+                <a:cs typeface="Arial" panose="020B0604020202020204" pitchFamily="34" charset="0"/>
+              </a:defRPr>
+            </a:lvl5pPr>
+            <a:lvl6pPr marL="2514600" indent="-228600" algn="l" defTabSz="457200" rtl="0" eaLnBrk="1" latinLnBrk="0" hangingPunct="1">
+              <a:spcBef>
+                <a:spcPct val="20000"/>
+              </a:spcBef>
+              <a:buFont typeface="Arial"/>
+              <a:buChar char="•"/>
+              <a:defRPr sz="2000" kern="1200">
+                <a:solidFill>
+                  <a:schemeClr val="tx1"/>
+                </a:solidFill>
+                <a:latin typeface="+mn-lt"/>
+                <a:ea typeface="+mn-ea"/>
+                <a:cs typeface="+mn-cs"/>
+              </a:defRPr>
+            </a:lvl6pPr>
+            <a:lvl7pPr marL="2971800" indent="-228600" algn="l" defTabSz="457200" rtl="0" eaLnBrk="1" latinLnBrk="0" hangingPunct="1">
+              <a:spcBef>
+                <a:spcPct val="20000"/>
+              </a:spcBef>
+              <a:buFont typeface="Arial"/>
+              <a:buChar char="•"/>
+              <a:defRPr sz="2000" kern="1200">
+                <a:solidFill>
+                  <a:schemeClr val="tx1"/>
+                </a:solidFill>
+                <a:latin typeface="+mn-lt"/>
+                <a:ea typeface="+mn-ea"/>
+                <a:cs typeface="+mn-cs"/>
+              </a:defRPr>
+            </a:lvl7pPr>
+            <a:lvl8pPr marL="3429000" indent="-228600" algn="l" defTabSz="457200" rtl="0" eaLnBrk="1" latinLnBrk="0" hangingPunct="1">
+              <a:spcBef>
+                <a:spcPct val="20000"/>
+              </a:spcBef>
+              <a:buFont typeface="Arial"/>
+              <a:buChar char="•"/>
+              <a:defRPr sz="2000" kern="1200">
+                <a:solidFill>
+                  <a:schemeClr val="tx1"/>
+                </a:solidFill>
+                <a:latin typeface="+mn-lt"/>
+                <a:ea typeface="+mn-ea"/>
+                <a:cs typeface="+mn-cs"/>
+              </a:defRPr>
+            </a:lvl8pPr>
+            <a:lvl9pPr marL="3886200" indent="-228600" algn="l" defTabSz="457200" rtl="0" eaLnBrk="1" latinLnBrk="0" hangingPunct="1">
+              <a:spcBef>
+                <a:spcPct val="20000"/>
+              </a:spcBef>
+              <a:buFont typeface="Arial"/>
+              <a:buChar char="•"/>
+              <a:defRPr sz="2000" kern="1200">
+                <a:solidFill>
+                  <a:schemeClr val="tx1"/>
+                </a:solidFill>
+                <a:latin typeface="+mn-lt"/>
+                <a:ea typeface="+mn-ea"/>
+                <a:cs typeface="+mn-cs"/>
+              </a:defRPr>
+            </a:lvl9pPr>
+          </a:lstStyle>
+          <a:p>
+            <a:r>
+              <a:rPr lang="en-US"/>
               <a:t>These are available for the Trade, Transport, Manufacturing, Hotel and Restaurants, and Financial Services.</a:t>
             </a:r>
+            <a:endParaRPr lang="en-US" dirty="0"/>
           </a:p>
         </p:txBody>
       </p:sp>
     </p:spTree>
     <p:extLst>
       <p:ext uri="{BB962C8B-B14F-4D97-AF65-F5344CB8AC3E}">
-        <p14:creationId xmlns:p14="http://schemas.microsoft.com/office/powerpoint/2010/main" val="1902243584"/>
+        <p14:creationId xmlns:p14="http://schemas.microsoft.com/office/powerpoint/2010/main" val="2710712935"/>
       </p:ext>
     </p:extLst>
   </p:cSld>
   <p:clrMapOvr>
     <a:masterClrMapping/>
   </p:clrMapOvr>
+  <mc:AlternateContent xmlns:mc="http://schemas.openxmlformats.org/markup-compatibility/2006" xmlns:p14="http://schemas.microsoft.com/office/powerpoint/2010/main">
+    <mc:Choice Requires="p14">
+      <p:transition spd="slow" p14:dur="1500">
+        <p:split orient="vert"/>
+      </p:transition>
+    </mc:Choice>
+    <mc:Fallback xmlns="">
+      <p:transition xmlns:p14="http://schemas.microsoft.com/office/powerpoint/2010/main" spd="slow">
+        <p:split orient="vert"/>
+      </p:transition>
+    </mc:Fallback>
+  </mc:AlternateContent>
 </p:sld>
 </file>
 
@@ -4487,10 +5833,10 @@
       </p:grpSpPr>
       <p:sp>
         <p:nvSpPr>
-          <p:cNvPr id="2" name="Title 1">
+          <p:cNvPr id="4" name="Title 1">
             <a:extLst>
               <a:ext uri="{FF2B5EF4-FFF2-40B4-BE49-F238E27FC236}">
-                <a16:creationId xmlns:a16="http://schemas.microsoft.com/office/drawing/2014/main" id="{58602CAF-FC0E-DD45-BC97-086AD4B6DDA5}"/>
+                <a16:creationId xmlns:a16="http://schemas.microsoft.com/office/drawing/2014/main" id="{8FC31F4B-8D9E-3446-BC04-F6C6D3446436}"/>
               </a:ext>
             </a:extLst>
           </p:cNvPr>
@@ -4501,7 +5847,12 @@
             <p:ph type="title"/>
           </p:nvPr>
         </p:nvSpPr>
-        <p:spPr/>
+        <p:spPr>
+          <a:xfrm>
+            <a:off x="4894384" y="423740"/>
+            <a:ext cx="10515600" cy="1325563"/>
+          </a:xfrm>
+        </p:spPr>
         <p:txBody>
           <a:bodyPr/>
           <a:lstStyle/>
@@ -4515,10 +5866,10 @@
       </p:sp>
       <p:sp>
         <p:nvSpPr>
-          <p:cNvPr id="3" name="Content Placeholder 2">
+          <p:cNvPr id="5" name="Content Placeholder 2">
             <a:extLst>
               <a:ext uri="{FF2B5EF4-FFF2-40B4-BE49-F238E27FC236}">
-                <a16:creationId xmlns:a16="http://schemas.microsoft.com/office/drawing/2014/main" id="{AF68BEA7-0F82-554F-A9F4-2907623CAD64}"/>
+                <a16:creationId xmlns:a16="http://schemas.microsoft.com/office/drawing/2014/main" id="{A9206782-5258-D949-BEDA-B7FEEB3DEF5A}"/>
               </a:ext>
             </a:extLst>
           </p:cNvPr>
@@ -4529,38 +5880,349 @@
             <p:ph idx="1"/>
           </p:nvPr>
         </p:nvSpPr>
-        <p:spPr/>
+        <p:spPr>
+          <a:xfrm>
+            <a:off x="2942492" y="1497286"/>
+            <a:ext cx="8897816" cy="5183616"/>
+          </a:xfrm>
+        </p:spPr>
         <p:txBody>
-          <a:bodyPr/>
+          <a:bodyPr>
+            <a:normAutofit lnSpcReduction="10000"/>
+          </a:bodyPr>
           <a:lstStyle/>
           <a:p>
+            <a:pPr marL="0" indent="0">
+              <a:buNone/>
+            </a:pPr>
             <a:r>
               <a:rPr lang="en-US" dirty="0"/>
-              <a:t>What is key to understand is that there is a close link between productivity and GDP growth</a:t>
-            </a:r>
-          </a:p>
-          <a:p>
+              <a:t>What is key to understand is that there is a close link between productivity and GDP growth </a:t>
+            </a:r>
+          </a:p>
+          <a:p>
+            <a:pPr marL="0" indent="0">
+              <a:buNone/>
+            </a:pPr>
+            <a:endParaRPr lang="en-US" dirty="0"/>
+          </a:p>
+          <a:p>
+            <a:pPr marL="0" indent="0">
+              <a:buNone/>
+            </a:pPr>
             <a:r>
               <a:rPr lang="en-US" dirty="0"/>
-              <a:t>COVID-19 is key disruptor of productivity in it reduces labor hours, it disrupts supply chains, it reduces mobility of goods and services.</a:t>
-            </a:r>
-          </a:p>
-          <a:p>
+              <a:t>COVID-19 is key disruptor of productivity in it reduces labor hours, it disrupts supply chains, it reduces mobility of goods and services, and travel bans</a:t>
+            </a:r>
+          </a:p>
+          <a:p>
+            <a:pPr marL="0" indent="0">
+              <a:buNone/>
+            </a:pPr>
+            <a:endParaRPr lang="en-US" dirty="0"/>
+          </a:p>
+          <a:p>
+            <a:pPr marL="0" indent="0">
+              <a:buNone/>
+            </a:pPr>
             <a:r>
               <a:rPr lang="en-US" dirty="0"/>
               <a:t>It however is unlikely  to cause a total shut down of economic activity.</a:t>
             </a:r>
           </a:p>
           <a:p>
+            <a:pPr marL="0" indent="0">
+              <a:buNone/>
+            </a:pPr>
+            <a:endParaRPr lang="en-US" dirty="0"/>
+          </a:p>
+          <a:p>
+            <a:pPr marL="0" indent="0">
+              <a:buNone/>
+            </a:pPr>
             <a:r>
               <a:rPr lang="en-US" dirty="0"/>
               <a:t>The impact therefore is partial and will be most acute in 2020.</a:t>
             </a:r>
           </a:p>
           <a:p>
+            <a:pPr marL="0" indent="0">
+              <a:buNone/>
+            </a:pPr>
+            <a:endParaRPr lang="en-US" dirty="0"/>
+          </a:p>
+          <a:p>
+            <a:pPr marL="0" indent="0">
+              <a:buNone/>
+            </a:pPr>
             <a:r>
               <a:rPr lang="en-US" dirty="0"/>
               <a:t>A quick recovery is likely depending on medical interventions.</a:t>
+            </a:r>
+          </a:p>
+        </p:txBody>
+      </p:sp>
+      <p:sp>
+        <p:nvSpPr>
+          <p:cNvPr id="6" name="Pentagon 5">
+            <a:extLst>
+              <a:ext uri="{FF2B5EF4-FFF2-40B4-BE49-F238E27FC236}">
+                <a16:creationId xmlns:a16="http://schemas.microsoft.com/office/drawing/2014/main" id="{697F53BB-79D9-2648-A119-48085A6F385E}"/>
+              </a:ext>
+            </a:extLst>
+          </p:cNvPr>
+          <p:cNvSpPr/>
+          <p:nvPr/>
+        </p:nvSpPr>
+        <p:spPr>
+          <a:xfrm>
+            <a:off x="1266083" y="1632073"/>
+            <a:ext cx="1324709" cy="548420"/>
+          </a:xfrm>
+          <a:prstGeom prst="homePlate">
+            <a:avLst/>
+          </a:prstGeom>
+          <a:solidFill>
+            <a:schemeClr val="accent1"/>
+          </a:solidFill>
+          <a:ln>
+            <a:noFill/>
+          </a:ln>
+        </p:spPr>
+        <p:style>
+          <a:lnRef idx="0">
+            <a:scrgbClr r="0" g="0" b="0"/>
+          </a:lnRef>
+          <a:fillRef idx="0">
+            <a:scrgbClr r="0" g="0" b="0"/>
+          </a:fillRef>
+          <a:effectRef idx="0">
+            <a:scrgbClr r="0" g="0" b="0"/>
+          </a:effectRef>
+          <a:fontRef idx="minor">
+            <a:schemeClr val="lt1"/>
+          </a:fontRef>
+        </p:style>
+        <p:txBody>
+          <a:bodyPr rtlCol="0" anchor="ctr"/>
+          <a:lstStyle/>
+          <a:p>
+            <a:pPr algn="ctr"/>
+            <a:r>
+              <a:rPr lang="en-US" b="1" dirty="0"/>
+              <a:t>1</a:t>
+            </a:r>
+          </a:p>
+        </p:txBody>
+      </p:sp>
+      <p:sp>
+        <p:nvSpPr>
+          <p:cNvPr id="7" name="Pentagon 6">
+            <a:extLst>
+              <a:ext uri="{FF2B5EF4-FFF2-40B4-BE49-F238E27FC236}">
+                <a16:creationId xmlns:a16="http://schemas.microsoft.com/office/drawing/2014/main" id="{388B921F-0ECE-CD44-88CA-61D50645580A}"/>
+              </a:ext>
+            </a:extLst>
+          </p:cNvPr>
+          <p:cNvSpPr/>
+          <p:nvPr/>
+        </p:nvSpPr>
+        <p:spPr>
+          <a:xfrm>
+            <a:off x="1266083" y="2833688"/>
+            <a:ext cx="1324709" cy="548420"/>
+          </a:xfrm>
+          <a:prstGeom prst="homePlate">
+            <a:avLst/>
+          </a:prstGeom>
+          <a:solidFill>
+            <a:schemeClr val="accent1"/>
+          </a:solidFill>
+          <a:ln>
+            <a:noFill/>
+          </a:ln>
+        </p:spPr>
+        <p:style>
+          <a:lnRef idx="0">
+            <a:scrgbClr r="0" g="0" b="0"/>
+          </a:lnRef>
+          <a:fillRef idx="0">
+            <a:scrgbClr r="0" g="0" b="0"/>
+          </a:fillRef>
+          <a:effectRef idx="0">
+            <a:scrgbClr r="0" g="0" b="0"/>
+          </a:effectRef>
+          <a:fontRef idx="minor">
+            <a:schemeClr val="lt1"/>
+          </a:fontRef>
+        </p:style>
+        <p:txBody>
+          <a:bodyPr rtlCol="0" anchor="ctr"/>
+          <a:lstStyle/>
+          <a:p>
+            <a:pPr algn="ctr"/>
+            <a:r>
+              <a:rPr lang="en-US" b="1" dirty="0"/>
+              <a:t>2</a:t>
+            </a:r>
+          </a:p>
+        </p:txBody>
+      </p:sp>
+      <p:sp>
+        <p:nvSpPr>
+          <p:cNvPr id="8" name="Pentagon 7">
+            <a:extLst>
+              <a:ext uri="{FF2B5EF4-FFF2-40B4-BE49-F238E27FC236}">
+                <a16:creationId xmlns:a16="http://schemas.microsoft.com/office/drawing/2014/main" id="{4637F875-FDD8-9144-87B6-6AC02E424527}"/>
+              </a:ext>
+            </a:extLst>
+          </p:cNvPr>
+          <p:cNvSpPr/>
+          <p:nvPr/>
+        </p:nvSpPr>
+        <p:spPr>
+          <a:xfrm>
+            <a:off x="1266082" y="4007033"/>
+            <a:ext cx="1324709" cy="548420"/>
+          </a:xfrm>
+          <a:prstGeom prst="homePlate">
+            <a:avLst/>
+          </a:prstGeom>
+          <a:solidFill>
+            <a:schemeClr val="accent1"/>
+          </a:solidFill>
+          <a:ln>
+            <a:noFill/>
+          </a:ln>
+        </p:spPr>
+        <p:style>
+          <a:lnRef idx="0">
+            <a:scrgbClr r="0" g="0" b="0"/>
+          </a:lnRef>
+          <a:fillRef idx="0">
+            <a:scrgbClr r="0" g="0" b="0"/>
+          </a:fillRef>
+          <a:effectRef idx="0">
+            <a:scrgbClr r="0" g="0" b="0"/>
+          </a:effectRef>
+          <a:fontRef idx="minor">
+            <a:schemeClr val="lt1"/>
+          </a:fontRef>
+        </p:style>
+        <p:txBody>
+          <a:bodyPr rtlCol="0" anchor="ctr"/>
+          <a:lstStyle/>
+          <a:p>
+            <a:pPr algn="ctr"/>
+            <a:r>
+              <a:rPr lang="en-US" b="1" dirty="0"/>
+              <a:t>3</a:t>
+            </a:r>
+          </a:p>
+        </p:txBody>
+      </p:sp>
+      <p:sp>
+        <p:nvSpPr>
+          <p:cNvPr id="9" name="Pentagon 8">
+            <a:extLst>
+              <a:ext uri="{FF2B5EF4-FFF2-40B4-BE49-F238E27FC236}">
+                <a16:creationId xmlns:a16="http://schemas.microsoft.com/office/drawing/2014/main" id="{BAAC2700-0513-A34A-8097-10B2919FA28D}"/>
+              </a:ext>
+            </a:extLst>
+          </p:cNvPr>
+          <p:cNvSpPr/>
+          <p:nvPr/>
+        </p:nvSpPr>
+        <p:spPr>
+          <a:xfrm>
+            <a:off x="1266082" y="4955564"/>
+            <a:ext cx="1324709" cy="548420"/>
+          </a:xfrm>
+          <a:prstGeom prst="homePlate">
+            <a:avLst/>
+          </a:prstGeom>
+          <a:solidFill>
+            <a:schemeClr val="accent1"/>
+          </a:solidFill>
+          <a:ln>
+            <a:noFill/>
+          </a:ln>
+        </p:spPr>
+        <p:style>
+          <a:lnRef idx="0">
+            <a:scrgbClr r="0" g="0" b="0"/>
+          </a:lnRef>
+          <a:fillRef idx="0">
+            <a:scrgbClr r="0" g="0" b="0"/>
+          </a:fillRef>
+          <a:effectRef idx="0">
+            <a:scrgbClr r="0" g="0" b="0"/>
+          </a:effectRef>
+          <a:fontRef idx="minor">
+            <a:schemeClr val="lt1"/>
+          </a:fontRef>
+        </p:style>
+        <p:txBody>
+          <a:bodyPr rtlCol="0" anchor="ctr"/>
+          <a:lstStyle/>
+          <a:p>
+            <a:pPr algn="ctr"/>
+            <a:r>
+              <a:rPr lang="en-US" b="1" dirty="0"/>
+              <a:t>4</a:t>
+            </a:r>
+          </a:p>
+        </p:txBody>
+      </p:sp>
+      <p:sp>
+        <p:nvSpPr>
+          <p:cNvPr id="10" name="Pentagon 9">
+            <a:extLst>
+              <a:ext uri="{FF2B5EF4-FFF2-40B4-BE49-F238E27FC236}">
+                <a16:creationId xmlns:a16="http://schemas.microsoft.com/office/drawing/2014/main" id="{58C23F9E-35C1-294A-BCC6-BAABF4A89991}"/>
+              </a:ext>
+            </a:extLst>
+          </p:cNvPr>
+          <p:cNvSpPr/>
+          <p:nvPr/>
+        </p:nvSpPr>
+        <p:spPr>
+          <a:xfrm>
+            <a:off x="1266082" y="5983411"/>
+            <a:ext cx="1324709" cy="548420"/>
+          </a:xfrm>
+          <a:prstGeom prst="homePlate">
+            <a:avLst/>
+          </a:prstGeom>
+          <a:solidFill>
+            <a:schemeClr val="accent1"/>
+          </a:solidFill>
+          <a:ln>
+            <a:noFill/>
+          </a:ln>
+        </p:spPr>
+        <p:style>
+          <a:lnRef idx="0">
+            <a:scrgbClr r="0" g="0" b="0"/>
+          </a:lnRef>
+          <a:fillRef idx="0">
+            <a:scrgbClr r="0" g="0" b="0"/>
+          </a:fillRef>
+          <a:effectRef idx="0">
+            <a:scrgbClr r="0" g="0" b="0"/>
+          </a:effectRef>
+          <a:fontRef idx="minor">
+            <a:schemeClr val="lt1"/>
+          </a:fontRef>
+        </p:style>
+        <p:txBody>
+          <a:bodyPr rtlCol="0" anchor="ctr"/>
+          <a:lstStyle/>
+          <a:p>
+            <a:pPr algn="ctr"/>
+            <a:r>
+              <a:rPr lang="en-US" b="1" dirty="0"/>
+              <a:t>5</a:t>
             </a:r>
           </a:p>
         </p:txBody>
@@ -4568,13 +6230,25 @@
     </p:spTree>
     <p:extLst>
       <p:ext uri="{BB962C8B-B14F-4D97-AF65-F5344CB8AC3E}">
-        <p14:creationId xmlns:p14="http://schemas.microsoft.com/office/powerpoint/2010/main" val="3867277235"/>
+        <p14:creationId xmlns:p14="http://schemas.microsoft.com/office/powerpoint/2010/main" val="4086236114"/>
       </p:ext>
     </p:extLst>
   </p:cSld>
   <p:clrMapOvr>
     <a:masterClrMapping/>
   </p:clrMapOvr>
+  <mc:AlternateContent xmlns:mc="http://schemas.openxmlformats.org/markup-compatibility/2006" xmlns:p14="http://schemas.microsoft.com/office/powerpoint/2010/main">
+    <mc:Choice Requires="p14">
+      <p:transition spd="slow" p14:dur="1500">
+        <p:split orient="vert"/>
+      </p:transition>
+    </mc:Choice>
+    <mc:Fallback xmlns="">
+      <p:transition xmlns:p14="http://schemas.microsoft.com/office/powerpoint/2010/main" spd="slow">
+        <p:split orient="vert"/>
+      </p:transition>
+    </mc:Fallback>
+  </mc:AlternateContent>
 </p:sld>
 </file>
 
@@ -4597,56 +6271,239 @@
       </p:grpSpPr>
       <p:sp>
         <p:nvSpPr>
-          <p:cNvPr id="2" name="Title 1">
+          <p:cNvPr id="4" name="Title 1">
             <a:extLst>
               <a:ext uri="{FF2B5EF4-FFF2-40B4-BE49-F238E27FC236}">
-                <a16:creationId xmlns:a16="http://schemas.microsoft.com/office/drawing/2014/main" id="{ADB4A556-32DE-904B-8FAC-5C59CE9F1BFF}"/>
+                <a16:creationId xmlns:a16="http://schemas.microsoft.com/office/drawing/2014/main" id="{90DF6BE5-7EE4-724D-95C2-91E2EBB119DC}"/>
               </a:ext>
             </a:extLst>
           </p:cNvPr>
-          <p:cNvSpPr>
-            <a:spLocks noGrp="1"/>
+          <p:cNvSpPr txBox="1">
+            <a:spLocks/>
           </p:cNvSpPr>
-          <p:nvPr>
-            <p:ph type="title"/>
-          </p:nvPr>
+          <p:nvPr/>
         </p:nvSpPr>
-        <p:spPr/>
+        <p:spPr>
+          <a:xfrm>
+            <a:off x="4648200" y="423740"/>
+            <a:ext cx="10515600" cy="1325563"/>
+          </a:xfrm>
+          <a:prstGeom prst="rect">
+            <a:avLst/>
+          </a:prstGeom>
+        </p:spPr>
         <p:txBody>
-          <a:bodyPr/>
-          <a:lstStyle/>
+          <a:bodyPr vert="horz" lIns="91440" tIns="45720" rIns="91440" bIns="45720" rtlCol="0" anchor="ctr">
+            <a:noAutofit/>
+          </a:bodyPr>
+          <a:lstStyle>
+            <a:lvl1pPr algn="l" defTabSz="457200" rtl="0" eaLnBrk="1" latinLnBrk="0" hangingPunct="1">
+              <a:spcBef>
+                <a:spcPct val="0"/>
+              </a:spcBef>
+              <a:buNone/>
+              <a:defRPr sz="2500" b="1" kern="1200">
+                <a:solidFill>
+                  <a:srgbClr val="FFFFFF"/>
+                </a:solidFill>
+                <a:latin typeface="Arial" panose="020B0604020202020204" pitchFamily="34" charset="0"/>
+                <a:ea typeface="+mj-ea"/>
+                <a:cs typeface="Arial" panose="020B0604020202020204" pitchFamily="34" charset="0"/>
+              </a:defRPr>
+            </a:lvl1pPr>
+          </a:lstStyle>
           <a:p>
             <a:r>
               <a:rPr lang="en-US" dirty="0"/>
-              <a:t>Stimulus</a:t>
+              <a:t>Download Presentation</a:t>
             </a:r>
           </a:p>
         </p:txBody>
       </p:sp>
       <p:sp>
         <p:nvSpPr>
-          <p:cNvPr id="3" name="Content Placeholder 2">
+          <p:cNvPr id="5" name="Content Placeholder 2">
             <a:extLst>
               <a:ext uri="{FF2B5EF4-FFF2-40B4-BE49-F238E27FC236}">
-                <a16:creationId xmlns:a16="http://schemas.microsoft.com/office/drawing/2014/main" id="{19257CCF-3385-5140-B47B-F6557E108B8C}"/>
+                <a16:creationId xmlns:a16="http://schemas.microsoft.com/office/drawing/2014/main" id="{B3CB2885-3240-C943-9437-DB5788994A63}"/>
               </a:ext>
             </a:extLst>
           </p:cNvPr>
-          <p:cNvSpPr>
-            <a:spLocks noGrp="1"/>
+          <p:cNvSpPr txBox="1">
+            <a:spLocks/>
           </p:cNvSpPr>
-          <p:nvPr>
-            <p:ph idx="1"/>
-          </p:nvPr>
+          <p:nvPr/>
         </p:nvSpPr>
-        <p:spPr/>
+        <p:spPr>
+          <a:xfrm>
+            <a:off x="1260231" y="1749303"/>
+            <a:ext cx="10515600" cy="4351338"/>
+          </a:xfrm>
+          <a:prstGeom prst="rect">
+            <a:avLst/>
+          </a:prstGeom>
+        </p:spPr>
         <p:txBody>
-          <a:bodyPr/>
-          <a:lstStyle/>
+          <a:bodyPr vert="horz" lIns="91440" tIns="45720" rIns="91440" bIns="45720" rtlCol="0">
+            <a:normAutofit/>
+          </a:bodyPr>
+          <a:lstStyle>
+            <a:lvl1pPr marL="342900" indent="-342900" algn="l" defTabSz="457200" rtl="0" eaLnBrk="1" latinLnBrk="0" hangingPunct="1">
+              <a:spcBef>
+                <a:spcPct val="20000"/>
+              </a:spcBef>
+              <a:buFont typeface="Arial"/>
+              <a:buChar char="•"/>
+              <a:defRPr sz="2400" kern="1200">
+                <a:solidFill>
+                  <a:schemeClr val="tx1"/>
+                </a:solidFill>
+                <a:latin typeface="Arial" panose="020B0604020202020204" pitchFamily="34" charset="0"/>
+                <a:ea typeface="+mn-ea"/>
+                <a:cs typeface="Arial" panose="020B0604020202020204" pitchFamily="34" charset="0"/>
+              </a:defRPr>
+            </a:lvl1pPr>
+            <a:lvl2pPr marL="742950" indent="-285750" algn="l" defTabSz="457200" rtl="0" eaLnBrk="1" latinLnBrk="0" hangingPunct="1">
+              <a:spcBef>
+                <a:spcPct val="20000"/>
+              </a:spcBef>
+              <a:buFont typeface="Arial"/>
+              <a:buChar char="–"/>
+              <a:defRPr sz="2000" kern="1200">
+                <a:solidFill>
+                  <a:schemeClr val="tx1"/>
+                </a:solidFill>
+                <a:latin typeface="Arial" panose="020B0604020202020204" pitchFamily="34" charset="0"/>
+                <a:ea typeface="+mn-ea"/>
+                <a:cs typeface="Arial" panose="020B0604020202020204" pitchFamily="34" charset="0"/>
+              </a:defRPr>
+            </a:lvl2pPr>
+            <a:lvl3pPr marL="1143000" indent="-228600" algn="l" defTabSz="457200" rtl="0" eaLnBrk="1" latinLnBrk="0" hangingPunct="1">
+              <a:spcBef>
+                <a:spcPct val="20000"/>
+              </a:spcBef>
+              <a:buFont typeface="Arial"/>
+              <a:buChar char="•"/>
+              <a:defRPr sz="1800" kern="1200">
+                <a:solidFill>
+                  <a:schemeClr val="tx1"/>
+                </a:solidFill>
+                <a:latin typeface="Arial" panose="020B0604020202020204" pitchFamily="34" charset="0"/>
+                <a:ea typeface="+mn-ea"/>
+                <a:cs typeface="Arial" panose="020B0604020202020204" pitchFamily="34" charset="0"/>
+              </a:defRPr>
+            </a:lvl3pPr>
+            <a:lvl4pPr marL="1600200" indent="-228600" algn="l" defTabSz="457200" rtl="0" eaLnBrk="1" latinLnBrk="0" hangingPunct="1">
+              <a:spcBef>
+                <a:spcPct val="20000"/>
+              </a:spcBef>
+              <a:buFont typeface="Arial"/>
+              <a:buChar char="–"/>
+              <a:defRPr sz="1600" kern="1200">
+                <a:solidFill>
+                  <a:schemeClr val="tx1"/>
+                </a:solidFill>
+                <a:latin typeface="Arial" panose="020B0604020202020204" pitchFamily="34" charset="0"/>
+                <a:ea typeface="+mn-ea"/>
+                <a:cs typeface="Arial" panose="020B0604020202020204" pitchFamily="34" charset="0"/>
+              </a:defRPr>
+            </a:lvl4pPr>
+            <a:lvl5pPr marL="2057400" indent="-228600" algn="l" defTabSz="457200" rtl="0" eaLnBrk="1" latinLnBrk="0" hangingPunct="1">
+              <a:spcBef>
+                <a:spcPct val="20000"/>
+              </a:spcBef>
+              <a:buFont typeface="Arial"/>
+              <a:buChar char="»"/>
+              <a:defRPr sz="1600" kern="1200">
+                <a:solidFill>
+                  <a:schemeClr val="tx1"/>
+                </a:solidFill>
+                <a:latin typeface="Arial" panose="020B0604020202020204" pitchFamily="34" charset="0"/>
+                <a:ea typeface="+mn-ea"/>
+                <a:cs typeface="Arial" panose="020B0604020202020204" pitchFamily="34" charset="0"/>
+              </a:defRPr>
+            </a:lvl5pPr>
+            <a:lvl6pPr marL="2514600" indent="-228600" algn="l" defTabSz="457200" rtl="0" eaLnBrk="1" latinLnBrk="0" hangingPunct="1">
+              <a:spcBef>
+                <a:spcPct val="20000"/>
+              </a:spcBef>
+              <a:buFont typeface="Arial"/>
+              <a:buChar char="•"/>
+              <a:defRPr sz="2000" kern="1200">
+                <a:solidFill>
+                  <a:schemeClr val="tx1"/>
+                </a:solidFill>
+                <a:latin typeface="+mn-lt"/>
+                <a:ea typeface="+mn-ea"/>
+                <a:cs typeface="+mn-cs"/>
+              </a:defRPr>
+            </a:lvl6pPr>
+            <a:lvl7pPr marL="2971800" indent="-228600" algn="l" defTabSz="457200" rtl="0" eaLnBrk="1" latinLnBrk="0" hangingPunct="1">
+              <a:spcBef>
+                <a:spcPct val="20000"/>
+              </a:spcBef>
+              <a:buFont typeface="Arial"/>
+              <a:buChar char="•"/>
+              <a:defRPr sz="2000" kern="1200">
+                <a:solidFill>
+                  <a:schemeClr val="tx1"/>
+                </a:solidFill>
+                <a:latin typeface="+mn-lt"/>
+                <a:ea typeface="+mn-ea"/>
+                <a:cs typeface="+mn-cs"/>
+              </a:defRPr>
+            </a:lvl7pPr>
+            <a:lvl8pPr marL="3429000" indent="-228600" algn="l" defTabSz="457200" rtl="0" eaLnBrk="1" latinLnBrk="0" hangingPunct="1">
+              <a:spcBef>
+                <a:spcPct val="20000"/>
+              </a:spcBef>
+              <a:buFont typeface="Arial"/>
+              <a:buChar char="•"/>
+              <a:defRPr sz="2000" kern="1200">
+                <a:solidFill>
+                  <a:schemeClr val="tx1"/>
+                </a:solidFill>
+                <a:latin typeface="+mn-lt"/>
+                <a:ea typeface="+mn-ea"/>
+                <a:cs typeface="+mn-cs"/>
+              </a:defRPr>
+            </a:lvl8pPr>
+            <a:lvl9pPr marL="3886200" indent="-228600" algn="l" defTabSz="457200" rtl="0" eaLnBrk="1" latinLnBrk="0" hangingPunct="1">
+              <a:spcBef>
+                <a:spcPct val="20000"/>
+              </a:spcBef>
+              <a:buFont typeface="Arial"/>
+              <a:buChar char="•"/>
+              <a:defRPr sz="2000" kern="1200">
+                <a:solidFill>
+                  <a:schemeClr val="tx1"/>
+                </a:solidFill>
+                <a:latin typeface="+mn-lt"/>
+                <a:ea typeface="+mn-ea"/>
+                <a:cs typeface="+mn-cs"/>
+              </a:defRPr>
+            </a:lvl9pPr>
+          </a:lstStyle>
           <a:p>
             <a:r>
               <a:rPr lang="en-US" dirty="0"/>
-              <a:t>?????</a:t>
+              <a:t>Presentation available at: https://</a:t>
+            </a:r>
+            <a:r>
+              <a:rPr lang="en-US" dirty="0" err="1"/>
+              <a:t>github.com</a:t>
+            </a:r>
+            <a:r>
+              <a:rPr lang="en-US" dirty="0"/>
+              <a:t>/</a:t>
+            </a:r>
+            <a:r>
+              <a:rPr lang="en-US" dirty="0" err="1"/>
+              <a:t>xolaniss</a:t>
+            </a:r>
+            <a:r>
+              <a:rPr lang="en-US" dirty="0"/>
+              <a:t>/COVID_19</a:t>
             </a:r>
           </a:p>
         </p:txBody>
@@ -4654,115 +6511,25 @@
     </p:spTree>
     <p:extLst>
       <p:ext uri="{BB962C8B-B14F-4D97-AF65-F5344CB8AC3E}">
-        <p14:creationId xmlns:p14="http://schemas.microsoft.com/office/powerpoint/2010/main" val="1354975489"/>
+        <p14:creationId xmlns:p14="http://schemas.microsoft.com/office/powerpoint/2010/main" val="4291655370"/>
       </p:ext>
     </p:extLst>
   </p:cSld>
   <p:clrMapOvr>
     <a:masterClrMapping/>
   </p:clrMapOvr>
-</p:sld>
-</file>
-
-<file path=ppt/slides/slide14.xml><?xml version="1.0" encoding="utf-8"?>
-<p:sld xmlns:a="http://schemas.openxmlformats.org/drawingml/2006/main" xmlns:r="http://schemas.openxmlformats.org/officeDocument/2006/relationships" xmlns:p="http://schemas.openxmlformats.org/presentationml/2006/main">
-  <p:cSld>
-    <p:spTree>
-      <p:nvGrpSpPr>
-        <p:cNvPr id="1" name=""/>
-        <p:cNvGrpSpPr/>
-        <p:nvPr/>
-      </p:nvGrpSpPr>
-      <p:grpSpPr>
-        <a:xfrm>
-          <a:off x="0" y="0"/>
-          <a:ext cx="0" cy="0"/>
-          <a:chOff x="0" y="0"/>
-          <a:chExt cx="0" cy="0"/>
-        </a:xfrm>
-      </p:grpSpPr>
-      <p:sp>
-        <p:nvSpPr>
-          <p:cNvPr id="2" name="Title 1">
-            <a:extLst>
-              <a:ext uri="{FF2B5EF4-FFF2-40B4-BE49-F238E27FC236}">
-                <a16:creationId xmlns:a16="http://schemas.microsoft.com/office/drawing/2014/main" id="{D796A26E-838F-9B40-B4E5-CC4683CBE752}"/>
-              </a:ext>
-            </a:extLst>
-          </p:cNvPr>
-          <p:cNvSpPr>
-            <a:spLocks noGrp="1"/>
-          </p:cNvSpPr>
-          <p:nvPr>
-            <p:ph type="title"/>
-          </p:nvPr>
-        </p:nvSpPr>
-        <p:spPr/>
-        <p:txBody>
-          <a:bodyPr/>
-          <a:lstStyle/>
-          <a:p>
-            <a:r>
-              <a:rPr lang="en-US" dirty="0"/>
-              <a:t>Download Presentation</a:t>
-            </a:r>
-          </a:p>
-        </p:txBody>
-      </p:sp>
-      <p:sp>
-        <p:nvSpPr>
-          <p:cNvPr id="3" name="Content Placeholder 2">
-            <a:extLst>
-              <a:ext uri="{FF2B5EF4-FFF2-40B4-BE49-F238E27FC236}">
-                <a16:creationId xmlns:a16="http://schemas.microsoft.com/office/drawing/2014/main" id="{117850B0-BF44-D44E-8644-8790A5691595}"/>
-              </a:ext>
-            </a:extLst>
-          </p:cNvPr>
-          <p:cNvSpPr>
-            <a:spLocks noGrp="1"/>
-          </p:cNvSpPr>
-          <p:nvPr>
-            <p:ph idx="1"/>
-          </p:nvPr>
-        </p:nvSpPr>
-        <p:spPr/>
-        <p:txBody>
-          <a:bodyPr/>
-          <a:lstStyle/>
-          <a:p>
-            <a:r>
-              <a:rPr lang="en-US" dirty="0"/>
-              <a:t>Presentation available at: https://</a:t>
-            </a:r>
-            <a:r>
-              <a:rPr lang="en-US" dirty="0" err="1"/>
-              <a:t>github.com</a:t>
-            </a:r>
-            <a:r>
-              <a:rPr lang="en-US" dirty="0"/>
-              <a:t>/</a:t>
-            </a:r>
-            <a:r>
-              <a:rPr lang="en-US" dirty="0" err="1"/>
-              <a:t>xolaniss</a:t>
-            </a:r>
-            <a:r>
-              <a:rPr lang="en-US" dirty="0"/>
-              <a:t>/COVID_19</a:t>
-            </a:r>
-          </a:p>
-        </p:txBody>
-      </p:sp>
-    </p:spTree>
-    <p:extLst>
-      <p:ext uri="{BB962C8B-B14F-4D97-AF65-F5344CB8AC3E}">
-        <p14:creationId xmlns:p14="http://schemas.microsoft.com/office/powerpoint/2010/main" val="994770259"/>
-      </p:ext>
-    </p:extLst>
-  </p:cSld>
-  <p:clrMapOvr>
-    <a:masterClrMapping/>
-  </p:clrMapOvr>
+  <mc:AlternateContent xmlns:mc="http://schemas.openxmlformats.org/markup-compatibility/2006" xmlns:p14="http://schemas.microsoft.com/office/powerpoint/2010/main">
+    <mc:Choice Requires="p14">
+      <p:transition spd="slow" p14:dur="1500">
+        <p:split orient="vert"/>
+      </p:transition>
+    </mc:Choice>
+    <mc:Fallback xmlns="">
+      <p:transition xmlns:p14="http://schemas.microsoft.com/office/powerpoint/2010/main" spd="slow">
+        <p:split orient="vert"/>
+      </p:transition>
+    </mc:Fallback>
+  </mc:AlternateContent>
 </p:sld>
 </file>
 
@@ -4785,94 +6552,274 @@
       </p:grpSpPr>
       <p:sp>
         <p:nvSpPr>
-          <p:cNvPr id="2" name="Title 1">
+          <p:cNvPr id="4" name="Title 1">
             <a:extLst>
               <a:ext uri="{FF2B5EF4-FFF2-40B4-BE49-F238E27FC236}">
-                <a16:creationId xmlns:a16="http://schemas.microsoft.com/office/drawing/2014/main" id="{DF169427-FC53-0C4E-A9EF-3203252B9604}"/>
+                <a16:creationId xmlns:a16="http://schemas.microsoft.com/office/drawing/2014/main" id="{8682D256-36C6-194C-813B-328C687FF574}"/>
               </a:ext>
             </a:extLst>
           </p:cNvPr>
-          <p:cNvSpPr>
-            <a:spLocks noGrp="1"/>
+          <p:cNvSpPr txBox="1">
+            <a:spLocks/>
           </p:cNvSpPr>
-          <p:nvPr>
-            <p:ph type="title"/>
-          </p:nvPr>
+          <p:nvPr/>
         </p:nvSpPr>
-        <p:spPr/>
+        <p:spPr>
+          <a:xfrm>
+            <a:off x="2878016" y="400294"/>
+            <a:ext cx="10515600" cy="1325563"/>
+          </a:xfrm>
+          <a:prstGeom prst="rect">
+            <a:avLst/>
+          </a:prstGeom>
+        </p:spPr>
         <p:txBody>
-          <a:bodyPr/>
-          <a:lstStyle/>
+          <a:bodyPr vert="horz" lIns="91440" tIns="45720" rIns="91440" bIns="45720" rtlCol="0" anchor="ctr">
+            <a:noAutofit/>
+          </a:bodyPr>
+          <a:lstStyle>
+            <a:lvl1pPr algn="l" defTabSz="457200" rtl="0" eaLnBrk="1" latinLnBrk="0" hangingPunct="1">
+              <a:spcBef>
+                <a:spcPct val="0"/>
+              </a:spcBef>
+              <a:buNone/>
+              <a:defRPr sz="2500" b="1" kern="1200">
+                <a:solidFill>
+                  <a:srgbClr val="FFFFFF"/>
+                </a:solidFill>
+                <a:latin typeface="Arial" panose="020B0604020202020204" pitchFamily="34" charset="0"/>
+                <a:ea typeface="+mj-ea"/>
+                <a:cs typeface="Arial" panose="020B0604020202020204" pitchFamily="34" charset="0"/>
+              </a:defRPr>
+            </a:lvl1pPr>
+          </a:lstStyle>
           <a:p>
             <a:r>
               <a:rPr lang="en-US" dirty="0"/>
-              <a:t>What is productivity shock in economic terms</a:t>
+              <a:t>What is productivity shock in economic terms?</a:t>
             </a:r>
           </a:p>
         </p:txBody>
       </p:sp>
       <p:sp>
         <p:nvSpPr>
-          <p:cNvPr id="3" name="Content Placeholder 2">
+          <p:cNvPr id="5" name="Content Placeholder 2">
             <a:extLst>
               <a:ext uri="{FF2B5EF4-FFF2-40B4-BE49-F238E27FC236}">
-                <a16:creationId xmlns:a16="http://schemas.microsoft.com/office/drawing/2014/main" id="{E970CA1C-1E57-8C40-B564-FB312D004086}"/>
+                <a16:creationId xmlns:a16="http://schemas.microsoft.com/office/drawing/2014/main" id="{8F988317-1FC6-C148-AA45-86D478937C55}"/>
               </a:ext>
             </a:extLst>
           </p:cNvPr>
-          <p:cNvSpPr>
-            <a:spLocks noGrp="1"/>
+          <p:cNvSpPr txBox="1">
+            <a:spLocks/>
           </p:cNvSpPr>
-          <p:nvPr>
-            <p:ph idx="1"/>
-          </p:nvPr>
+          <p:nvPr/>
         </p:nvSpPr>
-        <p:spPr/>
+        <p:spPr>
+          <a:xfrm>
+            <a:off x="838200" y="1825625"/>
+            <a:ext cx="10515600" cy="4351338"/>
+          </a:xfrm>
+          <a:prstGeom prst="rect">
+            <a:avLst/>
+          </a:prstGeom>
+        </p:spPr>
         <p:txBody>
-          <a:bodyPr/>
-          <a:lstStyle/>
-          <a:p>
-            <a:r>
-              <a:rPr lang="en-US" dirty="0"/>
+          <a:bodyPr vert="horz" lIns="91440" tIns="45720" rIns="91440" bIns="45720" rtlCol="0">
+            <a:normAutofit/>
+          </a:bodyPr>
+          <a:lstStyle>
+            <a:lvl1pPr marL="342900" indent="-342900" algn="l" defTabSz="457200" rtl="0" eaLnBrk="1" latinLnBrk="0" hangingPunct="1">
+              <a:spcBef>
+                <a:spcPct val="20000"/>
+              </a:spcBef>
+              <a:buFont typeface="Arial"/>
+              <a:buChar char="•"/>
+              <a:defRPr sz="2400" kern="1200">
+                <a:solidFill>
+                  <a:schemeClr val="tx1"/>
+                </a:solidFill>
+                <a:latin typeface="Arial" panose="020B0604020202020204" pitchFamily="34" charset="0"/>
+                <a:ea typeface="+mn-ea"/>
+                <a:cs typeface="Arial" panose="020B0604020202020204" pitchFamily="34" charset="0"/>
+              </a:defRPr>
+            </a:lvl1pPr>
+            <a:lvl2pPr marL="742950" indent="-285750" algn="l" defTabSz="457200" rtl="0" eaLnBrk="1" latinLnBrk="0" hangingPunct="1">
+              <a:spcBef>
+                <a:spcPct val="20000"/>
+              </a:spcBef>
+              <a:buFont typeface="Arial"/>
+              <a:buChar char="–"/>
+              <a:defRPr sz="2000" kern="1200">
+                <a:solidFill>
+                  <a:schemeClr val="tx1"/>
+                </a:solidFill>
+                <a:latin typeface="Arial" panose="020B0604020202020204" pitchFamily="34" charset="0"/>
+                <a:ea typeface="+mn-ea"/>
+                <a:cs typeface="Arial" panose="020B0604020202020204" pitchFamily="34" charset="0"/>
+              </a:defRPr>
+            </a:lvl2pPr>
+            <a:lvl3pPr marL="1143000" indent="-228600" algn="l" defTabSz="457200" rtl="0" eaLnBrk="1" latinLnBrk="0" hangingPunct="1">
+              <a:spcBef>
+                <a:spcPct val="20000"/>
+              </a:spcBef>
+              <a:buFont typeface="Arial"/>
+              <a:buChar char="•"/>
+              <a:defRPr sz="1800" kern="1200">
+                <a:solidFill>
+                  <a:schemeClr val="tx1"/>
+                </a:solidFill>
+                <a:latin typeface="Arial" panose="020B0604020202020204" pitchFamily="34" charset="0"/>
+                <a:ea typeface="+mn-ea"/>
+                <a:cs typeface="Arial" panose="020B0604020202020204" pitchFamily="34" charset="0"/>
+              </a:defRPr>
+            </a:lvl3pPr>
+            <a:lvl4pPr marL="1600200" indent="-228600" algn="l" defTabSz="457200" rtl="0" eaLnBrk="1" latinLnBrk="0" hangingPunct="1">
+              <a:spcBef>
+                <a:spcPct val="20000"/>
+              </a:spcBef>
+              <a:buFont typeface="Arial"/>
+              <a:buChar char="–"/>
+              <a:defRPr sz="1600" kern="1200">
+                <a:solidFill>
+                  <a:schemeClr val="tx1"/>
+                </a:solidFill>
+                <a:latin typeface="Arial" panose="020B0604020202020204" pitchFamily="34" charset="0"/>
+                <a:ea typeface="+mn-ea"/>
+                <a:cs typeface="Arial" panose="020B0604020202020204" pitchFamily="34" charset="0"/>
+              </a:defRPr>
+            </a:lvl4pPr>
+            <a:lvl5pPr marL="2057400" indent="-228600" algn="l" defTabSz="457200" rtl="0" eaLnBrk="1" latinLnBrk="0" hangingPunct="1">
+              <a:spcBef>
+                <a:spcPct val="20000"/>
+              </a:spcBef>
+              <a:buFont typeface="Arial"/>
+              <a:buChar char="»"/>
+              <a:defRPr sz="1600" kern="1200">
+                <a:solidFill>
+                  <a:schemeClr val="tx1"/>
+                </a:solidFill>
+                <a:latin typeface="Arial" panose="020B0604020202020204" pitchFamily="34" charset="0"/>
+                <a:ea typeface="+mn-ea"/>
+                <a:cs typeface="Arial" panose="020B0604020202020204" pitchFamily="34" charset="0"/>
+              </a:defRPr>
+            </a:lvl5pPr>
+            <a:lvl6pPr marL="2514600" indent="-228600" algn="l" defTabSz="457200" rtl="0" eaLnBrk="1" latinLnBrk="0" hangingPunct="1">
+              <a:spcBef>
+                <a:spcPct val="20000"/>
+              </a:spcBef>
+              <a:buFont typeface="Arial"/>
+              <a:buChar char="•"/>
+              <a:defRPr sz="2000" kern="1200">
+                <a:solidFill>
+                  <a:schemeClr val="tx1"/>
+                </a:solidFill>
+                <a:latin typeface="+mn-lt"/>
+                <a:ea typeface="+mn-ea"/>
+                <a:cs typeface="+mn-cs"/>
+              </a:defRPr>
+            </a:lvl6pPr>
+            <a:lvl7pPr marL="2971800" indent="-228600" algn="l" defTabSz="457200" rtl="0" eaLnBrk="1" latinLnBrk="0" hangingPunct="1">
+              <a:spcBef>
+                <a:spcPct val="20000"/>
+              </a:spcBef>
+              <a:buFont typeface="Arial"/>
+              <a:buChar char="•"/>
+              <a:defRPr sz="2000" kern="1200">
+                <a:solidFill>
+                  <a:schemeClr val="tx1"/>
+                </a:solidFill>
+                <a:latin typeface="+mn-lt"/>
+                <a:ea typeface="+mn-ea"/>
+                <a:cs typeface="+mn-cs"/>
+              </a:defRPr>
+            </a:lvl7pPr>
+            <a:lvl8pPr marL="3429000" indent="-228600" algn="l" defTabSz="457200" rtl="0" eaLnBrk="1" latinLnBrk="0" hangingPunct="1">
+              <a:spcBef>
+                <a:spcPct val="20000"/>
+              </a:spcBef>
+              <a:buFont typeface="Arial"/>
+              <a:buChar char="•"/>
+              <a:defRPr sz="2000" kern="1200">
+                <a:solidFill>
+                  <a:schemeClr val="tx1"/>
+                </a:solidFill>
+                <a:latin typeface="+mn-lt"/>
+                <a:ea typeface="+mn-ea"/>
+                <a:cs typeface="+mn-cs"/>
+              </a:defRPr>
+            </a:lvl8pPr>
+            <a:lvl9pPr marL="3886200" indent="-228600" algn="l" defTabSz="457200" rtl="0" eaLnBrk="1" latinLnBrk="0" hangingPunct="1">
+              <a:spcBef>
+                <a:spcPct val="20000"/>
+              </a:spcBef>
+              <a:buFont typeface="Arial"/>
+              <a:buChar char="•"/>
+              <a:defRPr sz="2000" kern="1200">
+                <a:solidFill>
+                  <a:schemeClr val="tx1"/>
+                </a:solidFill>
+                <a:latin typeface="+mn-lt"/>
+                <a:ea typeface="+mn-ea"/>
+                <a:cs typeface="+mn-cs"/>
+              </a:defRPr>
+            </a:lvl9pPr>
+          </a:lstStyle>
+          <a:p>
+            <a:r>
+              <a:rPr lang="en-US"/>
               <a:t>In simple terms it is any factor real or sentiment that can reduce the efficiency with which production can occur.</a:t>
             </a:r>
           </a:p>
           <a:p>
             <a:r>
-              <a:rPr lang="en-US" dirty="0"/>
+              <a:rPr lang="en-US"/>
               <a:t>For example employee absenteeism can reduce labor hours thereby reduce output</a:t>
             </a:r>
           </a:p>
           <a:p>
             <a:r>
-              <a:rPr lang="en-US" dirty="0"/>
+              <a:rPr lang="en-US"/>
               <a:t>Another example can be the disruptions of production input supply chains which can have an impact on output</a:t>
             </a:r>
           </a:p>
           <a:p>
             <a:r>
-              <a:rPr lang="en-US" dirty="0"/>
+              <a:rPr lang="en-US"/>
               <a:t>These factors can vary to include health issues such as those presented by COVID-19</a:t>
             </a:r>
           </a:p>
           <a:p>
             <a:r>
-              <a:rPr lang="en-US" dirty="0"/>
+              <a:rPr lang="en-US"/>
               <a:t>Productivity cannot be thought of as production or output</a:t>
             </a:r>
+            <a:endParaRPr lang="en-US" dirty="0"/>
           </a:p>
         </p:txBody>
       </p:sp>
     </p:spTree>
     <p:extLst>
       <p:ext uri="{BB962C8B-B14F-4D97-AF65-F5344CB8AC3E}">
-        <p14:creationId xmlns:p14="http://schemas.microsoft.com/office/powerpoint/2010/main" val="1686650238"/>
+        <p14:creationId xmlns:p14="http://schemas.microsoft.com/office/powerpoint/2010/main" val="2663969267"/>
       </p:ext>
     </p:extLst>
   </p:cSld>
   <p:clrMapOvr>
     <a:masterClrMapping/>
   </p:clrMapOvr>
+  <mc:AlternateContent xmlns:mc="http://schemas.openxmlformats.org/markup-compatibility/2006" xmlns:p14="http://schemas.microsoft.com/office/powerpoint/2010/main">
+    <mc:Choice Requires="p14">
+      <p:transition spd="slow" p14:dur="1500">
+        <p:split orient="vert"/>
+      </p:transition>
+    </mc:Choice>
+    <mc:Fallback xmlns="">
+      <p:transition xmlns:p14="http://schemas.microsoft.com/office/powerpoint/2010/main" spd="slow">
+        <p:split orient="vert"/>
+      </p:transition>
+    </mc:Fallback>
+  </mc:AlternateContent>
 </p:sld>
 </file>
 
@@ -4895,10 +6842,10 @@
       </p:grpSpPr>
       <p:sp>
         <p:nvSpPr>
-          <p:cNvPr id="2" name="Title 1">
+          <p:cNvPr id="4" name="Title 1">
             <a:extLst>
               <a:ext uri="{FF2B5EF4-FFF2-40B4-BE49-F238E27FC236}">
-                <a16:creationId xmlns:a16="http://schemas.microsoft.com/office/drawing/2014/main" id="{320A1F3E-E13C-9D4A-9BA2-51FFEA0E7439}"/>
+                <a16:creationId xmlns:a16="http://schemas.microsoft.com/office/drawing/2014/main" id="{A81B9848-EFE8-064B-97DB-8F615553007B}"/>
               </a:ext>
             </a:extLst>
           </p:cNvPr>
@@ -4909,7 +6856,12 @@
             <p:ph type="title"/>
           </p:nvPr>
         </p:nvSpPr>
-        <p:spPr/>
+        <p:spPr>
+          <a:xfrm>
+            <a:off x="3815862" y="447187"/>
+            <a:ext cx="10515600" cy="1325563"/>
+          </a:xfrm>
+        </p:spPr>
         <p:txBody>
           <a:bodyPr/>
           <a:lstStyle/>
@@ -4923,10 +6875,10 @@
       </p:sp>
       <p:graphicFrame>
         <p:nvGraphicFramePr>
-          <p:cNvPr id="4" name="Table 3">
+          <p:cNvPr id="5" name="Table 4">
             <a:extLst>
               <a:ext uri="{FF2B5EF4-FFF2-40B4-BE49-F238E27FC236}">
-                <a16:creationId xmlns:a16="http://schemas.microsoft.com/office/drawing/2014/main" id="{72AF1A7C-4E89-0846-A0C6-3223F8C20E92}"/>
+                <a16:creationId xmlns:a16="http://schemas.microsoft.com/office/drawing/2014/main" id="{7C48BE3F-A0F8-B04A-863E-400DA6EEA6C6}"/>
               </a:ext>
             </a:extLst>
           </p:cNvPr>
@@ -4936,20 +6888,20 @@
           <p:nvPr>
             <p:extLst>
               <p:ext uri="{D42A27DB-BD31-4B8C-83A1-F6EECF244321}">
-                <p14:modId xmlns:p14="http://schemas.microsoft.com/office/powerpoint/2010/main" val="681397580"/>
+                <p14:modId xmlns:p14="http://schemas.microsoft.com/office/powerpoint/2010/main" val="3990112111"/>
               </p:ext>
             </p:extLst>
           </p:nvPr>
         </p:nvGraphicFramePr>
         <p:xfrm>
-          <a:off x="539749" y="1480231"/>
+          <a:off x="762488" y="1585739"/>
           <a:ext cx="11112501" cy="4911043"/>
         </p:xfrm>
         <a:graphic>
           <a:graphicData uri="http://schemas.openxmlformats.org/drawingml/2006/table">
             <a:tbl>
               <a:tblPr firstRow="1" bandRow="1">
-                <a:tableStyleId>{073A0DAA-6AF3-43AB-8588-CEC1D06C72B9}</a:tableStyleId>
+                <a:tableStyleId>{5C22544A-7EE6-4342-B048-85BDC9FD1C3A}</a:tableStyleId>
               </a:tblPr>
               <a:tblGrid>
                 <a:gridCol w="2337691">
@@ -5153,7 +7105,7 @@
                       </a:pPr>
                       <a:r>
                         <a:rPr lang="en-US" sz="1600" dirty="0"/>
-                        <a:t>Ill health</a:t>
+                        <a:t>Health issues</a:t>
                       </a:r>
                     </a:p>
                   </a:txBody>
@@ -5289,15 +7241,7 @@
                     <a:p>
                       <a:r>
                         <a:rPr lang="en-US" sz="1600" dirty="0"/>
-                        <a:t>This also means a </a:t>
-                      </a:r>
-                      <a:r>
-                        <a:rPr lang="en-US" sz="1600" b="1" dirty="0"/>
-                        <a:t>closed economy</a:t>
-                      </a:r>
-                      <a:r>
-                        <a:rPr lang="en-US" sz="1600" dirty="0"/>
-                        <a:t>.</a:t>
+                        <a:t>This also means a closed economy.</a:t>
                       </a:r>
                     </a:p>
                   </a:txBody>
@@ -5316,13 +7260,25 @@
     </p:spTree>
     <p:extLst>
       <p:ext uri="{BB962C8B-B14F-4D97-AF65-F5344CB8AC3E}">
-        <p14:creationId xmlns:p14="http://schemas.microsoft.com/office/powerpoint/2010/main" val="985035369"/>
+        <p14:creationId xmlns:p14="http://schemas.microsoft.com/office/powerpoint/2010/main" val="735899347"/>
       </p:ext>
     </p:extLst>
   </p:cSld>
   <p:clrMapOvr>
     <a:masterClrMapping/>
   </p:clrMapOvr>
+  <mc:AlternateContent xmlns:mc="http://schemas.openxmlformats.org/markup-compatibility/2006" xmlns:p14="http://schemas.microsoft.com/office/powerpoint/2010/main">
+    <mc:Choice Requires="p14">
+      <p:transition spd="slow" p14:dur="1500">
+        <p:split orient="vert"/>
+      </p:transition>
+    </mc:Choice>
+    <mc:Fallback xmlns="">
+      <p:transition xmlns:p14="http://schemas.microsoft.com/office/powerpoint/2010/main" spd="slow">
+        <p:split orient="vert"/>
+      </p:transition>
+    </mc:Fallback>
+  </mc:AlternateContent>
 </p:sld>
 </file>
 
@@ -5345,38 +7301,10 @@
       </p:grpSpPr>
       <p:sp>
         <p:nvSpPr>
-          <p:cNvPr id="2" name="Title 1">
+          <p:cNvPr id="4" name="Content Placeholder 2">
             <a:extLst>
               <a:ext uri="{FF2B5EF4-FFF2-40B4-BE49-F238E27FC236}">
-                <a16:creationId xmlns:a16="http://schemas.microsoft.com/office/drawing/2014/main" id="{0294F8BE-6D7C-E249-A587-71DD6AA75593}"/>
-              </a:ext>
-            </a:extLst>
-          </p:cNvPr>
-          <p:cNvSpPr>
-            <a:spLocks noGrp="1"/>
-          </p:cNvSpPr>
-          <p:nvPr>
-            <p:ph type="title"/>
-          </p:nvPr>
-        </p:nvSpPr>
-        <p:spPr/>
-        <p:txBody>
-          <a:bodyPr/>
-          <a:lstStyle/>
-          <a:p>
-            <a:r>
-              <a:rPr lang="en-US" dirty="0"/>
-              <a:t>The GPT TERM Model</a:t>
-            </a:r>
-          </a:p>
-        </p:txBody>
-      </p:sp>
-      <p:sp>
-        <p:nvSpPr>
-          <p:cNvPr id="3" name="Content Placeholder 2">
-            <a:extLst>
-              <a:ext uri="{FF2B5EF4-FFF2-40B4-BE49-F238E27FC236}">
-                <a16:creationId xmlns:a16="http://schemas.microsoft.com/office/drawing/2014/main" id="{D64297D4-13E7-3249-A547-2C5DAA36BEC6}"/>
+                <a16:creationId xmlns:a16="http://schemas.microsoft.com/office/drawing/2014/main" id="{765A9BF0-248C-7A41-9F91-A25D22758782}"/>
               </a:ext>
             </a:extLst>
           </p:cNvPr>
@@ -5389,13 +7317,13 @@
         </p:nvSpPr>
         <p:spPr>
           <a:xfrm>
-            <a:off x="838200" y="1825625"/>
-            <a:ext cx="10515600" cy="4667250"/>
+            <a:off x="1154723" y="1579440"/>
+            <a:ext cx="10873154" cy="4667250"/>
           </a:xfrm>
         </p:spPr>
         <p:txBody>
           <a:bodyPr>
-            <a:normAutofit fontScale="92500" lnSpcReduction="10000"/>
+            <a:normAutofit lnSpcReduction="10000"/>
           </a:bodyPr>
           <a:lstStyle/>
           <a:p>
@@ -5407,7 +7335,7 @@
           <a:p>
             <a:r>
               <a:rPr lang="en-US" dirty="0"/>
-              <a:t>This model was build by the University of Pretoria and the Centre for Policy Studies in Australia</a:t>
+              <a:t>This model was built by the University of Pretoria and the Centre for Policy Studies in Australia</a:t>
             </a:r>
           </a:p>
           <a:p>
@@ -5466,6 +7394,57 @@
             <a:r>
               <a:rPr lang="en-US" dirty="0"/>
               <a:t> The GPT TERM model estimates policy impacts from the years 2016 to 2025.</a:t>
+            </a:r>
+          </a:p>
+        </p:txBody>
+      </p:sp>
+      <p:sp>
+        <p:nvSpPr>
+          <p:cNvPr id="5" name="Title 1">
+            <a:extLst>
+              <a:ext uri="{FF2B5EF4-FFF2-40B4-BE49-F238E27FC236}">
+                <a16:creationId xmlns:a16="http://schemas.microsoft.com/office/drawing/2014/main" id="{24C434FD-DBAA-8A4F-B67B-47A0CBEFD32E}"/>
+              </a:ext>
+            </a:extLst>
+          </p:cNvPr>
+          <p:cNvSpPr txBox="1">
+            <a:spLocks/>
+          </p:cNvSpPr>
+          <p:nvPr/>
+        </p:nvSpPr>
+        <p:spPr>
+          <a:xfrm>
+            <a:off x="4882661" y="453170"/>
+            <a:ext cx="10515600" cy="1325563"/>
+          </a:xfrm>
+          <a:prstGeom prst="rect">
+            <a:avLst/>
+          </a:prstGeom>
+        </p:spPr>
+        <p:txBody>
+          <a:bodyPr vert="horz" lIns="91440" tIns="45720" rIns="91440" bIns="45720" rtlCol="0" anchor="ctr">
+            <a:noAutofit/>
+          </a:bodyPr>
+          <a:lstStyle>
+            <a:lvl1pPr algn="l" defTabSz="457200" rtl="0" eaLnBrk="1" latinLnBrk="0" hangingPunct="1">
+              <a:spcBef>
+                <a:spcPct val="0"/>
+              </a:spcBef>
+              <a:buNone/>
+              <a:defRPr sz="2500" b="1" kern="1200">
+                <a:solidFill>
+                  <a:srgbClr val="FFFFFF"/>
+                </a:solidFill>
+                <a:latin typeface="Arial" panose="020B0604020202020204" pitchFamily="34" charset="0"/>
+                <a:ea typeface="+mj-ea"/>
+                <a:cs typeface="Arial" panose="020B0604020202020204" pitchFamily="34" charset="0"/>
+              </a:defRPr>
+            </a:lvl1pPr>
+          </a:lstStyle>
+          <a:p>
+            <a:r>
+              <a:rPr lang="en-US" dirty="0"/>
+              <a:t>The GPT TERM Model</a:t>
             </a:r>
           </a:p>
         </p:txBody>
@@ -5473,13 +7452,25 @@
     </p:spTree>
     <p:extLst>
       <p:ext uri="{BB962C8B-B14F-4D97-AF65-F5344CB8AC3E}">
-        <p14:creationId xmlns:p14="http://schemas.microsoft.com/office/powerpoint/2010/main" val="3864133494"/>
+        <p14:creationId xmlns:p14="http://schemas.microsoft.com/office/powerpoint/2010/main" val="3033749423"/>
       </p:ext>
     </p:extLst>
   </p:cSld>
   <p:clrMapOvr>
     <a:masterClrMapping/>
   </p:clrMapOvr>
+  <mc:AlternateContent xmlns:mc="http://schemas.openxmlformats.org/markup-compatibility/2006" xmlns:p14="http://schemas.microsoft.com/office/powerpoint/2010/main">
+    <mc:Choice Requires="p14">
+      <p:transition spd="slow" p14:dur="1500">
+        <p:split orient="vert"/>
+      </p:transition>
+    </mc:Choice>
+    <mc:Fallback xmlns="">
+      <p:transition xmlns:p14="http://schemas.microsoft.com/office/powerpoint/2010/main" spd="slow">
+        <p:split orient="vert"/>
+      </p:transition>
+    </mc:Fallback>
+  </mc:AlternateContent>
 </p:sld>
 </file>
 
@@ -5502,10 +7493,10 @@
       </p:grpSpPr>
       <p:sp>
         <p:nvSpPr>
-          <p:cNvPr id="2" name="Title 1">
+          <p:cNvPr id="4" name="Title 1">
             <a:extLst>
               <a:ext uri="{FF2B5EF4-FFF2-40B4-BE49-F238E27FC236}">
-                <a16:creationId xmlns:a16="http://schemas.microsoft.com/office/drawing/2014/main" id="{743A26A3-F865-2B4B-8C47-A84FAFFA781C}"/>
+                <a16:creationId xmlns:a16="http://schemas.microsoft.com/office/drawing/2014/main" id="{CC01904B-D769-164F-A94A-9FCA9F144039}"/>
               </a:ext>
             </a:extLst>
           </p:cNvPr>
@@ -5516,7 +7507,12 @@
             <p:ph type="title"/>
           </p:nvPr>
         </p:nvSpPr>
-        <p:spPr/>
+        <p:spPr>
+          <a:xfrm>
+            <a:off x="3322831" y="438127"/>
+            <a:ext cx="10515600" cy="1325563"/>
+          </a:xfrm>
+        </p:spPr>
         <p:txBody>
           <a:bodyPr/>
           <a:lstStyle/>
@@ -5530,10 +7526,10 @@
       </p:sp>
       <p:sp>
         <p:nvSpPr>
-          <p:cNvPr id="4" name="Pentagon 3">
+          <p:cNvPr id="5" name="Pentagon 4">
             <a:extLst>
               <a:ext uri="{FF2B5EF4-FFF2-40B4-BE49-F238E27FC236}">
-                <a16:creationId xmlns:a16="http://schemas.microsoft.com/office/drawing/2014/main" id="{4FA84A83-2252-404C-B06F-5B38797D1D80}"/>
+                <a16:creationId xmlns:a16="http://schemas.microsoft.com/office/drawing/2014/main" id="{93051E57-8853-E94C-A23C-25837CD32D23}"/>
               </a:ext>
             </a:extLst>
           </p:cNvPr>
@@ -5542,7 +7538,7 @@
         </p:nvSpPr>
         <p:spPr>
           <a:xfrm>
-            <a:off x="435829" y="1798415"/>
+            <a:off x="858647" y="1622569"/>
             <a:ext cx="2111829" cy="631371"/>
           </a:xfrm>
           <a:prstGeom prst="homePlate">
@@ -5551,15 +7547,15 @@
         </p:spPr>
         <p:style>
           <a:lnRef idx="2">
-            <a:schemeClr val="dk1">
+            <a:schemeClr val="accent1">
               <a:shade val="50000"/>
             </a:schemeClr>
           </a:lnRef>
           <a:fillRef idx="1">
-            <a:schemeClr val="dk1"/>
+            <a:schemeClr val="accent1"/>
           </a:fillRef>
           <a:effectRef idx="0">
-            <a:schemeClr val="dk1"/>
+            <a:schemeClr val="accent1"/>
           </a:effectRef>
           <a:fontRef idx="minor">
             <a:schemeClr val="lt1"/>
@@ -5579,10 +7575,10 @@
       </p:sp>
       <p:sp>
         <p:nvSpPr>
-          <p:cNvPr id="5" name="Pentagon 4">
+          <p:cNvPr id="6" name="Pentagon 5">
             <a:extLst>
               <a:ext uri="{FF2B5EF4-FFF2-40B4-BE49-F238E27FC236}">
-                <a16:creationId xmlns:a16="http://schemas.microsoft.com/office/drawing/2014/main" id="{A5BDFFAE-7726-914D-BFBE-F41804B79771}"/>
+                <a16:creationId xmlns:a16="http://schemas.microsoft.com/office/drawing/2014/main" id="{0A31DDD9-C894-5A40-BF0D-89441E004000}"/>
               </a:ext>
             </a:extLst>
           </p:cNvPr>
@@ -5591,7 +7587,7 @@
         </p:nvSpPr>
         <p:spPr>
           <a:xfrm>
-            <a:off x="3381446" y="1798414"/>
+            <a:off x="3627629" y="1622569"/>
             <a:ext cx="2111829" cy="631371"/>
           </a:xfrm>
           <a:prstGeom prst="homePlate">
@@ -5600,15 +7596,15 @@
         </p:spPr>
         <p:style>
           <a:lnRef idx="2">
-            <a:schemeClr val="dk1">
+            <a:schemeClr val="accent1">
               <a:shade val="50000"/>
             </a:schemeClr>
           </a:lnRef>
           <a:fillRef idx="1">
-            <a:schemeClr val="dk1"/>
+            <a:schemeClr val="accent1"/>
           </a:fillRef>
           <a:effectRef idx="0">
-            <a:schemeClr val="dk1"/>
+            <a:schemeClr val="accent1"/>
           </a:effectRef>
           <a:fontRef idx="minor">
             <a:schemeClr val="lt1"/>
@@ -5628,10 +7624,10 @@
       </p:sp>
       <p:sp>
         <p:nvSpPr>
-          <p:cNvPr id="6" name="Pentagon 5">
+          <p:cNvPr id="7" name="Pentagon 6">
             <a:extLst>
               <a:ext uri="{FF2B5EF4-FFF2-40B4-BE49-F238E27FC236}">
-                <a16:creationId xmlns:a16="http://schemas.microsoft.com/office/drawing/2014/main" id="{B06A6281-50FB-C144-90F6-E1E50423166F}"/>
+                <a16:creationId xmlns:a16="http://schemas.microsoft.com/office/drawing/2014/main" id="{ED88395E-7BAF-454E-AF4E-BA92314C9E91}"/>
               </a:ext>
             </a:extLst>
           </p:cNvPr>
@@ -5640,7 +7636,7 @@
         </p:nvSpPr>
         <p:spPr>
           <a:xfrm>
-            <a:off x="6150428" y="1807028"/>
+            <a:off x="6396611" y="1631183"/>
             <a:ext cx="2111829" cy="631371"/>
           </a:xfrm>
           <a:prstGeom prst="homePlate">
@@ -5649,15 +7645,15 @@
         </p:spPr>
         <p:style>
           <a:lnRef idx="2">
-            <a:schemeClr val="dk1">
+            <a:schemeClr val="accent1">
               <a:shade val="50000"/>
             </a:schemeClr>
           </a:lnRef>
           <a:fillRef idx="1">
-            <a:schemeClr val="dk1"/>
+            <a:schemeClr val="accent1"/>
           </a:fillRef>
           <a:effectRef idx="0">
-            <a:schemeClr val="dk1"/>
+            <a:schemeClr val="accent1"/>
           </a:effectRef>
           <a:fontRef idx="minor">
             <a:schemeClr val="lt1"/>
@@ -5677,10 +7673,10 @@
       </p:sp>
       <p:sp>
         <p:nvSpPr>
-          <p:cNvPr id="7" name="Pentagon 6">
+          <p:cNvPr id="8" name="Pentagon 7">
             <a:extLst>
               <a:ext uri="{FF2B5EF4-FFF2-40B4-BE49-F238E27FC236}">
-                <a16:creationId xmlns:a16="http://schemas.microsoft.com/office/drawing/2014/main" id="{6CA46465-B179-B54A-8537-A931B04955F7}"/>
+                <a16:creationId xmlns:a16="http://schemas.microsoft.com/office/drawing/2014/main" id="{00E448E3-0BA6-A14F-BD5E-35423E5DD876}"/>
               </a:ext>
             </a:extLst>
           </p:cNvPr>
@@ -5689,7 +7685,7 @@
         </p:nvSpPr>
         <p:spPr>
           <a:xfrm>
-            <a:off x="9388642" y="1809319"/>
+            <a:off x="9634825" y="1633474"/>
             <a:ext cx="2111829" cy="631371"/>
           </a:xfrm>
           <a:prstGeom prst="homePlate">
@@ -5698,15 +7694,15 @@
         </p:spPr>
         <p:style>
           <a:lnRef idx="2">
-            <a:schemeClr val="dk1">
+            <a:schemeClr val="accent1">
               <a:shade val="50000"/>
             </a:schemeClr>
           </a:lnRef>
           <a:fillRef idx="1">
-            <a:schemeClr val="dk1"/>
+            <a:schemeClr val="accent1"/>
           </a:fillRef>
           <a:effectRef idx="0">
-            <a:schemeClr val="dk1"/>
+            <a:schemeClr val="accent1"/>
           </a:effectRef>
           <a:fontRef idx="minor">
             <a:schemeClr val="lt1"/>
@@ -5729,7 +7725,7 @@
           <p:cNvPr id="9" name="TextBox 8">
             <a:extLst>
               <a:ext uri="{FF2B5EF4-FFF2-40B4-BE49-F238E27FC236}">
-                <a16:creationId xmlns:a16="http://schemas.microsoft.com/office/drawing/2014/main" id="{6478AECA-CCC1-4A4E-94FF-8E5C99BEF0C2}"/>
+                <a16:creationId xmlns:a16="http://schemas.microsoft.com/office/drawing/2014/main" id="{8653C503-CDC5-5A4C-8340-548FEB821660}"/>
               </a:ext>
             </a:extLst>
           </p:cNvPr>
@@ -5738,7 +7734,7 @@
         </p:nvSpPr>
         <p:spPr>
           <a:xfrm>
-            <a:off x="435829" y="2623456"/>
+            <a:off x="682012" y="2447611"/>
             <a:ext cx="2492829" cy="3323987"/>
           </a:xfrm>
           <a:prstGeom prst="rect">
@@ -5805,7 +7801,7 @@
           <p:cNvPr id="10" name="TextBox 9">
             <a:extLst>
               <a:ext uri="{FF2B5EF4-FFF2-40B4-BE49-F238E27FC236}">
-                <a16:creationId xmlns:a16="http://schemas.microsoft.com/office/drawing/2014/main" id="{C32E4EAE-6218-6546-B894-380F94656EC8}"/>
+                <a16:creationId xmlns:a16="http://schemas.microsoft.com/office/drawing/2014/main" id="{255DEC86-8A7D-4640-AFA3-371056E39A6A}"/>
               </a:ext>
             </a:extLst>
           </p:cNvPr>
@@ -5814,7 +7810,7 @@
         </p:nvSpPr>
         <p:spPr>
           <a:xfrm>
-            <a:off x="3128565" y="2623456"/>
+            <a:off x="3374748" y="2447611"/>
             <a:ext cx="2617590" cy="3539430"/>
           </a:xfrm>
           <a:prstGeom prst="rect">
@@ -5864,7 +7860,7 @@
           <p:cNvPr id="11" name="TextBox 10">
             <a:extLst>
               <a:ext uri="{FF2B5EF4-FFF2-40B4-BE49-F238E27FC236}">
-                <a16:creationId xmlns:a16="http://schemas.microsoft.com/office/drawing/2014/main" id="{61DE3468-4241-2643-B08B-B32957AE769F}"/>
+                <a16:creationId xmlns:a16="http://schemas.microsoft.com/office/drawing/2014/main" id="{3E6D7B9E-E641-094E-8995-86B758287986}"/>
               </a:ext>
             </a:extLst>
           </p:cNvPr>
@@ -5873,7 +7869,7 @@
         </p:nvSpPr>
         <p:spPr>
           <a:xfrm>
-            <a:off x="5856509" y="2554739"/>
+            <a:off x="6102692" y="2378894"/>
             <a:ext cx="3431870" cy="4185761"/>
           </a:xfrm>
           <a:prstGeom prst="rect">
@@ -5978,7 +7974,7 @@
           <p:cNvPr id="12" name="TextBox 11">
             <a:extLst>
               <a:ext uri="{FF2B5EF4-FFF2-40B4-BE49-F238E27FC236}">
-                <a16:creationId xmlns:a16="http://schemas.microsoft.com/office/drawing/2014/main" id="{38979B74-D7BD-034D-9B72-4085B3EA7D98}"/>
+                <a16:creationId xmlns:a16="http://schemas.microsoft.com/office/drawing/2014/main" id="{82BBE8EB-2208-4F49-A888-39EC1BF914C7}"/>
               </a:ext>
             </a:extLst>
           </p:cNvPr>
@@ -5987,7 +7983,7 @@
         </p:nvSpPr>
         <p:spPr>
           <a:xfrm>
-            <a:off x="9198141" y="2636059"/>
+            <a:off x="9444324" y="2460214"/>
             <a:ext cx="2492829" cy="3539430"/>
           </a:xfrm>
           <a:prstGeom prst="rect">
@@ -6051,13 +8047,25 @@
     </p:spTree>
     <p:extLst>
       <p:ext uri="{BB962C8B-B14F-4D97-AF65-F5344CB8AC3E}">
-        <p14:creationId xmlns:p14="http://schemas.microsoft.com/office/powerpoint/2010/main" val="2624788749"/>
+        <p14:creationId xmlns:p14="http://schemas.microsoft.com/office/powerpoint/2010/main" val="4245195063"/>
       </p:ext>
     </p:extLst>
   </p:cSld>
   <p:clrMapOvr>
     <a:masterClrMapping/>
   </p:clrMapOvr>
+  <mc:AlternateContent xmlns:mc="http://schemas.openxmlformats.org/markup-compatibility/2006" xmlns:p14="http://schemas.microsoft.com/office/powerpoint/2010/main">
+    <mc:Choice Requires="p14">
+      <p:transition spd="slow" p14:dur="1500">
+        <p:split orient="vert"/>
+      </p:transition>
+    </mc:Choice>
+    <mc:Fallback xmlns="">
+      <p:transition xmlns:p14="http://schemas.microsoft.com/office/powerpoint/2010/main" spd="slow">
+        <p:split orient="vert"/>
+      </p:transition>
+    </mc:Fallback>
+  </mc:AlternateContent>
 </p:sld>
 </file>
 
@@ -6080,10 +8088,10 @@
       </p:grpSpPr>
       <p:sp>
         <p:nvSpPr>
-          <p:cNvPr id="2" name="Title 1">
+          <p:cNvPr id="4" name="Title 1">
             <a:extLst>
               <a:ext uri="{FF2B5EF4-FFF2-40B4-BE49-F238E27FC236}">
-                <a16:creationId xmlns:a16="http://schemas.microsoft.com/office/drawing/2014/main" id="{9D59E2F7-D9C9-224F-AFF5-5086BA62CCB1}"/>
+                <a16:creationId xmlns:a16="http://schemas.microsoft.com/office/drawing/2014/main" id="{A15D18F0-B8A2-004E-8A6F-655BE8B6A0FF}"/>
               </a:ext>
             </a:extLst>
           </p:cNvPr>
@@ -6094,7 +8102,12 @@
             <p:ph type="title"/>
           </p:nvPr>
         </p:nvSpPr>
-        <p:spPr/>
+        <p:spPr>
+          <a:xfrm>
+            <a:off x="3229706" y="435466"/>
+            <a:ext cx="10515600" cy="1325563"/>
+          </a:xfrm>
+        </p:spPr>
         <p:txBody>
           <a:bodyPr/>
           <a:lstStyle/>
@@ -6108,10 +8121,10 @@
       </p:sp>
       <p:graphicFrame>
         <p:nvGraphicFramePr>
-          <p:cNvPr id="4" name="Table 3">
+          <p:cNvPr id="5" name="Table 4">
             <a:extLst>
               <a:ext uri="{FF2B5EF4-FFF2-40B4-BE49-F238E27FC236}">
-                <a16:creationId xmlns:a16="http://schemas.microsoft.com/office/drawing/2014/main" id="{6E1A1B51-B4A7-3A4F-AA44-41E25019929C}"/>
+                <a16:creationId xmlns:a16="http://schemas.microsoft.com/office/drawing/2014/main" id="{6C51AB81-A48D-354D-9364-F1C62E51998A}"/>
               </a:ext>
             </a:extLst>
           </p:cNvPr>
@@ -6121,20 +8134,20 @@
           <p:nvPr>
             <p:extLst>
               <p:ext uri="{D42A27DB-BD31-4B8C-83A1-F6EECF244321}">
-                <p14:modId xmlns:p14="http://schemas.microsoft.com/office/powerpoint/2010/main" val="899149010"/>
+                <p14:modId xmlns:p14="http://schemas.microsoft.com/office/powerpoint/2010/main" val="3868041675"/>
               </p:ext>
             </p:extLst>
           </p:nvPr>
         </p:nvGraphicFramePr>
         <p:xfrm>
-          <a:off x="666749" y="1690691"/>
+          <a:off x="936380" y="1596907"/>
           <a:ext cx="10687051" cy="4423518"/>
         </p:xfrm>
         <a:graphic>
           <a:graphicData uri="http://schemas.openxmlformats.org/drawingml/2006/table">
             <a:tbl>
               <a:tblPr firstRow="1" bandRow="1">
-                <a:tableStyleId>{073A0DAA-6AF3-43AB-8588-CEC1D06C72B9}</a:tableStyleId>
+                <a:tableStyleId>{5C22544A-7EE6-4342-B048-85BDC9FD1C3A}</a:tableStyleId>
               </a:tblPr>
               <a:tblGrid>
                 <a:gridCol w="4699335">
@@ -6489,13 +8502,25 @@
     </p:spTree>
     <p:extLst>
       <p:ext uri="{BB962C8B-B14F-4D97-AF65-F5344CB8AC3E}">
-        <p14:creationId xmlns:p14="http://schemas.microsoft.com/office/powerpoint/2010/main" val="3122328595"/>
+        <p14:creationId xmlns:p14="http://schemas.microsoft.com/office/powerpoint/2010/main" val="246505098"/>
       </p:ext>
     </p:extLst>
   </p:cSld>
   <p:clrMapOvr>
     <a:masterClrMapping/>
   </p:clrMapOvr>
+  <mc:AlternateContent xmlns:mc="http://schemas.openxmlformats.org/markup-compatibility/2006" xmlns:p14="http://schemas.microsoft.com/office/powerpoint/2010/main">
+    <mc:Choice Requires="p14">
+      <p:transition spd="slow" p14:dur="1500">
+        <p:split orient="vert"/>
+      </p:transition>
+    </mc:Choice>
+    <mc:Fallback xmlns="">
+      <p:transition xmlns:p14="http://schemas.microsoft.com/office/powerpoint/2010/main" spd="slow">
+        <p:split orient="vert"/>
+      </p:transition>
+    </mc:Fallback>
+  </mc:AlternateContent>
 </p:sld>
 </file>
 
@@ -6518,10 +8543,10 @@
       </p:grpSpPr>
       <p:sp>
         <p:nvSpPr>
-          <p:cNvPr id="2" name="Title 1">
+          <p:cNvPr id="4" name="Title 1">
             <a:extLst>
               <a:ext uri="{FF2B5EF4-FFF2-40B4-BE49-F238E27FC236}">
-                <a16:creationId xmlns:a16="http://schemas.microsoft.com/office/drawing/2014/main" id="{80C9835B-7E97-F74A-8C67-4C7639358848}"/>
+                <a16:creationId xmlns:a16="http://schemas.microsoft.com/office/drawing/2014/main" id="{E6BF6AB9-E403-EB48-A85C-E911B85DF34F}"/>
               </a:ext>
             </a:extLst>
           </p:cNvPr>
@@ -6532,7 +8557,12 @@
             <p:ph type="title"/>
           </p:nvPr>
         </p:nvSpPr>
-        <p:spPr/>
+        <p:spPr>
+          <a:xfrm>
+            <a:off x="3675185" y="423741"/>
+            <a:ext cx="10515600" cy="1325563"/>
+          </a:xfrm>
+        </p:spPr>
         <p:txBody>
           <a:bodyPr/>
           <a:lstStyle/>
@@ -6546,10 +8576,10 @@
       </p:sp>
       <p:graphicFrame>
         <p:nvGraphicFramePr>
-          <p:cNvPr id="4" name="Table 3">
+          <p:cNvPr id="5" name="Table 4">
             <a:extLst>
               <a:ext uri="{FF2B5EF4-FFF2-40B4-BE49-F238E27FC236}">
-                <a16:creationId xmlns:a16="http://schemas.microsoft.com/office/drawing/2014/main" id="{51B17A7A-8239-E249-A678-3E2B457F1033}"/>
+                <a16:creationId xmlns:a16="http://schemas.microsoft.com/office/drawing/2014/main" id="{4B4BFDBA-7BB0-3348-B3CB-77D9C2764CF6}"/>
               </a:ext>
             </a:extLst>
           </p:cNvPr>
@@ -6559,20 +8589,20 @@
           <p:nvPr>
             <p:extLst>
               <p:ext uri="{D42A27DB-BD31-4B8C-83A1-F6EECF244321}">
-                <p14:modId xmlns:p14="http://schemas.microsoft.com/office/powerpoint/2010/main" val="559715475"/>
+                <p14:modId xmlns:p14="http://schemas.microsoft.com/office/powerpoint/2010/main" val="246646778"/>
               </p:ext>
             </p:extLst>
           </p:nvPr>
         </p:nvGraphicFramePr>
         <p:xfrm>
-          <a:off x="698835" y="1824386"/>
+          <a:off x="1132589" y="1636817"/>
           <a:ext cx="10687049" cy="4232388"/>
         </p:xfrm>
         <a:graphic>
           <a:graphicData uri="http://schemas.openxmlformats.org/drawingml/2006/table">
             <a:tbl>
               <a:tblPr firstRow="1" bandRow="1">
-                <a:tableStyleId>{073A0DAA-6AF3-43AB-8588-CEC1D06C72B9}</a:tableStyleId>
+                <a:tableStyleId>{5C22544A-7EE6-4342-B048-85BDC9FD1C3A}</a:tableStyleId>
               </a:tblPr>
               <a:tblGrid>
                 <a:gridCol w="1655346">
@@ -7563,13 +9593,25 @@
     </p:spTree>
     <p:extLst>
       <p:ext uri="{BB962C8B-B14F-4D97-AF65-F5344CB8AC3E}">
-        <p14:creationId xmlns:p14="http://schemas.microsoft.com/office/powerpoint/2010/main" val="2121997215"/>
+        <p14:creationId xmlns:p14="http://schemas.microsoft.com/office/powerpoint/2010/main" val="3835507004"/>
       </p:ext>
     </p:extLst>
   </p:cSld>
   <p:clrMapOvr>
     <a:masterClrMapping/>
   </p:clrMapOvr>
+  <mc:AlternateContent xmlns:mc="http://schemas.openxmlformats.org/markup-compatibility/2006" xmlns:p14="http://schemas.microsoft.com/office/powerpoint/2010/main">
+    <mc:Choice Requires="p14">
+      <p:transition spd="slow" p14:dur="1500">
+        <p:split orient="vert"/>
+      </p:transition>
+    </mc:Choice>
+    <mc:Fallback xmlns="">
+      <p:transition xmlns:p14="http://schemas.microsoft.com/office/powerpoint/2010/main" spd="slow">
+        <p:split orient="vert"/>
+      </p:transition>
+    </mc:Fallback>
+  </mc:AlternateContent>
 </p:sld>
 </file>
 
@@ -7592,24 +9634,47 @@
       </p:grpSpPr>
       <p:sp>
         <p:nvSpPr>
-          <p:cNvPr id="2" name="Title 1">
+          <p:cNvPr id="4" name="Title 1">
             <a:extLst>
               <a:ext uri="{FF2B5EF4-FFF2-40B4-BE49-F238E27FC236}">
-                <a16:creationId xmlns:a16="http://schemas.microsoft.com/office/drawing/2014/main" id="{80C9835B-7E97-F74A-8C67-4C7639358848}"/>
+                <a16:creationId xmlns:a16="http://schemas.microsoft.com/office/drawing/2014/main" id="{D67B676D-C200-9D49-BC4E-1DB95C3B1B9D}"/>
               </a:ext>
             </a:extLst>
           </p:cNvPr>
-          <p:cNvSpPr>
-            <a:spLocks noGrp="1"/>
+          <p:cNvSpPr txBox="1">
+            <a:spLocks/>
           </p:cNvSpPr>
-          <p:nvPr>
-            <p:ph type="title"/>
-          </p:nvPr>
+          <p:nvPr/>
         </p:nvSpPr>
-        <p:spPr/>
+        <p:spPr>
+          <a:xfrm>
+            <a:off x="3382108" y="440208"/>
+            <a:ext cx="10515600" cy="1325563"/>
+          </a:xfrm>
+          <a:prstGeom prst="rect">
+            <a:avLst/>
+          </a:prstGeom>
+        </p:spPr>
         <p:txBody>
-          <a:bodyPr/>
-          <a:lstStyle/>
+          <a:bodyPr vert="horz" lIns="91440" tIns="45720" rIns="91440" bIns="45720" rtlCol="0" anchor="ctr">
+            <a:noAutofit/>
+          </a:bodyPr>
+          <a:lstStyle>
+            <a:lvl1pPr algn="l" defTabSz="457200" rtl="0" eaLnBrk="1" latinLnBrk="0" hangingPunct="1">
+              <a:spcBef>
+                <a:spcPct val="0"/>
+              </a:spcBef>
+              <a:buNone/>
+              <a:defRPr sz="2500" b="1" kern="1200">
+                <a:solidFill>
+                  <a:srgbClr val="FFFFFF"/>
+                </a:solidFill>
+                <a:latin typeface="Arial" panose="020B0604020202020204" pitchFamily="34" charset="0"/>
+                <a:ea typeface="+mj-ea"/>
+                <a:cs typeface="Arial" panose="020B0604020202020204" pitchFamily="34" charset="0"/>
+              </a:defRPr>
+            </a:lvl1pPr>
+          </a:lstStyle>
           <a:p>
             <a:r>
               <a:rPr lang="en-US" dirty="0"/>
@@ -7620,10 +9685,10 @@
       </p:sp>
       <p:graphicFrame>
         <p:nvGraphicFramePr>
-          <p:cNvPr id="4" name="Table 3">
+          <p:cNvPr id="5" name="Table 4">
             <a:extLst>
               <a:ext uri="{FF2B5EF4-FFF2-40B4-BE49-F238E27FC236}">
-                <a16:creationId xmlns:a16="http://schemas.microsoft.com/office/drawing/2014/main" id="{51B17A7A-8239-E249-A678-3E2B457F1033}"/>
+                <a16:creationId xmlns:a16="http://schemas.microsoft.com/office/drawing/2014/main" id="{BD9A76CB-91A1-DB40-9617-8DD95F18E717}"/>
               </a:ext>
             </a:extLst>
           </p:cNvPr>
@@ -7633,20 +9698,20 @@
           <p:nvPr>
             <p:extLst>
               <p:ext uri="{D42A27DB-BD31-4B8C-83A1-F6EECF244321}">
-                <p14:modId xmlns:p14="http://schemas.microsoft.com/office/powerpoint/2010/main" val="2519916373"/>
+                <p14:modId xmlns:p14="http://schemas.microsoft.com/office/powerpoint/2010/main" val="3394908988"/>
               </p:ext>
             </p:extLst>
           </p:nvPr>
         </p:nvGraphicFramePr>
         <p:xfrm>
-          <a:off x="698835" y="1824386"/>
+          <a:off x="1214650" y="1714465"/>
           <a:ext cx="10687049" cy="3998898"/>
         </p:xfrm>
         <a:graphic>
           <a:graphicData uri="http://schemas.openxmlformats.org/drawingml/2006/table">
             <a:tbl>
               <a:tblPr firstRow="1" bandRow="1">
-                <a:tableStyleId>{073A0DAA-6AF3-43AB-8588-CEC1D06C72B9}</a:tableStyleId>
+                <a:tableStyleId>{5C22544A-7EE6-4342-B048-85BDC9FD1C3A}</a:tableStyleId>
               </a:tblPr>
               <a:tblGrid>
                 <a:gridCol w="1655346">
@@ -8539,13 +10604,25 @@
     </p:spTree>
     <p:extLst>
       <p:ext uri="{BB962C8B-B14F-4D97-AF65-F5344CB8AC3E}">
-        <p14:creationId xmlns:p14="http://schemas.microsoft.com/office/powerpoint/2010/main" val="3613892572"/>
+        <p14:creationId xmlns:p14="http://schemas.microsoft.com/office/powerpoint/2010/main" val="1793692125"/>
       </p:ext>
     </p:extLst>
   </p:cSld>
   <p:clrMapOvr>
     <a:masterClrMapping/>
   </p:clrMapOvr>
+  <mc:AlternateContent xmlns:mc="http://schemas.openxmlformats.org/markup-compatibility/2006" xmlns:p14="http://schemas.microsoft.com/office/powerpoint/2010/main">
+    <mc:Choice Requires="p14">
+      <p:transition spd="slow" p14:dur="1500">
+        <p:split orient="vert"/>
+      </p:transition>
+    </mc:Choice>
+    <mc:Fallback xmlns="">
+      <p:transition xmlns:p14="http://schemas.microsoft.com/office/powerpoint/2010/main" spd="slow">
+        <p:split orient="vert"/>
+      </p:transition>
+    </mc:Fallback>
+  </mc:AlternateContent>
 </p:sld>
 </file>
 
@@ -8568,10 +10645,10 @@
       </p:grpSpPr>
       <p:sp>
         <p:nvSpPr>
-          <p:cNvPr id="2" name="Title 1">
+          <p:cNvPr id="4" name="Title 1">
             <a:extLst>
               <a:ext uri="{FF2B5EF4-FFF2-40B4-BE49-F238E27FC236}">
-                <a16:creationId xmlns:a16="http://schemas.microsoft.com/office/drawing/2014/main" id="{80C9835B-7E97-F74A-8C67-4C7639358848}"/>
+                <a16:creationId xmlns:a16="http://schemas.microsoft.com/office/drawing/2014/main" id="{9B8772F4-7169-3146-8BCC-F2D761A0F05C}"/>
               </a:ext>
             </a:extLst>
           </p:cNvPr>
@@ -8582,7 +10659,12 @@
             <p:ph type="title"/>
           </p:nvPr>
         </p:nvSpPr>
-        <p:spPr/>
+        <p:spPr>
+          <a:xfrm>
+            <a:off x="3710354" y="388571"/>
+            <a:ext cx="10515600" cy="1325563"/>
+          </a:xfrm>
+        </p:spPr>
         <p:txBody>
           <a:bodyPr/>
           <a:lstStyle/>
@@ -8596,10 +10678,10 @@
       </p:sp>
       <p:graphicFrame>
         <p:nvGraphicFramePr>
-          <p:cNvPr id="4" name="Table 3">
+          <p:cNvPr id="5" name="Table 4">
             <a:extLst>
               <a:ext uri="{FF2B5EF4-FFF2-40B4-BE49-F238E27FC236}">
-                <a16:creationId xmlns:a16="http://schemas.microsoft.com/office/drawing/2014/main" id="{51B17A7A-8239-E249-A678-3E2B457F1033}"/>
+                <a16:creationId xmlns:a16="http://schemas.microsoft.com/office/drawing/2014/main" id="{EA898C88-0DB0-FA41-B3F1-B89C708AD9CC}"/>
               </a:ext>
             </a:extLst>
           </p:cNvPr>
@@ -8609,20 +10691,20 @@
           <p:nvPr>
             <p:extLst>
               <p:ext uri="{D42A27DB-BD31-4B8C-83A1-F6EECF244321}">
-                <p14:modId xmlns:p14="http://schemas.microsoft.com/office/powerpoint/2010/main" val="3510934846"/>
+                <p14:modId xmlns:p14="http://schemas.microsoft.com/office/powerpoint/2010/main" val="3231664618"/>
               </p:ext>
             </p:extLst>
           </p:nvPr>
         </p:nvGraphicFramePr>
         <p:xfrm>
-          <a:off x="698835" y="1824386"/>
+          <a:off x="1226373" y="1824386"/>
           <a:ext cx="10687049" cy="4232388"/>
         </p:xfrm>
         <a:graphic>
           <a:graphicData uri="http://schemas.openxmlformats.org/drawingml/2006/table">
             <a:tbl>
               <a:tblPr firstRow="1" bandRow="1">
-                <a:tableStyleId>{073A0DAA-6AF3-43AB-8588-CEC1D06C72B9}</a:tableStyleId>
+                <a:tableStyleId>{5C22544A-7EE6-4342-B048-85BDC9FD1C3A}</a:tableStyleId>
               </a:tblPr>
               <a:tblGrid>
                 <a:gridCol w="1655346">
@@ -9613,17 +11695,373 @@
     </p:spTree>
     <p:extLst>
       <p:ext uri="{BB962C8B-B14F-4D97-AF65-F5344CB8AC3E}">
-        <p14:creationId xmlns:p14="http://schemas.microsoft.com/office/powerpoint/2010/main" val="1501864140"/>
+        <p14:creationId xmlns:p14="http://schemas.microsoft.com/office/powerpoint/2010/main" val="1987466899"/>
       </p:ext>
     </p:extLst>
   </p:cSld>
   <p:clrMapOvr>
     <a:masterClrMapping/>
   </p:clrMapOvr>
+  <mc:AlternateContent xmlns:mc="http://schemas.openxmlformats.org/markup-compatibility/2006" xmlns:p14="http://schemas.microsoft.com/office/powerpoint/2010/main">
+    <mc:Choice Requires="p14">
+      <p:transition spd="slow" p14:dur="1500">
+        <p:split orient="vert"/>
+      </p:transition>
+    </mc:Choice>
+    <mc:Fallback xmlns="">
+      <p:transition xmlns:p14="http://schemas.microsoft.com/office/powerpoint/2010/main" spd="slow">
+        <p:split orient="vert"/>
+      </p:transition>
+    </mc:Fallback>
+  </mc:AlternateContent>
 </p:sld>
 </file>
 
+<file path=ppt/tags/tag1.xml><?xml version="1.0" encoding="utf-8"?>
+<p:tagLst xmlns:a="http://schemas.openxmlformats.org/drawingml/2006/main" xmlns:r="http://schemas.openxmlformats.org/officeDocument/2006/relationships" xmlns:p="http://schemas.openxmlformats.org/presentationml/2006/main">
+  <p:tag name="THINKCELLSHAPEDONOTDELETE" val="thinkcellActiveDocDoNotDelete"/>
+</p:tagLst>
+</file>
+
+<file path=ppt/tags/tag2.xml><?xml version="1.0" encoding="utf-8"?>
+<p:tagLst xmlns:a="http://schemas.openxmlformats.org/drawingml/2006/main" xmlns:r="http://schemas.openxmlformats.org/officeDocument/2006/relationships" xmlns:p="http://schemas.openxmlformats.org/presentationml/2006/main">
+  <p:tag name="THINKCELLSHAPEDONOTDELETE" val="tBjn_N382gn6uMCyJ5jgmQw"/>
+</p:tagLst>
+</file>
+
+<file path=ppt/tags/tag3.xml><?xml version="1.0" encoding="utf-8"?>
+<p:tagLst xmlns:a="http://schemas.openxmlformats.org/drawingml/2006/main" xmlns:r="http://schemas.openxmlformats.org/officeDocument/2006/relationships" xmlns:p="http://schemas.openxmlformats.org/presentationml/2006/main">
+  <p:tag name="THINKCELLSHAPEDONOTDELETE" val="thinkcellActiveDocDoNotDelete"/>
+</p:tagLst>
+</file>
+
+<file path=ppt/tags/tag4.xml><?xml version="1.0" encoding="utf-8"?>
+<p:tagLst xmlns:a="http://schemas.openxmlformats.org/drawingml/2006/main" xmlns:r="http://schemas.openxmlformats.org/officeDocument/2006/relationships" xmlns:p="http://schemas.openxmlformats.org/presentationml/2006/main">
+  <p:tag name="THINKCELLSHAPEDONOTDELETE" val="tr.Nz.wuMqzigNgtq93Gn_A"/>
+</p:tagLst>
+</file>
+
 <file path=ppt/theme/theme1.xml><?xml version="1.0" encoding="utf-8"?>
+<a:theme xmlns:a="http://schemas.openxmlformats.org/drawingml/2006/main" name="1_Office Theme">
+  <a:themeElements>
+    <a:clrScheme name="Office">
+      <a:dk1>
+        <a:sysClr val="windowText" lastClr="000000"/>
+      </a:dk1>
+      <a:lt1>
+        <a:sysClr val="window" lastClr="FFFFFF"/>
+      </a:lt1>
+      <a:dk2>
+        <a:srgbClr val="1F497D"/>
+      </a:dk2>
+      <a:lt2>
+        <a:srgbClr val="EEECE1"/>
+      </a:lt2>
+      <a:accent1>
+        <a:srgbClr val="4F81BD"/>
+      </a:accent1>
+      <a:accent2>
+        <a:srgbClr val="C0504D"/>
+      </a:accent2>
+      <a:accent3>
+        <a:srgbClr val="9BBB59"/>
+      </a:accent3>
+      <a:accent4>
+        <a:srgbClr val="8064A2"/>
+      </a:accent4>
+      <a:accent5>
+        <a:srgbClr val="4BACC6"/>
+      </a:accent5>
+      <a:accent6>
+        <a:srgbClr val="F79646"/>
+      </a:accent6>
+      <a:hlink>
+        <a:srgbClr val="0000FF"/>
+      </a:hlink>
+      <a:folHlink>
+        <a:srgbClr val="800080"/>
+      </a:folHlink>
+    </a:clrScheme>
+    <a:fontScheme name="Office">
+      <a:majorFont>
+        <a:latin typeface="Calibri"/>
+        <a:ea typeface=""/>
+        <a:cs typeface=""/>
+        <a:font script="Jpan" typeface="ＭＳ Ｐゴシック"/>
+        <a:font script="Hang" typeface="맑은 고딕"/>
+        <a:font script="Hans" typeface="宋体"/>
+        <a:font script="Hant" typeface="新細明體"/>
+        <a:font script="Arab" typeface="Times New Roman"/>
+        <a:font script="Hebr" typeface="Times New Roman"/>
+        <a:font script="Thai" typeface="Angsana New"/>
+        <a:font script="Ethi" typeface="Nyala"/>
+        <a:font script="Beng" typeface="Vrinda"/>
+        <a:font script="Gujr" typeface="Shruti"/>
+        <a:font script="Khmr" typeface="MoolBoran"/>
+        <a:font script="Knda" typeface="Tunga"/>
+        <a:font script="Guru" typeface="Raavi"/>
+        <a:font script="Cans" typeface="Euphemia"/>
+        <a:font script="Cher" typeface="Plantagenet Cherokee"/>
+        <a:font script="Yiii" typeface="Microsoft Yi Baiti"/>
+        <a:font script="Tibt" typeface="Microsoft Himalaya"/>
+        <a:font script="Thaa" typeface="MV Boli"/>
+        <a:font script="Deva" typeface="Mangal"/>
+        <a:font script="Telu" typeface="Gautami"/>
+        <a:font script="Taml" typeface="Latha"/>
+        <a:font script="Syrc" typeface="Estrangelo Edessa"/>
+        <a:font script="Orya" typeface="Kalinga"/>
+        <a:font script="Mlym" typeface="Kartika"/>
+        <a:font script="Laoo" typeface="DokChampa"/>
+        <a:font script="Sinh" typeface="Iskoola Pota"/>
+        <a:font script="Mong" typeface="Mongolian Baiti"/>
+        <a:font script="Viet" typeface="Times New Roman"/>
+        <a:font script="Uigh" typeface="Microsoft Uighur"/>
+        <a:font script="Geor" typeface="Sylfaen"/>
+      </a:majorFont>
+      <a:minorFont>
+        <a:latin typeface="Calibri"/>
+        <a:ea typeface=""/>
+        <a:cs typeface=""/>
+        <a:font script="Jpan" typeface="ＭＳ Ｐゴシック"/>
+        <a:font script="Hang" typeface="맑은 고딕"/>
+        <a:font script="Hans" typeface="宋体"/>
+        <a:font script="Hant" typeface="新細明體"/>
+        <a:font script="Arab" typeface="Arial"/>
+        <a:font script="Hebr" typeface="Arial"/>
+        <a:font script="Thai" typeface="Cordia New"/>
+        <a:font script="Ethi" typeface="Nyala"/>
+        <a:font script="Beng" typeface="Vrinda"/>
+        <a:font script="Gujr" typeface="Shruti"/>
+        <a:font script="Khmr" typeface="DaunPenh"/>
+        <a:font script="Knda" typeface="Tunga"/>
+        <a:font script="Guru" typeface="Raavi"/>
+        <a:font script="Cans" typeface="Euphemia"/>
+        <a:font script="Cher" typeface="Plantagenet Cherokee"/>
+        <a:font script="Yiii" typeface="Microsoft Yi Baiti"/>
+        <a:font script="Tibt" typeface="Microsoft Himalaya"/>
+        <a:font script="Thaa" typeface="MV Boli"/>
+        <a:font script="Deva" typeface="Mangal"/>
+        <a:font script="Telu" typeface="Gautami"/>
+        <a:font script="Taml" typeface="Latha"/>
+        <a:font script="Syrc" typeface="Estrangelo Edessa"/>
+        <a:font script="Orya" typeface="Kalinga"/>
+        <a:font script="Mlym" typeface="Kartika"/>
+        <a:font script="Laoo" typeface="DokChampa"/>
+        <a:font script="Sinh" typeface="Iskoola Pota"/>
+        <a:font script="Mong" typeface="Mongolian Baiti"/>
+        <a:font script="Viet" typeface="Arial"/>
+        <a:font script="Uigh" typeface="Microsoft Uighur"/>
+        <a:font script="Geor" typeface="Sylfaen"/>
+      </a:minorFont>
+    </a:fontScheme>
+    <a:fmtScheme name="Office">
+      <a:fillStyleLst>
+        <a:solidFill>
+          <a:schemeClr val="phClr"/>
+        </a:solidFill>
+        <a:gradFill rotWithShape="1">
+          <a:gsLst>
+            <a:gs pos="0">
+              <a:schemeClr val="phClr">
+                <a:tint val="50000"/>
+                <a:satMod val="300000"/>
+              </a:schemeClr>
+            </a:gs>
+            <a:gs pos="35000">
+              <a:schemeClr val="phClr">
+                <a:tint val="37000"/>
+                <a:satMod val="300000"/>
+              </a:schemeClr>
+            </a:gs>
+            <a:gs pos="100000">
+              <a:schemeClr val="phClr">
+                <a:tint val="15000"/>
+                <a:satMod val="350000"/>
+              </a:schemeClr>
+            </a:gs>
+          </a:gsLst>
+          <a:lin ang="16200000" scaled="1"/>
+        </a:gradFill>
+        <a:gradFill rotWithShape="1">
+          <a:gsLst>
+            <a:gs pos="0">
+              <a:schemeClr val="phClr">
+                <a:tint val="100000"/>
+                <a:shade val="100000"/>
+                <a:satMod val="130000"/>
+              </a:schemeClr>
+            </a:gs>
+            <a:gs pos="100000">
+              <a:schemeClr val="phClr">
+                <a:tint val="50000"/>
+                <a:shade val="100000"/>
+                <a:satMod val="350000"/>
+              </a:schemeClr>
+            </a:gs>
+          </a:gsLst>
+          <a:lin ang="16200000" scaled="0"/>
+        </a:gradFill>
+      </a:fillStyleLst>
+      <a:lnStyleLst>
+        <a:ln w="9525" cap="flat" cmpd="sng" algn="ctr">
+          <a:solidFill>
+            <a:schemeClr val="phClr">
+              <a:shade val="95000"/>
+              <a:satMod val="105000"/>
+            </a:schemeClr>
+          </a:solidFill>
+          <a:prstDash val="solid"/>
+        </a:ln>
+        <a:ln w="25400" cap="flat" cmpd="sng" algn="ctr">
+          <a:solidFill>
+            <a:schemeClr val="phClr"/>
+          </a:solidFill>
+          <a:prstDash val="solid"/>
+        </a:ln>
+        <a:ln w="38100" cap="flat" cmpd="sng" algn="ctr">
+          <a:solidFill>
+            <a:schemeClr val="phClr"/>
+          </a:solidFill>
+          <a:prstDash val="solid"/>
+        </a:ln>
+      </a:lnStyleLst>
+      <a:effectStyleLst>
+        <a:effectStyle>
+          <a:effectLst>
+            <a:outerShdw blurRad="40000" dist="20000" dir="5400000" rotWithShape="0">
+              <a:srgbClr val="000000">
+                <a:alpha val="38000"/>
+              </a:srgbClr>
+            </a:outerShdw>
+          </a:effectLst>
+        </a:effectStyle>
+        <a:effectStyle>
+          <a:effectLst>
+            <a:outerShdw blurRad="40000" dist="23000" dir="5400000" rotWithShape="0">
+              <a:srgbClr val="000000">
+                <a:alpha val="35000"/>
+              </a:srgbClr>
+            </a:outerShdw>
+          </a:effectLst>
+        </a:effectStyle>
+        <a:effectStyle>
+          <a:effectLst>
+            <a:outerShdw blurRad="40000" dist="23000" dir="5400000" rotWithShape="0">
+              <a:srgbClr val="000000">
+                <a:alpha val="35000"/>
+              </a:srgbClr>
+            </a:outerShdw>
+          </a:effectLst>
+          <a:scene3d>
+            <a:camera prst="orthographicFront">
+              <a:rot lat="0" lon="0" rev="0"/>
+            </a:camera>
+            <a:lightRig rig="threePt" dir="t">
+              <a:rot lat="0" lon="0" rev="1200000"/>
+            </a:lightRig>
+          </a:scene3d>
+          <a:sp3d>
+            <a:bevelT w="63500" h="25400"/>
+          </a:sp3d>
+        </a:effectStyle>
+      </a:effectStyleLst>
+      <a:bgFillStyleLst>
+        <a:solidFill>
+          <a:schemeClr val="phClr"/>
+        </a:solidFill>
+        <a:gradFill rotWithShape="1">
+          <a:gsLst>
+            <a:gs pos="0">
+              <a:schemeClr val="phClr">
+                <a:tint val="40000"/>
+                <a:satMod val="350000"/>
+              </a:schemeClr>
+            </a:gs>
+            <a:gs pos="40000">
+              <a:schemeClr val="phClr">
+                <a:tint val="45000"/>
+                <a:shade val="99000"/>
+                <a:satMod val="350000"/>
+              </a:schemeClr>
+            </a:gs>
+            <a:gs pos="100000">
+              <a:schemeClr val="phClr">
+                <a:shade val="20000"/>
+                <a:satMod val="255000"/>
+              </a:schemeClr>
+            </a:gs>
+          </a:gsLst>
+          <a:path path="circle">
+            <a:fillToRect l="50000" t="-80000" r="50000" b="180000"/>
+          </a:path>
+        </a:gradFill>
+        <a:gradFill rotWithShape="1">
+          <a:gsLst>
+            <a:gs pos="0">
+              <a:schemeClr val="phClr">
+                <a:tint val="80000"/>
+                <a:satMod val="300000"/>
+              </a:schemeClr>
+            </a:gs>
+            <a:gs pos="100000">
+              <a:schemeClr val="phClr">
+                <a:shade val="30000"/>
+                <a:satMod val="200000"/>
+              </a:schemeClr>
+            </a:gs>
+          </a:gsLst>
+          <a:path path="circle">
+            <a:fillToRect l="50000" t="50000" r="50000" b="50000"/>
+          </a:path>
+        </a:gradFill>
+      </a:bgFillStyleLst>
+    </a:fmtScheme>
+  </a:themeElements>
+  <a:objectDefaults>
+    <a:spDef>
+      <a:spPr/>
+      <a:bodyPr/>
+      <a:lstStyle/>
+      <a:style>
+        <a:lnRef idx="1">
+          <a:schemeClr val="accent1"/>
+        </a:lnRef>
+        <a:fillRef idx="3">
+          <a:schemeClr val="accent1"/>
+        </a:fillRef>
+        <a:effectRef idx="2">
+          <a:schemeClr val="accent1"/>
+        </a:effectRef>
+        <a:fontRef idx="minor">
+          <a:schemeClr val="lt1"/>
+        </a:fontRef>
+      </a:style>
+    </a:spDef>
+    <a:lnDef>
+      <a:spPr/>
+      <a:bodyPr/>
+      <a:lstStyle/>
+      <a:style>
+        <a:lnRef idx="2">
+          <a:schemeClr val="accent1"/>
+        </a:lnRef>
+        <a:fillRef idx="0">
+          <a:schemeClr val="accent1"/>
+        </a:fillRef>
+        <a:effectRef idx="1">
+          <a:schemeClr val="accent1"/>
+        </a:effectRef>
+        <a:fontRef idx="minor">
+          <a:schemeClr val="tx1"/>
+        </a:fontRef>
+      </a:style>
+    </a:lnDef>
+  </a:objectDefaults>
+  <a:extraClrSchemeLst/>
+</a:theme>
+</file>
+
+<file path=ppt/theme/theme2.xml><?xml version="1.0" encoding="utf-8"?>
 <a:theme xmlns:a="http://schemas.openxmlformats.org/drawingml/2006/main" name="Office Theme">
   <a:themeElements>
     <a:clrScheme name="Office">

--- a/COVID-19 Economic Impact.pptx
+++ b/COVID-19 Economic Impact.pptx
@@ -5,7 +5,7 @@
     <p:sldMasterId id="2147483660" r:id="rId1"/>
   </p:sldMasterIdLst>
   <p:notesMasterIdLst>
-    <p:notesMasterId r:id="rId15"/>
+    <p:notesMasterId r:id="rId17"/>
   </p:notesMasterIdLst>
   <p:sldIdLst>
     <p:sldId id="274" r:id="rId2"/>
@@ -18,9 +18,11 @@
     <p:sldId id="281" r:id="rId9"/>
     <p:sldId id="282" r:id="rId10"/>
     <p:sldId id="283" r:id="rId11"/>
-    <p:sldId id="284" r:id="rId12"/>
-    <p:sldId id="285" r:id="rId13"/>
-    <p:sldId id="287" r:id="rId14"/>
+    <p:sldId id="285" r:id="rId12"/>
+    <p:sldId id="291" r:id="rId13"/>
+    <p:sldId id="288" r:id="rId14"/>
+    <p:sldId id="292" r:id="rId15"/>
+    <p:sldId id="287" r:id="rId16"/>
   </p:sldIdLst>
   <p:sldSz cx="12192000" cy="6858000"/>
   <p:notesSz cx="6858000" cy="9144000"/>
@@ -176,7 +178,7 @@
             </a:lvl1pPr>
           </a:lstStyle>
           <a:p>
-            <a:endParaRPr lang="en-US"/>
+            <a:endParaRPr lang="en-US" dirty="0"/>
           </a:p>
         </p:txBody>
       </p:sp>
@@ -211,7 +213,7 @@
               <a:rPr lang="en-US" smtClean="0"/>
               <a:t>3/20/20</a:t>
             </a:fld>
-            <a:endParaRPr lang="en-US"/>
+            <a:endParaRPr lang="en-US" dirty="0"/>
           </a:p>
         </p:txBody>
       </p:sp>
@@ -244,7 +246,7 @@
           <a:bodyPr vert="horz" lIns="91440" tIns="45720" rIns="91440" bIns="45720" rtlCol="0" anchor="ctr"/>
           <a:lstStyle/>
           <a:p>
-            <a:endParaRPr lang="en-US"/>
+            <a:endParaRPr lang="en-US" dirty="0"/>
           </a:p>
         </p:txBody>
       </p:sp>
@@ -335,7 +337,7 @@
             </a:lvl1pPr>
           </a:lstStyle>
           <a:p>
-            <a:endParaRPr lang="en-US"/>
+            <a:endParaRPr lang="en-US" dirty="0"/>
           </a:p>
         </p:txBody>
       </p:sp>
@@ -370,7 +372,7 @@
               <a:rPr lang="en-US" smtClean="0"/>
               <a:t>‹#›</a:t>
             </a:fld>
-            <a:endParaRPr lang="en-US"/>
+            <a:endParaRPr lang="en-US" dirty="0"/>
           </a:p>
         </p:txBody>
       </p:sp>
@@ -544,7 +546,7 @@
               <a:rPr lang="en-US" smtClean="0"/>
               <a:t>5</a:t>
             </a:fld>
-            <a:endParaRPr lang="en-US"/>
+            <a:endParaRPr lang="en-US" dirty="0"/>
           </a:p>
         </p:txBody>
       </p:sp>
@@ -1294,10 +1296,9 @@
           </a:lstStyle>
           <a:p>
             <a:r>
-              <a:rPr lang="en-US" sz="2500"/>
+              <a:rPr lang="en-US" sz="2500" dirty="0"/>
               <a:t>Click to edit Master title style</a:t>
             </a:r>
-            <a:endParaRPr lang="en-US" sz="2500" dirty="0"/>
           </a:p>
         </p:txBody>
       </p:sp>
@@ -1878,10 +1879,9 @@
           </a:lstStyle>
           <a:p>
             <a:r>
-              <a:rPr lang="en-US" sz="2500"/>
+              <a:rPr lang="en-US" sz="2500" dirty="0"/>
               <a:t>Click to edit Master title style</a:t>
             </a:r>
-            <a:endParaRPr lang="en-US" sz="2500" dirty="0"/>
           </a:p>
         </p:txBody>
       </p:sp>
@@ -3361,10 +3361,9 @@
           </a:lstStyle>
           <a:p>
             <a:r>
-              <a:rPr lang="en-US" sz="2500"/>
+              <a:rPr lang="en-US" sz="2500" dirty="0"/>
               <a:t>Click to edit Master title style</a:t>
             </a:r>
-            <a:endParaRPr lang="en-US" sz="2500" dirty="0"/>
           </a:p>
         </p:txBody>
       </p:sp>
@@ -3701,10 +3700,9 @@
           </a:lstStyle>
           <a:p>
             <a:r>
-              <a:rPr lang="en-US" sz="2500"/>
+              <a:rPr lang="en-US" sz="2500" dirty="0"/>
               <a:t>Click to edit Master title style</a:t>
             </a:r>
-            <a:endParaRPr lang="en-US" sz="2500" dirty="0"/>
           </a:p>
         </p:txBody>
       </p:sp>
@@ -3790,7 +3788,7 @@
           <a:graphicData uri="http://schemas.openxmlformats.org/presentationml/2006/ole">
             <mc:AlternateContent xmlns:mc="http://schemas.openxmlformats.org/markup-compatibility/2006">
               <mc:Choice xmlns:v="urn:schemas-microsoft-com:vml" Requires="v">
-                <p:oleObj spid="_x0000_s3077" name="think-cell Slide" r:id="rId17" imgW="395" imgH="396" progId="TCLayout.ActiveDocument.1">
+                <p:oleObj spid="_x0000_s3089" name="think-cell Slide" r:id="rId17" imgW="395" imgH="396" progId="TCLayout.ActiveDocument.1">
                   <p:embed/>
                 </p:oleObj>
               </mc:Choice>
@@ -4322,7 +4320,7 @@
           <a:graphicData uri="http://schemas.openxmlformats.org/presentationml/2006/ole">
             <mc:AlternateContent xmlns:mc="http://schemas.openxmlformats.org/markup-compatibility/2006">
               <mc:Choice xmlns:v="urn:schemas-microsoft-com:vml" Requires="v">
-                <p:oleObj spid="_x0000_s4101" name="think-cell Slide" r:id="rId6" imgW="395" imgH="396" progId="TCLayout.ActiveDocument.1">
+                <p:oleObj spid="_x0000_s4113" name="think-cell Slide" r:id="rId6" imgW="395" imgH="396" progId="TCLayout.ActiveDocument.1">
                   <p:embed/>
                 </p:oleObj>
               </mc:Choice>
@@ -5570,7 +5568,1614 @@
           <p:cNvPr id="4" name="Title 1">
             <a:extLst>
               <a:ext uri="{FF2B5EF4-FFF2-40B4-BE49-F238E27FC236}">
-                <a16:creationId xmlns:a16="http://schemas.microsoft.com/office/drawing/2014/main" id="{51892027-8C1C-424B-919C-981F586F301D}"/>
+                <a16:creationId xmlns:a16="http://schemas.microsoft.com/office/drawing/2014/main" id="{8FC31F4B-8D9E-3446-BC04-F6C6D3446436}"/>
+              </a:ext>
+            </a:extLst>
+          </p:cNvPr>
+          <p:cNvSpPr>
+            <a:spLocks noGrp="1"/>
+          </p:cNvSpPr>
+          <p:nvPr>
+            <p:ph type="title"/>
+          </p:nvPr>
+        </p:nvSpPr>
+        <p:spPr>
+          <a:xfrm>
+            <a:off x="4894384" y="423740"/>
+            <a:ext cx="10515600" cy="1325563"/>
+          </a:xfrm>
+        </p:spPr>
+        <p:txBody>
+          <a:bodyPr/>
+          <a:lstStyle/>
+          <a:p>
+            <a:r>
+              <a:rPr lang="en-US" dirty="0"/>
+              <a:t>Key to understand</a:t>
+            </a:r>
+          </a:p>
+        </p:txBody>
+      </p:sp>
+      <p:sp>
+        <p:nvSpPr>
+          <p:cNvPr id="5" name="Content Placeholder 2">
+            <a:extLst>
+              <a:ext uri="{FF2B5EF4-FFF2-40B4-BE49-F238E27FC236}">
+                <a16:creationId xmlns:a16="http://schemas.microsoft.com/office/drawing/2014/main" id="{A9206782-5258-D949-BEDA-B7FEEB3DEF5A}"/>
+              </a:ext>
+            </a:extLst>
+          </p:cNvPr>
+          <p:cNvSpPr>
+            <a:spLocks noGrp="1"/>
+          </p:cNvSpPr>
+          <p:nvPr>
+            <p:ph idx="1"/>
+          </p:nvPr>
+        </p:nvSpPr>
+        <p:spPr>
+          <a:xfrm>
+            <a:off x="2942492" y="1640498"/>
+            <a:ext cx="8897816" cy="683207"/>
+          </a:xfrm>
+        </p:spPr>
+        <p:txBody>
+          <a:bodyPr>
+            <a:normAutofit/>
+          </a:bodyPr>
+          <a:lstStyle/>
+          <a:p>
+            <a:pPr marL="0" indent="0">
+              <a:buNone/>
+            </a:pPr>
+            <a:r>
+              <a:rPr lang="en-US" sz="1800" dirty="0"/>
+              <a:t>What is key to understand is that there is a close link between productivity and GDP growth </a:t>
+            </a:r>
+          </a:p>
+          <a:p>
+            <a:pPr marL="0" indent="0">
+              <a:buNone/>
+            </a:pPr>
+            <a:endParaRPr lang="en-US" sz="1800" dirty="0"/>
+          </a:p>
+          <a:p>
+            <a:pPr marL="0" indent="0">
+              <a:buNone/>
+            </a:pPr>
+            <a:endParaRPr lang="en-US" sz="1800" dirty="0"/>
+          </a:p>
+        </p:txBody>
+      </p:sp>
+      <p:sp>
+        <p:nvSpPr>
+          <p:cNvPr id="6" name="Pentagon 5">
+            <a:extLst>
+              <a:ext uri="{FF2B5EF4-FFF2-40B4-BE49-F238E27FC236}">
+                <a16:creationId xmlns:a16="http://schemas.microsoft.com/office/drawing/2014/main" id="{697F53BB-79D9-2648-A119-48085A6F385E}"/>
+              </a:ext>
+            </a:extLst>
+          </p:cNvPr>
+          <p:cNvSpPr/>
+          <p:nvPr/>
+        </p:nvSpPr>
+        <p:spPr>
+          <a:xfrm>
+            <a:off x="1266083" y="1632073"/>
+            <a:ext cx="1324709" cy="548420"/>
+          </a:xfrm>
+          <a:prstGeom prst="homePlate">
+            <a:avLst/>
+          </a:prstGeom>
+          <a:solidFill>
+            <a:schemeClr val="accent1"/>
+          </a:solidFill>
+          <a:ln>
+            <a:noFill/>
+          </a:ln>
+        </p:spPr>
+        <p:style>
+          <a:lnRef idx="0">
+            <a:scrgbClr r="0" g="0" b="0"/>
+          </a:lnRef>
+          <a:fillRef idx="0">
+            <a:scrgbClr r="0" g="0" b="0"/>
+          </a:fillRef>
+          <a:effectRef idx="0">
+            <a:scrgbClr r="0" g="0" b="0"/>
+          </a:effectRef>
+          <a:fontRef idx="minor">
+            <a:schemeClr val="lt1"/>
+          </a:fontRef>
+        </p:style>
+        <p:txBody>
+          <a:bodyPr rtlCol="0" anchor="ctr"/>
+          <a:lstStyle/>
+          <a:p>
+            <a:pPr algn="ctr"/>
+            <a:r>
+              <a:rPr lang="en-US" b="1" dirty="0"/>
+              <a:t>1</a:t>
+            </a:r>
+          </a:p>
+        </p:txBody>
+      </p:sp>
+      <p:sp>
+        <p:nvSpPr>
+          <p:cNvPr id="7" name="Pentagon 6">
+            <a:extLst>
+              <a:ext uri="{FF2B5EF4-FFF2-40B4-BE49-F238E27FC236}">
+                <a16:creationId xmlns:a16="http://schemas.microsoft.com/office/drawing/2014/main" id="{388B921F-0ECE-CD44-88CA-61D50645580A}"/>
+              </a:ext>
+            </a:extLst>
+          </p:cNvPr>
+          <p:cNvSpPr/>
+          <p:nvPr/>
+        </p:nvSpPr>
+        <p:spPr>
+          <a:xfrm>
+            <a:off x="1266083" y="2719907"/>
+            <a:ext cx="1324709" cy="548420"/>
+          </a:xfrm>
+          <a:prstGeom prst="homePlate">
+            <a:avLst/>
+          </a:prstGeom>
+          <a:solidFill>
+            <a:schemeClr val="accent1"/>
+          </a:solidFill>
+          <a:ln>
+            <a:noFill/>
+          </a:ln>
+        </p:spPr>
+        <p:style>
+          <a:lnRef idx="0">
+            <a:scrgbClr r="0" g="0" b="0"/>
+          </a:lnRef>
+          <a:fillRef idx="0">
+            <a:scrgbClr r="0" g="0" b="0"/>
+          </a:fillRef>
+          <a:effectRef idx="0">
+            <a:scrgbClr r="0" g="0" b="0"/>
+          </a:effectRef>
+          <a:fontRef idx="minor">
+            <a:schemeClr val="lt1"/>
+          </a:fontRef>
+        </p:style>
+        <p:txBody>
+          <a:bodyPr rtlCol="0" anchor="ctr"/>
+          <a:lstStyle/>
+          <a:p>
+            <a:pPr algn="ctr"/>
+            <a:r>
+              <a:rPr lang="en-US" b="1" dirty="0"/>
+              <a:t>2</a:t>
+            </a:r>
+          </a:p>
+        </p:txBody>
+      </p:sp>
+      <p:sp>
+        <p:nvSpPr>
+          <p:cNvPr id="8" name="Pentagon 7">
+            <a:extLst>
+              <a:ext uri="{FF2B5EF4-FFF2-40B4-BE49-F238E27FC236}">
+                <a16:creationId xmlns:a16="http://schemas.microsoft.com/office/drawing/2014/main" id="{4637F875-FDD8-9144-87B6-6AC02E424527}"/>
+              </a:ext>
+            </a:extLst>
+          </p:cNvPr>
+          <p:cNvSpPr/>
+          <p:nvPr/>
+        </p:nvSpPr>
+        <p:spPr>
+          <a:xfrm>
+            <a:off x="1266082" y="3807742"/>
+            <a:ext cx="1324709" cy="548420"/>
+          </a:xfrm>
+          <a:prstGeom prst="homePlate">
+            <a:avLst/>
+          </a:prstGeom>
+          <a:solidFill>
+            <a:schemeClr val="accent1"/>
+          </a:solidFill>
+          <a:ln>
+            <a:noFill/>
+          </a:ln>
+        </p:spPr>
+        <p:style>
+          <a:lnRef idx="0">
+            <a:scrgbClr r="0" g="0" b="0"/>
+          </a:lnRef>
+          <a:fillRef idx="0">
+            <a:scrgbClr r="0" g="0" b="0"/>
+          </a:fillRef>
+          <a:effectRef idx="0">
+            <a:scrgbClr r="0" g="0" b="0"/>
+          </a:effectRef>
+          <a:fontRef idx="minor">
+            <a:schemeClr val="lt1"/>
+          </a:fontRef>
+        </p:style>
+        <p:txBody>
+          <a:bodyPr rtlCol="0" anchor="ctr"/>
+          <a:lstStyle/>
+          <a:p>
+            <a:pPr algn="ctr"/>
+            <a:r>
+              <a:rPr lang="en-US" b="1" dirty="0"/>
+              <a:t>3</a:t>
+            </a:r>
+          </a:p>
+        </p:txBody>
+      </p:sp>
+      <p:sp>
+        <p:nvSpPr>
+          <p:cNvPr id="9" name="Pentagon 8">
+            <a:extLst>
+              <a:ext uri="{FF2B5EF4-FFF2-40B4-BE49-F238E27FC236}">
+                <a16:creationId xmlns:a16="http://schemas.microsoft.com/office/drawing/2014/main" id="{BAAC2700-0513-A34A-8097-10B2919FA28D}"/>
+              </a:ext>
+            </a:extLst>
+          </p:cNvPr>
+          <p:cNvSpPr/>
+          <p:nvPr/>
+        </p:nvSpPr>
+        <p:spPr>
+          <a:xfrm>
+            <a:off x="1266082" y="4895576"/>
+            <a:ext cx="1324709" cy="548420"/>
+          </a:xfrm>
+          <a:prstGeom prst="homePlate">
+            <a:avLst/>
+          </a:prstGeom>
+          <a:solidFill>
+            <a:schemeClr val="accent1"/>
+          </a:solidFill>
+          <a:ln>
+            <a:noFill/>
+          </a:ln>
+        </p:spPr>
+        <p:style>
+          <a:lnRef idx="0">
+            <a:scrgbClr r="0" g="0" b="0"/>
+          </a:lnRef>
+          <a:fillRef idx="0">
+            <a:scrgbClr r="0" g="0" b="0"/>
+          </a:fillRef>
+          <a:effectRef idx="0">
+            <a:scrgbClr r="0" g="0" b="0"/>
+          </a:effectRef>
+          <a:fontRef idx="minor">
+            <a:schemeClr val="lt1"/>
+          </a:fontRef>
+        </p:style>
+        <p:txBody>
+          <a:bodyPr rtlCol="0" anchor="ctr"/>
+          <a:lstStyle/>
+          <a:p>
+            <a:pPr algn="ctr"/>
+            <a:r>
+              <a:rPr lang="en-US" b="1" dirty="0"/>
+              <a:t>4</a:t>
+            </a:r>
+          </a:p>
+        </p:txBody>
+      </p:sp>
+      <p:sp>
+        <p:nvSpPr>
+          <p:cNvPr id="10" name="Pentagon 9">
+            <a:extLst>
+              <a:ext uri="{FF2B5EF4-FFF2-40B4-BE49-F238E27FC236}">
+                <a16:creationId xmlns:a16="http://schemas.microsoft.com/office/drawing/2014/main" id="{58C23F9E-35C1-294A-BCC6-BAABF4A89991}"/>
+              </a:ext>
+            </a:extLst>
+          </p:cNvPr>
+          <p:cNvSpPr/>
+          <p:nvPr/>
+        </p:nvSpPr>
+        <p:spPr>
+          <a:xfrm>
+            <a:off x="1266082" y="5983411"/>
+            <a:ext cx="1324709" cy="548420"/>
+          </a:xfrm>
+          <a:prstGeom prst="homePlate">
+            <a:avLst/>
+          </a:prstGeom>
+          <a:solidFill>
+            <a:schemeClr val="accent1"/>
+          </a:solidFill>
+          <a:ln>
+            <a:noFill/>
+          </a:ln>
+        </p:spPr>
+        <p:style>
+          <a:lnRef idx="0">
+            <a:scrgbClr r="0" g="0" b="0"/>
+          </a:lnRef>
+          <a:fillRef idx="0">
+            <a:scrgbClr r="0" g="0" b="0"/>
+          </a:fillRef>
+          <a:effectRef idx="0">
+            <a:scrgbClr r="0" g="0" b="0"/>
+          </a:effectRef>
+          <a:fontRef idx="minor">
+            <a:schemeClr val="lt1"/>
+          </a:fontRef>
+        </p:style>
+        <p:txBody>
+          <a:bodyPr rtlCol="0" anchor="ctr"/>
+          <a:lstStyle/>
+          <a:p>
+            <a:pPr algn="ctr"/>
+            <a:r>
+              <a:rPr lang="en-US" b="1" dirty="0"/>
+              <a:t>5</a:t>
+            </a:r>
+          </a:p>
+        </p:txBody>
+      </p:sp>
+      <p:sp>
+        <p:nvSpPr>
+          <p:cNvPr id="2" name="TextBox 1">
+            <a:extLst>
+              <a:ext uri="{FF2B5EF4-FFF2-40B4-BE49-F238E27FC236}">
+                <a16:creationId xmlns:a16="http://schemas.microsoft.com/office/drawing/2014/main" id="{03104125-1024-CB49-BCE4-E7FAC4598918}"/>
+              </a:ext>
+            </a:extLst>
+          </p:cNvPr>
+          <p:cNvSpPr txBox="1"/>
+          <p:nvPr/>
+        </p:nvSpPr>
+        <p:spPr>
+          <a:xfrm>
+            <a:off x="3024554" y="6119446"/>
+            <a:ext cx="7080738" cy="369332"/>
+          </a:xfrm>
+          <a:prstGeom prst="rect">
+            <a:avLst/>
+          </a:prstGeom>
+          <a:noFill/>
+        </p:spPr>
+        <p:txBody>
+          <a:bodyPr wrap="square" rtlCol="0">
+            <a:spAutoFit/>
+          </a:bodyPr>
+          <a:lstStyle/>
+          <a:p>
+            <a:r>
+              <a:rPr lang="en-US" dirty="0"/>
+              <a:t>A quick recovery is likely depending on medical interventions</a:t>
+            </a:r>
+          </a:p>
+        </p:txBody>
+      </p:sp>
+      <p:sp>
+        <p:nvSpPr>
+          <p:cNvPr id="11" name="TextBox 10">
+            <a:extLst>
+              <a:ext uri="{FF2B5EF4-FFF2-40B4-BE49-F238E27FC236}">
+                <a16:creationId xmlns:a16="http://schemas.microsoft.com/office/drawing/2014/main" id="{7AAD0DFD-9974-4C45-BE2C-4AFE933E8E5E}"/>
+              </a:ext>
+            </a:extLst>
+          </p:cNvPr>
+          <p:cNvSpPr txBox="1"/>
+          <p:nvPr/>
+        </p:nvSpPr>
+        <p:spPr>
+          <a:xfrm>
+            <a:off x="3024554" y="4991382"/>
+            <a:ext cx="7080738" cy="369332"/>
+          </a:xfrm>
+          <a:prstGeom prst="rect">
+            <a:avLst/>
+          </a:prstGeom>
+          <a:noFill/>
+        </p:spPr>
+        <p:txBody>
+          <a:bodyPr wrap="square" rtlCol="0">
+            <a:spAutoFit/>
+          </a:bodyPr>
+          <a:lstStyle/>
+          <a:p>
+            <a:r>
+              <a:rPr lang="en-US" dirty="0"/>
+              <a:t>The impact therefore is partial and will be most acute in 2020.</a:t>
+            </a:r>
+          </a:p>
+        </p:txBody>
+      </p:sp>
+      <p:sp>
+        <p:nvSpPr>
+          <p:cNvPr id="12" name="TextBox 11">
+            <a:extLst>
+              <a:ext uri="{FF2B5EF4-FFF2-40B4-BE49-F238E27FC236}">
+                <a16:creationId xmlns:a16="http://schemas.microsoft.com/office/drawing/2014/main" id="{BC875697-738A-7E4E-8F0E-962983522C61}"/>
+              </a:ext>
+            </a:extLst>
+          </p:cNvPr>
+          <p:cNvSpPr txBox="1"/>
+          <p:nvPr/>
+        </p:nvSpPr>
+        <p:spPr>
+          <a:xfrm>
+            <a:off x="3024554" y="3933656"/>
+            <a:ext cx="7080738" cy="369332"/>
+          </a:xfrm>
+          <a:prstGeom prst="rect">
+            <a:avLst/>
+          </a:prstGeom>
+          <a:noFill/>
+        </p:spPr>
+        <p:txBody>
+          <a:bodyPr wrap="square" rtlCol="0">
+            <a:spAutoFit/>
+          </a:bodyPr>
+          <a:lstStyle/>
+          <a:p>
+            <a:r>
+              <a:rPr lang="en-US" dirty="0"/>
+              <a:t>It however is unlikely  to cause a total shut down of economic activity.</a:t>
+            </a:r>
+          </a:p>
+        </p:txBody>
+      </p:sp>
+      <p:sp>
+        <p:nvSpPr>
+          <p:cNvPr id="13" name="TextBox 12">
+            <a:extLst>
+              <a:ext uri="{FF2B5EF4-FFF2-40B4-BE49-F238E27FC236}">
+                <a16:creationId xmlns:a16="http://schemas.microsoft.com/office/drawing/2014/main" id="{76C76362-7C3E-4F49-ADD1-502E385AB2F5}"/>
+              </a:ext>
+            </a:extLst>
+          </p:cNvPr>
+          <p:cNvSpPr txBox="1"/>
+          <p:nvPr/>
+        </p:nvSpPr>
+        <p:spPr>
+          <a:xfrm>
+            <a:off x="3024554" y="2675540"/>
+            <a:ext cx="9015046" cy="923330"/>
+          </a:xfrm>
+          <a:prstGeom prst="rect">
+            <a:avLst/>
+          </a:prstGeom>
+          <a:noFill/>
+        </p:spPr>
+        <p:txBody>
+          <a:bodyPr wrap="square" rtlCol="0">
+            <a:spAutoFit/>
+          </a:bodyPr>
+          <a:lstStyle/>
+          <a:p>
+            <a:r>
+              <a:rPr lang="en-US" dirty="0"/>
+              <a:t>COVID-19 is key disruptor of productivity in it reduces labor hours, it disrupts supply chains, it reduces mobility of goods and services, and travel bans</a:t>
+            </a:r>
+          </a:p>
+          <a:p>
+            <a:endParaRPr lang="en-US" dirty="0"/>
+          </a:p>
+        </p:txBody>
+      </p:sp>
+    </p:spTree>
+    <p:extLst>
+      <p:ext uri="{BB962C8B-B14F-4D97-AF65-F5344CB8AC3E}">
+        <p14:creationId xmlns:p14="http://schemas.microsoft.com/office/powerpoint/2010/main" val="4086236114"/>
+      </p:ext>
+    </p:extLst>
+  </p:cSld>
+  <p:clrMapOvr>
+    <a:masterClrMapping/>
+  </p:clrMapOvr>
+  <mc:AlternateContent xmlns:mc="http://schemas.openxmlformats.org/markup-compatibility/2006" xmlns:p14="http://schemas.microsoft.com/office/powerpoint/2010/main">
+    <mc:Choice Requires="p14">
+      <p:transition spd="slow" p14:dur="1500">
+        <p:split orient="vert"/>
+      </p:transition>
+    </mc:Choice>
+    <mc:Fallback xmlns="">
+      <p:transition xmlns:p14="http://schemas.microsoft.com/office/powerpoint/2010/main" spd="slow">
+        <p:split orient="vert"/>
+      </p:transition>
+    </mc:Fallback>
+  </mc:AlternateContent>
+</p:sld>
+</file>
+
+<file path=ppt/slides/slide12.xml><?xml version="1.0" encoding="utf-8"?>
+<p:sld xmlns:a="http://schemas.openxmlformats.org/drawingml/2006/main" xmlns:r="http://schemas.openxmlformats.org/officeDocument/2006/relationships" xmlns:p="http://schemas.openxmlformats.org/presentationml/2006/main">
+  <p:cSld>
+    <p:spTree>
+      <p:nvGrpSpPr>
+        <p:cNvPr id="1" name=""/>
+        <p:cNvGrpSpPr/>
+        <p:nvPr/>
+      </p:nvGrpSpPr>
+      <p:grpSpPr>
+        <a:xfrm>
+          <a:off x="0" y="0"/>
+          <a:ext cx="0" cy="0"/>
+          <a:chOff x="0" y="0"/>
+          <a:chExt cx="0" cy="0"/>
+        </a:xfrm>
+      </p:grpSpPr>
+      <p:sp>
+        <p:nvSpPr>
+          <p:cNvPr id="2" name="Title 1">
+            <a:extLst>
+              <a:ext uri="{FF2B5EF4-FFF2-40B4-BE49-F238E27FC236}">
+                <a16:creationId xmlns:a16="http://schemas.microsoft.com/office/drawing/2014/main" id="{7B319D01-2339-4E42-8C8B-15DBED5131E6}"/>
+              </a:ext>
+            </a:extLst>
+          </p:cNvPr>
+          <p:cNvSpPr>
+            <a:spLocks noGrp="1"/>
+          </p:cNvSpPr>
+          <p:nvPr>
+            <p:ph type="title"/>
+          </p:nvPr>
+        </p:nvSpPr>
+        <p:spPr/>
+        <p:txBody>
+          <a:bodyPr/>
+          <a:lstStyle/>
+          <a:p>
+            <a:pPr algn="ctr"/>
+            <a:r>
+              <a:rPr lang="en-US" dirty="0"/>
+              <a:t> Government Response</a:t>
+            </a:r>
+          </a:p>
+        </p:txBody>
+      </p:sp>
+      <p:sp>
+        <p:nvSpPr>
+          <p:cNvPr id="4" name="Pentagon 3">
+            <a:extLst>
+              <a:ext uri="{FF2B5EF4-FFF2-40B4-BE49-F238E27FC236}">
+                <a16:creationId xmlns:a16="http://schemas.microsoft.com/office/drawing/2014/main" id="{E5FB5DFA-94EC-C043-A849-DD90A8DE5B02}"/>
+              </a:ext>
+            </a:extLst>
+          </p:cNvPr>
+          <p:cNvSpPr/>
+          <p:nvPr/>
+        </p:nvSpPr>
+        <p:spPr>
+          <a:xfrm>
+            <a:off x="1266083" y="1632073"/>
+            <a:ext cx="1324709" cy="548420"/>
+          </a:xfrm>
+          <a:prstGeom prst="homePlate">
+            <a:avLst/>
+          </a:prstGeom>
+          <a:solidFill>
+            <a:schemeClr val="accent1"/>
+          </a:solidFill>
+          <a:ln>
+            <a:noFill/>
+          </a:ln>
+        </p:spPr>
+        <p:style>
+          <a:lnRef idx="0">
+            <a:scrgbClr r="0" g="0" b="0"/>
+          </a:lnRef>
+          <a:fillRef idx="0">
+            <a:scrgbClr r="0" g="0" b="0"/>
+          </a:fillRef>
+          <a:effectRef idx="0">
+            <a:scrgbClr r="0" g="0" b="0"/>
+          </a:effectRef>
+          <a:fontRef idx="minor">
+            <a:schemeClr val="lt1"/>
+          </a:fontRef>
+        </p:style>
+        <p:txBody>
+          <a:bodyPr rtlCol="0" anchor="ctr"/>
+          <a:lstStyle/>
+          <a:p>
+            <a:pPr algn="ctr"/>
+            <a:r>
+              <a:rPr lang="en-US" b="1" dirty="0"/>
+              <a:t>1</a:t>
+            </a:r>
+          </a:p>
+        </p:txBody>
+      </p:sp>
+      <p:sp>
+        <p:nvSpPr>
+          <p:cNvPr id="5" name="Pentagon 4">
+            <a:extLst>
+              <a:ext uri="{FF2B5EF4-FFF2-40B4-BE49-F238E27FC236}">
+                <a16:creationId xmlns:a16="http://schemas.microsoft.com/office/drawing/2014/main" id="{DD8CFFDF-DA39-4046-A2F6-451EA3C8CB10}"/>
+              </a:ext>
+            </a:extLst>
+          </p:cNvPr>
+          <p:cNvSpPr/>
+          <p:nvPr/>
+        </p:nvSpPr>
+        <p:spPr>
+          <a:xfrm>
+            <a:off x="1266083" y="3233399"/>
+            <a:ext cx="1324709" cy="548420"/>
+          </a:xfrm>
+          <a:prstGeom prst="homePlate">
+            <a:avLst/>
+          </a:prstGeom>
+          <a:solidFill>
+            <a:schemeClr val="accent1"/>
+          </a:solidFill>
+          <a:ln>
+            <a:noFill/>
+          </a:ln>
+        </p:spPr>
+        <p:style>
+          <a:lnRef idx="0">
+            <a:scrgbClr r="0" g="0" b="0"/>
+          </a:lnRef>
+          <a:fillRef idx="0">
+            <a:scrgbClr r="0" g="0" b="0"/>
+          </a:fillRef>
+          <a:effectRef idx="0">
+            <a:scrgbClr r="0" g="0" b="0"/>
+          </a:effectRef>
+          <a:fontRef idx="minor">
+            <a:schemeClr val="lt1"/>
+          </a:fontRef>
+        </p:style>
+        <p:txBody>
+          <a:bodyPr rtlCol="0" anchor="ctr"/>
+          <a:lstStyle/>
+          <a:p>
+            <a:pPr algn="ctr"/>
+            <a:r>
+              <a:rPr lang="en-US" b="1" dirty="0"/>
+              <a:t>2</a:t>
+            </a:r>
+          </a:p>
+        </p:txBody>
+      </p:sp>
+      <p:sp>
+        <p:nvSpPr>
+          <p:cNvPr id="6" name="Pentagon 5">
+            <a:extLst>
+              <a:ext uri="{FF2B5EF4-FFF2-40B4-BE49-F238E27FC236}">
+                <a16:creationId xmlns:a16="http://schemas.microsoft.com/office/drawing/2014/main" id="{EEDC5EEB-62B2-3A47-8E18-A6FA598D74ED}"/>
+              </a:ext>
+            </a:extLst>
+          </p:cNvPr>
+          <p:cNvSpPr/>
+          <p:nvPr/>
+        </p:nvSpPr>
+        <p:spPr>
+          <a:xfrm>
+            <a:off x="1266083" y="4953321"/>
+            <a:ext cx="1324709" cy="548420"/>
+          </a:xfrm>
+          <a:prstGeom prst="homePlate">
+            <a:avLst/>
+          </a:prstGeom>
+          <a:solidFill>
+            <a:schemeClr val="accent1"/>
+          </a:solidFill>
+          <a:ln>
+            <a:noFill/>
+          </a:ln>
+        </p:spPr>
+        <p:style>
+          <a:lnRef idx="0">
+            <a:scrgbClr r="0" g="0" b="0"/>
+          </a:lnRef>
+          <a:fillRef idx="0">
+            <a:scrgbClr r="0" g="0" b="0"/>
+          </a:fillRef>
+          <a:effectRef idx="0">
+            <a:scrgbClr r="0" g="0" b="0"/>
+          </a:effectRef>
+          <a:fontRef idx="minor">
+            <a:schemeClr val="lt1"/>
+          </a:fontRef>
+        </p:style>
+        <p:txBody>
+          <a:bodyPr rtlCol="0" anchor="ctr"/>
+          <a:lstStyle/>
+          <a:p>
+            <a:pPr algn="ctr"/>
+            <a:r>
+              <a:rPr lang="en-US" b="1" dirty="0"/>
+              <a:t>3</a:t>
+            </a:r>
+          </a:p>
+        </p:txBody>
+      </p:sp>
+      <p:sp>
+        <p:nvSpPr>
+          <p:cNvPr id="7" name="TextBox 6">
+            <a:extLst>
+              <a:ext uri="{FF2B5EF4-FFF2-40B4-BE49-F238E27FC236}">
+                <a16:creationId xmlns:a16="http://schemas.microsoft.com/office/drawing/2014/main" id="{AA145EB4-6E98-924C-BE95-D8C2B578C3AC}"/>
+              </a:ext>
+            </a:extLst>
+          </p:cNvPr>
+          <p:cNvSpPr txBox="1"/>
+          <p:nvPr/>
+        </p:nvSpPr>
+        <p:spPr>
+          <a:xfrm>
+            <a:off x="3259015" y="1632073"/>
+            <a:ext cx="7385539" cy="646331"/>
+          </a:xfrm>
+          <a:prstGeom prst="rect">
+            <a:avLst/>
+          </a:prstGeom>
+          <a:noFill/>
+        </p:spPr>
+        <p:txBody>
+          <a:bodyPr wrap="square" rtlCol="0">
+            <a:spAutoFit/>
+          </a:bodyPr>
+          <a:lstStyle/>
+          <a:p>
+            <a:r>
+              <a:rPr lang="en-US" dirty="0"/>
+              <a:t>Introduce R10 billion government spending. R8 billion for health and R2 billion for other activities, excluding education.</a:t>
+            </a:r>
+          </a:p>
+        </p:txBody>
+      </p:sp>
+      <p:sp>
+        <p:nvSpPr>
+          <p:cNvPr id="8" name="TextBox 7">
+            <a:extLst>
+              <a:ext uri="{FF2B5EF4-FFF2-40B4-BE49-F238E27FC236}">
+                <a16:creationId xmlns:a16="http://schemas.microsoft.com/office/drawing/2014/main" id="{464F82C0-6283-3445-A40F-590B3492BDB9}"/>
+              </a:ext>
+            </a:extLst>
+          </p:cNvPr>
+          <p:cNvSpPr txBox="1"/>
+          <p:nvPr/>
+        </p:nvSpPr>
+        <p:spPr>
+          <a:xfrm>
+            <a:off x="3259015" y="3184443"/>
+            <a:ext cx="7385539" cy="646331"/>
+          </a:xfrm>
+          <a:prstGeom prst="rect">
+            <a:avLst/>
+          </a:prstGeom>
+          <a:noFill/>
+        </p:spPr>
+        <p:txBody>
+          <a:bodyPr wrap="square" rtlCol="0">
+            <a:spAutoFit/>
+          </a:bodyPr>
+          <a:lstStyle/>
+          <a:p>
+            <a:r>
+              <a:rPr lang="en-US" dirty="0"/>
+              <a:t>In addition, a 1 percent increase in productivity in government activities is introduced in response to the COVID-19 </a:t>
+            </a:r>
+          </a:p>
+        </p:txBody>
+      </p:sp>
+      <p:sp>
+        <p:nvSpPr>
+          <p:cNvPr id="9" name="TextBox 8">
+            <a:extLst>
+              <a:ext uri="{FF2B5EF4-FFF2-40B4-BE49-F238E27FC236}">
+                <a16:creationId xmlns:a16="http://schemas.microsoft.com/office/drawing/2014/main" id="{A9064606-EABD-B045-8485-532D5BFF0F47}"/>
+              </a:ext>
+            </a:extLst>
+          </p:cNvPr>
+          <p:cNvSpPr txBox="1"/>
+          <p:nvPr/>
+        </p:nvSpPr>
+        <p:spPr>
+          <a:xfrm>
+            <a:off x="3259015" y="4883680"/>
+            <a:ext cx="8182709" cy="646331"/>
+          </a:xfrm>
+          <a:prstGeom prst="rect">
+            <a:avLst/>
+          </a:prstGeom>
+          <a:noFill/>
+        </p:spPr>
+        <p:txBody>
+          <a:bodyPr wrap="square" rtlCol="0">
+            <a:spAutoFit/>
+          </a:bodyPr>
+          <a:lstStyle/>
+          <a:p>
+            <a:r>
+              <a:rPr lang="en-US" dirty="0"/>
+              <a:t>The impact is then re-estimated with this positive measures to understand the level of mitigation </a:t>
+            </a:r>
+          </a:p>
+        </p:txBody>
+      </p:sp>
+    </p:spTree>
+    <p:extLst>
+      <p:ext uri="{BB962C8B-B14F-4D97-AF65-F5344CB8AC3E}">
+        <p14:creationId xmlns:p14="http://schemas.microsoft.com/office/powerpoint/2010/main" val="3980415216"/>
+      </p:ext>
+    </p:extLst>
+  </p:cSld>
+  <p:clrMapOvr>
+    <a:masterClrMapping/>
+  </p:clrMapOvr>
+  <mc:AlternateContent xmlns:mc="http://schemas.openxmlformats.org/markup-compatibility/2006" xmlns:p14="http://schemas.microsoft.com/office/powerpoint/2010/main">
+    <mc:Choice Requires="p14">
+      <p:transition spd="slow" p14:dur="1500">
+        <p:split orient="vert"/>
+      </p:transition>
+    </mc:Choice>
+    <mc:Fallback xmlns="">
+      <p:transition xmlns:p14="http://schemas.microsoft.com/office/powerpoint/2010/main" spd="slow">
+        <p:split orient="vert"/>
+      </p:transition>
+    </mc:Fallback>
+  </mc:AlternateContent>
+</p:sld>
+</file>
+
+<file path=ppt/slides/slide13.xml><?xml version="1.0" encoding="utf-8"?>
+<p:sld xmlns:a="http://schemas.openxmlformats.org/drawingml/2006/main" xmlns:r="http://schemas.openxmlformats.org/officeDocument/2006/relationships" xmlns:p="http://schemas.openxmlformats.org/presentationml/2006/main">
+  <p:cSld>
+    <p:spTree>
+      <p:nvGrpSpPr>
+        <p:cNvPr id="1" name=""/>
+        <p:cNvGrpSpPr/>
+        <p:nvPr/>
+      </p:nvGrpSpPr>
+      <p:grpSpPr>
+        <a:xfrm>
+          <a:off x="0" y="0"/>
+          <a:ext cx="0" cy="0"/>
+          <a:chOff x="0" y="0"/>
+          <a:chExt cx="0" cy="0"/>
+        </a:xfrm>
+      </p:grpSpPr>
+      <p:sp>
+        <p:nvSpPr>
+          <p:cNvPr id="2" name="Title 1">
+            <a:extLst>
+              <a:ext uri="{FF2B5EF4-FFF2-40B4-BE49-F238E27FC236}">
+                <a16:creationId xmlns:a16="http://schemas.microsoft.com/office/drawing/2014/main" id="{BDBCE219-F903-FF4F-B6FB-8EEC51513208}"/>
+              </a:ext>
+            </a:extLst>
+          </p:cNvPr>
+          <p:cNvSpPr>
+            <a:spLocks noGrp="1"/>
+          </p:cNvSpPr>
+          <p:nvPr>
+            <p:ph type="title"/>
+          </p:nvPr>
+        </p:nvSpPr>
+        <p:spPr/>
+        <p:txBody>
+          <a:bodyPr/>
+          <a:lstStyle/>
+          <a:p>
+            <a:pPr algn="ctr"/>
+            <a:r>
+              <a:rPr lang="en-US" sz="1800" dirty="0"/>
+              <a:t>Adding Government Counter Measures (Stimulus on Maximum Scenario)</a:t>
+            </a:r>
+          </a:p>
+        </p:txBody>
+      </p:sp>
+      <p:graphicFrame>
+        <p:nvGraphicFramePr>
+          <p:cNvPr id="4" name="Table 3">
+            <a:extLst>
+              <a:ext uri="{FF2B5EF4-FFF2-40B4-BE49-F238E27FC236}">
+                <a16:creationId xmlns:a16="http://schemas.microsoft.com/office/drawing/2014/main" id="{6B49C1C2-B9E0-0F40-A705-816912159B3A}"/>
+              </a:ext>
+            </a:extLst>
+          </p:cNvPr>
+          <p:cNvGraphicFramePr>
+            <a:graphicFrameLocks noGrp="1"/>
+          </p:cNvGraphicFramePr>
+          <p:nvPr>
+            <p:extLst>
+              <p:ext uri="{D42A27DB-BD31-4B8C-83A1-F6EECF244321}">
+                <p14:modId xmlns:p14="http://schemas.microsoft.com/office/powerpoint/2010/main" val="2318358217"/>
+              </p:ext>
+            </p:extLst>
+          </p:nvPr>
+        </p:nvGraphicFramePr>
+        <p:xfrm>
+          <a:off x="1235231" y="1584921"/>
+          <a:ext cx="10684878" cy="4231000"/>
+        </p:xfrm>
+        <a:graphic>
+          <a:graphicData uri="http://schemas.openxmlformats.org/drawingml/2006/table">
+            <a:tbl>
+              <a:tblPr firstRow="1" bandRow="1">
+                <a:tableStyleId>{5C22544A-7EE6-4342-B048-85BDC9FD1C3A}</a:tableStyleId>
+              </a:tblPr>
+              <a:tblGrid>
+                <a:gridCol w="2966834">
+                  <a:extLst>
+                    <a:ext uri="{9D8B030D-6E8A-4147-A177-3AD203B41FA5}">
+                      <a16:colId xmlns:a16="http://schemas.microsoft.com/office/drawing/2014/main" val="2367284008"/>
+                    </a:ext>
+                  </a:extLst>
+                </a:gridCol>
+                <a:gridCol w="2615054">
+                  <a:extLst>
+                    <a:ext uri="{9D8B030D-6E8A-4147-A177-3AD203B41FA5}">
+                      <a16:colId xmlns:a16="http://schemas.microsoft.com/office/drawing/2014/main" val="3348318192"/>
+                    </a:ext>
+                  </a:extLst>
+                </a:gridCol>
+                <a:gridCol w="2748742">
+                  <a:extLst>
+                    <a:ext uri="{9D8B030D-6E8A-4147-A177-3AD203B41FA5}">
+                      <a16:colId xmlns:a16="http://schemas.microsoft.com/office/drawing/2014/main" val="1207155459"/>
+                    </a:ext>
+                  </a:extLst>
+                </a:gridCol>
+                <a:gridCol w="2354248">
+                  <a:extLst>
+                    <a:ext uri="{9D8B030D-6E8A-4147-A177-3AD203B41FA5}">
+                      <a16:colId xmlns:a16="http://schemas.microsoft.com/office/drawing/2014/main" val="1229558875"/>
+                    </a:ext>
+                  </a:extLst>
+                </a:gridCol>
+              </a:tblGrid>
+              <a:tr h="352761">
+                <a:tc>
+                  <a:txBody>
+                    <a:bodyPr/>
+                    <a:lstStyle/>
+                    <a:p>
+                      <a:pPr algn="ctr"/>
+                      <a:r>
+                        <a:rPr lang="en-US" dirty="0"/>
+                        <a:t>Variable</a:t>
+                      </a:r>
+                    </a:p>
+                  </a:txBody>
+                  <a:tcPr/>
+                </a:tc>
+                <a:tc>
+                  <a:txBody>
+                    <a:bodyPr/>
+                    <a:lstStyle/>
+                    <a:p>
+                      <a:pPr algn="ctr"/>
+                      <a:r>
+                        <a:rPr lang="en-US" dirty="0"/>
+                        <a:t>2020- Without Gov</a:t>
+                      </a:r>
+                    </a:p>
+                  </a:txBody>
+                  <a:tcPr/>
+                </a:tc>
+                <a:tc>
+                  <a:txBody>
+                    <a:bodyPr/>
+                    <a:lstStyle/>
+                    <a:p>
+                      <a:pPr algn="ctr"/>
+                      <a:r>
+                        <a:rPr lang="en-US" dirty="0"/>
+                        <a:t>2020 - With Gov</a:t>
+                      </a:r>
+                    </a:p>
+                  </a:txBody>
+                  <a:tcPr/>
+                </a:tc>
+                <a:tc>
+                  <a:txBody>
+                    <a:bodyPr/>
+                    <a:lstStyle/>
+                    <a:p>
+                      <a:pPr algn="ctr"/>
+                      <a:r>
+                        <a:rPr lang="en-US" dirty="0"/>
+                        <a:t>Difference</a:t>
+                      </a:r>
+                    </a:p>
+                  </a:txBody>
+                  <a:tcPr/>
+                </a:tc>
+                <a:extLst>
+                  <a:ext uri="{0D108BD9-81ED-4DB2-BD59-A6C34878D82A}">
+                    <a16:rowId xmlns:a16="http://schemas.microsoft.com/office/drawing/2014/main" val="1380415863"/>
+                  </a:ext>
+                </a:extLst>
+              </a:tr>
+              <a:tr h="424344">
+                <a:tc>
+                  <a:txBody>
+                    <a:bodyPr/>
+                    <a:lstStyle/>
+                    <a:p>
+                      <a:r>
+                        <a:rPr lang="en-US" sz="1800" dirty="0"/>
+                        <a:t>GDP</a:t>
+                      </a:r>
+                    </a:p>
+                  </a:txBody>
+                  <a:tcPr/>
+                </a:tc>
+                <a:tc>
+                  <a:txBody>
+                    <a:bodyPr/>
+                    <a:lstStyle/>
+                    <a:p>
+                      <a:r>
+                        <a:rPr lang="en-US" sz="1800" dirty="0"/>
+                        <a:t>-6.36</a:t>
+                      </a:r>
+                    </a:p>
+                  </a:txBody>
+                  <a:tcPr/>
+                </a:tc>
+                <a:tc>
+                  <a:txBody>
+                    <a:bodyPr/>
+                    <a:lstStyle/>
+                    <a:p>
+                      <a:r>
+                        <a:rPr lang="en-US" sz="1800" dirty="0"/>
+                        <a:t>-6.02</a:t>
+                      </a:r>
+                    </a:p>
+                  </a:txBody>
+                  <a:tcPr/>
+                </a:tc>
+                <a:tc>
+                  <a:txBody>
+                    <a:bodyPr/>
+                    <a:lstStyle/>
+                    <a:p>
+                      <a:pPr marL="0" algn="l" defTabSz="457200" rtl="0" eaLnBrk="1" fontAlgn="b" latinLnBrk="0" hangingPunct="1"/>
+                      <a:r>
+                        <a:rPr lang="en-ZA" sz="1800" kern="1200" dirty="0">
+                          <a:solidFill>
+                            <a:srgbClr val="00B050"/>
+                          </a:solidFill>
+                          <a:latin typeface="+mn-lt"/>
+                          <a:ea typeface="+mn-ea"/>
+                          <a:cs typeface="+mn-cs"/>
+                        </a:rPr>
+                        <a:t>0.34</a:t>
+                      </a:r>
+                    </a:p>
+                  </a:txBody>
+                  <a:tcPr marL="9525" marR="9525" marT="9525" marB="0"/>
+                </a:tc>
+                <a:extLst>
+                  <a:ext uri="{0D108BD9-81ED-4DB2-BD59-A6C34878D82A}">
+                    <a16:rowId xmlns:a16="http://schemas.microsoft.com/office/drawing/2014/main" val="413908761"/>
+                  </a:ext>
+                </a:extLst>
+              </a:tr>
+              <a:tr h="525163">
+                <a:tc>
+                  <a:txBody>
+                    <a:bodyPr/>
+                    <a:lstStyle/>
+                    <a:p>
+                      <a:pPr marL="0" marR="0" lvl="0" indent="0" algn="l" defTabSz="914400" rtl="0" eaLnBrk="1" fontAlgn="auto" latinLnBrk="0" hangingPunct="1">
+                        <a:lnSpc>
+                          <a:spcPct val="100000"/>
+                        </a:lnSpc>
+                        <a:spcBef>
+                          <a:spcPts val="0"/>
+                        </a:spcBef>
+                        <a:spcAft>
+                          <a:spcPts val="0"/>
+                        </a:spcAft>
+                        <a:buClrTx/>
+                        <a:buSzTx/>
+                        <a:buFontTx/>
+                        <a:buNone/>
+                        <a:tabLst/>
+                        <a:defRPr/>
+                      </a:pPr>
+                      <a:r>
+                        <a:rPr lang="en-US" sz="1800" dirty="0"/>
+                        <a:t>Households</a:t>
+                      </a:r>
+                    </a:p>
+                  </a:txBody>
+                  <a:tcPr/>
+                </a:tc>
+                <a:tc>
+                  <a:txBody>
+                    <a:bodyPr/>
+                    <a:lstStyle/>
+                    <a:p>
+                      <a:pPr marL="0" marR="0" lvl="0" indent="0" algn="l" defTabSz="914400" rtl="0" eaLnBrk="1" fontAlgn="auto" latinLnBrk="0" hangingPunct="1">
+                        <a:lnSpc>
+                          <a:spcPct val="100000"/>
+                        </a:lnSpc>
+                        <a:spcBef>
+                          <a:spcPts val="0"/>
+                        </a:spcBef>
+                        <a:spcAft>
+                          <a:spcPts val="0"/>
+                        </a:spcAft>
+                        <a:buClrTx/>
+                        <a:buSzTx/>
+                        <a:buFontTx/>
+                        <a:buNone/>
+                        <a:tabLst/>
+                        <a:defRPr/>
+                      </a:pPr>
+                      <a:r>
+                        <a:rPr lang="en-US" sz="1800" dirty="0"/>
+                        <a:t>-5.88</a:t>
+                      </a:r>
+                    </a:p>
+                  </a:txBody>
+                  <a:tcPr/>
+                </a:tc>
+                <a:tc>
+                  <a:txBody>
+                    <a:bodyPr/>
+                    <a:lstStyle/>
+                    <a:p>
+                      <a:pPr marL="0" marR="0" lvl="0" indent="0" algn="l" defTabSz="914400" rtl="0" eaLnBrk="1" fontAlgn="auto" latinLnBrk="0" hangingPunct="1">
+                        <a:lnSpc>
+                          <a:spcPct val="100000"/>
+                        </a:lnSpc>
+                        <a:spcBef>
+                          <a:spcPts val="0"/>
+                        </a:spcBef>
+                        <a:spcAft>
+                          <a:spcPts val="0"/>
+                        </a:spcAft>
+                        <a:buClrTx/>
+                        <a:buSzTx/>
+                        <a:buFontTx/>
+                        <a:buNone/>
+                        <a:tabLst/>
+                        <a:defRPr/>
+                      </a:pPr>
+                      <a:r>
+                        <a:rPr lang="en-US" sz="1800" dirty="0"/>
+                        <a:t>-5.50</a:t>
+                      </a:r>
+                    </a:p>
+                  </a:txBody>
+                  <a:tcPr/>
+                </a:tc>
+                <a:tc>
+                  <a:txBody>
+                    <a:bodyPr/>
+                    <a:lstStyle/>
+                    <a:p>
+                      <a:pPr marL="0" algn="l" defTabSz="457200" rtl="0" eaLnBrk="1" fontAlgn="b" latinLnBrk="0" hangingPunct="1"/>
+                      <a:r>
+                        <a:rPr lang="en-ZA" sz="1800" kern="1200" dirty="0">
+                          <a:solidFill>
+                            <a:srgbClr val="00B050"/>
+                          </a:solidFill>
+                          <a:latin typeface="+mn-lt"/>
+                          <a:ea typeface="+mn-ea"/>
+                          <a:cs typeface="+mn-cs"/>
+                        </a:rPr>
+                        <a:t>0.38</a:t>
+                      </a:r>
+                    </a:p>
+                  </a:txBody>
+                  <a:tcPr marL="9525" marR="9525" marT="9525" marB="0"/>
+                </a:tc>
+                <a:extLst>
+                  <a:ext uri="{0D108BD9-81ED-4DB2-BD59-A6C34878D82A}">
+                    <a16:rowId xmlns:a16="http://schemas.microsoft.com/office/drawing/2014/main" val="1657380417"/>
+                  </a:ext>
+                </a:extLst>
+              </a:tr>
+              <a:tr h="424344">
+                <a:tc>
+                  <a:txBody>
+                    <a:bodyPr/>
+                    <a:lstStyle/>
+                    <a:p>
+                      <a:r>
+                        <a:rPr lang="en-US" sz="1800" dirty="0"/>
+                        <a:t>Investment</a:t>
+                      </a:r>
+                    </a:p>
+                  </a:txBody>
+                  <a:tcPr/>
+                </a:tc>
+                <a:tc>
+                  <a:txBody>
+                    <a:bodyPr/>
+                    <a:lstStyle/>
+                    <a:p>
+                      <a:r>
+                        <a:rPr lang="en-US" sz="1800" dirty="0"/>
+                        <a:t>-8.70</a:t>
+                      </a:r>
+                    </a:p>
+                  </a:txBody>
+                  <a:tcPr/>
+                </a:tc>
+                <a:tc>
+                  <a:txBody>
+                    <a:bodyPr/>
+                    <a:lstStyle/>
+                    <a:p>
+                      <a:r>
+                        <a:rPr lang="en-US" sz="1800" dirty="0"/>
+                        <a:t>-8.51</a:t>
+                      </a:r>
+                    </a:p>
+                  </a:txBody>
+                  <a:tcPr/>
+                </a:tc>
+                <a:tc>
+                  <a:txBody>
+                    <a:bodyPr/>
+                    <a:lstStyle/>
+                    <a:p>
+                      <a:pPr marL="0" algn="l" defTabSz="457200" rtl="0" eaLnBrk="1" fontAlgn="b" latinLnBrk="0" hangingPunct="1"/>
+                      <a:r>
+                        <a:rPr lang="en-ZA" sz="1800" kern="1200" dirty="0">
+                          <a:solidFill>
+                            <a:srgbClr val="00B050"/>
+                          </a:solidFill>
+                          <a:latin typeface="+mn-lt"/>
+                          <a:ea typeface="+mn-ea"/>
+                          <a:cs typeface="+mn-cs"/>
+                        </a:rPr>
+                        <a:t>0.19</a:t>
+                      </a:r>
+                    </a:p>
+                  </a:txBody>
+                  <a:tcPr marL="9525" marR="9525" marT="9525" marB="0"/>
+                </a:tc>
+                <a:extLst>
+                  <a:ext uri="{0D108BD9-81ED-4DB2-BD59-A6C34878D82A}">
+                    <a16:rowId xmlns:a16="http://schemas.microsoft.com/office/drawing/2014/main" val="1190941868"/>
+                  </a:ext>
+                </a:extLst>
+              </a:tr>
+              <a:tr h="525163">
+                <a:tc>
+                  <a:txBody>
+                    <a:bodyPr/>
+                    <a:lstStyle/>
+                    <a:p>
+                      <a:r>
+                        <a:rPr lang="en-US" sz="1800" dirty="0"/>
+                        <a:t>Exports</a:t>
+                      </a:r>
+                    </a:p>
+                  </a:txBody>
+                  <a:tcPr/>
+                </a:tc>
+                <a:tc>
+                  <a:txBody>
+                    <a:bodyPr/>
+                    <a:lstStyle/>
+                    <a:p>
+                      <a:r>
+                        <a:rPr lang="en-US" sz="1800" dirty="0"/>
+                        <a:t>0.45</a:t>
+                      </a:r>
+                    </a:p>
+                  </a:txBody>
+                  <a:tcPr/>
+                </a:tc>
+                <a:tc>
+                  <a:txBody>
+                    <a:bodyPr/>
+                    <a:lstStyle/>
+                    <a:p>
+                      <a:r>
+                        <a:rPr lang="en-US" sz="1800" dirty="0"/>
+                        <a:t>0.31</a:t>
+                      </a:r>
+                    </a:p>
+                  </a:txBody>
+                  <a:tcPr/>
+                </a:tc>
+                <a:tc>
+                  <a:txBody>
+                    <a:bodyPr/>
+                    <a:lstStyle/>
+                    <a:p>
+                      <a:pPr marL="0" algn="l" defTabSz="457200" rtl="0" eaLnBrk="1" fontAlgn="b" latinLnBrk="0" hangingPunct="1"/>
+                      <a:r>
+                        <a:rPr lang="en-ZA" sz="1800" kern="1200" dirty="0">
+                          <a:solidFill>
+                            <a:schemeClr val="dk1"/>
+                          </a:solidFill>
+                          <a:latin typeface="+mn-lt"/>
+                          <a:ea typeface="+mn-ea"/>
+                          <a:cs typeface="+mn-cs"/>
+                        </a:rPr>
+                        <a:t>-0.14</a:t>
+                      </a:r>
+                    </a:p>
+                  </a:txBody>
+                  <a:tcPr marL="9525" marR="9525" marT="9525" marB="0"/>
+                </a:tc>
+                <a:extLst>
+                  <a:ext uri="{0D108BD9-81ED-4DB2-BD59-A6C34878D82A}">
+                    <a16:rowId xmlns:a16="http://schemas.microsoft.com/office/drawing/2014/main" val="1299745843"/>
+                  </a:ext>
+                </a:extLst>
+              </a:tr>
+              <a:tr h="990949">
+                <a:tc>
+                  <a:txBody>
+                    <a:bodyPr/>
+                    <a:lstStyle/>
+                    <a:p>
+                      <a:pPr marL="0" marR="0" lvl="0" indent="0" algn="l" defTabSz="914400" rtl="0" eaLnBrk="1" fontAlgn="auto" latinLnBrk="0" hangingPunct="1">
+                        <a:lnSpc>
+                          <a:spcPct val="100000"/>
+                        </a:lnSpc>
+                        <a:spcBef>
+                          <a:spcPts val="0"/>
+                        </a:spcBef>
+                        <a:spcAft>
+                          <a:spcPts val="0"/>
+                        </a:spcAft>
+                        <a:buClrTx/>
+                        <a:buSzTx/>
+                        <a:buFontTx/>
+                        <a:buNone/>
+                        <a:tabLst/>
+                        <a:defRPr/>
+                      </a:pPr>
+                      <a:r>
+                        <a:rPr lang="en-US" sz="1800" dirty="0"/>
+                        <a:t>Imports</a:t>
+                      </a:r>
+                    </a:p>
+                  </a:txBody>
+                  <a:tcPr/>
+                </a:tc>
+                <a:tc>
+                  <a:txBody>
+                    <a:bodyPr/>
+                    <a:lstStyle/>
+                    <a:p>
+                      <a:pPr marL="0" marR="0" lvl="0" indent="0" algn="l" defTabSz="914400" rtl="0" eaLnBrk="1" fontAlgn="auto" latinLnBrk="0" hangingPunct="1">
+                        <a:lnSpc>
+                          <a:spcPct val="100000"/>
+                        </a:lnSpc>
+                        <a:spcBef>
+                          <a:spcPts val="0"/>
+                        </a:spcBef>
+                        <a:spcAft>
+                          <a:spcPts val="0"/>
+                        </a:spcAft>
+                        <a:buClrTx/>
+                        <a:buSzTx/>
+                        <a:buFontTx/>
+                        <a:buNone/>
+                        <a:tabLst/>
+                        <a:defRPr/>
+                      </a:pPr>
+                      <a:r>
+                        <a:rPr lang="en-US" sz="1800" dirty="0"/>
+                        <a:t>-1.38</a:t>
+                      </a:r>
+                    </a:p>
+                  </a:txBody>
+                  <a:tcPr/>
+                </a:tc>
+                <a:tc>
+                  <a:txBody>
+                    <a:bodyPr/>
+                    <a:lstStyle/>
+                    <a:p>
+                      <a:pPr marL="0" marR="0" lvl="0" indent="0" algn="l" defTabSz="914400" rtl="0" eaLnBrk="1" fontAlgn="auto" latinLnBrk="0" hangingPunct="1">
+                        <a:lnSpc>
+                          <a:spcPct val="100000"/>
+                        </a:lnSpc>
+                        <a:spcBef>
+                          <a:spcPts val="0"/>
+                        </a:spcBef>
+                        <a:spcAft>
+                          <a:spcPts val="0"/>
+                        </a:spcAft>
+                        <a:buClrTx/>
+                        <a:buSzTx/>
+                        <a:buFontTx/>
+                        <a:buNone/>
+                        <a:tabLst/>
+                        <a:defRPr/>
+                      </a:pPr>
+                      <a:r>
+                        <a:rPr lang="en-US" sz="1800" dirty="0"/>
+                        <a:t>-1.15</a:t>
+                      </a:r>
+                    </a:p>
+                  </a:txBody>
+                  <a:tcPr/>
+                </a:tc>
+                <a:tc>
+                  <a:txBody>
+                    <a:bodyPr/>
+                    <a:lstStyle/>
+                    <a:p>
+                      <a:pPr marL="0" algn="l" defTabSz="457200" rtl="0" eaLnBrk="1" fontAlgn="b" latinLnBrk="0" hangingPunct="1"/>
+                      <a:r>
+                        <a:rPr lang="en-ZA" sz="1800" kern="1200" dirty="0">
+                          <a:solidFill>
+                            <a:srgbClr val="00B050"/>
+                          </a:solidFill>
+                          <a:latin typeface="+mn-lt"/>
+                          <a:ea typeface="+mn-ea"/>
+                          <a:cs typeface="+mn-cs"/>
+                        </a:rPr>
+                        <a:t>0.23</a:t>
+                      </a:r>
+                    </a:p>
+                  </a:txBody>
+                  <a:tcPr marL="9525" marR="9525" marT="9525" marB="0"/>
+                </a:tc>
+                <a:extLst>
+                  <a:ext uri="{0D108BD9-81ED-4DB2-BD59-A6C34878D82A}">
+                    <a16:rowId xmlns:a16="http://schemas.microsoft.com/office/drawing/2014/main" val="3514588353"/>
+                  </a:ext>
+                </a:extLst>
+              </a:tr>
+              <a:tr h="975277">
+                <a:tc>
+                  <a:txBody>
+                    <a:bodyPr/>
+                    <a:lstStyle/>
+                    <a:p>
+                      <a:r>
+                        <a:rPr lang="en-US" sz="1800" dirty="0"/>
+                        <a:t>Employment</a:t>
+                      </a:r>
+                    </a:p>
+                  </a:txBody>
+                  <a:tcPr/>
+                </a:tc>
+                <a:tc>
+                  <a:txBody>
+                    <a:bodyPr/>
+                    <a:lstStyle/>
+                    <a:p>
+                      <a:r>
+                        <a:rPr lang="en-US" sz="1800" dirty="0"/>
+                        <a:t>-2.37</a:t>
+                      </a:r>
+                    </a:p>
+                  </a:txBody>
+                  <a:tcPr/>
+                </a:tc>
+                <a:tc>
+                  <a:txBody>
+                    <a:bodyPr/>
+                    <a:lstStyle/>
+                    <a:p>
+                      <a:r>
+                        <a:rPr lang="en-US" sz="1800" dirty="0"/>
+                        <a:t>-2.09</a:t>
+                      </a:r>
+                    </a:p>
+                  </a:txBody>
+                  <a:tcPr/>
+                </a:tc>
+                <a:tc>
+                  <a:txBody>
+                    <a:bodyPr/>
+                    <a:lstStyle/>
+                    <a:p>
+                      <a:pPr marL="0" algn="l" defTabSz="457200" rtl="0" eaLnBrk="1" fontAlgn="b" latinLnBrk="0" hangingPunct="1"/>
+                      <a:r>
+                        <a:rPr lang="en-ZA" sz="1800" kern="1200" dirty="0">
+                          <a:solidFill>
+                            <a:srgbClr val="00B050"/>
+                          </a:solidFill>
+                          <a:latin typeface="+mn-lt"/>
+                          <a:ea typeface="+mn-ea"/>
+                          <a:cs typeface="+mn-cs"/>
+                        </a:rPr>
+                        <a:t>0.28</a:t>
+                      </a:r>
+                    </a:p>
+                  </a:txBody>
+                  <a:tcPr marL="9525" marR="9525" marT="9525" marB="0"/>
+                </a:tc>
+                <a:extLst>
+                  <a:ext uri="{0D108BD9-81ED-4DB2-BD59-A6C34878D82A}">
+                    <a16:rowId xmlns:a16="http://schemas.microsoft.com/office/drawing/2014/main" val="2600278169"/>
+                  </a:ext>
+                </a:extLst>
+              </a:tr>
+            </a:tbl>
+          </a:graphicData>
+        </a:graphic>
+      </p:graphicFrame>
+    </p:spTree>
+    <p:extLst>
+      <p:ext uri="{BB962C8B-B14F-4D97-AF65-F5344CB8AC3E}">
+        <p14:creationId xmlns:p14="http://schemas.microsoft.com/office/powerpoint/2010/main" val="1374761089"/>
+      </p:ext>
+    </p:extLst>
+  </p:cSld>
+  <p:clrMapOvr>
+    <a:masterClrMapping/>
+  </p:clrMapOvr>
+  <mc:AlternateContent xmlns:mc="http://schemas.openxmlformats.org/markup-compatibility/2006" xmlns:p14="http://schemas.microsoft.com/office/powerpoint/2010/main">
+    <mc:Choice Requires="p14">
+      <p:transition spd="slow" p14:dur="1500">
+        <p:split orient="vert"/>
+      </p:transition>
+    </mc:Choice>
+    <mc:Fallback xmlns="">
+      <p:transition xmlns:p14="http://schemas.microsoft.com/office/powerpoint/2010/main" spd="slow">
+        <p:split orient="vert"/>
+      </p:transition>
+    </mc:Fallback>
+  </mc:AlternateContent>
+</p:sld>
+</file>
+
+<file path=ppt/slides/slide14.xml><?xml version="1.0" encoding="utf-8"?>
+<p:sld xmlns:a="http://schemas.openxmlformats.org/drawingml/2006/main" xmlns:r="http://schemas.openxmlformats.org/officeDocument/2006/relationships" xmlns:p="http://schemas.openxmlformats.org/presentationml/2006/main">
+  <p:cSld>
+    <p:spTree>
+      <p:nvGrpSpPr>
+        <p:cNvPr id="1" name=""/>
+        <p:cNvGrpSpPr/>
+        <p:nvPr/>
+      </p:nvGrpSpPr>
+      <p:grpSpPr>
+        <a:xfrm>
+          <a:off x="0" y="0"/>
+          <a:ext cx="0" cy="0"/>
+          <a:chOff x="0" y="0"/>
+          <a:chExt cx="0" cy="0"/>
+        </a:xfrm>
+      </p:grpSpPr>
+      <p:sp>
+        <p:nvSpPr>
+          <p:cNvPr id="2" name="Title 1">
+            <a:extLst>
+              <a:ext uri="{FF2B5EF4-FFF2-40B4-BE49-F238E27FC236}">
+                <a16:creationId xmlns:a16="http://schemas.microsoft.com/office/drawing/2014/main" id="{6B9AB897-D13C-2744-852F-7BF81A8A3EE3}"/>
+              </a:ext>
+            </a:extLst>
+          </p:cNvPr>
+          <p:cNvSpPr>
+            <a:spLocks noGrp="1"/>
+          </p:cNvSpPr>
+          <p:nvPr>
+            <p:ph type="title"/>
+          </p:nvPr>
+        </p:nvSpPr>
+        <p:spPr>
+          <a:xfrm>
+            <a:off x="1342907" y="750278"/>
+            <a:ext cx="10684879" cy="410308"/>
+          </a:xfrm>
+        </p:spPr>
+        <p:txBody>
+          <a:bodyPr/>
+          <a:lstStyle/>
+          <a:p>
+            <a:pPr algn="ctr"/>
+            <a:br>
+              <a:rPr lang="en-US" sz="2400" dirty="0"/>
+            </a:br>
+            <a:r>
+              <a:rPr lang="en-US" sz="2400" dirty="0"/>
+              <a:t>Key to Understand – Government Response</a:t>
+            </a:r>
+          </a:p>
+        </p:txBody>
+      </p:sp>
+      <p:sp>
+        <p:nvSpPr>
+          <p:cNvPr id="4" name="Content Placeholder 2">
+            <a:extLst>
+              <a:ext uri="{FF2B5EF4-FFF2-40B4-BE49-F238E27FC236}">
+                <a16:creationId xmlns:a16="http://schemas.microsoft.com/office/drawing/2014/main" id="{07D773B8-58AA-854E-8694-3EB7F99A232D}"/>
               </a:ext>
             </a:extLst>
           </p:cNvPr>
@@ -5581,59 +7186,8 @@
         </p:nvSpPr>
         <p:spPr>
           <a:xfrm>
-            <a:off x="3487615" y="435464"/>
-            <a:ext cx="10515600" cy="1325563"/>
-          </a:xfrm>
-          <a:prstGeom prst="rect">
-            <a:avLst/>
-          </a:prstGeom>
-        </p:spPr>
-        <p:txBody>
-          <a:bodyPr vert="horz" lIns="91440" tIns="45720" rIns="91440" bIns="45720" rtlCol="0" anchor="ctr">
-            <a:noAutofit/>
-          </a:bodyPr>
-          <a:lstStyle>
-            <a:lvl1pPr algn="l" defTabSz="457200" rtl="0" eaLnBrk="1" latinLnBrk="0" hangingPunct="1">
-              <a:spcBef>
-                <a:spcPct val="0"/>
-              </a:spcBef>
-              <a:buNone/>
-              <a:defRPr sz="2500" b="1" kern="1200">
-                <a:solidFill>
-                  <a:srgbClr val="FFFFFF"/>
-                </a:solidFill>
-                <a:latin typeface="Arial" panose="020B0604020202020204" pitchFamily="34" charset="0"/>
-                <a:ea typeface="+mj-ea"/>
-                <a:cs typeface="Arial" panose="020B0604020202020204" pitchFamily="34" charset="0"/>
-              </a:defRPr>
-            </a:lvl1pPr>
-          </a:lstStyle>
-          <a:p>
-            <a:r>
-              <a:rPr lang="en-US" dirty="0"/>
-              <a:t>RESULTS – Sector Worst Case Scenario</a:t>
-            </a:r>
-          </a:p>
-        </p:txBody>
-      </p:sp>
-      <p:sp>
-        <p:nvSpPr>
-          <p:cNvPr id="5" name="Content Placeholder 2">
-            <a:extLst>
-              <a:ext uri="{FF2B5EF4-FFF2-40B4-BE49-F238E27FC236}">
-                <a16:creationId xmlns:a16="http://schemas.microsoft.com/office/drawing/2014/main" id="{FF1B23E2-347C-6B48-8B1F-40D76EB9064A}"/>
-              </a:ext>
-            </a:extLst>
-          </p:cNvPr>
-          <p:cNvSpPr txBox="1">
-            <a:spLocks/>
-          </p:cNvSpPr>
-          <p:nvPr/>
-        </p:nvSpPr>
-        <p:spPr>
-          <a:xfrm>
-            <a:off x="838200" y="1825625"/>
-            <a:ext cx="10515600" cy="4351338"/>
+            <a:off x="2942492" y="1640498"/>
+            <a:ext cx="8897816" cy="683207"/>
           </a:xfrm>
           <a:prstGeom prst="rect">
             <a:avLst/>
@@ -5781,193 +7335,36 @@
             </a:lvl9pPr>
           </a:lstStyle>
           <a:p>
-            <a:r>
-              <a:rPr lang="en-US"/>
-              <a:t>These are available for the Trade, Transport, Manufacturing, Hotel and Restaurants, and Financial Services.</a:t>
-            </a:r>
-            <a:endParaRPr lang="en-US" dirty="0"/>
-          </a:p>
-        </p:txBody>
-      </p:sp>
-    </p:spTree>
-    <p:extLst>
-      <p:ext uri="{BB962C8B-B14F-4D97-AF65-F5344CB8AC3E}">
-        <p14:creationId xmlns:p14="http://schemas.microsoft.com/office/powerpoint/2010/main" val="2710712935"/>
-      </p:ext>
-    </p:extLst>
-  </p:cSld>
-  <p:clrMapOvr>
-    <a:masterClrMapping/>
-  </p:clrMapOvr>
-  <mc:AlternateContent xmlns:mc="http://schemas.openxmlformats.org/markup-compatibility/2006" xmlns:p14="http://schemas.microsoft.com/office/powerpoint/2010/main">
-    <mc:Choice Requires="p14">
-      <p:transition spd="slow" p14:dur="1500">
-        <p:split orient="vert"/>
-      </p:transition>
-    </mc:Choice>
-    <mc:Fallback xmlns="">
-      <p:transition xmlns:p14="http://schemas.microsoft.com/office/powerpoint/2010/main" spd="slow">
-        <p:split orient="vert"/>
-      </p:transition>
-    </mc:Fallback>
-  </mc:AlternateContent>
-</p:sld>
-</file>
-
-<file path=ppt/slides/slide12.xml><?xml version="1.0" encoding="utf-8"?>
-<p:sld xmlns:a="http://schemas.openxmlformats.org/drawingml/2006/main" xmlns:r="http://schemas.openxmlformats.org/officeDocument/2006/relationships" xmlns:p="http://schemas.openxmlformats.org/presentationml/2006/main">
-  <p:cSld>
-    <p:spTree>
-      <p:nvGrpSpPr>
-        <p:cNvPr id="1" name=""/>
-        <p:cNvGrpSpPr/>
-        <p:nvPr/>
-      </p:nvGrpSpPr>
-      <p:grpSpPr>
-        <a:xfrm>
-          <a:off x="0" y="0"/>
-          <a:ext cx="0" cy="0"/>
-          <a:chOff x="0" y="0"/>
-          <a:chExt cx="0" cy="0"/>
-        </a:xfrm>
-      </p:grpSpPr>
-      <p:sp>
-        <p:nvSpPr>
-          <p:cNvPr id="4" name="Title 1">
-            <a:extLst>
-              <a:ext uri="{FF2B5EF4-FFF2-40B4-BE49-F238E27FC236}">
-                <a16:creationId xmlns:a16="http://schemas.microsoft.com/office/drawing/2014/main" id="{8FC31F4B-8D9E-3446-BC04-F6C6D3446436}"/>
-              </a:ext>
-            </a:extLst>
-          </p:cNvPr>
-          <p:cNvSpPr>
-            <a:spLocks noGrp="1"/>
-          </p:cNvSpPr>
-          <p:nvPr>
-            <p:ph type="title"/>
-          </p:nvPr>
-        </p:nvSpPr>
-        <p:spPr>
-          <a:xfrm>
-            <a:off x="4894384" y="423740"/>
-            <a:ext cx="10515600" cy="1325563"/>
-          </a:xfrm>
-        </p:spPr>
-        <p:txBody>
-          <a:bodyPr/>
-          <a:lstStyle/>
-          <a:p>
-            <a:r>
-              <a:rPr lang="en-US" dirty="0"/>
-              <a:t>Key to understand</a:t>
-            </a:r>
+            <a:pPr marL="0" indent="0">
+              <a:buNone/>
+            </a:pPr>
+            <a:r>
+              <a:rPr lang="en-US" sz="1800" dirty="0"/>
+              <a:t>The government response at overall leads to a marginal improvement in the worst-case scenario</a:t>
+            </a:r>
+          </a:p>
+          <a:p>
+            <a:pPr marL="0" indent="0">
+              <a:buFont typeface="Arial"/>
+              <a:buNone/>
+            </a:pPr>
+            <a:endParaRPr lang="en-US" sz="1800" dirty="0"/>
+          </a:p>
+          <a:p>
+            <a:pPr marL="0" indent="0">
+              <a:buFont typeface="Arial"/>
+              <a:buNone/>
+            </a:pPr>
+            <a:endParaRPr lang="en-US" sz="1800" dirty="0"/>
           </a:p>
         </p:txBody>
       </p:sp>
       <p:sp>
         <p:nvSpPr>
-          <p:cNvPr id="5" name="Content Placeholder 2">
+          <p:cNvPr id="5" name="Pentagon 4">
             <a:extLst>
               <a:ext uri="{FF2B5EF4-FFF2-40B4-BE49-F238E27FC236}">
-                <a16:creationId xmlns:a16="http://schemas.microsoft.com/office/drawing/2014/main" id="{A9206782-5258-D949-BEDA-B7FEEB3DEF5A}"/>
-              </a:ext>
-            </a:extLst>
-          </p:cNvPr>
-          <p:cNvSpPr>
-            <a:spLocks noGrp="1"/>
-          </p:cNvSpPr>
-          <p:nvPr>
-            <p:ph idx="1"/>
-          </p:nvPr>
-        </p:nvSpPr>
-        <p:spPr>
-          <a:xfrm>
-            <a:off x="2942492" y="1497286"/>
-            <a:ext cx="8897816" cy="5183616"/>
-          </a:xfrm>
-        </p:spPr>
-        <p:txBody>
-          <a:bodyPr>
-            <a:normAutofit lnSpcReduction="10000"/>
-          </a:bodyPr>
-          <a:lstStyle/>
-          <a:p>
-            <a:pPr marL="0" indent="0">
-              <a:buNone/>
-            </a:pPr>
-            <a:r>
-              <a:rPr lang="en-US" dirty="0"/>
-              <a:t>What is key to understand is that there is a close link between productivity and GDP growth </a:t>
-            </a:r>
-          </a:p>
-          <a:p>
-            <a:pPr marL="0" indent="0">
-              <a:buNone/>
-            </a:pPr>
-            <a:endParaRPr lang="en-US" dirty="0"/>
-          </a:p>
-          <a:p>
-            <a:pPr marL="0" indent="0">
-              <a:buNone/>
-            </a:pPr>
-            <a:r>
-              <a:rPr lang="en-US" dirty="0"/>
-              <a:t>COVID-19 is key disruptor of productivity in it reduces labor hours, it disrupts supply chains, it reduces mobility of goods and services, and travel bans</a:t>
-            </a:r>
-          </a:p>
-          <a:p>
-            <a:pPr marL="0" indent="0">
-              <a:buNone/>
-            </a:pPr>
-            <a:endParaRPr lang="en-US" dirty="0"/>
-          </a:p>
-          <a:p>
-            <a:pPr marL="0" indent="0">
-              <a:buNone/>
-            </a:pPr>
-            <a:r>
-              <a:rPr lang="en-US" dirty="0"/>
-              <a:t>It however is unlikely  to cause a total shut down of economic activity.</a:t>
-            </a:r>
-          </a:p>
-          <a:p>
-            <a:pPr marL="0" indent="0">
-              <a:buNone/>
-            </a:pPr>
-            <a:endParaRPr lang="en-US" dirty="0"/>
-          </a:p>
-          <a:p>
-            <a:pPr marL="0" indent="0">
-              <a:buNone/>
-            </a:pPr>
-            <a:r>
-              <a:rPr lang="en-US" dirty="0"/>
-              <a:t>The impact therefore is partial and will be most acute in 2020.</a:t>
-            </a:r>
-          </a:p>
-          <a:p>
-            <a:pPr marL="0" indent="0">
-              <a:buNone/>
-            </a:pPr>
-            <a:endParaRPr lang="en-US" dirty="0"/>
-          </a:p>
-          <a:p>
-            <a:pPr marL="0" indent="0">
-              <a:buNone/>
-            </a:pPr>
-            <a:r>
-              <a:rPr lang="en-US" dirty="0"/>
-              <a:t>A quick recovery is likely depending on medical interventions.</a:t>
-            </a:r>
-          </a:p>
-        </p:txBody>
-      </p:sp>
-      <p:sp>
-        <p:nvSpPr>
-          <p:cNvPr id="6" name="Pentagon 5">
-            <a:extLst>
-              <a:ext uri="{FF2B5EF4-FFF2-40B4-BE49-F238E27FC236}">
-                <a16:creationId xmlns:a16="http://schemas.microsoft.com/office/drawing/2014/main" id="{697F53BB-79D9-2648-A119-48085A6F385E}"/>
+                <a16:creationId xmlns:a16="http://schemas.microsoft.com/office/drawing/2014/main" id="{866B969E-101F-0D4C-A540-FDA6B91D3B1E}"/>
               </a:ext>
             </a:extLst>
           </p:cNvPr>
@@ -6017,10 +7414,10 @@
       </p:sp>
       <p:sp>
         <p:nvSpPr>
-          <p:cNvPr id="7" name="Pentagon 6">
+          <p:cNvPr id="6" name="Pentagon 5">
             <a:extLst>
               <a:ext uri="{FF2B5EF4-FFF2-40B4-BE49-F238E27FC236}">
-                <a16:creationId xmlns:a16="http://schemas.microsoft.com/office/drawing/2014/main" id="{388B921F-0ECE-CD44-88CA-61D50645580A}"/>
+                <a16:creationId xmlns:a16="http://schemas.microsoft.com/office/drawing/2014/main" id="{3E2E3C7C-1B4F-9646-ABED-4B1C8FCE761A}"/>
               </a:ext>
             </a:extLst>
           </p:cNvPr>
@@ -6029,7 +7426,7 @@
         </p:nvSpPr>
         <p:spPr>
           <a:xfrm>
-            <a:off x="1266083" y="2833688"/>
+            <a:off x="1266083" y="2719907"/>
             <a:ext cx="1324709" cy="548420"/>
           </a:xfrm>
           <a:prstGeom prst="homePlate">
@@ -6070,10 +7467,10 @@
       </p:sp>
       <p:sp>
         <p:nvSpPr>
-          <p:cNvPr id="8" name="Pentagon 7">
+          <p:cNvPr id="7" name="Pentagon 6">
             <a:extLst>
               <a:ext uri="{FF2B5EF4-FFF2-40B4-BE49-F238E27FC236}">
-                <a16:creationId xmlns:a16="http://schemas.microsoft.com/office/drawing/2014/main" id="{4637F875-FDD8-9144-87B6-6AC02E424527}"/>
+                <a16:creationId xmlns:a16="http://schemas.microsoft.com/office/drawing/2014/main" id="{A85FE68B-4EDB-CE47-8420-F8608C228C80}"/>
               </a:ext>
             </a:extLst>
           </p:cNvPr>
@@ -6082,7 +7479,7 @@
         </p:nvSpPr>
         <p:spPr>
           <a:xfrm>
-            <a:off x="1266082" y="4007033"/>
+            <a:off x="1266082" y="3807742"/>
             <a:ext cx="1324709" cy="548420"/>
           </a:xfrm>
           <a:prstGeom prst="homePlate">
@@ -6123,10 +7520,10 @@
       </p:sp>
       <p:sp>
         <p:nvSpPr>
-          <p:cNvPr id="9" name="Pentagon 8">
+          <p:cNvPr id="8" name="Pentagon 7">
             <a:extLst>
               <a:ext uri="{FF2B5EF4-FFF2-40B4-BE49-F238E27FC236}">
-                <a16:creationId xmlns:a16="http://schemas.microsoft.com/office/drawing/2014/main" id="{BAAC2700-0513-A34A-8097-10B2919FA28D}"/>
+                <a16:creationId xmlns:a16="http://schemas.microsoft.com/office/drawing/2014/main" id="{A302ADFC-D3CC-9F46-9B85-B70FF92A3D7C}"/>
               </a:ext>
             </a:extLst>
           </p:cNvPr>
@@ -6135,7 +7532,7 @@
         </p:nvSpPr>
         <p:spPr>
           <a:xfrm>
-            <a:off x="1266082" y="4955564"/>
+            <a:off x="1266082" y="4895576"/>
             <a:ext cx="1324709" cy="548420"/>
           </a:xfrm>
           <a:prstGeom prst="homePlate">
@@ -6176,61 +7573,119 @@
       </p:sp>
       <p:sp>
         <p:nvSpPr>
-          <p:cNvPr id="10" name="Pentagon 9">
+          <p:cNvPr id="9" name="TextBox 8">
             <a:extLst>
               <a:ext uri="{FF2B5EF4-FFF2-40B4-BE49-F238E27FC236}">
-                <a16:creationId xmlns:a16="http://schemas.microsoft.com/office/drawing/2014/main" id="{58C23F9E-35C1-294A-BCC6-BAABF4A89991}"/>
+                <a16:creationId xmlns:a16="http://schemas.microsoft.com/office/drawing/2014/main" id="{F3143692-E9EA-784A-9681-93741DCC118B}"/>
               </a:ext>
             </a:extLst>
           </p:cNvPr>
-          <p:cNvSpPr/>
+          <p:cNvSpPr txBox="1"/>
           <p:nvPr/>
         </p:nvSpPr>
         <p:spPr>
           <a:xfrm>
-            <a:off x="1266082" y="5983411"/>
-            <a:ext cx="1324709" cy="548420"/>
+            <a:off x="3024554" y="4991382"/>
+            <a:ext cx="7080738" cy="369332"/>
           </a:xfrm>
-          <a:prstGeom prst="homePlate">
+          <a:prstGeom prst="rect">
             <a:avLst/>
           </a:prstGeom>
-          <a:solidFill>
-            <a:schemeClr val="accent1"/>
-          </a:solidFill>
-          <a:ln>
-            <a:noFill/>
-          </a:ln>
+          <a:noFill/>
         </p:spPr>
-        <p:style>
-          <a:lnRef idx="0">
-            <a:scrgbClr r="0" g="0" b="0"/>
-          </a:lnRef>
-          <a:fillRef idx="0">
-            <a:scrgbClr r="0" g="0" b="0"/>
-          </a:fillRef>
-          <a:effectRef idx="0">
-            <a:scrgbClr r="0" g="0" b="0"/>
-          </a:effectRef>
-          <a:fontRef idx="minor">
-            <a:schemeClr val="lt1"/>
-          </a:fontRef>
-        </p:style>
         <p:txBody>
-          <a:bodyPr rtlCol="0" anchor="ctr"/>
+          <a:bodyPr wrap="square" rtlCol="0">
+            <a:spAutoFit/>
+          </a:bodyPr>
           <a:lstStyle/>
           <a:p>
-            <a:pPr algn="ctr"/>
-            <a:r>
-              <a:rPr lang="en-US" b="1" dirty="0"/>
-              <a:t>5</a:t>
-            </a:r>
+            <a:r>
+              <a:rPr lang="en-US" dirty="0"/>
+              <a:t>Additional funding alone, does not result in a reversal of the impact</a:t>
+            </a:r>
+          </a:p>
+        </p:txBody>
+      </p:sp>
+      <p:sp>
+        <p:nvSpPr>
+          <p:cNvPr id="10" name="TextBox 9">
+            <a:extLst>
+              <a:ext uri="{FF2B5EF4-FFF2-40B4-BE49-F238E27FC236}">
+                <a16:creationId xmlns:a16="http://schemas.microsoft.com/office/drawing/2014/main" id="{E6426FEF-4367-5F4B-B823-23DFE1CE91F7}"/>
+              </a:ext>
+            </a:extLst>
+          </p:cNvPr>
+          <p:cNvSpPr txBox="1"/>
+          <p:nvPr/>
+        </p:nvSpPr>
+        <p:spPr>
+          <a:xfrm>
+            <a:off x="3024554" y="3807742"/>
+            <a:ext cx="8297870" cy="923330"/>
+          </a:xfrm>
+          <a:prstGeom prst="rect">
+            <a:avLst/>
+          </a:prstGeom>
+          <a:noFill/>
+        </p:spPr>
+        <p:txBody>
+          <a:bodyPr wrap="square" rtlCol="0">
+            <a:spAutoFit/>
+          </a:bodyPr>
+          <a:lstStyle/>
+          <a:p>
+            <a:r>
+              <a:rPr lang="en-US" dirty="0"/>
+              <a:t>There the response must be accompanied by an improvement in government productivity to increase gains</a:t>
+            </a:r>
+          </a:p>
+          <a:p>
+            <a:endParaRPr lang="en-US" dirty="0"/>
+          </a:p>
+        </p:txBody>
+      </p:sp>
+      <p:sp>
+        <p:nvSpPr>
+          <p:cNvPr id="11" name="TextBox 10">
+            <a:extLst>
+              <a:ext uri="{FF2B5EF4-FFF2-40B4-BE49-F238E27FC236}">
+                <a16:creationId xmlns:a16="http://schemas.microsoft.com/office/drawing/2014/main" id="{DC8D13CE-4769-664A-8CFF-2BCFF5BD3D78}"/>
+              </a:ext>
+            </a:extLst>
+          </p:cNvPr>
+          <p:cNvSpPr txBox="1"/>
+          <p:nvPr/>
+        </p:nvSpPr>
+        <p:spPr>
+          <a:xfrm>
+            <a:off x="3024554" y="2675540"/>
+            <a:ext cx="9167446" cy="923330"/>
+          </a:xfrm>
+          <a:prstGeom prst="rect">
+            <a:avLst/>
+          </a:prstGeom>
+          <a:noFill/>
+        </p:spPr>
+        <p:txBody>
+          <a:bodyPr wrap="square" rtlCol="0">
+            <a:spAutoFit/>
+          </a:bodyPr>
+          <a:lstStyle/>
+          <a:p>
+            <a:r>
+              <a:rPr lang="en-US" dirty="0"/>
+              <a:t>However, increasing government expenditure comes at a cost to the economy (increased taxation)</a:t>
+            </a:r>
+          </a:p>
+          <a:p>
+            <a:endParaRPr lang="en-US" dirty="0"/>
           </a:p>
         </p:txBody>
       </p:sp>
     </p:spTree>
     <p:extLst>
       <p:ext uri="{BB962C8B-B14F-4D97-AF65-F5344CB8AC3E}">
-        <p14:creationId xmlns:p14="http://schemas.microsoft.com/office/powerpoint/2010/main" val="4086236114"/>
+        <p14:creationId xmlns:p14="http://schemas.microsoft.com/office/powerpoint/2010/main" val="1715311696"/>
       </p:ext>
     </p:extLst>
   </p:cSld>
@@ -6252,7 +7707,7 @@
 </p:sld>
 </file>
 
-<file path=ppt/slides/slide13.xml><?xml version="1.0" encoding="utf-8"?>
+<file path=ppt/slides/slide15.xml><?xml version="1.0" encoding="utf-8"?>
 <p:sld xmlns:a="http://schemas.openxmlformats.org/drawingml/2006/main" xmlns:r="http://schemas.openxmlformats.org/officeDocument/2006/relationships" xmlns:p="http://schemas.openxmlformats.org/presentationml/2006/main">
   <p:cSld>
     <p:spTree>
@@ -6487,23 +7942,7 @@
           <a:p>
             <a:r>
               <a:rPr lang="en-US" dirty="0"/>
-              <a:t>Presentation available at: https://</a:t>
-            </a:r>
-            <a:r>
-              <a:rPr lang="en-US" dirty="0" err="1"/>
-              <a:t>github.com</a:t>
-            </a:r>
-            <a:r>
-              <a:rPr lang="en-US" dirty="0"/>
-              <a:t>/</a:t>
-            </a:r>
-            <a:r>
-              <a:rPr lang="en-US" dirty="0" err="1"/>
-              <a:t>xolaniss</a:t>
-            </a:r>
-            <a:r>
-              <a:rPr lang="en-US" dirty="0"/>
-              <a:t>/COVID_19</a:t>
+              <a:t>Presentation available at: https://github.com/xolaniss/COVID_19</a:t>
             </a:r>
           </a:p>
         </p:txBody>
@@ -6767,34 +8206,33 @@
           </a:lstStyle>
           <a:p>
             <a:r>
-              <a:rPr lang="en-US"/>
+              <a:rPr lang="en-US" dirty="0"/>
               <a:t>In simple terms it is any factor real or sentiment that can reduce the efficiency with which production can occur.</a:t>
             </a:r>
           </a:p>
           <a:p>
             <a:r>
-              <a:rPr lang="en-US"/>
+              <a:rPr lang="en-US" dirty="0"/>
               <a:t>For example employee absenteeism can reduce labor hours thereby reduce output</a:t>
             </a:r>
           </a:p>
           <a:p>
             <a:r>
-              <a:rPr lang="en-US"/>
+              <a:rPr lang="en-US" dirty="0"/>
               <a:t>Another example can be the disruptions of production input supply chains which can have an impact on output</a:t>
             </a:r>
           </a:p>
           <a:p>
             <a:r>
-              <a:rPr lang="en-US"/>
+              <a:rPr lang="en-US" dirty="0"/>
               <a:t>These factors can vary to include health issues such as those presented by COVID-19</a:t>
             </a:r>
           </a:p>
           <a:p>
             <a:r>
-              <a:rPr lang="en-US"/>
+              <a:rPr lang="en-US" dirty="0"/>
               <a:t>Productivity cannot be thought of as production or output</a:t>
             </a:r>
-            <a:endParaRPr lang="en-US" dirty="0"/>
           </a:p>
         </p:txBody>
       </p:sp>
@@ -6888,14 +8326,14 @@
           <p:nvPr>
             <p:extLst>
               <p:ext uri="{D42A27DB-BD31-4B8C-83A1-F6EECF244321}">
-                <p14:modId xmlns:p14="http://schemas.microsoft.com/office/powerpoint/2010/main" val="3990112111"/>
+                <p14:modId xmlns:p14="http://schemas.microsoft.com/office/powerpoint/2010/main" val="1312938079"/>
               </p:ext>
             </p:extLst>
           </p:nvPr>
         </p:nvGraphicFramePr>
         <p:xfrm>
-          <a:off x="762488" y="1585739"/>
-          <a:ext cx="11112501" cy="4911043"/>
+          <a:off x="1223683" y="1491609"/>
+          <a:ext cx="10691648" cy="5018717"/>
         </p:xfrm>
         <a:graphic>
           <a:graphicData uri="http://schemas.openxmlformats.org/drawingml/2006/table">
@@ -6904,21 +8342,21 @@
                 <a:tableStyleId>{5C22544A-7EE6-4342-B048-85BDC9FD1C3A}</a:tableStyleId>
               </a:tblPr>
               <a:tblGrid>
-                <a:gridCol w="2337691">
+                <a:gridCol w="2249158">
                   <a:extLst>
                     <a:ext uri="{9D8B030D-6E8A-4147-A177-3AD203B41FA5}">
                       <a16:colId xmlns:a16="http://schemas.microsoft.com/office/drawing/2014/main" val="2367284008"/>
                     </a:ext>
                   </a:extLst>
                 </a:gridCol>
-                <a:gridCol w="4484269">
+                <a:gridCol w="4314441">
                   <a:extLst>
                     <a:ext uri="{9D8B030D-6E8A-4147-A177-3AD203B41FA5}">
                       <a16:colId xmlns:a16="http://schemas.microsoft.com/office/drawing/2014/main" val="3348318192"/>
                     </a:ext>
                   </a:extLst>
                 </a:gridCol>
-                <a:gridCol w="4290541">
+                <a:gridCol w="4128049">
                   <a:extLst>
                     <a:ext uri="{9D8B030D-6E8A-4147-A177-3AD203B41FA5}">
                       <a16:colId xmlns:a16="http://schemas.microsoft.com/office/drawing/2014/main" val="3982169986"/>
@@ -7318,7 +8756,7 @@
         <p:spPr>
           <a:xfrm>
             <a:off x="1154723" y="1579440"/>
-            <a:ext cx="10873154" cy="4667250"/>
+            <a:ext cx="10873154" cy="4996172"/>
           </a:xfrm>
         </p:spPr>
         <p:txBody>
@@ -7335,7 +8773,19 @@
           <a:p>
             <a:r>
               <a:rPr lang="en-US" dirty="0"/>
-              <a:t>This model was built by the University of Pretoria and the Centre for Policy Studies in Australia</a:t>
+              <a:t>This model was built by the </a:t>
+            </a:r>
+            <a:r>
+              <a:rPr lang="en-US" b="1" dirty="0"/>
+              <a:t>University of Pretoria </a:t>
+            </a:r>
+            <a:r>
+              <a:rPr lang="en-US" dirty="0"/>
+              <a:t>and the </a:t>
+            </a:r>
+            <a:r>
+              <a:rPr lang="en-US" b="1" dirty="0"/>
+              <a:t>Centre for Policy Studies in Australia</a:t>
             </a:r>
           </a:p>
           <a:p>
@@ -7394,6 +8844,12 @@
             <a:r>
               <a:rPr lang="en-US" dirty="0"/>
               <a:t> The GPT TERM model estimates policy impacts from the years 2016 to 2025.</a:t>
+            </a:r>
+          </a:p>
+          <a:p>
+            <a:r>
+              <a:rPr lang="en-US" dirty="0"/>
+              <a:t>GPT TERM is the most extensive regional model in the African continent.</a:t>
             </a:r>
           </a:p>
         </p:txBody>
@@ -7538,12 +8994,15 @@
         </p:nvSpPr>
         <p:spPr>
           <a:xfrm>
-            <a:off x="858647" y="1622569"/>
+            <a:off x="804859" y="1622569"/>
             <a:ext cx="2111829" cy="631371"/>
           </a:xfrm>
           <a:prstGeom prst="homePlate">
             <a:avLst/>
           </a:prstGeom>
+          <a:ln>
+            <a:noFill/>
+          </a:ln>
         </p:spPr>
         <p:style>
           <a:lnRef idx="2">
@@ -7593,6 +9052,9 @@
           <a:prstGeom prst="homePlate">
             <a:avLst/>
           </a:prstGeom>
+          <a:ln>
+            <a:noFill/>
+          </a:ln>
         </p:spPr>
         <p:style>
           <a:lnRef idx="2">
@@ -7642,6 +9104,9 @@
           <a:prstGeom prst="homePlate">
             <a:avLst/>
           </a:prstGeom>
+          <a:ln>
+            <a:noFill/>
+          </a:ln>
         </p:spPr>
         <p:style>
           <a:lnRef idx="2">
@@ -7685,12 +9150,15 @@
         </p:nvSpPr>
         <p:spPr>
           <a:xfrm>
-            <a:off x="9634825" y="1633474"/>
+            <a:off x="9534562" y="1622568"/>
             <a:ext cx="2111829" cy="631371"/>
           </a:xfrm>
           <a:prstGeom prst="homePlate">
             <a:avLst/>
           </a:prstGeom>
+          <a:ln>
+            <a:noFill/>
+          </a:ln>
         </p:spPr>
         <p:style>
           <a:lnRef idx="2">
@@ -7734,7 +9202,7 @@
         </p:nvSpPr>
         <p:spPr>
           <a:xfrm>
-            <a:off x="682012" y="2447611"/>
+            <a:off x="668146" y="2447611"/>
             <a:ext cx="2492829" cy="3323987"/>
           </a:xfrm>
           <a:prstGeom prst="rect">
@@ -7870,7 +9338,7 @@
         <p:spPr>
           <a:xfrm>
             <a:off x="6102692" y="2378894"/>
-            <a:ext cx="3431870" cy="4185761"/>
+            <a:ext cx="3431870" cy="2246769"/>
           </a:xfrm>
           <a:prstGeom prst="rect">
             <a:avLst/>
@@ -7907,7 +9375,7 @@
             </a:pPr>
             <a:r>
               <a:rPr lang="en-US" sz="1400" dirty="0"/>
-              <a:t>For SIM 1 a </a:t>
+              <a:t>For SIM 2 a </a:t>
             </a:r>
             <a:r>
               <a:rPr lang="en-US" sz="1400" b="1" dirty="0"/>
@@ -7924,38 +9392,9 @@
               <a:buChar char="•"/>
             </a:pPr>
             <a:r>
-              <a:rPr lang="en-US" sz="1400" dirty="0"/>
-              <a:t>SIM 3 to 7 implemented a </a:t>
-            </a:r>
-            <a:r>
-              <a:rPr lang="en-US" sz="1400" b="1" dirty="0"/>
-              <a:t>10 percent </a:t>
-            </a:r>
-            <a:r>
-              <a:rPr lang="en-US" sz="1400" dirty="0"/>
-              <a:t>decline in productivity in the manufacturing, finance, trade, hotel and restaurants, and transport sectors.</a:t>
-            </a:r>
-          </a:p>
-          <a:p>
-            <a:pPr marL="285750" indent="-285750">
-              <a:buFont typeface="Arial" panose="020B0604020202020204" pitchFamily="34" charset="0"/>
-              <a:buChar char="•"/>
-            </a:pPr>
-            <a:r>
               <a:rPr lang="en-US" sz="1400" b="1" dirty="0"/>
               <a:t>Why these numbers? These are best guess at this point.</a:t>
             </a:r>
-          </a:p>
-          <a:p>
-            <a:pPr marL="285750" indent="-285750">
-              <a:buFont typeface="Arial" panose="020B0604020202020204" pitchFamily="34" charset="0"/>
-              <a:buChar char="•"/>
-            </a:pPr>
-            <a:r>
-              <a:rPr lang="en-US" sz="1400" b="1" dirty="0"/>
-              <a:t>HOWEVER, A 10 PERCENT REDUCTION IN PRODUCTIVITY DOES NOT MEAN A 10 PERCENT DECLINE IN OUTPUT. THIS WIIL VARY BY SECTOR INPUT UTILISATION. </a:t>
-            </a:r>
-            <a:endParaRPr lang="en-US" sz="1400" dirty="0"/>
           </a:p>
           <a:p>
             <a:pPr marL="285750" indent="-285750">
@@ -7983,8 +9422,8 @@
         </p:nvSpPr>
         <p:spPr>
           <a:xfrm>
-            <a:off x="9444324" y="2460214"/>
-            <a:ext cx="2492829" cy="3539430"/>
+            <a:off x="9444324" y="2447611"/>
+            <a:ext cx="2492829" cy="1600438"/>
           </a:xfrm>
           <a:prstGeom prst="rect">
             <a:avLst/>
@@ -8003,7 +9442,7 @@
             </a:pPr>
             <a:r>
               <a:rPr lang="en-US" sz="1400" dirty="0"/>
-              <a:t>The results are presented in terms of movements from the baseline or business as usual scenario.</a:t>
+              <a:t>The results are presented in terms of year on year growth after the impact.</a:t>
             </a:r>
           </a:p>
           <a:p>
@@ -8013,33 +9452,15 @@
             </a:pPr>
             <a:r>
               <a:rPr lang="en-US" sz="1400" dirty="0"/>
-              <a:t>For example if GDP was expected at </a:t>
+              <a:t>For example, GDP will decline </a:t>
             </a:r>
             <a:r>
               <a:rPr lang="en-US" sz="1400" b="1" dirty="0"/>
-              <a:t>6 percent </a:t>
+              <a:t>by 6 percen</a:t>
             </a:r>
             <a:r>
               <a:rPr lang="en-US" sz="1400" dirty="0"/>
-              <a:t>prior to the impact of COVID-19, then a 1 percent deviation from the baseline means that GDP is now expected at </a:t>
-            </a:r>
-            <a:r>
-              <a:rPr lang="en-US" sz="1400" b="1" dirty="0"/>
-              <a:t>5 percent</a:t>
-            </a:r>
-            <a:r>
-              <a:rPr lang="en-US" sz="1400" dirty="0"/>
-              <a:t>.</a:t>
-            </a:r>
-          </a:p>
-          <a:p>
-            <a:pPr marL="285750" indent="-285750">
-              <a:buFont typeface="Arial" panose="020B0604020202020204" pitchFamily="34" charset="0"/>
-              <a:buChar char="•"/>
-            </a:pPr>
-            <a:r>
-              <a:rPr lang="en-US" sz="1400" dirty="0"/>
-              <a:t>Or in year on year terms. For example, GDP will decline by 6 percent in 2020 under the worst trade scenario.</a:t>
+              <a:t>t in 2020 under the worst trade scenario.</a:t>
             </a:r>
           </a:p>
         </p:txBody>
@@ -8134,13 +9555,13 @@
           <p:nvPr>
             <p:extLst>
               <p:ext uri="{D42A27DB-BD31-4B8C-83A1-F6EECF244321}">
-                <p14:modId xmlns:p14="http://schemas.microsoft.com/office/powerpoint/2010/main" val="3868041675"/>
+                <p14:modId xmlns:p14="http://schemas.microsoft.com/office/powerpoint/2010/main" val="1687011738"/>
               </p:ext>
             </p:extLst>
           </p:nvPr>
         </p:nvGraphicFramePr>
         <p:xfrm>
-          <a:off x="936380" y="1596907"/>
+          <a:off x="1259109" y="1596907"/>
           <a:ext cx="10687051" cy="4423518"/>
         </p:xfrm>
         <a:graphic>

--- a/COVID-19 Economic Impact.pptx
+++ b/COVID-19 Economic Impact.pptx
@@ -3788,7 +3788,7 @@
           <a:graphicData uri="http://schemas.openxmlformats.org/presentationml/2006/ole">
             <mc:AlternateContent xmlns:mc="http://schemas.openxmlformats.org/markup-compatibility/2006">
               <mc:Choice xmlns:v="urn:schemas-microsoft-com:vml" Requires="v">
-                <p:oleObj spid="_x0000_s3089" name="think-cell Slide" r:id="rId17" imgW="395" imgH="396" progId="TCLayout.ActiveDocument.1">
+                <p:oleObj spid="_x0000_s3091" name="think-cell Slide" r:id="rId17" imgW="395" imgH="396" progId="TCLayout.ActiveDocument.1">
                   <p:embed/>
                 </p:oleObj>
               </mc:Choice>
@@ -4320,7 +4320,7 @@
           <a:graphicData uri="http://schemas.openxmlformats.org/presentationml/2006/ole">
             <mc:AlternateContent xmlns:mc="http://schemas.openxmlformats.org/markup-compatibility/2006">
               <mc:Choice xmlns:v="urn:schemas-microsoft-com:vml" Requires="v">
-                <p:oleObj spid="_x0000_s4113" name="think-cell Slide" r:id="rId6" imgW="395" imgH="396" progId="TCLayout.ActiveDocument.1">
+                <p:oleObj spid="_x0000_s4115" name="think-cell Slide" r:id="rId6" imgW="395" imgH="396" progId="TCLayout.ActiveDocument.1">
                   <p:embed/>
                 </p:oleObj>
               </mc:Choice>
@@ -7791,7 +7791,7 @@
         </p:nvSpPr>
         <p:spPr>
           <a:xfrm>
-            <a:off x="1260231" y="1749303"/>
+            <a:off x="1283677" y="3074011"/>
             <a:ext cx="10515600" cy="4351338"/>
           </a:xfrm>
           <a:prstGeom prst="rect">
@@ -7940,8 +7940,11 @@
             </a:lvl9pPr>
           </a:lstStyle>
           <a:p>
-            <a:r>
-              <a:rPr lang="en-US" dirty="0"/>
+            <a:pPr marL="0" indent="0">
+              <a:buNone/>
+            </a:pPr>
+            <a:r>
+              <a:rPr lang="en-US" sz="2800" dirty="0"/>
               <a:t>Presentation available at: https://github.com/xolaniss/COVID_19</a:t>
             </a:r>
           </a:p>
